--- a/Pics/Illustrations.pptx
+++ b/Pics/Illustrations.pptx
@@ -201,7 +201,7 @@
           <a:p>
             <a:fld id="{D4132F78-145B-4E09-A749-FC2612A50C34}" type="datetimeFigureOut">
               <a:rPr lang="ru-RU" smtClean="0"/>
-              <a:t>07.05.2024</a:t>
+              <a:t>14.05.2024</a:t>
             </a:fld>
             <a:endParaRPr lang="ru-RU"/>
           </a:p>
@@ -699,7 +699,7 @@
           <a:p>
             <a:fld id="{0D7D8A5E-F820-4C45-897A-B8B30BC14499}" type="datetimeFigureOut">
               <a:rPr lang="ru-RU" smtClean="0"/>
-              <a:t>07.05.2024</a:t>
+              <a:t>14.05.2024</a:t>
             </a:fld>
             <a:endParaRPr lang="ru-RU"/>
           </a:p>
@@ -897,7 +897,7 @@
           <a:p>
             <a:fld id="{0D7D8A5E-F820-4C45-897A-B8B30BC14499}" type="datetimeFigureOut">
               <a:rPr lang="ru-RU" smtClean="0"/>
-              <a:t>07.05.2024</a:t>
+              <a:t>14.05.2024</a:t>
             </a:fld>
             <a:endParaRPr lang="ru-RU"/>
           </a:p>
@@ -1105,7 +1105,7 @@
           <a:p>
             <a:fld id="{0D7D8A5E-F820-4C45-897A-B8B30BC14499}" type="datetimeFigureOut">
               <a:rPr lang="ru-RU" smtClean="0"/>
-              <a:t>07.05.2024</a:t>
+              <a:t>14.05.2024</a:t>
             </a:fld>
             <a:endParaRPr lang="ru-RU"/>
           </a:p>
@@ -1303,7 +1303,7 @@
           <a:p>
             <a:fld id="{0D7D8A5E-F820-4C45-897A-B8B30BC14499}" type="datetimeFigureOut">
               <a:rPr lang="ru-RU" smtClean="0"/>
-              <a:t>07.05.2024</a:t>
+              <a:t>14.05.2024</a:t>
             </a:fld>
             <a:endParaRPr lang="ru-RU"/>
           </a:p>
@@ -1578,7 +1578,7 @@
           <a:p>
             <a:fld id="{0D7D8A5E-F820-4C45-897A-B8B30BC14499}" type="datetimeFigureOut">
               <a:rPr lang="ru-RU" smtClean="0"/>
-              <a:t>07.05.2024</a:t>
+              <a:t>14.05.2024</a:t>
             </a:fld>
             <a:endParaRPr lang="ru-RU"/>
           </a:p>
@@ -1843,7 +1843,7 @@
           <a:p>
             <a:fld id="{0D7D8A5E-F820-4C45-897A-B8B30BC14499}" type="datetimeFigureOut">
               <a:rPr lang="ru-RU" smtClean="0"/>
-              <a:t>07.05.2024</a:t>
+              <a:t>14.05.2024</a:t>
             </a:fld>
             <a:endParaRPr lang="ru-RU"/>
           </a:p>
@@ -2255,7 +2255,7 @@
           <a:p>
             <a:fld id="{0D7D8A5E-F820-4C45-897A-B8B30BC14499}" type="datetimeFigureOut">
               <a:rPr lang="ru-RU" smtClean="0"/>
-              <a:t>07.05.2024</a:t>
+              <a:t>14.05.2024</a:t>
             </a:fld>
             <a:endParaRPr lang="ru-RU"/>
           </a:p>
@@ -2396,7 +2396,7 @@
           <a:p>
             <a:fld id="{0D7D8A5E-F820-4C45-897A-B8B30BC14499}" type="datetimeFigureOut">
               <a:rPr lang="ru-RU" smtClean="0"/>
-              <a:t>07.05.2024</a:t>
+              <a:t>14.05.2024</a:t>
             </a:fld>
             <a:endParaRPr lang="ru-RU"/>
           </a:p>
@@ -2509,7 +2509,7 @@
           <a:p>
             <a:fld id="{0D7D8A5E-F820-4C45-897A-B8B30BC14499}" type="datetimeFigureOut">
               <a:rPr lang="ru-RU" smtClean="0"/>
-              <a:t>07.05.2024</a:t>
+              <a:t>14.05.2024</a:t>
             </a:fld>
             <a:endParaRPr lang="ru-RU"/>
           </a:p>
@@ -2820,7 +2820,7 @@
           <a:p>
             <a:fld id="{0D7D8A5E-F820-4C45-897A-B8B30BC14499}" type="datetimeFigureOut">
               <a:rPr lang="ru-RU" smtClean="0"/>
-              <a:t>07.05.2024</a:t>
+              <a:t>14.05.2024</a:t>
             </a:fld>
             <a:endParaRPr lang="ru-RU"/>
           </a:p>
@@ -3108,7 +3108,7 @@
           <a:p>
             <a:fld id="{0D7D8A5E-F820-4C45-897A-B8B30BC14499}" type="datetimeFigureOut">
               <a:rPr lang="ru-RU" smtClean="0"/>
-              <a:t>07.05.2024</a:t>
+              <a:t>14.05.2024</a:t>
             </a:fld>
             <a:endParaRPr lang="ru-RU"/>
           </a:p>
@@ -3349,7 +3349,7 @@
           <a:p>
             <a:fld id="{0D7D8A5E-F820-4C45-897A-B8B30BC14499}" type="datetimeFigureOut">
               <a:rPr lang="ru-RU" smtClean="0"/>
-              <a:t>07.05.2024</a:t>
+              <a:t>14.05.2024</a:t>
             </a:fld>
             <a:endParaRPr lang="ru-RU"/>
           </a:p>
@@ -4247,8 +4247,8 @@
               </p:style>
             </p:cxnSp>
           </p:grpSp>
-          <mc:AlternateContent xmlns:mc="http://schemas.openxmlformats.org/markup-compatibility/2006">
-            <mc:Choice xmlns:a14="http://schemas.microsoft.com/office/drawing/2010/main" Requires="a14">
+          <mc:AlternateContent xmlns:mc="http://schemas.openxmlformats.org/markup-compatibility/2006" xmlns:a14="http://schemas.microsoft.com/office/drawing/2010/main">
+            <mc:Choice Requires="a14">
               <p:sp>
                 <p:nvSpPr>
                   <p:cNvPr id="25" name="TextBox 24">
@@ -4325,7 +4325,7 @@
                 </p:txBody>
               </p:sp>
             </mc:Choice>
-            <mc:Fallback>
+            <mc:Fallback xmlns="">
               <p:sp>
                 <p:nvSpPr>
                   <p:cNvPr id="25" name="TextBox 24">
@@ -4370,8 +4370,8 @@
               </p:sp>
             </mc:Fallback>
           </mc:AlternateContent>
-          <mc:AlternateContent xmlns:mc="http://schemas.openxmlformats.org/markup-compatibility/2006">
-            <mc:Choice xmlns:a14="http://schemas.microsoft.com/office/drawing/2010/main" Requires="a14">
+          <mc:AlternateContent xmlns:mc="http://schemas.openxmlformats.org/markup-compatibility/2006" xmlns:a14="http://schemas.microsoft.com/office/drawing/2010/main">
+            <mc:Choice Requires="a14">
               <p:sp>
                 <p:nvSpPr>
                   <p:cNvPr id="26" name="TextBox 25">
@@ -4448,7 +4448,7 @@
                 </p:txBody>
               </p:sp>
             </mc:Choice>
-            <mc:Fallback>
+            <mc:Fallback xmlns="">
               <p:sp>
                 <p:nvSpPr>
                   <p:cNvPr id="26" name="TextBox 25">
@@ -4493,8 +4493,8 @@
               </p:sp>
             </mc:Fallback>
           </mc:AlternateContent>
-          <mc:AlternateContent xmlns:mc="http://schemas.openxmlformats.org/markup-compatibility/2006">
-            <mc:Choice xmlns:a14="http://schemas.microsoft.com/office/drawing/2010/main" Requires="a14">
+          <mc:AlternateContent xmlns:mc="http://schemas.openxmlformats.org/markup-compatibility/2006" xmlns:a14="http://schemas.microsoft.com/office/drawing/2010/main">
+            <mc:Choice Requires="a14">
               <p:sp>
                 <p:nvSpPr>
                   <p:cNvPr id="27" name="TextBox 26">
@@ -4571,7 +4571,7 @@
                 </p:txBody>
               </p:sp>
             </mc:Choice>
-            <mc:Fallback>
+            <mc:Fallback xmlns="">
               <p:sp>
                 <p:nvSpPr>
                   <p:cNvPr id="27" name="TextBox 26">
@@ -4616,8 +4616,8 @@
               </p:sp>
             </mc:Fallback>
           </mc:AlternateContent>
-          <mc:AlternateContent xmlns:mc="http://schemas.openxmlformats.org/markup-compatibility/2006">
-            <mc:Choice xmlns:a14="http://schemas.microsoft.com/office/drawing/2010/main" Requires="a14">
+          <mc:AlternateContent xmlns:mc="http://schemas.openxmlformats.org/markup-compatibility/2006" xmlns:a14="http://schemas.microsoft.com/office/drawing/2010/main">
+            <mc:Choice Requires="a14">
               <p:sp>
                 <p:nvSpPr>
                   <p:cNvPr id="28" name="TextBox 27">
@@ -4694,7 +4694,7 @@
                 </p:txBody>
               </p:sp>
             </mc:Choice>
-            <mc:Fallback>
+            <mc:Fallback xmlns="">
               <p:sp>
                 <p:nvSpPr>
                   <p:cNvPr id="28" name="TextBox 27">
@@ -4739,8 +4739,8 @@
               </p:sp>
             </mc:Fallback>
           </mc:AlternateContent>
-          <mc:AlternateContent xmlns:mc="http://schemas.openxmlformats.org/markup-compatibility/2006">
-            <mc:Choice xmlns:a14="http://schemas.microsoft.com/office/drawing/2010/main" Requires="a14">
+          <mc:AlternateContent xmlns:mc="http://schemas.openxmlformats.org/markup-compatibility/2006" xmlns:a14="http://schemas.microsoft.com/office/drawing/2010/main">
+            <mc:Choice Requires="a14">
               <p:sp>
                 <p:nvSpPr>
                   <p:cNvPr id="29" name="TextBox 28">
@@ -4817,7 +4817,7 @@
                 </p:txBody>
               </p:sp>
             </mc:Choice>
-            <mc:Fallback>
+            <mc:Fallback xmlns="">
               <p:sp>
                 <p:nvSpPr>
                   <p:cNvPr id="29" name="TextBox 28">
@@ -4863,8 +4863,8 @@
             </mc:Fallback>
           </mc:AlternateContent>
         </p:grpSp>
-        <mc:AlternateContent xmlns:mc="http://schemas.openxmlformats.org/markup-compatibility/2006">
-          <mc:Choice xmlns:a14="http://schemas.microsoft.com/office/drawing/2010/main" Requires="a14">
+        <mc:AlternateContent xmlns:mc="http://schemas.openxmlformats.org/markup-compatibility/2006" xmlns:a14="http://schemas.microsoft.com/office/drawing/2010/main">
+          <mc:Choice Requires="a14">
             <p:sp>
               <p:nvSpPr>
                 <p:cNvPr id="16" name="TextBox 15">
@@ -4920,7 +4920,7 @@
               </p:txBody>
             </p:sp>
           </mc:Choice>
-          <mc:Fallback>
+          <mc:Fallback xmlns="">
             <p:sp>
               <p:nvSpPr>
                 <p:cNvPr id="16" name="TextBox 15">
@@ -5414,8 +5414,8 @@
           </p:sp>
         </mc:Fallback>
       </mc:AlternateContent>
-      <mc:AlternateContent xmlns:mc="http://schemas.openxmlformats.org/markup-compatibility/2006" xmlns:a14="http://schemas.microsoft.com/office/drawing/2010/main">
-        <mc:Choice Requires="a14">
+      <mc:AlternateContent xmlns:mc="http://schemas.openxmlformats.org/markup-compatibility/2006">
+        <mc:Choice xmlns:a14="http://schemas.microsoft.com/office/drawing/2010/main" Requires="a14">
           <p:sp>
             <p:nvSpPr>
               <p:cNvPr id="19" name="TextBox 18">
@@ -5430,7 +5430,7 @@
             </p:nvSpPr>
             <p:spPr>
               <a:xfrm>
-                <a:off x="5168764" y="4441727"/>
+                <a:off x="5582222" y="4552641"/>
                 <a:ext cx="252184" cy="299249"/>
               </a:xfrm>
               <a:prstGeom prst="rect">
@@ -5455,6 +5455,9 @@
                         <m:sSubPr>
                           <m:ctrlPr>
                             <a:rPr lang="el-GR" i="1" smtClean="0">
+                              <a:solidFill>
+                                <a:srgbClr val="00B050"/>
+                              </a:solidFill>
                               <a:latin typeface="Cambria Math" panose="02040503050406030204" pitchFamily="18" charset="0"/>
                               <a:ea typeface="Cambria Math" panose="02040503050406030204" pitchFamily="18" charset="0"/>
                             </a:rPr>
@@ -5466,6 +5469,9 @@
                               <m:sty m:val="p"/>
                             </m:rPr>
                             <a:rPr lang="el-GR" i="1" smtClean="0">
+                              <a:solidFill>
+                                <a:srgbClr val="00B050"/>
+                              </a:solidFill>
                               <a:latin typeface="Cambria Math" panose="02040503050406030204" pitchFamily="18" charset="0"/>
                               <a:ea typeface="Cambria Math" panose="02040503050406030204" pitchFamily="18" charset="0"/>
                             </a:rPr>
@@ -5475,6 +5481,9 @@
                         <m:sub>
                           <m:r>
                             <a:rPr lang="en-US" b="0" i="1" smtClean="0">
+                              <a:solidFill>
+                                <a:srgbClr val="00B050"/>
+                              </a:solidFill>
                               <a:latin typeface="Cambria Math" panose="02040503050406030204" pitchFamily="18" charset="0"/>
                               <a:ea typeface="Cambria Math" panose="02040503050406030204" pitchFamily="18" charset="0"/>
                             </a:rPr>
@@ -5490,7 +5499,7 @@
             </p:txBody>
           </p:sp>
         </mc:Choice>
-        <mc:Fallback xmlns="">
+        <mc:Fallback>
           <p:sp>
             <p:nvSpPr>
               <p:cNvPr id="19" name="TextBox 18">
@@ -5507,7 +5516,7 @@
             </p:nvSpPr>
             <p:spPr>
               <a:xfrm>
-                <a:off x="5168764" y="4441727"/>
+                <a:off x="5582222" y="4552641"/>
                 <a:ext cx="252184" cy="299249"/>
               </a:xfrm>
               <a:prstGeom prst="rect">
@@ -6231,13 +6240,16 @@
               </a:ext>
             </a:extLst>
           </p:cNvPr>
-          <p:cNvCxnSpPr/>
+          <p:cNvCxnSpPr>
+            <a:cxnSpLocks/>
+            <a:stCxn id="25" idx="2"/>
+          </p:cNvCxnSpPr>
           <p:nvPr/>
         </p:nvCxnSpPr>
         <p:spPr>
           <a:xfrm>
-            <a:off x="3899530" y="4264481"/>
-            <a:ext cx="3054834" cy="0"/>
+            <a:off x="4753361" y="4260362"/>
+            <a:ext cx="1909906" cy="0"/>
           </a:xfrm>
           <a:prstGeom prst="line">
             <a:avLst/>
@@ -6466,6 +6478,598 @@
                 <a:blip r:embed="rId10"/>
                 <a:stretch>
                   <a:fillRect l="-23913" r="-26087" b="-6667"/>
+                </a:stretch>
+              </a:blipFill>
+            </p:spPr>
+            <p:txBody>
+              <a:bodyPr/>
+              <a:lstStyle/>
+              <a:p>
+                <a:r>
+                  <a:rPr lang="ru-RU">
+                    <a:noFill/>
+                  </a:rPr>
+                  <a:t> </a:t>
+                </a:r>
+              </a:p>
+            </p:txBody>
+          </p:sp>
+        </mc:Fallback>
+      </mc:AlternateContent>
+      <p:cxnSp>
+        <p:nvCxnSpPr>
+          <p:cNvPr id="13" name="Прямая соединительная линия 12">
+            <a:extLst>
+              <a:ext uri="{FF2B5EF4-FFF2-40B4-BE49-F238E27FC236}">
+                <a16:creationId xmlns:a16="http://schemas.microsoft.com/office/drawing/2014/main" id="{DA95DE56-EEDD-425E-931E-9854879A00E2}"/>
+              </a:ext>
+            </a:extLst>
+          </p:cNvPr>
+          <p:cNvCxnSpPr>
+            <a:cxnSpLocks/>
+          </p:cNvCxnSpPr>
+          <p:nvPr/>
+        </p:nvCxnSpPr>
+        <p:spPr>
+          <a:xfrm>
+            <a:off x="4753361" y="4188151"/>
+            <a:ext cx="0" cy="144421"/>
+          </a:xfrm>
+          <a:prstGeom prst="line">
+            <a:avLst/>
+          </a:prstGeom>
+          <a:ln w="38100">
+            <a:solidFill>
+              <a:srgbClr val="FF0000"/>
+            </a:solidFill>
+          </a:ln>
+        </p:spPr>
+        <p:style>
+          <a:lnRef idx="1">
+            <a:schemeClr val="accent1"/>
+          </a:lnRef>
+          <a:fillRef idx="0">
+            <a:schemeClr val="accent1"/>
+          </a:fillRef>
+          <a:effectRef idx="0">
+            <a:schemeClr val="accent1"/>
+          </a:effectRef>
+          <a:fontRef idx="minor">
+            <a:schemeClr val="tx1"/>
+          </a:fontRef>
+        </p:style>
+      </p:cxnSp>
+      <p:cxnSp>
+        <p:nvCxnSpPr>
+          <p:cNvPr id="28" name="Прямая соединительная линия 27">
+            <a:extLst>
+              <a:ext uri="{FF2B5EF4-FFF2-40B4-BE49-F238E27FC236}">
+                <a16:creationId xmlns:a16="http://schemas.microsoft.com/office/drawing/2014/main" id="{CC1E47F6-596E-4AF1-9BB8-B4CEF32FBB93}"/>
+              </a:ext>
+            </a:extLst>
+          </p:cNvPr>
+          <p:cNvCxnSpPr>
+            <a:cxnSpLocks/>
+          </p:cNvCxnSpPr>
+          <p:nvPr/>
+        </p:nvCxnSpPr>
+        <p:spPr>
+          <a:xfrm>
+            <a:off x="5420276" y="4177503"/>
+            <a:ext cx="0" cy="144421"/>
+          </a:xfrm>
+          <a:prstGeom prst="line">
+            <a:avLst/>
+          </a:prstGeom>
+          <a:ln w="38100">
+            <a:solidFill>
+              <a:srgbClr val="FF0000"/>
+            </a:solidFill>
+          </a:ln>
+        </p:spPr>
+        <p:style>
+          <a:lnRef idx="1">
+            <a:schemeClr val="accent1"/>
+          </a:lnRef>
+          <a:fillRef idx="0">
+            <a:schemeClr val="accent1"/>
+          </a:fillRef>
+          <a:effectRef idx="0">
+            <a:schemeClr val="accent1"/>
+          </a:effectRef>
+          <a:fontRef idx="minor">
+            <a:schemeClr val="tx1"/>
+          </a:fontRef>
+        </p:style>
+      </p:cxnSp>
+      <p:cxnSp>
+        <p:nvCxnSpPr>
+          <p:cNvPr id="29" name="Прямая соединительная линия 28">
+            <a:extLst>
+              <a:ext uri="{FF2B5EF4-FFF2-40B4-BE49-F238E27FC236}">
+                <a16:creationId xmlns:a16="http://schemas.microsoft.com/office/drawing/2014/main" id="{A5521061-20E9-4BE9-8650-300FA2DC816B}"/>
+              </a:ext>
+            </a:extLst>
+          </p:cNvPr>
+          <p:cNvCxnSpPr>
+            <a:cxnSpLocks/>
+          </p:cNvCxnSpPr>
+          <p:nvPr/>
+        </p:nvCxnSpPr>
+        <p:spPr>
+          <a:xfrm>
+            <a:off x="6375656" y="4177503"/>
+            <a:ext cx="0" cy="144421"/>
+          </a:xfrm>
+          <a:prstGeom prst="line">
+            <a:avLst/>
+          </a:prstGeom>
+          <a:ln w="38100">
+            <a:solidFill>
+              <a:srgbClr val="FF0000"/>
+            </a:solidFill>
+          </a:ln>
+        </p:spPr>
+        <p:style>
+          <a:lnRef idx="1">
+            <a:schemeClr val="accent1"/>
+          </a:lnRef>
+          <a:fillRef idx="0">
+            <a:schemeClr val="accent1"/>
+          </a:fillRef>
+          <a:effectRef idx="0">
+            <a:schemeClr val="accent1"/>
+          </a:effectRef>
+          <a:fontRef idx="minor">
+            <a:schemeClr val="tx1"/>
+          </a:fontRef>
+        </p:style>
+      </p:cxnSp>
+      <p:cxnSp>
+        <p:nvCxnSpPr>
+          <p:cNvPr id="30" name="Прямая соединительная линия 29">
+            <a:extLst>
+              <a:ext uri="{FF2B5EF4-FFF2-40B4-BE49-F238E27FC236}">
+                <a16:creationId xmlns:a16="http://schemas.microsoft.com/office/drawing/2014/main" id="{1E4E4908-DC36-42D7-85D4-A37B1C462C05}"/>
+              </a:ext>
+            </a:extLst>
+          </p:cNvPr>
+          <p:cNvCxnSpPr>
+            <a:cxnSpLocks/>
+          </p:cNvCxnSpPr>
+          <p:nvPr/>
+        </p:nvCxnSpPr>
+        <p:spPr>
+          <a:xfrm>
+            <a:off x="6673178" y="4174002"/>
+            <a:ext cx="0" cy="144421"/>
+          </a:xfrm>
+          <a:prstGeom prst="line">
+            <a:avLst/>
+          </a:prstGeom>
+          <a:ln w="38100">
+            <a:solidFill>
+              <a:srgbClr val="FF0000"/>
+            </a:solidFill>
+          </a:ln>
+        </p:spPr>
+        <p:style>
+          <a:lnRef idx="1">
+            <a:schemeClr val="accent1"/>
+          </a:lnRef>
+          <a:fillRef idx="0">
+            <a:schemeClr val="accent1"/>
+          </a:fillRef>
+          <a:effectRef idx="0">
+            <a:schemeClr val="accent1"/>
+          </a:effectRef>
+          <a:fontRef idx="minor">
+            <a:schemeClr val="tx1"/>
+          </a:fontRef>
+        </p:style>
+      </p:cxnSp>
+      <mc:AlternateContent xmlns:mc="http://schemas.openxmlformats.org/markup-compatibility/2006">
+        <mc:Choice xmlns:a14="http://schemas.microsoft.com/office/drawing/2010/main" Requires="a14">
+          <p:sp>
+            <p:nvSpPr>
+              <p:cNvPr id="31" name="TextBox 30">
+                <a:extLst>
+                  <a:ext uri="{FF2B5EF4-FFF2-40B4-BE49-F238E27FC236}">
+                    <a16:creationId xmlns:a16="http://schemas.microsoft.com/office/drawing/2014/main" id="{BC11985E-754C-464C-B6DE-A0235BF0B962}"/>
+                  </a:ext>
+                </a:extLst>
+              </p:cNvPr>
+              <p:cNvSpPr txBox="1"/>
+              <p:nvPr/>
+            </p:nvSpPr>
+            <p:spPr>
+              <a:xfrm>
+                <a:off x="4989164" y="3948454"/>
+                <a:ext cx="267124" cy="232692"/>
+              </a:xfrm>
+              <a:prstGeom prst="rect">
+                <a:avLst/>
+              </a:prstGeom>
+              <a:noFill/>
+            </p:spPr>
+            <p:txBody>
+              <a:bodyPr wrap="none" lIns="0" tIns="0" rIns="0" bIns="0" rtlCol="0">
+                <a:spAutoFit/>
+              </a:bodyPr>
+              <a:lstStyle/>
+              <a:p>
+                <a:pPr/>
+                <a14:m>
+                  <m:oMathPara xmlns:m="http://schemas.openxmlformats.org/officeDocument/2006/math">
+                    <m:oMathParaPr>
+                      <m:jc m:val="centerGroup"/>
+                    </m:oMathParaPr>
+                    <m:oMath xmlns:m="http://schemas.openxmlformats.org/officeDocument/2006/math">
+                      <m:sSub>
+                        <m:sSubPr>
+                          <m:ctrlPr>
+                            <a:rPr lang="el-GR" sz="1400" i="1" smtClean="0">
+                              <a:solidFill>
+                                <a:srgbClr val="FF0000"/>
+                              </a:solidFill>
+                              <a:latin typeface="Cambria Math" panose="02040503050406030204" pitchFamily="18" charset="0"/>
+                              <a:ea typeface="Cambria Math" panose="02040503050406030204" pitchFamily="18" charset="0"/>
+                            </a:rPr>
+                          </m:ctrlPr>
+                        </m:sSubPr>
+                        <m:e>
+                          <m:r>
+                            <m:rPr>
+                              <m:sty m:val="p"/>
+                            </m:rPr>
+                            <a:rPr lang="el-GR" sz="1400" i="1" smtClean="0">
+                              <a:solidFill>
+                                <a:srgbClr val="FF0000"/>
+                              </a:solidFill>
+                              <a:latin typeface="Cambria Math" panose="02040503050406030204" pitchFamily="18" charset="0"/>
+                              <a:ea typeface="Cambria Math" panose="02040503050406030204" pitchFamily="18" charset="0"/>
+                            </a:rPr>
+                            <m:t>Γ</m:t>
+                          </m:r>
+                        </m:e>
+                        <m:sub>
+                          <m:r>
+                            <a:rPr lang="en-US" sz="1400" b="0" i="1" smtClean="0">
+                              <a:solidFill>
+                                <a:srgbClr val="FF0000"/>
+                              </a:solidFill>
+                              <a:latin typeface="Cambria Math" panose="02040503050406030204" pitchFamily="18" charset="0"/>
+                              <a:ea typeface="Cambria Math" panose="02040503050406030204" pitchFamily="18" charset="0"/>
+                            </a:rPr>
+                            <m:t>𝑓</m:t>
+                          </m:r>
+                          <m:r>
+                            <a:rPr lang="ru-RU" sz="1400" b="0" i="1" smtClean="0">
+                              <a:solidFill>
+                                <a:srgbClr val="FF0000"/>
+                              </a:solidFill>
+                              <a:latin typeface="Cambria Math" panose="02040503050406030204" pitchFamily="18" charset="0"/>
+                              <a:ea typeface="Cambria Math" panose="02040503050406030204" pitchFamily="18" charset="0"/>
+                            </a:rPr>
+                            <m:t>1</m:t>
+                          </m:r>
+                        </m:sub>
+                      </m:sSub>
+                    </m:oMath>
+                  </m:oMathPara>
+                </a14:m>
+                <a:endParaRPr lang="ru-RU" dirty="0"/>
+              </a:p>
+            </p:txBody>
+          </p:sp>
+        </mc:Choice>
+        <mc:Fallback>
+          <p:sp>
+            <p:nvSpPr>
+              <p:cNvPr id="31" name="TextBox 30">
+                <a:extLst>
+                  <a:ext uri="{FF2B5EF4-FFF2-40B4-BE49-F238E27FC236}">
+                    <a16:creationId xmlns:a16="http://schemas.microsoft.com/office/drawing/2014/main" id="{BC11985E-754C-464C-B6DE-A0235BF0B962}"/>
+                  </a:ext>
+                </a:extLst>
+              </p:cNvPr>
+              <p:cNvSpPr txBox="1">
+                <a:spLocks noRot="1" noChangeAspect="1" noMove="1" noResize="1" noEditPoints="1" noAdjustHandles="1" noChangeArrowheads="1" noChangeShapeType="1" noTextEdit="1"/>
+              </p:cNvSpPr>
+              <p:nvPr/>
+            </p:nvSpPr>
+            <p:spPr>
+              <a:xfrm>
+                <a:off x="4989164" y="3948454"/>
+                <a:ext cx="267124" cy="232692"/>
+              </a:xfrm>
+              <a:prstGeom prst="rect">
+                <a:avLst/>
+              </a:prstGeom>
+              <a:blipFill>
+                <a:blip r:embed="rId11"/>
+                <a:stretch>
+                  <a:fillRect l="-15909" r="-4545" b="-23684"/>
+                </a:stretch>
+              </a:blipFill>
+            </p:spPr>
+            <p:txBody>
+              <a:bodyPr/>
+              <a:lstStyle/>
+              <a:p>
+                <a:r>
+                  <a:rPr lang="ru-RU">
+                    <a:noFill/>
+                  </a:rPr>
+                  <a:t> </a:t>
+                </a:r>
+              </a:p>
+            </p:txBody>
+          </p:sp>
+        </mc:Fallback>
+      </mc:AlternateContent>
+      <mc:AlternateContent xmlns:mc="http://schemas.openxmlformats.org/markup-compatibility/2006">
+        <mc:Choice xmlns:a14="http://schemas.microsoft.com/office/drawing/2010/main" Requires="a14">
+          <p:sp>
+            <p:nvSpPr>
+              <p:cNvPr id="32" name="TextBox 31">
+                <a:extLst>
+                  <a:ext uri="{FF2B5EF4-FFF2-40B4-BE49-F238E27FC236}">
+                    <a16:creationId xmlns:a16="http://schemas.microsoft.com/office/drawing/2014/main" id="{42130AAA-31D0-496F-8D1A-960C82851A2F}"/>
+                  </a:ext>
+                </a:extLst>
+              </p:cNvPr>
+              <p:cNvSpPr txBox="1"/>
+              <p:nvPr/>
+            </p:nvSpPr>
+            <p:spPr>
+              <a:xfrm>
+                <a:off x="5781128" y="3942105"/>
+                <a:ext cx="267124" cy="232692"/>
+              </a:xfrm>
+              <a:prstGeom prst="rect">
+                <a:avLst/>
+              </a:prstGeom>
+              <a:noFill/>
+            </p:spPr>
+            <p:txBody>
+              <a:bodyPr wrap="none" lIns="0" tIns="0" rIns="0" bIns="0" rtlCol="0">
+                <a:spAutoFit/>
+              </a:bodyPr>
+              <a:lstStyle/>
+              <a:p>
+                <a:pPr/>
+                <a14:m>
+                  <m:oMathPara xmlns:m="http://schemas.openxmlformats.org/officeDocument/2006/math">
+                    <m:oMathParaPr>
+                      <m:jc m:val="centerGroup"/>
+                    </m:oMathParaPr>
+                    <m:oMath xmlns:m="http://schemas.openxmlformats.org/officeDocument/2006/math">
+                      <m:sSub>
+                        <m:sSubPr>
+                          <m:ctrlPr>
+                            <a:rPr lang="el-GR" sz="1400" i="1" smtClean="0">
+                              <a:solidFill>
+                                <a:srgbClr val="FF0000"/>
+                              </a:solidFill>
+                              <a:latin typeface="Cambria Math" panose="02040503050406030204" pitchFamily="18" charset="0"/>
+                              <a:ea typeface="Cambria Math" panose="02040503050406030204" pitchFamily="18" charset="0"/>
+                            </a:rPr>
+                          </m:ctrlPr>
+                        </m:sSubPr>
+                        <m:e>
+                          <m:r>
+                            <m:rPr>
+                              <m:sty m:val="p"/>
+                            </m:rPr>
+                            <a:rPr lang="el-GR" sz="1400" i="1" smtClean="0">
+                              <a:solidFill>
+                                <a:srgbClr val="FF0000"/>
+                              </a:solidFill>
+                              <a:latin typeface="Cambria Math" panose="02040503050406030204" pitchFamily="18" charset="0"/>
+                              <a:ea typeface="Cambria Math" panose="02040503050406030204" pitchFamily="18" charset="0"/>
+                            </a:rPr>
+                            <m:t>Γ</m:t>
+                          </m:r>
+                        </m:e>
+                        <m:sub>
+                          <m:r>
+                            <a:rPr lang="en-US" sz="1400" b="0" i="1" smtClean="0">
+                              <a:solidFill>
+                                <a:srgbClr val="FF0000"/>
+                              </a:solidFill>
+                              <a:latin typeface="Cambria Math" panose="02040503050406030204" pitchFamily="18" charset="0"/>
+                              <a:ea typeface="Cambria Math" panose="02040503050406030204" pitchFamily="18" charset="0"/>
+                            </a:rPr>
+                            <m:t>𝑓</m:t>
+                          </m:r>
+                          <m:r>
+                            <a:rPr lang="ru-RU" sz="1400" b="0" i="1" smtClean="0">
+                              <a:solidFill>
+                                <a:srgbClr val="FF0000"/>
+                              </a:solidFill>
+                              <a:latin typeface="Cambria Math" panose="02040503050406030204" pitchFamily="18" charset="0"/>
+                              <a:ea typeface="Cambria Math" panose="02040503050406030204" pitchFamily="18" charset="0"/>
+                            </a:rPr>
+                            <m:t>2</m:t>
+                          </m:r>
+                        </m:sub>
+                      </m:sSub>
+                    </m:oMath>
+                  </m:oMathPara>
+                </a14:m>
+                <a:endParaRPr lang="ru-RU" dirty="0"/>
+              </a:p>
+            </p:txBody>
+          </p:sp>
+        </mc:Choice>
+        <mc:Fallback>
+          <p:sp>
+            <p:nvSpPr>
+              <p:cNvPr id="32" name="TextBox 31">
+                <a:extLst>
+                  <a:ext uri="{FF2B5EF4-FFF2-40B4-BE49-F238E27FC236}">
+                    <a16:creationId xmlns:a16="http://schemas.microsoft.com/office/drawing/2014/main" id="{42130AAA-31D0-496F-8D1A-960C82851A2F}"/>
+                  </a:ext>
+                </a:extLst>
+              </p:cNvPr>
+              <p:cNvSpPr txBox="1">
+                <a:spLocks noRot="1" noChangeAspect="1" noMove="1" noResize="1" noEditPoints="1" noAdjustHandles="1" noChangeArrowheads="1" noChangeShapeType="1" noTextEdit="1"/>
+              </p:cNvSpPr>
+              <p:nvPr/>
+            </p:nvSpPr>
+            <p:spPr>
+              <a:xfrm>
+                <a:off x="5781128" y="3942105"/>
+                <a:ext cx="267124" cy="232692"/>
+              </a:xfrm>
+              <a:prstGeom prst="rect">
+                <a:avLst/>
+              </a:prstGeom>
+              <a:blipFill>
+                <a:blip r:embed="rId12"/>
+                <a:stretch>
+                  <a:fillRect l="-15909" r="-4545" b="-23684"/>
+                </a:stretch>
+              </a:blipFill>
+            </p:spPr>
+            <p:txBody>
+              <a:bodyPr/>
+              <a:lstStyle/>
+              <a:p>
+                <a:r>
+                  <a:rPr lang="ru-RU">
+                    <a:noFill/>
+                  </a:rPr>
+                  <a:t> </a:t>
+                </a:r>
+              </a:p>
+            </p:txBody>
+          </p:sp>
+        </mc:Fallback>
+      </mc:AlternateContent>
+      <mc:AlternateContent xmlns:mc="http://schemas.openxmlformats.org/markup-compatibility/2006">
+        <mc:Choice xmlns:a14="http://schemas.microsoft.com/office/drawing/2010/main" Requires="a14">
+          <p:sp>
+            <p:nvSpPr>
+              <p:cNvPr id="33" name="TextBox 32">
+                <a:extLst>
+                  <a:ext uri="{FF2B5EF4-FFF2-40B4-BE49-F238E27FC236}">
+                    <a16:creationId xmlns:a16="http://schemas.microsoft.com/office/drawing/2014/main" id="{3072BD64-0BD5-4C59-B608-60D43F3FF4C7}"/>
+                  </a:ext>
+                </a:extLst>
+              </p:cNvPr>
+              <p:cNvSpPr txBox="1"/>
+              <p:nvPr/>
+            </p:nvSpPr>
+            <p:spPr>
+              <a:xfrm>
+                <a:off x="6389542" y="3948621"/>
+                <a:ext cx="267124" cy="232692"/>
+              </a:xfrm>
+              <a:prstGeom prst="rect">
+                <a:avLst/>
+              </a:prstGeom>
+              <a:noFill/>
+            </p:spPr>
+            <p:txBody>
+              <a:bodyPr wrap="none" lIns="0" tIns="0" rIns="0" bIns="0" rtlCol="0">
+                <a:spAutoFit/>
+              </a:bodyPr>
+              <a:lstStyle/>
+              <a:p>
+                <a:pPr/>
+                <a14:m>
+                  <m:oMathPara xmlns:m="http://schemas.openxmlformats.org/officeDocument/2006/math">
+                    <m:oMathParaPr>
+                      <m:jc m:val="centerGroup"/>
+                    </m:oMathParaPr>
+                    <m:oMath xmlns:m="http://schemas.openxmlformats.org/officeDocument/2006/math">
+                      <m:sSub>
+                        <m:sSubPr>
+                          <m:ctrlPr>
+                            <a:rPr lang="el-GR" sz="1400" i="1" smtClean="0">
+                              <a:solidFill>
+                                <a:srgbClr val="FF0000"/>
+                              </a:solidFill>
+                              <a:latin typeface="Cambria Math" panose="02040503050406030204" pitchFamily="18" charset="0"/>
+                              <a:ea typeface="Cambria Math" panose="02040503050406030204" pitchFamily="18" charset="0"/>
+                            </a:rPr>
+                          </m:ctrlPr>
+                        </m:sSubPr>
+                        <m:e>
+                          <m:r>
+                            <m:rPr>
+                              <m:sty m:val="p"/>
+                            </m:rPr>
+                            <a:rPr lang="el-GR" sz="1400" i="1" smtClean="0">
+                              <a:solidFill>
+                                <a:srgbClr val="FF0000"/>
+                              </a:solidFill>
+                              <a:latin typeface="Cambria Math" panose="02040503050406030204" pitchFamily="18" charset="0"/>
+                              <a:ea typeface="Cambria Math" panose="02040503050406030204" pitchFamily="18" charset="0"/>
+                            </a:rPr>
+                            <m:t>Γ</m:t>
+                          </m:r>
+                        </m:e>
+                        <m:sub>
+                          <m:r>
+                            <a:rPr lang="en-US" sz="1400" b="0" i="1" smtClean="0">
+                              <a:solidFill>
+                                <a:srgbClr val="FF0000"/>
+                              </a:solidFill>
+                              <a:latin typeface="Cambria Math" panose="02040503050406030204" pitchFamily="18" charset="0"/>
+                              <a:ea typeface="Cambria Math" panose="02040503050406030204" pitchFamily="18" charset="0"/>
+                            </a:rPr>
+                            <m:t>𝑓</m:t>
+                          </m:r>
+                          <m:r>
+                            <a:rPr lang="ru-RU" sz="1400" b="0" i="1" smtClean="0">
+                              <a:solidFill>
+                                <a:srgbClr val="FF0000"/>
+                              </a:solidFill>
+                              <a:latin typeface="Cambria Math" panose="02040503050406030204" pitchFamily="18" charset="0"/>
+                              <a:ea typeface="Cambria Math" panose="02040503050406030204" pitchFamily="18" charset="0"/>
+                            </a:rPr>
+                            <m:t>3</m:t>
+                          </m:r>
+                        </m:sub>
+                      </m:sSub>
+                    </m:oMath>
+                  </m:oMathPara>
+                </a14:m>
+                <a:endParaRPr lang="ru-RU" dirty="0"/>
+              </a:p>
+            </p:txBody>
+          </p:sp>
+        </mc:Choice>
+        <mc:Fallback>
+          <p:sp>
+            <p:nvSpPr>
+              <p:cNvPr id="33" name="TextBox 32">
+                <a:extLst>
+                  <a:ext uri="{FF2B5EF4-FFF2-40B4-BE49-F238E27FC236}">
+                    <a16:creationId xmlns:a16="http://schemas.microsoft.com/office/drawing/2014/main" id="{3072BD64-0BD5-4C59-B608-60D43F3FF4C7}"/>
+                  </a:ext>
+                </a:extLst>
+              </p:cNvPr>
+              <p:cNvSpPr txBox="1">
+                <a:spLocks noRot="1" noChangeAspect="1" noMove="1" noResize="1" noEditPoints="1" noAdjustHandles="1" noChangeArrowheads="1" noChangeShapeType="1" noTextEdit="1"/>
+              </p:cNvSpPr>
+              <p:nvPr/>
+            </p:nvSpPr>
+            <p:spPr>
+              <a:xfrm>
+                <a:off x="6389542" y="3948621"/>
+                <a:ext cx="267124" cy="232692"/>
+              </a:xfrm>
+              <a:prstGeom prst="rect">
+                <a:avLst/>
+              </a:prstGeom>
+              <a:blipFill>
+                <a:blip r:embed="rId13"/>
+                <a:stretch>
+                  <a:fillRect l="-15909" r="-4545" b="-23684"/>
                 </a:stretch>
               </a:blipFill>
             </p:spPr>
@@ -8016,8 +8620,8 @@
               </p:style>
             </p:cxnSp>
           </p:grpSp>
-          <mc:AlternateContent xmlns:mc="http://schemas.openxmlformats.org/markup-compatibility/2006">
-            <mc:Choice xmlns:a14="http://schemas.microsoft.com/office/drawing/2010/main" Requires="a14">
+          <mc:AlternateContent xmlns:mc="http://schemas.openxmlformats.org/markup-compatibility/2006" xmlns:a14="http://schemas.microsoft.com/office/drawing/2010/main">
+            <mc:Choice Requires="a14">
               <p:sp>
                 <p:nvSpPr>
                   <p:cNvPr id="116" name="TextBox 115">
@@ -8094,7 +8698,7 @@
                 </p:txBody>
               </p:sp>
             </mc:Choice>
-            <mc:Fallback>
+            <mc:Fallback xmlns="">
               <p:sp>
                 <p:nvSpPr>
                   <p:cNvPr id="116" name="TextBox 115">
@@ -8139,8 +8743,8 @@
               </p:sp>
             </mc:Fallback>
           </mc:AlternateContent>
-          <mc:AlternateContent xmlns:mc="http://schemas.openxmlformats.org/markup-compatibility/2006">
-            <mc:Choice xmlns:a14="http://schemas.microsoft.com/office/drawing/2010/main" Requires="a14">
+          <mc:AlternateContent xmlns:mc="http://schemas.openxmlformats.org/markup-compatibility/2006" xmlns:a14="http://schemas.microsoft.com/office/drawing/2010/main">
+            <mc:Choice Requires="a14">
               <p:sp>
                 <p:nvSpPr>
                   <p:cNvPr id="117" name="TextBox 116">
@@ -8217,7 +8821,7 @@
                 </p:txBody>
               </p:sp>
             </mc:Choice>
-            <mc:Fallback>
+            <mc:Fallback xmlns="">
               <p:sp>
                 <p:nvSpPr>
                   <p:cNvPr id="117" name="TextBox 116">
@@ -8262,8 +8866,8 @@
               </p:sp>
             </mc:Fallback>
           </mc:AlternateContent>
-          <mc:AlternateContent xmlns:mc="http://schemas.openxmlformats.org/markup-compatibility/2006">
-            <mc:Choice xmlns:a14="http://schemas.microsoft.com/office/drawing/2010/main" Requires="a14">
+          <mc:AlternateContent xmlns:mc="http://schemas.openxmlformats.org/markup-compatibility/2006" xmlns:a14="http://schemas.microsoft.com/office/drawing/2010/main">
+            <mc:Choice Requires="a14">
               <p:sp>
                 <p:nvSpPr>
                   <p:cNvPr id="118" name="TextBox 117">
@@ -8340,7 +8944,7 @@
                 </p:txBody>
               </p:sp>
             </mc:Choice>
-            <mc:Fallback>
+            <mc:Fallback xmlns="">
               <p:sp>
                 <p:nvSpPr>
                   <p:cNvPr id="118" name="TextBox 117">
@@ -8385,8 +8989,8 @@
               </p:sp>
             </mc:Fallback>
           </mc:AlternateContent>
-          <mc:AlternateContent xmlns:mc="http://schemas.openxmlformats.org/markup-compatibility/2006">
-            <mc:Choice xmlns:a14="http://schemas.microsoft.com/office/drawing/2010/main" Requires="a14">
+          <mc:AlternateContent xmlns:mc="http://schemas.openxmlformats.org/markup-compatibility/2006" xmlns:a14="http://schemas.microsoft.com/office/drawing/2010/main">
+            <mc:Choice Requires="a14">
               <p:sp>
                 <p:nvSpPr>
                   <p:cNvPr id="119" name="TextBox 118">
@@ -8463,7 +9067,7 @@
                 </p:txBody>
               </p:sp>
             </mc:Choice>
-            <mc:Fallback>
+            <mc:Fallback xmlns="">
               <p:sp>
                 <p:nvSpPr>
                   <p:cNvPr id="119" name="TextBox 118">
@@ -8508,8 +9112,8 @@
               </p:sp>
             </mc:Fallback>
           </mc:AlternateContent>
-          <mc:AlternateContent xmlns:mc="http://schemas.openxmlformats.org/markup-compatibility/2006">
-            <mc:Choice xmlns:a14="http://schemas.microsoft.com/office/drawing/2010/main" Requires="a14">
+          <mc:AlternateContent xmlns:mc="http://schemas.openxmlformats.org/markup-compatibility/2006" xmlns:a14="http://schemas.microsoft.com/office/drawing/2010/main">
+            <mc:Choice Requires="a14">
               <p:sp>
                 <p:nvSpPr>
                   <p:cNvPr id="120" name="TextBox 119">
@@ -8586,7 +9190,7 @@
                 </p:txBody>
               </p:sp>
             </mc:Choice>
-            <mc:Fallback>
+            <mc:Fallback xmlns="">
               <p:sp>
                 <p:nvSpPr>
                   <p:cNvPr id="120" name="TextBox 119">
@@ -8632,8 +9236,8 @@
             </mc:Fallback>
           </mc:AlternateContent>
         </p:grpSp>
-        <mc:AlternateContent xmlns:mc="http://schemas.openxmlformats.org/markup-compatibility/2006">
-          <mc:Choice xmlns:a14="http://schemas.microsoft.com/office/drawing/2010/main" Requires="a14">
+        <mc:AlternateContent xmlns:mc="http://schemas.openxmlformats.org/markup-compatibility/2006" xmlns:a14="http://schemas.microsoft.com/office/drawing/2010/main">
+          <mc:Choice Requires="a14">
             <p:sp>
               <p:nvSpPr>
                 <p:cNvPr id="115" name="TextBox 114">
@@ -8689,7 +9293,7 @@
               </p:txBody>
             </p:sp>
           </mc:Choice>
-          <mc:Fallback>
+          <mc:Fallback xmlns="">
             <p:sp>
               <p:nvSpPr>
                 <p:cNvPr id="115" name="TextBox 114">

--- a/Pics/Illustrations.pptx
+++ b/Pics/Illustrations.pptx
@@ -5,14 +5,16 @@
     <p:sldMasterId id="2147483648" r:id="rId1"/>
   </p:sldMasterIdLst>
   <p:notesMasterIdLst>
-    <p:notesMasterId r:id="rId7"/>
+    <p:notesMasterId r:id="rId9"/>
   </p:notesMasterIdLst>
   <p:sldIdLst>
     <p:sldId id="256" r:id="rId2"/>
     <p:sldId id="257" r:id="rId3"/>
     <p:sldId id="258" r:id="rId4"/>
-    <p:sldId id="259" r:id="rId5"/>
-    <p:sldId id="260" r:id="rId6"/>
+    <p:sldId id="262" r:id="rId5"/>
+    <p:sldId id="261" r:id="rId6"/>
+    <p:sldId id="259" r:id="rId7"/>
+    <p:sldId id="260" r:id="rId8"/>
   </p:sldIdLst>
   <p:sldSz cx="12192000" cy="6858000"/>
   <p:notesSz cx="6858000" cy="9144000"/>
@@ -201,7 +203,7 @@
           <a:p>
             <a:fld id="{D4132F78-145B-4E09-A749-FC2612A50C34}" type="datetimeFigureOut">
               <a:rPr lang="ru-RU" smtClean="0"/>
-              <a:t>14.05.2024</a:t>
+              <a:t>23.05.2024</a:t>
             </a:fld>
             <a:endParaRPr lang="ru-RU"/>
           </a:p>
@@ -533,7 +535,7 @@
           <a:p>
             <a:fld id="{CCBC2025-CF43-4643-B0FD-9F14A31F07BF}" type="slidenum">
               <a:rPr lang="ru-RU" smtClean="0"/>
-              <a:t>4</a:t>
+              <a:t>6</a:t>
             </a:fld>
             <a:endParaRPr lang="ru-RU"/>
           </a:p>
@@ -699,7 +701,7 @@
           <a:p>
             <a:fld id="{0D7D8A5E-F820-4C45-897A-B8B30BC14499}" type="datetimeFigureOut">
               <a:rPr lang="ru-RU" smtClean="0"/>
-              <a:t>14.05.2024</a:t>
+              <a:t>23.05.2024</a:t>
             </a:fld>
             <a:endParaRPr lang="ru-RU"/>
           </a:p>
@@ -897,7 +899,7 @@
           <a:p>
             <a:fld id="{0D7D8A5E-F820-4C45-897A-B8B30BC14499}" type="datetimeFigureOut">
               <a:rPr lang="ru-RU" smtClean="0"/>
-              <a:t>14.05.2024</a:t>
+              <a:t>23.05.2024</a:t>
             </a:fld>
             <a:endParaRPr lang="ru-RU"/>
           </a:p>
@@ -1105,7 +1107,7 @@
           <a:p>
             <a:fld id="{0D7D8A5E-F820-4C45-897A-B8B30BC14499}" type="datetimeFigureOut">
               <a:rPr lang="ru-RU" smtClean="0"/>
-              <a:t>14.05.2024</a:t>
+              <a:t>23.05.2024</a:t>
             </a:fld>
             <a:endParaRPr lang="ru-RU"/>
           </a:p>
@@ -1303,7 +1305,7 @@
           <a:p>
             <a:fld id="{0D7D8A5E-F820-4C45-897A-B8B30BC14499}" type="datetimeFigureOut">
               <a:rPr lang="ru-RU" smtClean="0"/>
-              <a:t>14.05.2024</a:t>
+              <a:t>23.05.2024</a:t>
             </a:fld>
             <a:endParaRPr lang="ru-RU"/>
           </a:p>
@@ -1578,7 +1580,7 @@
           <a:p>
             <a:fld id="{0D7D8A5E-F820-4C45-897A-B8B30BC14499}" type="datetimeFigureOut">
               <a:rPr lang="ru-RU" smtClean="0"/>
-              <a:t>14.05.2024</a:t>
+              <a:t>23.05.2024</a:t>
             </a:fld>
             <a:endParaRPr lang="ru-RU"/>
           </a:p>
@@ -1843,7 +1845,7 @@
           <a:p>
             <a:fld id="{0D7D8A5E-F820-4C45-897A-B8B30BC14499}" type="datetimeFigureOut">
               <a:rPr lang="ru-RU" smtClean="0"/>
-              <a:t>14.05.2024</a:t>
+              <a:t>23.05.2024</a:t>
             </a:fld>
             <a:endParaRPr lang="ru-RU"/>
           </a:p>
@@ -2255,7 +2257,7 @@
           <a:p>
             <a:fld id="{0D7D8A5E-F820-4C45-897A-B8B30BC14499}" type="datetimeFigureOut">
               <a:rPr lang="ru-RU" smtClean="0"/>
-              <a:t>14.05.2024</a:t>
+              <a:t>23.05.2024</a:t>
             </a:fld>
             <a:endParaRPr lang="ru-RU"/>
           </a:p>
@@ -2396,7 +2398,7 @@
           <a:p>
             <a:fld id="{0D7D8A5E-F820-4C45-897A-B8B30BC14499}" type="datetimeFigureOut">
               <a:rPr lang="ru-RU" smtClean="0"/>
-              <a:t>14.05.2024</a:t>
+              <a:t>23.05.2024</a:t>
             </a:fld>
             <a:endParaRPr lang="ru-RU"/>
           </a:p>
@@ -2509,7 +2511,7 @@
           <a:p>
             <a:fld id="{0D7D8A5E-F820-4C45-897A-B8B30BC14499}" type="datetimeFigureOut">
               <a:rPr lang="ru-RU" smtClean="0"/>
-              <a:t>14.05.2024</a:t>
+              <a:t>23.05.2024</a:t>
             </a:fld>
             <a:endParaRPr lang="ru-RU"/>
           </a:p>
@@ -2820,7 +2822,7 @@
           <a:p>
             <a:fld id="{0D7D8A5E-F820-4C45-897A-B8B30BC14499}" type="datetimeFigureOut">
               <a:rPr lang="ru-RU" smtClean="0"/>
-              <a:t>14.05.2024</a:t>
+              <a:t>23.05.2024</a:t>
             </a:fld>
             <a:endParaRPr lang="ru-RU"/>
           </a:p>
@@ -3108,7 +3110,7 @@
           <a:p>
             <a:fld id="{0D7D8A5E-F820-4C45-897A-B8B30BC14499}" type="datetimeFigureOut">
               <a:rPr lang="ru-RU" smtClean="0"/>
-              <a:t>14.05.2024</a:t>
+              <a:t>23.05.2024</a:t>
             </a:fld>
             <a:endParaRPr lang="ru-RU"/>
           </a:p>
@@ -3349,7 +3351,7 @@
           <a:p>
             <a:fld id="{0D7D8A5E-F820-4C45-897A-B8B30BC14499}" type="datetimeFigureOut">
               <a:rPr lang="ru-RU" smtClean="0"/>
-              <a:t>14.05.2024</a:t>
+              <a:t>23.05.2024</a:t>
             </a:fld>
             <a:endParaRPr lang="ru-RU"/>
           </a:p>
@@ -5414,8 +5416,8 @@
           </p:sp>
         </mc:Fallback>
       </mc:AlternateContent>
-      <mc:AlternateContent xmlns:mc="http://schemas.openxmlformats.org/markup-compatibility/2006">
-        <mc:Choice xmlns:a14="http://schemas.microsoft.com/office/drawing/2010/main" Requires="a14">
+      <mc:AlternateContent xmlns:mc="http://schemas.openxmlformats.org/markup-compatibility/2006" xmlns:a14="http://schemas.microsoft.com/office/drawing/2010/main">
+        <mc:Choice Requires="a14">
           <p:sp>
             <p:nvSpPr>
               <p:cNvPr id="19" name="TextBox 18">
@@ -5499,7 +5501,7 @@
             </p:txBody>
           </p:sp>
         </mc:Choice>
-        <mc:Fallback>
+        <mc:Fallback xmlns="">
           <p:sp>
             <p:nvSpPr>
               <p:cNvPr id="19" name="TextBox 18">
@@ -6668,8 +6670,8 @@
           </a:fontRef>
         </p:style>
       </p:cxnSp>
-      <mc:AlternateContent xmlns:mc="http://schemas.openxmlformats.org/markup-compatibility/2006">
-        <mc:Choice xmlns:a14="http://schemas.microsoft.com/office/drawing/2010/main" Requires="a14">
+      <mc:AlternateContent xmlns:mc="http://schemas.openxmlformats.org/markup-compatibility/2006" xmlns:a14="http://schemas.microsoft.com/office/drawing/2010/main">
+        <mc:Choice Requires="a14">
           <p:sp>
             <p:nvSpPr>
               <p:cNvPr id="31" name="TextBox 30">
@@ -6763,7 +6765,7 @@
             </p:txBody>
           </p:sp>
         </mc:Choice>
-        <mc:Fallback>
+        <mc:Fallback xmlns="">
           <p:sp>
             <p:nvSpPr>
               <p:cNvPr id="31" name="TextBox 30">
@@ -6808,8 +6810,8 @@
           </p:sp>
         </mc:Fallback>
       </mc:AlternateContent>
-      <mc:AlternateContent xmlns:mc="http://schemas.openxmlformats.org/markup-compatibility/2006">
-        <mc:Choice xmlns:a14="http://schemas.microsoft.com/office/drawing/2010/main" Requires="a14">
+      <mc:AlternateContent xmlns:mc="http://schemas.openxmlformats.org/markup-compatibility/2006" xmlns:a14="http://schemas.microsoft.com/office/drawing/2010/main">
+        <mc:Choice Requires="a14">
           <p:sp>
             <p:nvSpPr>
               <p:cNvPr id="32" name="TextBox 31">
@@ -6903,7 +6905,7 @@
             </p:txBody>
           </p:sp>
         </mc:Choice>
-        <mc:Fallback>
+        <mc:Fallback xmlns="">
           <p:sp>
             <p:nvSpPr>
               <p:cNvPr id="32" name="TextBox 31">
@@ -6948,8 +6950,8 @@
           </p:sp>
         </mc:Fallback>
       </mc:AlternateContent>
-      <mc:AlternateContent xmlns:mc="http://schemas.openxmlformats.org/markup-compatibility/2006">
-        <mc:Choice xmlns:a14="http://schemas.microsoft.com/office/drawing/2010/main" Requires="a14">
+      <mc:AlternateContent xmlns:mc="http://schemas.openxmlformats.org/markup-compatibility/2006" xmlns:a14="http://schemas.microsoft.com/office/drawing/2010/main">
+        <mc:Choice Requires="a14">
           <p:sp>
             <p:nvSpPr>
               <p:cNvPr id="33" name="TextBox 32">
@@ -7043,7 +7045,7 @@
             </p:txBody>
           </p:sp>
         </mc:Choice>
-        <mc:Fallback>
+        <mc:Fallback xmlns="">
           <p:sp>
             <p:nvSpPr>
               <p:cNvPr id="33" name="TextBox 32">
@@ -7118,12 +7120,3309 @@
           <a:chExt cx="0" cy="0"/>
         </a:xfrm>
       </p:grpSpPr>
+      <p:sp>
+        <p:nvSpPr>
+          <p:cNvPr id="75" name="Параллелограмм 74">
+            <a:extLst>
+              <a:ext uri="{FF2B5EF4-FFF2-40B4-BE49-F238E27FC236}">
+                <a16:creationId xmlns:a16="http://schemas.microsoft.com/office/drawing/2014/main" id="{41E19B58-FDE4-4360-B1D2-504B03381611}"/>
+              </a:ext>
+            </a:extLst>
+          </p:cNvPr>
+          <p:cNvSpPr/>
+          <p:nvPr/>
+        </p:nvSpPr>
+        <p:spPr>
+          <a:xfrm rot="5400000" flipH="1">
+            <a:off x="4432552" y="2902326"/>
+            <a:ext cx="2962304" cy="1518451"/>
+          </a:xfrm>
+          <a:prstGeom prst="parallelogram">
+            <a:avLst>
+              <a:gd name="adj" fmla="val 99399"/>
+            </a:avLst>
+          </a:prstGeom>
+          <a:solidFill>
+            <a:schemeClr val="bg1">
+              <a:lumMod val="95000"/>
+            </a:schemeClr>
+          </a:solidFill>
+          <a:ln w="3175">
+            <a:solidFill>
+              <a:schemeClr val="tx1"/>
+            </a:solidFill>
+          </a:ln>
+        </p:spPr>
+        <p:style>
+          <a:lnRef idx="2">
+            <a:schemeClr val="accent1">
+              <a:shade val="50000"/>
+            </a:schemeClr>
+          </a:lnRef>
+          <a:fillRef idx="1">
+            <a:schemeClr val="accent1"/>
+          </a:fillRef>
+          <a:effectRef idx="0">
+            <a:schemeClr val="accent1"/>
+          </a:effectRef>
+          <a:fontRef idx="minor">
+            <a:schemeClr val="lt1"/>
+          </a:fontRef>
+        </p:style>
+        <p:txBody>
+          <a:bodyPr rtlCol="0" anchor="ctr"/>
+          <a:lstStyle/>
+          <a:p>
+            <a:pPr algn="ctr"/>
+            <a:endParaRPr lang="ru-RU" dirty="0"/>
+          </a:p>
+        </p:txBody>
+      </p:sp>
+      <p:sp>
+        <p:nvSpPr>
+          <p:cNvPr id="42" name="Параллелограмм 41">
+            <a:extLst>
+              <a:ext uri="{FF2B5EF4-FFF2-40B4-BE49-F238E27FC236}">
+                <a16:creationId xmlns:a16="http://schemas.microsoft.com/office/drawing/2014/main" id="{0EE97983-1A51-4CBF-94B0-36D3642ADBC2}"/>
+              </a:ext>
+            </a:extLst>
+          </p:cNvPr>
+          <p:cNvSpPr/>
+          <p:nvPr/>
+        </p:nvSpPr>
+        <p:spPr>
+          <a:xfrm rot="5400000" flipH="1">
+            <a:off x="2290409" y="2253544"/>
+            <a:ext cx="3611143" cy="2173544"/>
+          </a:xfrm>
+          <a:prstGeom prst="parallelogram">
+            <a:avLst>
+              <a:gd name="adj" fmla="val 99399"/>
+            </a:avLst>
+          </a:prstGeom>
+          <a:noFill/>
+          <a:ln>
+            <a:solidFill>
+              <a:schemeClr val="bg2"/>
+            </a:solidFill>
+            <a:prstDash val="dash"/>
+          </a:ln>
+        </p:spPr>
+        <p:style>
+          <a:lnRef idx="2">
+            <a:schemeClr val="accent1">
+              <a:shade val="50000"/>
+            </a:schemeClr>
+          </a:lnRef>
+          <a:fillRef idx="1">
+            <a:schemeClr val="accent1"/>
+          </a:fillRef>
+          <a:effectRef idx="0">
+            <a:schemeClr val="accent1"/>
+          </a:effectRef>
+          <a:fontRef idx="minor">
+            <a:schemeClr val="lt1"/>
+          </a:fontRef>
+        </p:style>
+        <p:txBody>
+          <a:bodyPr rtlCol="0" anchor="ctr"/>
+          <a:lstStyle/>
+          <a:p>
+            <a:pPr algn="ctr"/>
+            <a:endParaRPr lang="ru-RU" dirty="0"/>
+          </a:p>
+        </p:txBody>
+      </p:sp>
+      <p:sp>
+        <p:nvSpPr>
+          <p:cNvPr id="32" name="Прямоугольник 31">
+            <a:extLst>
+              <a:ext uri="{FF2B5EF4-FFF2-40B4-BE49-F238E27FC236}">
+                <a16:creationId xmlns:a16="http://schemas.microsoft.com/office/drawing/2014/main" id="{0FECCE43-80CA-42BA-83FE-CADEC4B20B59}"/>
+              </a:ext>
+            </a:extLst>
+          </p:cNvPr>
+          <p:cNvSpPr/>
+          <p:nvPr/>
+        </p:nvSpPr>
+        <p:spPr>
+          <a:xfrm>
+            <a:off x="5182752" y="1555156"/>
+            <a:ext cx="4422243" cy="1427497"/>
+          </a:xfrm>
+          <a:prstGeom prst="rect">
+            <a:avLst/>
+          </a:prstGeom>
+          <a:noFill/>
+          <a:ln>
+            <a:solidFill>
+              <a:schemeClr val="bg2"/>
+            </a:solidFill>
+            <a:prstDash val="dash"/>
+          </a:ln>
+        </p:spPr>
+        <p:style>
+          <a:lnRef idx="2">
+            <a:schemeClr val="accent1">
+              <a:shade val="50000"/>
+            </a:schemeClr>
+          </a:lnRef>
+          <a:fillRef idx="1">
+            <a:schemeClr val="accent1"/>
+          </a:fillRef>
+          <a:effectRef idx="0">
+            <a:schemeClr val="accent1"/>
+          </a:effectRef>
+          <a:fontRef idx="minor">
+            <a:schemeClr val="lt1"/>
+          </a:fontRef>
+        </p:style>
+        <p:txBody>
+          <a:bodyPr rtlCol="0" anchor="ctr"/>
+          <a:lstStyle/>
+          <a:p>
+            <a:pPr algn="ctr"/>
+            <a:endParaRPr lang="ru-RU"/>
+          </a:p>
+        </p:txBody>
+      </p:sp>
+      <p:sp>
+        <p:nvSpPr>
+          <p:cNvPr id="4" name="Прямоугольник 3">
+            <a:extLst>
+              <a:ext uri="{FF2B5EF4-FFF2-40B4-BE49-F238E27FC236}">
+                <a16:creationId xmlns:a16="http://schemas.microsoft.com/office/drawing/2014/main" id="{45BBA27D-3E89-46DC-BC9B-5235C0087FEB}"/>
+              </a:ext>
+            </a:extLst>
+          </p:cNvPr>
+          <p:cNvSpPr/>
+          <p:nvPr/>
+        </p:nvSpPr>
+        <p:spPr>
+          <a:xfrm>
+            <a:off x="3009208" y="3702671"/>
+            <a:ext cx="4424393" cy="1443217"/>
+          </a:xfrm>
+          <a:prstGeom prst="rect">
+            <a:avLst/>
+          </a:prstGeom>
+          <a:noFill/>
+          <a:ln w="6350">
+            <a:solidFill>
+              <a:schemeClr val="tx1"/>
+            </a:solidFill>
+          </a:ln>
+        </p:spPr>
+        <p:style>
+          <a:lnRef idx="2">
+            <a:schemeClr val="accent1">
+              <a:shade val="50000"/>
+            </a:schemeClr>
+          </a:lnRef>
+          <a:fillRef idx="1">
+            <a:schemeClr val="accent1"/>
+          </a:fillRef>
+          <a:effectRef idx="0">
+            <a:schemeClr val="accent1"/>
+          </a:effectRef>
+          <a:fontRef idx="minor">
+            <a:schemeClr val="lt1"/>
+          </a:fontRef>
+        </p:style>
+        <p:txBody>
+          <a:bodyPr rtlCol="0" anchor="ctr"/>
+          <a:lstStyle/>
+          <a:p>
+            <a:pPr algn="ctr"/>
+            <a:endParaRPr lang="ru-RU" dirty="0"/>
+          </a:p>
+        </p:txBody>
+      </p:sp>
+      <p:sp>
+        <p:nvSpPr>
+          <p:cNvPr id="7" name="Параллелограмм 6">
+            <a:extLst>
+              <a:ext uri="{FF2B5EF4-FFF2-40B4-BE49-F238E27FC236}">
+                <a16:creationId xmlns:a16="http://schemas.microsoft.com/office/drawing/2014/main" id="{A13A03B0-1191-4163-A41E-34350D59F82B}"/>
+              </a:ext>
+            </a:extLst>
+          </p:cNvPr>
+          <p:cNvSpPr/>
+          <p:nvPr/>
+        </p:nvSpPr>
+        <p:spPr>
+          <a:xfrm>
+            <a:off x="3009207" y="1534745"/>
+            <a:ext cx="6595788" cy="2167926"/>
+          </a:xfrm>
+          <a:prstGeom prst="parallelogram">
+            <a:avLst>
+              <a:gd name="adj" fmla="val 100292"/>
+            </a:avLst>
+          </a:prstGeom>
+          <a:noFill/>
+          <a:ln>
+            <a:noFill/>
+          </a:ln>
+        </p:spPr>
+        <p:style>
+          <a:lnRef idx="2">
+            <a:schemeClr val="accent1">
+              <a:shade val="50000"/>
+            </a:schemeClr>
+          </a:lnRef>
+          <a:fillRef idx="1">
+            <a:schemeClr val="accent1"/>
+          </a:fillRef>
+          <a:effectRef idx="0">
+            <a:schemeClr val="accent1"/>
+          </a:effectRef>
+          <a:fontRef idx="minor">
+            <a:schemeClr val="lt1"/>
+          </a:fontRef>
+        </p:style>
+        <p:txBody>
+          <a:bodyPr rtlCol="0" anchor="ctr"/>
+          <a:lstStyle/>
+          <a:p>
+            <a:pPr algn="ctr"/>
+            <a:endParaRPr lang="ru-RU"/>
+          </a:p>
+        </p:txBody>
+      </p:sp>
+      <p:sp>
+        <p:nvSpPr>
+          <p:cNvPr id="31" name="Овал 30">
+            <a:extLst>
+              <a:ext uri="{FF2B5EF4-FFF2-40B4-BE49-F238E27FC236}">
+                <a16:creationId xmlns:a16="http://schemas.microsoft.com/office/drawing/2014/main" id="{AAF2EAD4-793C-4BCE-A8B1-074DDB241A4B}"/>
+              </a:ext>
+            </a:extLst>
+          </p:cNvPr>
+          <p:cNvSpPr/>
+          <p:nvPr/>
+        </p:nvSpPr>
+        <p:spPr>
+          <a:xfrm rot="5400000">
+            <a:off x="4443022" y="4286768"/>
+            <a:ext cx="1443216" cy="268656"/>
+          </a:xfrm>
+          <a:prstGeom prst="ellipse">
+            <a:avLst/>
+          </a:prstGeom>
+          <a:noFill/>
+          <a:ln>
+            <a:solidFill>
+              <a:schemeClr val="tx1"/>
+            </a:solidFill>
+            <a:prstDash val="dash"/>
+          </a:ln>
+        </p:spPr>
+        <p:style>
+          <a:lnRef idx="2">
+            <a:schemeClr val="accent1">
+              <a:shade val="50000"/>
+            </a:schemeClr>
+          </a:lnRef>
+          <a:fillRef idx="1">
+            <a:schemeClr val="accent1"/>
+          </a:fillRef>
+          <a:effectRef idx="0">
+            <a:schemeClr val="accent1"/>
+          </a:effectRef>
+          <a:fontRef idx="minor">
+            <a:schemeClr val="lt1"/>
+          </a:fontRef>
+        </p:style>
+        <p:txBody>
+          <a:bodyPr rtlCol="0" anchor="ctr"/>
+          <a:lstStyle/>
+          <a:p>
+            <a:pPr algn="ctr"/>
+            <a:endParaRPr lang="ru-RU" dirty="0"/>
+          </a:p>
+        </p:txBody>
+      </p:sp>
+      <p:sp>
+        <p:nvSpPr>
+          <p:cNvPr id="12" name="Параллелограмм 11">
+            <a:extLst>
+              <a:ext uri="{FF2B5EF4-FFF2-40B4-BE49-F238E27FC236}">
+                <a16:creationId xmlns:a16="http://schemas.microsoft.com/office/drawing/2014/main" id="{24C0039A-DCA5-4E16-A2CB-C7189B42A603}"/>
+              </a:ext>
+            </a:extLst>
+          </p:cNvPr>
+          <p:cNvSpPr/>
+          <p:nvPr/>
+        </p:nvSpPr>
+        <p:spPr>
+          <a:xfrm rot="5400000" flipH="1">
+            <a:off x="6715273" y="2264201"/>
+            <a:ext cx="3611143" cy="2174487"/>
+          </a:xfrm>
+          <a:prstGeom prst="parallelogram">
+            <a:avLst>
+              <a:gd name="adj" fmla="val 99399"/>
+            </a:avLst>
+          </a:prstGeom>
+          <a:noFill/>
+          <a:ln w="6350">
+            <a:solidFill>
+              <a:schemeClr val="tx1"/>
+            </a:solidFill>
+          </a:ln>
+        </p:spPr>
+        <p:style>
+          <a:lnRef idx="2">
+            <a:schemeClr val="accent1">
+              <a:shade val="50000"/>
+            </a:schemeClr>
+          </a:lnRef>
+          <a:fillRef idx="1">
+            <a:schemeClr val="accent1"/>
+          </a:fillRef>
+          <a:effectRef idx="0">
+            <a:schemeClr val="accent1"/>
+          </a:effectRef>
+          <a:fontRef idx="minor">
+            <a:schemeClr val="lt1"/>
+          </a:fontRef>
+        </p:style>
+        <p:txBody>
+          <a:bodyPr rtlCol="0" anchor="ctr"/>
+          <a:lstStyle/>
+          <a:p>
+            <a:pPr algn="ctr"/>
+            <a:endParaRPr lang="ru-RU" dirty="0"/>
+          </a:p>
+        </p:txBody>
+      </p:sp>
+      <p:sp>
+        <p:nvSpPr>
+          <p:cNvPr id="63" name="Параллелограмм 62">
+            <a:extLst>
+              <a:ext uri="{FF2B5EF4-FFF2-40B4-BE49-F238E27FC236}">
+                <a16:creationId xmlns:a16="http://schemas.microsoft.com/office/drawing/2014/main" id="{8064DB1D-15BA-4796-819E-7499A3E5C05E}"/>
+              </a:ext>
+            </a:extLst>
+          </p:cNvPr>
+          <p:cNvSpPr/>
+          <p:nvPr/>
+        </p:nvSpPr>
+        <p:spPr>
+          <a:xfrm rot="5400000" flipH="1">
+            <a:off x="4436624" y="2253543"/>
+            <a:ext cx="3611143" cy="2173544"/>
+          </a:xfrm>
+          <a:prstGeom prst="parallelogram">
+            <a:avLst>
+              <a:gd name="adj" fmla="val 99399"/>
+            </a:avLst>
+          </a:prstGeom>
+          <a:noFill/>
+          <a:ln>
+            <a:solidFill>
+              <a:schemeClr val="tx1"/>
+            </a:solidFill>
+            <a:prstDash val="sysDot"/>
+          </a:ln>
+        </p:spPr>
+        <p:style>
+          <a:lnRef idx="2">
+            <a:schemeClr val="accent1">
+              <a:shade val="50000"/>
+            </a:schemeClr>
+          </a:lnRef>
+          <a:fillRef idx="1">
+            <a:schemeClr val="accent1"/>
+          </a:fillRef>
+          <a:effectRef idx="0">
+            <a:schemeClr val="accent1"/>
+          </a:effectRef>
+          <a:fontRef idx="minor">
+            <a:schemeClr val="lt1"/>
+          </a:fontRef>
+        </p:style>
+        <p:txBody>
+          <a:bodyPr rtlCol="0" anchor="ctr"/>
+          <a:lstStyle/>
+          <a:p>
+            <a:pPr algn="ctr"/>
+            <a:endParaRPr lang="ru-RU" dirty="0"/>
+          </a:p>
+        </p:txBody>
+      </p:sp>
+      <p:sp>
+        <p:nvSpPr>
+          <p:cNvPr id="44" name="Параллелограмм 43">
+            <a:extLst>
+              <a:ext uri="{FF2B5EF4-FFF2-40B4-BE49-F238E27FC236}">
+                <a16:creationId xmlns:a16="http://schemas.microsoft.com/office/drawing/2014/main" id="{D69FF90C-B0D7-4A92-AC20-67F76C17D751}"/>
+              </a:ext>
+            </a:extLst>
+          </p:cNvPr>
+          <p:cNvSpPr/>
+          <p:nvPr/>
+        </p:nvSpPr>
+        <p:spPr>
+          <a:xfrm rot="5400000" flipH="1">
+            <a:off x="994599" y="991728"/>
+            <a:ext cx="2697256" cy="1623476"/>
+          </a:xfrm>
+          <a:prstGeom prst="parallelogram">
+            <a:avLst>
+              <a:gd name="adj" fmla="val 99399"/>
+            </a:avLst>
+          </a:prstGeom>
+          <a:noFill/>
+          <a:ln>
+            <a:noFill/>
+            <a:prstDash val="dash"/>
+          </a:ln>
+        </p:spPr>
+        <p:style>
+          <a:lnRef idx="2">
+            <a:schemeClr val="accent1">
+              <a:shade val="50000"/>
+            </a:schemeClr>
+          </a:lnRef>
+          <a:fillRef idx="1">
+            <a:schemeClr val="accent1"/>
+          </a:fillRef>
+          <a:effectRef idx="0">
+            <a:schemeClr val="accent1"/>
+          </a:effectRef>
+          <a:fontRef idx="minor">
+            <a:schemeClr val="lt1"/>
+          </a:fontRef>
+        </p:style>
+        <p:txBody>
+          <a:bodyPr rtlCol="0" anchor="ctr"/>
+          <a:lstStyle/>
+          <a:p>
+            <a:pPr algn="ctr"/>
+            <a:endParaRPr lang="ru-RU" dirty="0"/>
+          </a:p>
+        </p:txBody>
+      </p:sp>
       <p:grpSp>
         <p:nvGrpSpPr>
-          <p:cNvPr id="89" name="Группа 88">
+          <p:cNvPr id="88" name="Группа 87">
             <a:extLst>
               <a:ext uri="{FF2B5EF4-FFF2-40B4-BE49-F238E27FC236}">
-                <a16:creationId xmlns:a16="http://schemas.microsoft.com/office/drawing/2014/main" id="{668DE03B-1F80-4F70-AA9D-0857F419DDC4}"/>
+                <a16:creationId xmlns:a16="http://schemas.microsoft.com/office/drawing/2014/main" id="{CF76A613-1E2B-4AED-8594-B7D7662EAD9A}"/>
+              </a:ext>
+            </a:extLst>
+          </p:cNvPr>
+          <p:cNvGrpSpPr>
+            <a:grpSpLocks noChangeAspect="1"/>
+          </p:cNvGrpSpPr>
+          <p:nvPr/>
+        </p:nvGrpSpPr>
+        <p:grpSpPr>
+          <a:xfrm>
+            <a:off x="5152856" y="3961778"/>
+            <a:ext cx="1085846" cy="1460227"/>
+            <a:chOff x="738199" y="852893"/>
+            <a:chExt cx="1712154" cy="2302475"/>
+          </a:xfrm>
+        </p:grpSpPr>
+        <p:grpSp>
+          <p:nvGrpSpPr>
+            <p:cNvPr id="59" name="Группа 58">
+              <a:extLst>
+                <a:ext uri="{FF2B5EF4-FFF2-40B4-BE49-F238E27FC236}">
+                  <a16:creationId xmlns:a16="http://schemas.microsoft.com/office/drawing/2014/main" id="{B014DD65-D28D-4E54-BDD1-6187696B01AA}"/>
+                </a:ext>
+              </a:extLst>
+            </p:cNvPr>
+            <p:cNvGrpSpPr>
+              <a:grpSpLocks noChangeAspect="1"/>
+            </p:cNvGrpSpPr>
+            <p:nvPr/>
+          </p:nvGrpSpPr>
+          <p:grpSpPr>
+            <a:xfrm>
+              <a:off x="738199" y="852893"/>
+              <a:ext cx="1615458" cy="2210142"/>
+              <a:chOff x="-11535178" y="-1749837"/>
+              <a:chExt cx="5957428" cy="8150474"/>
+            </a:xfrm>
+          </p:grpSpPr>
+          <p:cxnSp>
+            <p:nvCxnSpPr>
+              <p:cNvPr id="30" name="Прямая со стрелкой 29">
+                <a:extLst>
+                  <a:ext uri="{FF2B5EF4-FFF2-40B4-BE49-F238E27FC236}">
+                    <a16:creationId xmlns:a16="http://schemas.microsoft.com/office/drawing/2014/main" id="{4468664F-311A-407D-8AF2-666CD52A7299}"/>
+                  </a:ext>
+                </a:extLst>
+              </p:cNvPr>
+              <p:cNvCxnSpPr>
+                <a:cxnSpLocks/>
+              </p:cNvCxnSpPr>
+              <p:nvPr/>
+            </p:nvCxnSpPr>
+            <p:spPr>
+              <a:xfrm>
+                <a:off x="-11535178" y="1368020"/>
+                <a:ext cx="5957428" cy="0"/>
+              </a:xfrm>
+              <a:prstGeom prst="straightConnector1">
+                <a:avLst/>
+              </a:prstGeom>
+              <a:ln w="19050">
+                <a:solidFill>
+                  <a:srgbClr val="FF0000"/>
+                </a:solidFill>
+                <a:tailEnd type="triangle"/>
+              </a:ln>
+            </p:spPr>
+            <p:style>
+              <a:lnRef idx="1">
+                <a:schemeClr val="accent1"/>
+              </a:lnRef>
+              <a:fillRef idx="0">
+                <a:schemeClr val="accent1"/>
+              </a:fillRef>
+              <a:effectRef idx="0">
+                <a:schemeClr val="accent1"/>
+              </a:effectRef>
+              <a:fontRef idx="minor">
+                <a:schemeClr val="tx1"/>
+              </a:fontRef>
+            </p:style>
+          </p:cxnSp>
+          <p:cxnSp>
+            <p:nvCxnSpPr>
+              <p:cNvPr id="52" name="Прямая со стрелкой 51">
+                <a:extLst>
+                  <a:ext uri="{FF2B5EF4-FFF2-40B4-BE49-F238E27FC236}">
+                    <a16:creationId xmlns:a16="http://schemas.microsoft.com/office/drawing/2014/main" id="{0C9D142C-B96D-49EC-92D1-D9B9B63613EB}"/>
+                  </a:ext>
+                </a:extLst>
+              </p:cNvPr>
+              <p:cNvCxnSpPr>
+                <a:cxnSpLocks/>
+              </p:cNvCxnSpPr>
+              <p:nvPr/>
+            </p:nvCxnSpPr>
+            <p:spPr>
+              <a:xfrm flipV="1">
+                <a:off x="-11535178" y="-1749837"/>
+                <a:ext cx="3117861" cy="3117858"/>
+              </a:xfrm>
+              <a:prstGeom prst="straightConnector1">
+                <a:avLst/>
+              </a:prstGeom>
+              <a:ln w="19050">
+                <a:solidFill>
+                  <a:srgbClr val="FF0000"/>
+                </a:solidFill>
+                <a:tailEnd type="triangle"/>
+              </a:ln>
+            </p:spPr>
+            <p:style>
+              <a:lnRef idx="1">
+                <a:schemeClr val="accent1"/>
+              </a:lnRef>
+              <a:fillRef idx="0">
+                <a:schemeClr val="accent1"/>
+              </a:fillRef>
+              <a:effectRef idx="0">
+                <a:schemeClr val="accent1"/>
+              </a:effectRef>
+              <a:fontRef idx="minor">
+                <a:schemeClr val="tx1"/>
+              </a:fontRef>
+            </p:style>
+          </p:cxnSp>
+          <p:cxnSp>
+            <p:nvCxnSpPr>
+              <p:cNvPr id="58" name="Прямая со стрелкой 57">
+                <a:extLst>
+                  <a:ext uri="{FF2B5EF4-FFF2-40B4-BE49-F238E27FC236}">
+                    <a16:creationId xmlns:a16="http://schemas.microsoft.com/office/drawing/2014/main" id="{B1D426AB-97F6-48A5-A530-C0F91D161D7E}"/>
+                  </a:ext>
+                </a:extLst>
+              </p:cNvPr>
+              <p:cNvCxnSpPr>
+                <a:cxnSpLocks/>
+              </p:cNvCxnSpPr>
+              <p:nvPr/>
+            </p:nvCxnSpPr>
+            <p:spPr>
+              <a:xfrm>
+                <a:off x="-11502534" y="1368020"/>
+                <a:ext cx="0" cy="5032617"/>
+              </a:xfrm>
+              <a:prstGeom prst="straightConnector1">
+                <a:avLst/>
+              </a:prstGeom>
+              <a:ln w="19050">
+                <a:solidFill>
+                  <a:srgbClr val="FF0000"/>
+                </a:solidFill>
+                <a:tailEnd type="triangle"/>
+              </a:ln>
+            </p:spPr>
+            <p:style>
+              <a:lnRef idx="1">
+                <a:schemeClr val="accent1"/>
+              </a:lnRef>
+              <a:fillRef idx="0">
+                <a:schemeClr val="accent1"/>
+              </a:fillRef>
+              <a:effectRef idx="0">
+                <a:schemeClr val="accent1"/>
+              </a:effectRef>
+              <a:fontRef idx="minor">
+                <a:schemeClr val="tx1"/>
+              </a:fontRef>
+            </p:style>
+          </p:cxnSp>
+        </p:grpSp>
+        <mc:AlternateContent xmlns:mc="http://schemas.openxmlformats.org/markup-compatibility/2006" xmlns:a14="http://schemas.microsoft.com/office/drawing/2010/main">
+          <mc:Choice Requires="a14">
+            <p:sp>
+              <p:nvSpPr>
+                <p:cNvPr id="84" name="TextBox 83">
+                  <a:extLst>
+                    <a:ext uri="{FF2B5EF4-FFF2-40B4-BE49-F238E27FC236}">
+                      <a16:creationId xmlns:a16="http://schemas.microsoft.com/office/drawing/2014/main" id="{C96AB7BD-C965-4A01-B9FF-DE1EB9F44893}"/>
+                    </a:ext>
+                  </a:extLst>
+                </p:cNvPr>
+                <p:cNvSpPr txBox="1"/>
+                <p:nvPr/>
+              </p:nvSpPr>
+              <p:spPr>
+                <a:xfrm>
+                  <a:off x="1632138" y="852893"/>
+                  <a:ext cx="121700" cy="184666"/>
+                </a:xfrm>
+                <a:prstGeom prst="rect">
+                  <a:avLst/>
+                </a:prstGeom>
+                <a:noFill/>
+              </p:spPr>
+              <p:txBody>
+                <a:bodyPr wrap="none" lIns="0" tIns="0" rIns="0" bIns="0" rtlCol="0">
+                  <a:spAutoFit/>
+                </a:bodyPr>
+                <a:lstStyle/>
+                <a:p>
+                  <a:pPr/>
+                  <a14:m>
+                    <m:oMathPara xmlns:m="http://schemas.openxmlformats.org/officeDocument/2006/math">
+                      <m:oMathParaPr>
+                        <m:jc m:val="centerGroup"/>
+                      </m:oMathParaPr>
+                      <m:oMath xmlns:m="http://schemas.openxmlformats.org/officeDocument/2006/math">
+                        <m:r>
+                          <a:rPr lang="en-US" sz="1200" b="0" i="1" smtClean="0">
+                            <a:latin typeface="Cambria Math" panose="02040503050406030204" pitchFamily="18" charset="0"/>
+                          </a:rPr>
+                          <m:t>𝑥</m:t>
+                        </m:r>
+                      </m:oMath>
+                    </m:oMathPara>
+                  </a14:m>
+                  <a:endParaRPr lang="ru-RU" dirty="0"/>
+                </a:p>
+              </p:txBody>
+            </p:sp>
+          </mc:Choice>
+          <mc:Fallback xmlns="">
+            <p:sp>
+              <p:nvSpPr>
+                <p:cNvPr id="84" name="TextBox 83">
+                  <a:extLst>
+                    <a:ext uri="{FF2B5EF4-FFF2-40B4-BE49-F238E27FC236}">
+                      <a16:creationId xmlns:a16="http://schemas.microsoft.com/office/drawing/2014/main" id="{C96AB7BD-C965-4A01-B9FF-DE1EB9F44893}"/>
+                    </a:ext>
+                  </a:extLst>
+                </p:cNvPr>
+                <p:cNvSpPr txBox="1">
+                  <a:spLocks noRot="1" noChangeAspect="1" noMove="1" noResize="1" noEditPoints="1" noAdjustHandles="1" noChangeArrowheads="1" noChangeShapeType="1" noTextEdit="1"/>
+                </p:cNvSpPr>
+                <p:nvPr/>
+              </p:nvSpPr>
+              <p:spPr>
+                <a:xfrm>
+                  <a:off x="1632138" y="852893"/>
+                  <a:ext cx="121700" cy="184666"/>
+                </a:xfrm>
+                <a:prstGeom prst="rect">
+                  <a:avLst/>
+                </a:prstGeom>
+                <a:blipFill>
+                  <a:blip r:embed="rId2"/>
+                  <a:stretch>
+                    <a:fillRect l="-15000" r="-15000"/>
+                  </a:stretch>
+                </a:blipFill>
+              </p:spPr>
+              <p:txBody>
+                <a:bodyPr/>
+                <a:lstStyle/>
+                <a:p>
+                  <a:r>
+                    <a:rPr lang="ru-RU">
+                      <a:noFill/>
+                    </a:rPr>
+                    <a:t> </a:t>
+                  </a:r>
+                </a:p>
+              </p:txBody>
+            </p:sp>
+          </mc:Fallback>
+        </mc:AlternateContent>
+        <mc:AlternateContent xmlns:mc="http://schemas.openxmlformats.org/markup-compatibility/2006" xmlns:a14="http://schemas.microsoft.com/office/drawing/2010/main">
+          <mc:Choice Requires="a14">
+            <p:sp>
+              <p:nvSpPr>
+                <p:cNvPr id="85" name="TextBox 84">
+                  <a:extLst>
+                    <a:ext uri="{FF2B5EF4-FFF2-40B4-BE49-F238E27FC236}">
+                      <a16:creationId xmlns:a16="http://schemas.microsoft.com/office/drawing/2014/main" id="{2CB354C6-4B15-4C68-B5F1-F7C486A29F5D}"/>
+                    </a:ext>
+                  </a:extLst>
+                </p:cNvPr>
+                <p:cNvSpPr txBox="1"/>
+                <p:nvPr/>
+              </p:nvSpPr>
+              <p:spPr>
+                <a:xfrm>
+                  <a:off x="2325895" y="1825383"/>
+                  <a:ext cx="124458" cy="184666"/>
+                </a:xfrm>
+                <a:prstGeom prst="rect">
+                  <a:avLst/>
+                </a:prstGeom>
+                <a:noFill/>
+              </p:spPr>
+              <p:txBody>
+                <a:bodyPr wrap="none" lIns="0" tIns="0" rIns="0" bIns="0" rtlCol="0">
+                  <a:spAutoFit/>
+                </a:bodyPr>
+                <a:lstStyle/>
+                <a:p>
+                  <a:pPr/>
+                  <a14:m>
+                    <m:oMathPara xmlns:m="http://schemas.openxmlformats.org/officeDocument/2006/math">
+                      <m:oMathParaPr>
+                        <m:jc m:val="centerGroup"/>
+                      </m:oMathParaPr>
+                      <m:oMath xmlns:m="http://schemas.openxmlformats.org/officeDocument/2006/math">
+                        <m:r>
+                          <a:rPr lang="en-US" sz="1200" b="0" i="1" smtClean="0">
+                            <a:latin typeface="Cambria Math" panose="02040503050406030204" pitchFamily="18" charset="0"/>
+                          </a:rPr>
+                          <m:t>𝑦</m:t>
+                        </m:r>
+                      </m:oMath>
+                    </m:oMathPara>
+                  </a14:m>
+                  <a:endParaRPr lang="ru-RU" dirty="0"/>
+                </a:p>
+              </p:txBody>
+            </p:sp>
+          </mc:Choice>
+          <mc:Fallback xmlns="">
+            <p:sp>
+              <p:nvSpPr>
+                <p:cNvPr id="85" name="TextBox 84">
+                  <a:extLst>
+                    <a:ext uri="{FF2B5EF4-FFF2-40B4-BE49-F238E27FC236}">
+                      <a16:creationId xmlns:a16="http://schemas.microsoft.com/office/drawing/2014/main" id="{2CB354C6-4B15-4C68-B5F1-F7C486A29F5D}"/>
+                    </a:ext>
+                  </a:extLst>
+                </p:cNvPr>
+                <p:cNvSpPr txBox="1">
+                  <a:spLocks noRot="1" noChangeAspect="1" noMove="1" noResize="1" noEditPoints="1" noAdjustHandles="1" noChangeArrowheads="1" noChangeShapeType="1" noTextEdit="1"/>
+                </p:cNvSpPr>
+                <p:nvPr/>
+              </p:nvSpPr>
+              <p:spPr>
+                <a:xfrm>
+                  <a:off x="2325895" y="1825383"/>
+                  <a:ext cx="124458" cy="184666"/>
+                </a:xfrm>
+                <a:prstGeom prst="rect">
+                  <a:avLst/>
+                </a:prstGeom>
+                <a:blipFill>
+                  <a:blip r:embed="rId3"/>
+                  <a:stretch>
+                    <a:fillRect l="-28571" r="-23810" b="-23333"/>
+                  </a:stretch>
+                </a:blipFill>
+              </p:spPr>
+              <p:txBody>
+                <a:bodyPr/>
+                <a:lstStyle/>
+                <a:p>
+                  <a:r>
+                    <a:rPr lang="ru-RU">
+                      <a:noFill/>
+                    </a:rPr>
+                    <a:t> </a:t>
+                  </a:r>
+                </a:p>
+              </p:txBody>
+            </p:sp>
+          </mc:Fallback>
+        </mc:AlternateContent>
+        <mc:AlternateContent xmlns:mc="http://schemas.openxmlformats.org/markup-compatibility/2006" xmlns:a14="http://schemas.microsoft.com/office/drawing/2010/main">
+          <mc:Choice Requires="a14">
+            <p:sp>
+              <p:nvSpPr>
+                <p:cNvPr id="86" name="TextBox 85">
+                  <a:extLst>
+                    <a:ext uri="{FF2B5EF4-FFF2-40B4-BE49-F238E27FC236}">
+                      <a16:creationId xmlns:a16="http://schemas.microsoft.com/office/drawing/2014/main" id="{259E9A8A-4EC5-43DB-B027-A2D88FFFA435}"/>
+                    </a:ext>
+                  </a:extLst>
+                </p:cNvPr>
+                <p:cNvSpPr txBox="1"/>
+                <p:nvPr/>
+              </p:nvSpPr>
+              <p:spPr>
+                <a:xfrm>
+                  <a:off x="852632" y="2970702"/>
+                  <a:ext cx="111634" cy="184666"/>
+                </a:xfrm>
+                <a:prstGeom prst="rect">
+                  <a:avLst/>
+                </a:prstGeom>
+                <a:noFill/>
+              </p:spPr>
+              <p:txBody>
+                <a:bodyPr wrap="none" lIns="0" tIns="0" rIns="0" bIns="0" rtlCol="0">
+                  <a:spAutoFit/>
+                </a:bodyPr>
+                <a:lstStyle/>
+                <a:p>
+                  <a:pPr/>
+                  <a14:m>
+                    <m:oMathPara xmlns:m="http://schemas.openxmlformats.org/officeDocument/2006/math">
+                      <m:oMathParaPr>
+                        <m:jc m:val="centerGroup"/>
+                      </m:oMathParaPr>
+                      <m:oMath xmlns:m="http://schemas.openxmlformats.org/officeDocument/2006/math">
+                        <m:r>
+                          <a:rPr lang="en-US" sz="1200" b="0" i="1" smtClean="0">
+                            <a:latin typeface="Cambria Math" panose="02040503050406030204" pitchFamily="18" charset="0"/>
+                          </a:rPr>
+                          <m:t>𝑧</m:t>
+                        </m:r>
+                      </m:oMath>
+                    </m:oMathPara>
+                  </a14:m>
+                  <a:endParaRPr lang="ru-RU" dirty="0"/>
+                </a:p>
+              </p:txBody>
+            </p:sp>
+          </mc:Choice>
+          <mc:Fallback xmlns="">
+            <p:sp>
+              <p:nvSpPr>
+                <p:cNvPr id="86" name="TextBox 85">
+                  <a:extLst>
+                    <a:ext uri="{FF2B5EF4-FFF2-40B4-BE49-F238E27FC236}">
+                      <a16:creationId xmlns:a16="http://schemas.microsoft.com/office/drawing/2014/main" id="{259E9A8A-4EC5-43DB-B027-A2D88FFFA435}"/>
+                    </a:ext>
+                  </a:extLst>
+                </p:cNvPr>
+                <p:cNvSpPr txBox="1">
+                  <a:spLocks noRot="1" noChangeAspect="1" noMove="1" noResize="1" noEditPoints="1" noAdjustHandles="1" noChangeArrowheads="1" noChangeShapeType="1" noTextEdit="1"/>
+                </p:cNvSpPr>
+                <p:nvPr/>
+              </p:nvSpPr>
+              <p:spPr>
+                <a:xfrm>
+                  <a:off x="852632" y="2970702"/>
+                  <a:ext cx="111634" cy="184666"/>
+                </a:xfrm>
+                <a:prstGeom prst="rect">
+                  <a:avLst/>
+                </a:prstGeom>
+                <a:blipFill>
+                  <a:blip r:embed="rId4"/>
+                  <a:stretch>
+                    <a:fillRect l="-22222" r="-16667"/>
+                  </a:stretch>
+                </a:blipFill>
+              </p:spPr>
+              <p:txBody>
+                <a:bodyPr/>
+                <a:lstStyle/>
+                <a:p>
+                  <a:r>
+                    <a:rPr lang="ru-RU">
+                      <a:noFill/>
+                    </a:rPr>
+                    <a:t> </a:t>
+                  </a:r>
+                </a:p>
+              </p:txBody>
+            </p:sp>
+          </mc:Fallback>
+        </mc:AlternateContent>
+      </p:grpSp>
+      <p:sp>
+        <p:nvSpPr>
+          <p:cNvPr id="13" name="Параллелограмм 12">
+            <a:extLst>
+              <a:ext uri="{FF2B5EF4-FFF2-40B4-BE49-F238E27FC236}">
+                <a16:creationId xmlns:a16="http://schemas.microsoft.com/office/drawing/2014/main" id="{E38672D2-D47A-4B0B-805C-B8EA6F063F61}"/>
+              </a:ext>
+            </a:extLst>
+          </p:cNvPr>
+          <p:cNvSpPr/>
+          <p:nvPr/>
+        </p:nvSpPr>
+        <p:spPr>
+          <a:xfrm>
+            <a:off x="3006113" y="1558341"/>
+            <a:ext cx="6595788" cy="2144330"/>
+          </a:xfrm>
+          <a:prstGeom prst="parallelogram">
+            <a:avLst>
+              <a:gd name="adj" fmla="val 100913"/>
+            </a:avLst>
+          </a:prstGeom>
+          <a:noFill/>
+          <a:ln w="6350">
+            <a:solidFill>
+              <a:schemeClr val="tx1"/>
+            </a:solidFill>
+          </a:ln>
+        </p:spPr>
+        <p:style>
+          <a:lnRef idx="2">
+            <a:schemeClr val="accent1">
+              <a:shade val="50000"/>
+            </a:schemeClr>
+          </a:lnRef>
+          <a:fillRef idx="1">
+            <a:schemeClr val="accent1"/>
+          </a:fillRef>
+          <a:effectRef idx="0">
+            <a:schemeClr val="accent1"/>
+          </a:effectRef>
+          <a:fontRef idx="minor">
+            <a:schemeClr val="lt1"/>
+          </a:fontRef>
+        </p:style>
+        <p:txBody>
+          <a:bodyPr rtlCol="0" anchor="ctr"/>
+          <a:lstStyle/>
+          <a:p>
+            <a:pPr algn="ctr"/>
+            <a:endParaRPr lang="ru-RU"/>
+          </a:p>
+        </p:txBody>
+      </p:sp>
+    </p:spTree>
+    <p:extLst>
+      <p:ext uri="{BB962C8B-B14F-4D97-AF65-F5344CB8AC3E}">
+        <p14:creationId xmlns:p14="http://schemas.microsoft.com/office/powerpoint/2010/main" val="2878198627"/>
+      </p:ext>
+    </p:extLst>
+  </p:cSld>
+  <p:clrMapOvr>
+    <a:masterClrMapping/>
+  </p:clrMapOvr>
+</p:sld>
+</file>
+
+<file path=ppt/slides/slide4.xml><?xml version="1.0" encoding="utf-8"?>
+<p:sld xmlns:a="http://schemas.openxmlformats.org/drawingml/2006/main" xmlns:r="http://schemas.openxmlformats.org/officeDocument/2006/relationships" xmlns:p="http://schemas.openxmlformats.org/presentationml/2006/main">
+  <p:cSld>
+    <p:spTree>
+      <p:nvGrpSpPr>
+        <p:cNvPr id="1" name=""/>
+        <p:cNvGrpSpPr/>
+        <p:nvPr/>
+      </p:nvGrpSpPr>
+      <p:grpSpPr>
+        <a:xfrm>
+          <a:off x="0" y="0"/>
+          <a:ext cx="0" cy="0"/>
+          <a:chOff x="0" y="0"/>
+          <a:chExt cx="0" cy="0"/>
+        </a:xfrm>
+      </p:grpSpPr>
+      <p:grpSp>
+        <p:nvGrpSpPr>
+          <p:cNvPr id="9" name="Группа 8">
+            <a:extLst>
+              <a:ext uri="{FF2B5EF4-FFF2-40B4-BE49-F238E27FC236}">
+                <a16:creationId xmlns:a16="http://schemas.microsoft.com/office/drawing/2014/main" id="{880AA7AC-8423-4006-80B0-6D95C0914AAA}"/>
+              </a:ext>
+            </a:extLst>
+          </p:cNvPr>
+          <p:cNvGrpSpPr>
+            <a:grpSpLocks noChangeAspect="1"/>
+          </p:cNvGrpSpPr>
+          <p:nvPr/>
+        </p:nvGrpSpPr>
+        <p:grpSpPr>
+          <a:xfrm>
+            <a:off x="6881710" y="1320415"/>
+            <a:ext cx="2790147" cy="3918422"/>
+            <a:chOff x="8280071" y="805644"/>
+            <a:chExt cx="3702115" cy="5199170"/>
+          </a:xfrm>
+        </p:grpSpPr>
+        <mc:AlternateContent xmlns:mc="http://schemas.openxmlformats.org/markup-compatibility/2006">
+          <mc:Choice xmlns:a14="http://schemas.microsoft.com/office/drawing/2010/main" Requires="a14">
+            <p:sp>
+              <p:nvSpPr>
+                <p:cNvPr id="54" name="TextBox 53">
+                  <a:extLst>
+                    <a:ext uri="{FF2B5EF4-FFF2-40B4-BE49-F238E27FC236}">
+                      <a16:creationId xmlns:a16="http://schemas.microsoft.com/office/drawing/2014/main" id="{DAC339CE-617E-4370-BE3A-1CA9FD2F2E6F}"/>
+                    </a:ext>
+                  </a:extLst>
+                </p:cNvPr>
+                <p:cNvSpPr txBox="1"/>
+                <p:nvPr/>
+              </p:nvSpPr>
+              <p:spPr>
+                <a:xfrm>
+                  <a:off x="8325570" y="2807666"/>
+                  <a:ext cx="252184" cy="299249"/>
+                </a:xfrm>
+                <a:prstGeom prst="rect">
+                  <a:avLst/>
+                </a:prstGeom>
+                <a:noFill/>
+              </p:spPr>
+              <p:txBody>
+                <a:bodyPr wrap="none" lIns="0" tIns="0" rIns="0" bIns="0" rtlCol="0">
+                  <a:spAutoFit/>
+                </a:bodyPr>
+                <a:lstStyle/>
+                <a:p>
+                  <a:pPr/>
+                  <a14:m>
+                    <m:oMathPara xmlns:m="http://schemas.openxmlformats.org/officeDocument/2006/math">
+                      <m:oMathParaPr>
+                        <m:jc m:val="centerGroup"/>
+                      </m:oMathParaPr>
+                      <m:oMath xmlns:m="http://schemas.openxmlformats.org/officeDocument/2006/math">
+                        <m:sSub>
+                          <m:sSubPr>
+                            <m:ctrlPr>
+                              <a:rPr lang="el-GR" i="1" smtClean="0">
+                                <a:latin typeface="Cambria Math" panose="02040503050406030204" pitchFamily="18" charset="0"/>
+                                <a:ea typeface="Cambria Math" panose="02040503050406030204" pitchFamily="18" charset="0"/>
+                              </a:rPr>
+                            </m:ctrlPr>
+                          </m:sSubPr>
+                          <m:e>
+                            <m:r>
+                              <m:rPr>
+                                <m:sty m:val="p"/>
+                              </m:rPr>
+                              <a:rPr lang="el-GR" i="1" smtClean="0">
+                                <a:latin typeface="Cambria Math" panose="02040503050406030204" pitchFamily="18" charset="0"/>
+                                <a:ea typeface="Cambria Math" panose="02040503050406030204" pitchFamily="18" charset="0"/>
+                              </a:rPr>
+                              <m:t>Γ</m:t>
+                            </m:r>
+                          </m:e>
+                          <m:sub>
+                            <m:r>
+                              <a:rPr lang="en-US" b="0" i="1" smtClean="0">
+                                <a:latin typeface="Cambria Math" panose="02040503050406030204" pitchFamily="18" charset="0"/>
+                                <a:ea typeface="Cambria Math" panose="02040503050406030204" pitchFamily="18" charset="0"/>
+                              </a:rPr>
+                              <m:t>𝑓</m:t>
+                            </m:r>
+                          </m:sub>
+                        </m:sSub>
+                      </m:oMath>
+                    </m:oMathPara>
+                  </a14:m>
+                  <a:endParaRPr lang="ru-RU" dirty="0"/>
+                </a:p>
+              </p:txBody>
+            </p:sp>
+          </mc:Choice>
+          <mc:Fallback>
+            <p:sp>
+              <p:nvSpPr>
+                <p:cNvPr id="54" name="TextBox 53">
+                  <a:extLst>
+                    <a:ext uri="{FF2B5EF4-FFF2-40B4-BE49-F238E27FC236}">
+                      <a16:creationId xmlns:a16="http://schemas.microsoft.com/office/drawing/2014/main" id="{DAC339CE-617E-4370-BE3A-1CA9FD2F2E6F}"/>
+                    </a:ext>
+                  </a:extLst>
+                </p:cNvPr>
+                <p:cNvSpPr txBox="1">
+                  <a:spLocks noRot="1" noChangeAspect="1" noMove="1" noResize="1" noEditPoints="1" noAdjustHandles="1" noChangeArrowheads="1" noChangeShapeType="1" noTextEdit="1"/>
+                </p:cNvSpPr>
+                <p:nvPr/>
+              </p:nvSpPr>
+              <p:spPr>
+                <a:xfrm>
+                  <a:off x="8325570" y="2807666"/>
+                  <a:ext cx="252184" cy="299249"/>
+                </a:xfrm>
+                <a:prstGeom prst="rect">
+                  <a:avLst/>
+                </a:prstGeom>
+                <a:blipFill>
+                  <a:blip r:embed="rId2"/>
+                  <a:stretch>
+                    <a:fillRect l="-45161" r="-41935" b="-70270"/>
+                  </a:stretch>
+                </a:blipFill>
+              </p:spPr>
+              <p:txBody>
+                <a:bodyPr/>
+                <a:lstStyle/>
+                <a:p>
+                  <a:r>
+                    <a:rPr lang="ru-RU">
+                      <a:noFill/>
+                    </a:rPr>
+                    <a:t> </a:t>
+                  </a:r>
+                </a:p>
+              </p:txBody>
+            </p:sp>
+          </mc:Fallback>
+        </mc:AlternateContent>
+        <mc:AlternateContent xmlns:mc="http://schemas.openxmlformats.org/markup-compatibility/2006">
+          <mc:Choice xmlns:a14="http://schemas.microsoft.com/office/drawing/2010/main" Requires="a14">
+            <p:sp>
+              <p:nvSpPr>
+                <p:cNvPr id="55" name="TextBox 54">
+                  <a:extLst>
+                    <a:ext uri="{FF2B5EF4-FFF2-40B4-BE49-F238E27FC236}">
+                      <a16:creationId xmlns:a16="http://schemas.microsoft.com/office/drawing/2014/main" id="{D9204134-02BC-41D7-9D1A-EF71AEB13194}"/>
+                    </a:ext>
+                  </a:extLst>
+                </p:cNvPr>
+                <p:cNvSpPr txBox="1"/>
+                <p:nvPr/>
+              </p:nvSpPr>
+              <p:spPr>
+                <a:xfrm>
+                  <a:off x="8280071" y="4949686"/>
+                  <a:ext cx="278923" cy="276999"/>
+                </a:xfrm>
+                <a:prstGeom prst="rect">
+                  <a:avLst/>
+                </a:prstGeom>
+                <a:noFill/>
+              </p:spPr>
+              <p:txBody>
+                <a:bodyPr wrap="none" lIns="0" tIns="0" rIns="0" bIns="0" rtlCol="0">
+                  <a:spAutoFit/>
+                </a:bodyPr>
+                <a:lstStyle/>
+                <a:p>
+                  <a:pPr/>
+                  <a14:m>
+                    <m:oMathPara xmlns:m="http://schemas.openxmlformats.org/officeDocument/2006/math">
+                      <m:oMathParaPr>
+                        <m:jc m:val="centerGroup"/>
+                      </m:oMathParaPr>
+                      <m:oMath xmlns:m="http://schemas.openxmlformats.org/officeDocument/2006/math">
+                        <m:sSub>
+                          <m:sSubPr>
+                            <m:ctrlPr>
+                              <a:rPr lang="el-GR" i="1" smtClean="0">
+                                <a:latin typeface="Cambria Math" panose="02040503050406030204" pitchFamily="18" charset="0"/>
+                                <a:ea typeface="Cambria Math" panose="02040503050406030204" pitchFamily="18" charset="0"/>
+                              </a:rPr>
+                            </m:ctrlPr>
+                          </m:sSubPr>
+                          <m:e>
+                            <m:r>
+                              <m:rPr>
+                                <m:sty m:val="p"/>
+                              </m:rPr>
+                              <a:rPr lang="el-GR" i="1" smtClean="0">
+                                <a:latin typeface="Cambria Math" panose="02040503050406030204" pitchFamily="18" charset="0"/>
+                                <a:ea typeface="Cambria Math" panose="02040503050406030204" pitchFamily="18" charset="0"/>
+                              </a:rPr>
+                              <m:t>Γ</m:t>
+                            </m:r>
+                          </m:e>
+                          <m:sub>
+                            <m:r>
+                              <a:rPr lang="en-US" b="0" i="1" smtClean="0">
+                                <a:latin typeface="Cambria Math" panose="02040503050406030204" pitchFamily="18" charset="0"/>
+                                <a:ea typeface="Cambria Math" panose="02040503050406030204" pitchFamily="18" charset="0"/>
+                              </a:rPr>
+                              <m:t>𝐵</m:t>
+                            </m:r>
+                          </m:sub>
+                        </m:sSub>
+                      </m:oMath>
+                    </m:oMathPara>
+                  </a14:m>
+                  <a:endParaRPr lang="ru-RU" dirty="0"/>
+                </a:p>
+              </p:txBody>
+            </p:sp>
+          </mc:Choice>
+          <mc:Fallback>
+            <p:sp>
+              <p:nvSpPr>
+                <p:cNvPr id="55" name="TextBox 54">
+                  <a:extLst>
+                    <a:ext uri="{FF2B5EF4-FFF2-40B4-BE49-F238E27FC236}">
+                      <a16:creationId xmlns:a16="http://schemas.microsoft.com/office/drawing/2014/main" id="{D9204134-02BC-41D7-9D1A-EF71AEB13194}"/>
+                    </a:ext>
+                  </a:extLst>
+                </p:cNvPr>
+                <p:cNvSpPr txBox="1">
+                  <a:spLocks noRot="1" noChangeAspect="1" noMove="1" noResize="1" noEditPoints="1" noAdjustHandles="1" noChangeArrowheads="1" noChangeShapeType="1" noTextEdit="1"/>
+                </p:cNvSpPr>
+                <p:nvPr/>
+              </p:nvSpPr>
+              <p:spPr>
+                <a:xfrm>
+                  <a:off x="8280071" y="4949686"/>
+                  <a:ext cx="278923" cy="276999"/>
+                </a:xfrm>
+                <a:prstGeom prst="rect">
+                  <a:avLst/>
+                </a:prstGeom>
+                <a:blipFill>
+                  <a:blip r:embed="rId3"/>
+                  <a:stretch>
+                    <a:fillRect l="-41176" r="-29412" b="-52941"/>
+                  </a:stretch>
+                </a:blipFill>
+              </p:spPr>
+              <p:txBody>
+                <a:bodyPr/>
+                <a:lstStyle/>
+                <a:p>
+                  <a:r>
+                    <a:rPr lang="ru-RU">
+                      <a:noFill/>
+                    </a:rPr>
+                    <a:t> </a:t>
+                  </a:r>
+                </a:p>
+              </p:txBody>
+            </p:sp>
+          </mc:Fallback>
+        </mc:AlternateContent>
+        <mc:AlternateContent xmlns:mc="http://schemas.openxmlformats.org/markup-compatibility/2006">
+          <mc:Choice xmlns:a14="http://schemas.microsoft.com/office/drawing/2010/main" Requires="a14">
+            <p:sp>
+              <p:nvSpPr>
+                <p:cNvPr id="56" name="TextBox 55">
+                  <a:extLst>
+                    <a:ext uri="{FF2B5EF4-FFF2-40B4-BE49-F238E27FC236}">
+                      <a16:creationId xmlns:a16="http://schemas.microsoft.com/office/drawing/2014/main" id="{B8919DCD-7460-4A82-9E2D-C17D75BFDE40}"/>
+                    </a:ext>
+                  </a:extLst>
+                </p:cNvPr>
+                <p:cNvSpPr txBox="1"/>
+                <p:nvPr/>
+              </p:nvSpPr>
+              <p:spPr>
+                <a:xfrm>
+                  <a:off x="10039190" y="5727815"/>
+                  <a:ext cx="276293" cy="276999"/>
+                </a:xfrm>
+                <a:prstGeom prst="rect">
+                  <a:avLst/>
+                </a:prstGeom>
+                <a:noFill/>
+              </p:spPr>
+              <p:txBody>
+                <a:bodyPr wrap="none" lIns="0" tIns="0" rIns="0" bIns="0" rtlCol="0">
+                  <a:spAutoFit/>
+                </a:bodyPr>
+                <a:lstStyle/>
+                <a:p>
+                  <a:pPr/>
+                  <a14:m>
+                    <m:oMathPara xmlns:m="http://schemas.openxmlformats.org/officeDocument/2006/math">
+                      <m:oMathParaPr>
+                        <m:jc m:val="centerGroup"/>
+                      </m:oMathParaPr>
+                      <m:oMath xmlns:m="http://schemas.openxmlformats.org/officeDocument/2006/math">
+                        <m:sSub>
+                          <m:sSubPr>
+                            <m:ctrlPr>
+                              <a:rPr lang="el-GR" i="1" smtClean="0">
+                                <a:latin typeface="Cambria Math" panose="02040503050406030204" pitchFamily="18" charset="0"/>
+                                <a:ea typeface="Cambria Math" panose="02040503050406030204" pitchFamily="18" charset="0"/>
+                              </a:rPr>
+                            </m:ctrlPr>
+                          </m:sSubPr>
+                          <m:e>
+                            <m:r>
+                              <m:rPr>
+                                <m:sty m:val="p"/>
+                              </m:rPr>
+                              <a:rPr lang="el-GR" i="1" smtClean="0">
+                                <a:latin typeface="Cambria Math" panose="02040503050406030204" pitchFamily="18" charset="0"/>
+                                <a:ea typeface="Cambria Math" panose="02040503050406030204" pitchFamily="18" charset="0"/>
+                              </a:rPr>
+                              <m:t>Γ</m:t>
+                            </m:r>
+                          </m:e>
+                          <m:sub>
+                            <m:r>
+                              <a:rPr lang="en-US" b="0" i="1" smtClean="0">
+                                <a:latin typeface="Cambria Math" panose="02040503050406030204" pitchFamily="18" charset="0"/>
+                                <a:ea typeface="Cambria Math" panose="02040503050406030204" pitchFamily="18" charset="0"/>
+                              </a:rPr>
+                              <m:t>𝑅</m:t>
+                            </m:r>
+                          </m:sub>
+                        </m:sSub>
+                      </m:oMath>
+                    </m:oMathPara>
+                  </a14:m>
+                  <a:endParaRPr lang="ru-RU" dirty="0"/>
+                </a:p>
+              </p:txBody>
+            </p:sp>
+          </mc:Choice>
+          <mc:Fallback>
+            <p:sp>
+              <p:nvSpPr>
+                <p:cNvPr id="56" name="TextBox 55">
+                  <a:extLst>
+                    <a:ext uri="{FF2B5EF4-FFF2-40B4-BE49-F238E27FC236}">
+                      <a16:creationId xmlns:a16="http://schemas.microsoft.com/office/drawing/2014/main" id="{B8919DCD-7460-4A82-9E2D-C17D75BFDE40}"/>
+                    </a:ext>
+                  </a:extLst>
+                </p:cNvPr>
+                <p:cNvSpPr txBox="1">
+                  <a:spLocks noRot="1" noChangeAspect="1" noMove="1" noResize="1" noEditPoints="1" noAdjustHandles="1" noChangeArrowheads="1" noChangeShapeType="1" noTextEdit="1"/>
+                </p:cNvSpPr>
+                <p:nvPr/>
+              </p:nvSpPr>
+              <p:spPr>
+                <a:xfrm>
+                  <a:off x="10039190" y="5727815"/>
+                  <a:ext cx="276293" cy="276999"/>
+                </a:xfrm>
+                <a:prstGeom prst="rect">
+                  <a:avLst/>
+                </a:prstGeom>
+                <a:blipFill>
+                  <a:blip r:embed="rId4"/>
+                  <a:stretch>
+                    <a:fillRect l="-37143" r="-25714" b="-55882"/>
+                  </a:stretch>
+                </a:blipFill>
+              </p:spPr>
+              <p:txBody>
+                <a:bodyPr/>
+                <a:lstStyle/>
+                <a:p>
+                  <a:r>
+                    <a:rPr lang="ru-RU">
+                      <a:noFill/>
+                    </a:rPr>
+                    <a:t> </a:t>
+                  </a:r>
+                </a:p>
+              </p:txBody>
+            </p:sp>
+          </mc:Fallback>
+        </mc:AlternateContent>
+        <mc:AlternateContent xmlns:mc="http://schemas.openxmlformats.org/markup-compatibility/2006">
+          <mc:Choice xmlns:a14="http://schemas.microsoft.com/office/drawing/2010/main" Requires="a14">
+            <p:sp>
+              <p:nvSpPr>
+                <p:cNvPr id="57" name="TextBox 56">
+                  <a:extLst>
+                    <a:ext uri="{FF2B5EF4-FFF2-40B4-BE49-F238E27FC236}">
+                      <a16:creationId xmlns:a16="http://schemas.microsoft.com/office/drawing/2014/main" id="{36F7520C-335F-4F0F-97F7-75A7B75C023B}"/>
+                    </a:ext>
+                  </a:extLst>
+                </p:cNvPr>
+                <p:cNvSpPr txBox="1"/>
+                <p:nvPr/>
+              </p:nvSpPr>
+              <p:spPr>
+                <a:xfrm>
+                  <a:off x="11704098" y="2850656"/>
+                  <a:ext cx="278088" cy="276999"/>
+                </a:xfrm>
+                <a:prstGeom prst="rect">
+                  <a:avLst/>
+                </a:prstGeom>
+                <a:noFill/>
+              </p:spPr>
+              <p:txBody>
+                <a:bodyPr wrap="none" lIns="0" tIns="0" rIns="0" bIns="0" rtlCol="0">
+                  <a:spAutoFit/>
+                </a:bodyPr>
+                <a:lstStyle/>
+                <a:p>
+                  <a:pPr/>
+                  <a14:m>
+                    <m:oMathPara xmlns:m="http://schemas.openxmlformats.org/officeDocument/2006/math">
+                      <m:oMathParaPr>
+                        <m:jc m:val="centerGroup"/>
+                      </m:oMathParaPr>
+                      <m:oMath xmlns:m="http://schemas.openxmlformats.org/officeDocument/2006/math">
+                        <m:sSub>
+                          <m:sSubPr>
+                            <m:ctrlPr>
+                              <a:rPr lang="el-GR" i="1" smtClean="0">
+                                <a:latin typeface="Cambria Math" panose="02040503050406030204" pitchFamily="18" charset="0"/>
+                                <a:ea typeface="Cambria Math" panose="02040503050406030204" pitchFamily="18" charset="0"/>
+                              </a:rPr>
+                            </m:ctrlPr>
+                          </m:sSubPr>
+                          <m:e>
+                            <m:r>
+                              <m:rPr>
+                                <m:sty m:val="p"/>
+                              </m:rPr>
+                              <a:rPr lang="el-GR" i="1" smtClean="0">
+                                <a:latin typeface="Cambria Math" panose="02040503050406030204" pitchFamily="18" charset="0"/>
+                                <a:ea typeface="Cambria Math" panose="02040503050406030204" pitchFamily="18" charset="0"/>
+                              </a:rPr>
+                              <m:t>Γ</m:t>
+                            </m:r>
+                          </m:e>
+                          <m:sub>
+                            <m:r>
+                              <a:rPr lang="en-US" b="0" i="1" smtClean="0">
+                                <a:latin typeface="Cambria Math" panose="02040503050406030204" pitchFamily="18" charset="0"/>
+                                <a:ea typeface="Cambria Math" panose="02040503050406030204" pitchFamily="18" charset="0"/>
+                              </a:rPr>
+                              <m:t>𝑇</m:t>
+                            </m:r>
+                          </m:sub>
+                        </m:sSub>
+                      </m:oMath>
+                    </m:oMathPara>
+                  </a14:m>
+                  <a:endParaRPr lang="ru-RU" dirty="0"/>
+                </a:p>
+              </p:txBody>
+            </p:sp>
+          </mc:Choice>
+          <mc:Fallback>
+            <p:sp>
+              <p:nvSpPr>
+                <p:cNvPr id="57" name="TextBox 56">
+                  <a:extLst>
+                    <a:ext uri="{FF2B5EF4-FFF2-40B4-BE49-F238E27FC236}">
+                      <a16:creationId xmlns:a16="http://schemas.microsoft.com/office/drawing/2014/main" id="{36F7520C-335F-4F0F-97F7-75A7B75C023B}"/>
+                    </a:ext>
+                  </a:extLst>
+                </p:cNvPr>
+                <p:cNvSpPr txBox="1">
+                  <a:spLocks noRot="1" noChangeAspect="1" noMove="1" noResize="1" noEditPoints="1" noAdjustHandles="1" noChangeArrowheads="1" noChangeShapeType="1" noTextEdit="1"/>
+                </p:cNvSpPr>
+                <p:nvPr/>
+              </p:nvSpPr>
+              <p:spPr>
+                <a:xfrm>
+                  <a:off x="11704098" y="2850656"/>
+                  <a:ext cx="278088" cy="276999"/>
+                </a:xfrm>
+                <a:prstGeom prst="rect">
+                  <a:avLst/>
+                </a:prstGeom>
+                <a:blipFill>
+                  <a:blip r:embed="rId5"/>
+                  <a:stretch>
+                    <a:fillRect l="-37143" r="-25714" b="-51429"/>
+                  </a:stretch>
+                </a:blipFill>
+              </p:spPr>
+              <p:txBody>
+                <a:bodyPr/>
+                <a:lstStyle/>
+                <a:p>
+                  <a:r>
+                    <a:rPr lang="ru-RU">
+                      <a:noFill/>
+                    </a:rPr>
+                    <a:t> </a:t>
+                  </a:r>
+                </a:p>
+              </p:txBody>
+            </p:sp>
+          </mc:Fallback>
+        </mc:AlternateContent>
+        <p:sp>
+          <p:nvSpPr>
+            <p:cNvPr id="60" name="Прямоугольник 59">
+              <a:extLst>
+                <a:ext uri="{FF2B5EF4-FFF2-40B4-BE49-F238E27FC236}">
+                  <a16:creationId xmlns:a16="http://schemas.microsoft.com/office/drawing/2014/main" id="{94A07685-D238-47EF-BFC8-AF3E0AC7C0DA}"/>
+                </a:ext>
+              </a:extLst>
+            </p:cNvPr>
+            <p:cNvSpPr/>
+            <p:nvPr/>
+          </p:nvSpPr>
+          <p:spPr>
+            <a:xfrm rot="5400000">
+              <a:off x="9267940" y="205010"/>
+              <a:ext cx="1649037" cy="2850305"/>
+            </a:xfrm>
+            <a:prstGeom prst="rect">
+              <a:avLst/>
+            </a:prstGeom>
+            <a:solidFill>
+              <a:schemeClr val="bg1">
+                <a:lumMod val="85000"/>
+              </a:schemeClr>
+            </a:solidFill>
+            <a:ln>
+              <a:noFill/>
+            </a:ln>
+          </p:spPr>
+          <p:style>
+            <a:lnRef idx="2">
+              <a:schemeClr val="accent1">
+                <a:shade val="50000"/>
+              </a:schemeClr>
+            </a:lnRef>
+            <a:fillRef idx="1">
+              <a:schemeClr val="accent1"/>
+            </a:fillRef>
+            <a:effectRef idx="0">
+              <a:schemeClr val="accent1"/>
+            </a:effectRef>
+            <a:fontRef idx="minor">
+              <a:schemeClr val="lt1"/>
+            </a:fontRef>
+          </p:style>
+          <p:txBody>
+            <a:bodyPr rtlCol="0" anchor="ctr"/>
+            <a:lstStyle/>
+            <a:p>
+              <a:pPr algn="ctr"/>
+              <a:endParaRPr lang="ru-RU"/>
+            </a:p>
+          </p:txBody>
+        </p:sp>
+        <p:sp>
+          <p:nvSpPr>
+            <p:cNvPr id="62" name="Прямоугольник 61">
+              <a:extLst>
+                <a:ext uri="{FF2B5EF4-FFF2-40B4-BE49-F238E27FC236}">
+                  <a16:creationId xmlns:a16="http://schemas.microsoft.com/office/drawing/2014/main" id="{5A42EFB8-BFDB-424E-B899-D84FD77D776D}"/>
+                </a:ext>
+              </a:extLst>
+            </p:cNvPr>
+            <p:cNvSpPr/>
+            <p:nvPr/>
+          </p:nvSpPr>
+          <p:spPr>
+            <a:xfrm rot="5400000">
+              <a:off x="9933497" y="1721835"/>
+              <a:ext cx="315662" cy="2850305"/>
+            </a:xfrm>
+            <a:prstGeom prst="rect">
+              <a:avLst/>
+            </a:prstGeom>
+            <a:solidFill>
+              <a:schemeClr val="bg1">
+                <a:lumMod val="85000"/>
+              </a:schemeClr>
+            </a:solidFill>
+            <a:ln>
+              <a:noFill/>
+            </a:ln>
+          </p:spPr>
+          <p:style>
+            <a:lnRef idx="2">
+              <a:schemeClr val="accent1">
+                <a:shade val="50000"/>
+              </a:schemeClr>
+            </a:lnRef>
+            <a:fillRef idx="1">
+              <a:schemeClr val="accent1"/>
+            </a:fillRef>
+            <a:effectRef idx="0">
+              <a:schemeClr val="accent1"/>
+            </a:effectRef>
+            <a:fontRef idx="minor">
+              <a:schemeClr val="lt1"/>
+            </a:fontRef>
+          </p:style>
+          <p:txBody>
+            <a:bodyPr rtlCol="0" anchor="ctr"/>
+            <a:lstStyle/>
+            <a:p>
+              <a:pPr algn="ctr"/>
+              <a:endParaRPr lang="ru-RU"/>
+            </a:p>
+          </p:txBody>
+        </p:sp>
+        <p:sp>
+          <p:nvSpPr>
+            <p:cNvPr id="64" name="Прямоугольник 63">
+              <a:extLst>
+                <a:ext uri="{FF2B5EF4-FFF2-40B4-BE49-F238E27FC236}">
+                  <a16:creationId xmlns:a16="http://schemas.microsoft.com/office/drawing/2014/main" id="{5EB47CDC-5B05-449C-96B3-B4129E737F3A}"/>
+                </a:ext>
+              </a:extLst>
+            </p:cNvPr>
+            <p:cNvSpPr/>
+            <p:nvPr/>
+          </p:nvSpPr>
+          <p:spPr>
+            <a:xfrm rot="5400000">
+              <a:off x="9319254" y="3483361"/>
+              <a:ext cx="1546409" cy="2850305"/>
+            </a:xfrm>
+            <a:prstGeom prst="rect">
+              <a:avLst/>
+            </a:prstGeom>
+            <a:solidFill>
+              <a:schemeClr val="bg1">
+                <a:lumMod val="85000"/>
+              </a:schemeClr>
+            </a:solidFill>
+            <a:ln>
+              <a:noFill/>
+            </a:ln>
+          </p:spPr>
+          <p:style>
+            <a:lnRef idx="2">
+              <a:schemeClr val="accent1">
+                <a:shade val="50000"/>
+              </a:schemeClr>
+            </a:lnRef>
+            <a:fillRef idx="1">
+              <a:schemeClr val="accent1"/>
+            </a:fillRef>
+            <a:effectRef idx="0">
+              <a:schemeClr val="accent1"/>
+            </a:effectRef>
+            <a:fontRef idx="minor">
+              <a:schemeClr val="lt1"/>
+            </a:fontRef>
+          </p:style>
+          <p:txBody>
+            <a:bodyPr rtlCol="0" anchor="ctr"/>
+            <a:lstStyle/>
+            <a:p>
+              <a:pPr algn="ctr"/>
+              <a:endParaRPr lang="ru-RU"/>
+            </a:p>
+          </p:txBody>
+        </p:sp>
+        <p:sp>
+          <p:nvSpPr>
+            <p:cNvPr id="65" name="Прямоугольник 64">
+              <a:extLst>
+                <a:ext uri="{FF2B5EF4-FFF2-40B4-BE49-F238E27FC236}">
+                  <a16:creationId xmlns:a16="http://schemas.microsoft.com/office/drawing/2014/main" id="{6022814C-25B8-4F9F-B0F2-9EF82E3570F9}"/>
+                </a:ext>
+              </a:extLst>
+            </p:cNvPr>
+            <p:cNvSpPr/>
+            <p:nvPr/>
+          </p:nvSpPr>
+          <p:spPr>
+            <a:xfrm rot="5400000">
+              <a:off x="9825221" y="1296766"/>
+              <a:ext cx="534474" cy="2850305"/>
+            </a:xfrm>
+            <a:prstGeom prst="rect">
+              <a:avLst/>
+            </a:prstGeom>
+            <a:solidFill>
+              <a:schemeClr val="accent4">
+                <a:lumMod val="20000"/>
+                <a:lumOff val="80000"/>
+              </a:schemeClr>
+            </a:solidFill>
+            <a:ln>
+              <a:noFill/>
+            </a:ln>
+          </p:spPr>
+          <p:style>
+            <a:lnRef idx="2">
+              <a:schemeClr val="accent1">
+                <a:shade val="50000"/>
+              </a:schemeClr>
+            </a:lnRef>
+            <a:fillRef idx="1">
+              <a:schemeClr val="accent1"/>
+            </a:fillRef>
+            <a:effectRef idx="0">
+              <a:schemeClr val="accent1"/>
+            </a:effectRef>
+            <a:fontRef idx="minor">
+              <a:schemeClr val="lt1"/>
+            </a:fontRef>
+          </p:style>
+          <p:txBody>
+            <a:bodyPr rtlCol="0" anchor="ctr"/>
+            <a:lstStyle/>
+            <a:p>
+              <a:pPr algn="ctr"/>
+              <a:endParaRPr lang="ru-RU"/>
+            </a:p>
+          </p:txBody>
+        </p:sp>
+        <p:sp>
+          <p:nvSpPr>
+            <p:cNvPr id="66" name="Прямоугольник 65">
+              <a:extLst>
+                <a:ext uri="{FF2B5EF4-FFF2-40B4-BE49-F238E27FC236}">
+                  <a16:creationId xmlns:a16="http://schemas.microsoft.com/office/drawing/2014/main" id="{75013FA4-5708-4F56-8A8F-EB84220949AE}"/>
+                </a:ext>
+              </a:extLst>
+            </p:cNvPr>
+            <p:cNvSpPr/>
+            <p:nvPr/>
+          </p:nvSpPr>
+          <p:spPr>
+            <a:xfrm rot="5400000">
+              <a:off x="9677214" y="2294910"/>
+              <a:ext cx="830489" cy="2850305"/>
+            </a:xfrm>
+            <a:prstGeom prst="rect">
+              <a:avLst/>
+            </a:prstGeom>
+            <a:solidFill>
+              <a:schemeClr val="accent4">
+                <a:lumMod val="20000"/>
+                <a:lumOff val="80000"/>
+              </a:schemeClr>
+            </a:solidFill>
+            <a:ln>
+              <a:noFill/>
+            </a:ln>
+          </p:spPr>
+          <p:style>
+            <a:lnRef idx="2">
+              <a:schemeClr val="accent1">
+                <a:shade val="50000"/>
+              </a:schemeClr>
+            </a:lnRef>
+            <a:fillRef idx="1">
+              <a:schemeClr val="accent1"/>
+            </a:fillRef>
+            <a:effectRef idx="0">
+              <a:schemeClr val="accent1"/>
+            </a:effectRef>
+            <a:fontRef idx="minor">
+              <a:schemeClr val="lt1"/>
+            </a:fontRef>
+          </p:style>
+          <p:txBody>
+            <a:bodyPr rtlCol="0" anchor="ctr"/>
+            <a:lstStyle/>
+            <a:p>
+              <a:pPr algn="ctr"/>
+              <a:endParaRPr lang="ru-RU"/>
+            </a:p>
+          </p:txBody>
+        </p:sp>
+        <p:sp>
+          <p:nvSpPr>
+            <p:cNvPr id="67" name="Прямоугольник 66">
+              <a:extLst>
+                <a:ext uri="{FF2B5EF4-FFF2-40B4-BE49-F238E27FC236}">
+                  <a16:creationId xmlns:a16="http://schemas.microsoft.com/office/drawing/2014/main" id="{CA1F329D-E6EE-46CD-A4F4-3B33D4A9CC91}"/>
+                </a:ext>
+              </a:extLst>
+            </p:cNvPr>
+            <p:cNvSpPr/>
+            <p:nvPr/>
+          </p:nvSpPr>
+          <p:spPr>
+            <a:xfrm rot="5400000">
+              <a:off x="7650705" y="1822246"/>
+              <a:ext cx="4883507" cy="2850305"/>
+            </a:xfrm>
+            <a:prstGeom prst="rect">
+              <a:avLst/>
+            </a:prstGeom>
+            <a:noFill/>
+            <a:ln w="19050">
+              <a:solidFill>
+                <a:schemeClr val="tx1"/>
+              </a:solidFill>
+            </a:ln>
+          </p:spPr>
+          <p:style>
+            <a:lnRef idx="2">
+              <a:schemeClr val="accent1">
+                <a:shade val="50000"/>
+              </a:schemeClr>
+            </a:lnRef>
+            <a:fillRef idx="1">
+              <a:schemeClr val="accent1"/>
+            </a:fillRef>
+            <a:effectRef idx="0">
+              <a:schemeClr val="accent1"/>
+            </a:effectRef>
+            <a:fontRef idx="minor">
+              <a:schemeClr val="lt1"/>
+            </a:fontRef>
+          </p:style>
+          <p:txBody>
+            <a:bodyPr rtlCol="0" anchor="ctr"/>
+            <a:lstStyle/>
+            <a:p>
+              <a:pPr algn="ctr"/>
+              <a:endParaRPr lang="ru-RU"/>
+            </a:p>
+          </p:txBody>
+        </p:sp>
+        <mc:AlternateContent xmlns:mc="http://schemas.openxmlformats.org/markup-compatibility/2006">
+          <mc:Choice xmlns:a14="http://schemas.microsoft.com/office/drawing/2010/main" Requires="a14">
+            <p:sp>
+              <p:nvSpPr>
+                <p:cNvPr id="68" name="TextBox 67">
+                  <a:extLst>
+                    <a:ext uri="{FF2B5EF4-FFF2-40B4-BE49-F238E27FC236}">
+                      <a16:creationId xmlns:a16="http://schemas.microsoft.com/office/drawing/2014/main" id="{AE3AC674-335B-462C-88A2-475AD7C13E73}"/>
+                    </a:ext>
+                  </a:extLst>
+                </p:cNvPr>
+                <p:cNvSpPr txBox="1"/>
+                <p:nvPr/>
+              </p:nvSpPr>
+              <p:spPr>
+                <a:xfrm>
+                  <a:off x="8321439" y="1236255"/>
+                  <a:ext cx="278923" cy="276999"/>
+                </a:xfrm>
+                <a:prstGeom prst="rect">
+                  <a:avLst/>
+                </a:prstGeom>
+                <a:noFill/>
+              </p:spPr>
+              <p:txBody>
+                <a:bodyPr wrap="none" lIns="0" tIns="0" rIns="0" bIns="0" rtlCol="0">
+                  <a:spAutoFit/>
+                </a:bodyPr>
+                <a:lstStyle/>
+                <a:p>
+                  <a:pPr/>
+                  <a14:m>
+                    <m:oMathPara xmlns:m="http://schemas.openxmlformats.org/officeDocument/2006/math">
+                      <m:oMathParaPr>
+                        <m:jc m:val="centerGroup"/>
+                      </m:oMathParaPr>
+                      <m:oMath xmlns:m="http://schemas.openxmlformats.org/officeDocument/2006/math">
+                        <m:sSub>
+                          <m:sSubPr>
+                            <m:ctrlPr>
+                              <a:rPr lang="el-GR" i="1" smtClean="0">
+                                <a:latin typeface="Cambria Math" panose="02040503050406030204" pitchFamily="18" charset="0"/>
+                                <a:ea typeface="Cambria Math" panose="02040503050406030204" pitchFamily="18" charset="0"/>
+                              </a:rPr>
+                            </m:ctrlPr>
+                          </m:sSubPr>
+                          <m:e>
+                            <m:r>
+                              <m:rPr>
+                                <m:sty m:val="p"/>
+                              </m:rPr>
+                              <a:rPr lang="el-GR" i="1" smtClean="0">
+                                <a:latin typeface="Cambria Math" panose="02040503050406030204" pitchFamily="18" charset="0"/>
+                                <a:ea typeface="Cambria Math" panose="02040503050406030204" pitchFamily="18" charset="0"/>
+                              </a:rPr>
+                              <m:t>Γ</m:t>
+                            </m:r>
+                          </m:e>
+                          <m:sub>
+                            <m:r>
+                              <a:rPr lang="en-US" b="0" i="1" smtClean="0">
+                                <a:latin typeface="Cambria Math" panose="02040503050406030204" pitchFamily="18" charset="0"/>
+                                <a:ea typeface="Cambria Math" panose="02040503050406030204" pitchFamily="18" charset="0"/>
+                              </a:rPr>
+                              <m:t>𝐵</m:t>
+                            </m:r>
+                          </m:sub>
+                        </m:sSub>
+                      </m:oMath>
+                    </m:oMathPara>
+                  </a14:m>
+                  <a:endParaRPr lang="ru-RU" dirty="0"/>
+                </a:p>
+              </p:txBody>
+            </p:sp>
+          </mc:Choice>
+          <mc:Fallback>
+            <p:sp>
+              <p:nvSpPr>
+                <p:cNvPr id="68" name="TextBox 67">
+                  <a:extLst>
+                    <a:ext uri="{FF2B5EF4-FFF2-40B4-BE49-F238E27FC236}">
+                      <a16:creationId xmlns:a16="http://schemas.microsoft.com/office/drawing/2014/main" id="{AE3AC674-335B-462C-88A2-475AD7C13E73}"/>
+                    </a:ext>
+                  </a:extLst>
+                </p:cNvPr>
+                <p:cNvSpPr txBox="1">
+                  <a:spLocks noRot="1" noChangeAspect="1" noMove="1" noResize="1" noEditPoints="1" noAdjustHandles="1" noChangeArrowheads="1" noChangeShapeType="1" noTextEdit="1"/>
+                </p:cNvSpPr>
+                <p:nvPr/>
+              </p:nvSpPr>
+              <p:spPr>
+                <a:xfrm>
+                  <a:off x="8321439" y="1236255"/>
+                  <a:ext cx="278923" cy="276999"/>
+                </a:xfrm>
+                <a:prstGeom prst="rect">
+                  <a:avLst/>
+                </a:prstGeom>
+                <a:blipFill>
+                  <a:blip r:embed="rId6"/>
+                  <a:stretch>
+                    <a:fillRect l="-38235" r="-32353" b="-52941"/>
+                  </a:stretch>
+                </a:blipFill>
+              </p:spPr>
+              <p:txBody>
+                <a:bodyPr/>
+                <a:lstStyle/>
+                <a:p>
+                  <a:r>
+                    <a:rPr lang="ru-RU">
+                      <a:noFill/>
+                    </a:rPr>
+                    <a:t> </a:t>
+                  </a:r>
+                </a:p>
+              </p:txBody>
+            </p:sp>
+          </mc:Fallback>
+        </mc:AlternateContent>
+        <mc:AlternateContent xmlns:mc="http://schemas.openxmlformats.org/markup-compatibility/2006">
+          <mc:Choice xmlns:a14="http://schemas.microsoft.com/office/drawing/2010/main" Requires="a14">
+            <p:sp>
+              <p:nvSpPr>
+                <p:cNvPr id="69" name="TextBox 68">
+                  <a:extLst>
+                    <a:ext uri="{FF2B5EF4-FFF2-40B4-BE49-F238E27FC236}">
+                      <a16:creationId xmlns:a16="http://schemas.microsoft.com/office/drawing/2014/main" id="{054ECB8E-10C7-40E1-9D24-F446292C4DAB}"/>
+                    </a:ext>
+                  </a:extLst>
+                </p:cNvPr>
+                <p:cNvSpPr txBox="1"/>
+                <p:nvPr/>
+              </p:nvSpPr>
+              <p:spPr>
+                <a:xfrm>
+                  <a:off x="8899822" y="5088185"/>
+                  <a:ext cx="277320" cy="369332"/>
+                </a:xfrm>
+                <a:prstGeom prst="rect">
+                  <a:avLst/>
+                </a:prstGeom>
+                <a:noFill/>
+              </p:spPr>
+              <p:txBody>
+                <a:bodyPr wrap="none" lIns="0" tIns="0" rIns="0" bIns="0" rtlCol="0">
+                  <a:spAutoFit/>
+                </a:bodyPr>
+                <a:lstStyle/>
+                <a:p>
+                  <a:pPr/>
+                  <a14:m>
+                    <m:oMathPara xmlns:m="http://schemas.openxmlformats.org/officeDocument/2006/math">
+                      <m:oMathParaPr>
+                        <m:jc m:val="centerGroup"/>
+                      </m:oMathParaPr>
+                      <m:oMath xmlns:m="http://schemas.openxmlformats.org/officeDocument/2006/math">
+                        <m:r>
+                          <m:rPr>
+                            <m:sty m:val="p"/>
+                          </m:rPr>
+                          <a:rPr lang="el-GR" sz="2400" i="1" smtClean="0">
+                            <a:latin typeface="Cambria Math" panose="02040503050406030204" pitchFamily="18" charset="0"/>
+                            <a:ea typeface="Cambria Math" panose="02040503050406030204" pitchFamily="18" charset="0"/>
+                          </a:rPr>
+                          <m:t>Ω</m:t>
+                        </m:r>
+                      </m:oMath>
+                    </m:oMathPara>
+                  </a14:m>
+                  <a:endParaRPr lang="ru-RU" dirty="0"/>
+                </a:p>
+              </p:txBody>
+            </p:sp>
+          </mc:Choice>
+          <mc:Fallback>
+            <p:sp>
+              <p:nvSpPr>
+                <p:cNvPr id="69" name="TextBox 68">
+                  <a:extLst>
+                    <a:ext uri="{FF2B5EF4-FFF2-40B4-BE49-F238E27FC236}">
+                      <a16:creationId xmlns:a16="http://schemas.microsoft.com/office/drawing/2014/main" id="{054ECB8E-10C7-40E1-9D24-F446292C4DAB}"/>
+                    </a:ext>
+                  </a:extLst>
+                </p:cNvPr>
+                <p:cNvSpPr txBox="1">
+                  <a:spLocks noRot="1" noChangeAspect="1" noMove="1" noResize="1" noEditPoints="1" noAdjustHandles="1" noChangeArrowheads="1" noChangeShapeType="1" noTextEdit="1"/>
+                </p:cNvSpPr>
+                <p:nvPr/>
+              </p:nvSpPr>
+              <p:spPr>
+                <a:xfrm>
+                  <a:off x="8899822" y="5088185"/>
+                  <a:ext cx="277320" cy="369332"/>
+                </a:xfrm>
+                <a:prstGeom prst="rect">
+                  <a:avLst/>
+                </a:prstGeom>
+                <a:blipFill>
+                  <a:blip r:embed="rId7"/>
+                  <a:stretch>
+                    <a:fillRect l="-52941" r="-50000" b="-41304"/>
+                  </a:stretch>
+                </a:blipFill>
+              </p:spPr>
+              <p:txBody>
+                <a:bodyPr/>
+                <a:lstStyle/>
+                <a:p>
+                  <a:r>
+                    <a:rPr lang="ru-RU">
+                      <a:noFill/>
+                    </a:rPr>
+                    <a:t> </a:t>
+                  </a:r>
+                </a:p>
+              </p:txBody>
+            </p:sp>
+          </mc:Fallback>
+        </mc:AlternateContent>
+        <p:sp>
+          <p:nvSpPr>
+            <p:cNvPr id="70" name="Овал 69">
+              <a:extLst>
+                <a:ext uri="{FF2B5EF4-FFF2-40B4-BE49-F238E27FC236}">
+                  <a16:creationId xmlns:a16="http://schemas.microsoft.com/office/drawing/2014/main" id="{E4E401A0-7498-4FA9-A027-A1217A09D284}"/>
+                </a:ext>
+              </a:extLst>
+            </p:cNvPr>
+            <p:cNvSpPr/>
+            <p:nvPr/>
+          </p:nvSpPr>
+          <p:spPr>
+            <a:xfrm>
+              <a:off x="8515109" y="3304815"/>
+              <a:ext cx="322084" cy="830489"/>
+            </a:xfrm>
+            <a:prstGeom prst="ellipse">
+              <a:avLst/>
+            </a:prstGeom>
+            <a:noFill/>
+            <a:ln>
+              <a:solidFill>
+                <a:schemeClr val="tx1"/>
+              </a:solidFill>
+              <a:prstDash val="dash"/>
+            </a:ln>
+          </p:spPr>
+          <p:style>
+            <a:lnRef idx="2">
+              <a:schemeClr val="accent1">
+                <a:shade val="50000"/>
+              </a:schemeClr>
+            </a:lnRef>
+            <a:fillRef idx="1">
+              <a:schemeClr val="accent1"/>
+            </a:fillRef>
+            <a:effectRef idx="0">
+              <a:schemeClr val="accent1"/>
+            </a:effectRef>
+            <a:fontRef idx="minor">
+              <a:schemeClr val="lt1"/>
+            </a:fontRef>
+          </p:style>
+          <p:txBody>
+            <a:bodyPr rtlCol="0" anchor="ctr"/>
+            <a:lstStyle/>
+            <a:p>
+              <a:pPr algn="ctr"/>
+              <a:endParaRPr lang="ru-RU"/>
+            </a:p>
+          </p:txBody>
+        </p:sp>
+        <p:cxnSp>
+          <p:nvCxnSpPr>
+            <p:cNvPr id="71" name="Прямая соединительная линия 70">
+              <a:extLst>
+                <a:ext uri="{FF2B5EF4-FFF2-40B4-BE49-F238E27FC236}">
+                  <a16:creationId xmlns:a16="http://schemas.microsoft.com/office/drawing/2014/main" id="{926A8A3E-640D-4504-9A9F-702C438264CA}"/>
+                </a:ext>
+              </a:extLst>
+            </p:cNvPr>
+            <p:cNvCxnSpPr/>
+            <p:nvPr/>
+          </p:nvCxnSpPr>
+          <p:spPr>
+            <a:xfrm rot="5400000">
+              <a:off x="7329105" y="3310057"/>
+              <a:ext cx="2667312" cy="0"/>
+            </a:xfrm>
+            <a:prstGeom prst="line">
+              <a:avLst/>
+            </a:prstGeom>
+            <a:ln w="28575">
+              <a:solidFill>
+                <a:srgbClr val="00B050"/>
+              </a:solidFill>
+            </a:ln>
+          </p:spPr>
+          <p:style>
+            <a:lnRef idx="1">
+              <a:schemeClr val="accent1"/>
+            </a:lnRef>
+            <a:fillRef idx="0">
+              <a:schemeClr val="accent1"/>
+            </a:fillRef>
+            <a:effectRef idx="0">
+              <a:schemeClr val="accent1"/>
+            </a:effectRef>
+            <a:fontRef idx="minor">
+              <a:schemeClr val="tx1"/>
+            </a:fontRef>
+          </p:style>
+        </p:cxnSp>
+        <p:sp>
+          <p:nvSpPr>
+            <p:cNvPr id="72" name="Прямоугольник 71">
+              <a:extLst>
+                <a:ext uri="{FF2B5EF4-FFF2-40B4-BE49-F238E27FC236}">
+                  <a16:creationId xmlns:a16="http://schemas.microsoft.com/office/drawing/2014/main" id="{FF3A47EB-9EC0-43DB-B226-4CAC7709C798}"/>
+                </a:ext>
+              </a:extLst>
+            </p:cNvPr>
+            <p:cNvSpPr/>
+            <p:nvPr/>
+          </p:nvSpPr>
+          <p:spPr>
+            <a:xfrm>
+              <a:off x="8477035" y="3304815"/>
+              <a:ext cx="169889" cy="830489"/>
+            </a:xfrm>
+            <a:prstGeom prst="rect">
+              <a:avLst/>
+            </a:prstGeom>
+            <a:solidFill>
+              <a:schemeClr val="bg1"/>
+            </a:solidFill>
+            <a:ln>
+              <a:noFill/>
+            </a:ln>
+          </p:spPr>
+          <p:style>
+            <a:lnRef idx="2">
+              <a:schemeClr val="accent1">
+                <a:shade val="50000"/>
+              </a:schemeClr>
+            </a:lnRef>
+            <a:fillRef idx="1">
+              <a:schemeClr val="accent1"/>
+            </a:fillRef>
+            <a:effectRef idx="0">
+              <a:schemeClr val="accent1"/>
+            </a:effectRef>
+            <a:fontRef idx="minor">
+              <a:schemeClr val="lt1"/>
+            </a:fontRef>
+          </p:style>
+          <p:txBody>
+            <a:bodyPr rtlCol="0" anchor="ctr"/>
+            <a:lstStyle/>
+            <a:p>
+              <a:pPr algn="ctr"/>
+              <a:endParaRPr lang="ru-RU"/>
+            </a:p>
+          </p:txBody>
+        </p:sp>
+        <p:grpSp>
+          <p:nvGrpSpPr>
+            <p:cNvPr id="74" name="Группа 73">
+              <a:extLst>
+                <a:ext uri="{FF2B5EF4-FFF2-40B4-BE49-F238E27FC236}">
+                  <a16:creationId xmlns:a16="http://schemas.microsoft.com/office/drawing/2014/main" id="{89BA1A6B-6D65-4B74-9D05-A65963623C93}"/>
+                </a:ext>
+              </a:extLst>
+            </p:cNvPr>
+            <p:cNvGrpSpPr/>
+            <p:nvPr/>
+          </p:nvGrpSpPr>
+          <p:grpSpPr>
+            <a:xfrm>
+              <a:off x="8410893" y="3462244"/>
+              <a:ext cx="1028286" cy="1167941"/>
+              <a:chOff x="4587802" y="5033516"/>
+              <a:chExt cx="604942" cy="691488"/>
+            </a:xfrm>
+          </p:grpSpPr>
+          <p:grpSp>
+            <p:nvGrpSpPr>
+              <p:cNvPr id="76" name="Группа 75">
+                <a:extLst>
+                  <a:ext uri="{FF2B5EF4-FFF2-40B4-BE49-F238E27FC236}">
+                    <a16:creationId xmlns:a16="http://schemas.microsoft.com/office/drawing/2014/main" id="{69685D27-8D90-4DF7-8D79-DCFFEA161B0D}"/>
+                  </a:ext>
+                </a:extLst>
+              </p:cNvPr>
+              <p:cNvGrpSpPr/>
+              <p:nvPr/>
+            </p:nvGrpSpPr>
+            <p:grpSpPr>
+              <a:xfrm rot="5400000">
+                <a:off x="4741739" y="5195973"/>
+                <a:ext cx="430548" cy="442848"/>
+                <a:chOff x="4741739" y="5195973"/>
+                <a:chExt cx="430548" cy="442848"/>
+              </a:xfrm>
+            </p:grpSpPr>
+            <p:cxnSp>
+              <p:nvCxnSpPr>
+                <p:cNvPr id="80" name="Прямая со стрелкой 79">
+                  <a:extLst>
+                    <a:ext uri="{FF2B5EF4-FFF2-40B4-BE49-F238E27FC236}">
+                      <a16:creationId xmlns:a16="http://schemas.microsoft.com/office/drawing/2014/main" id="{7BEF235F-8F49-4309-A1AD-C2A911CB2A32}"/>
+                    </a:ext>
+                  </a:extLst>
+                </p:cNvPr>
+                <p:cNvCxnSpPr/>
+                <p:nvPr/>
+              </p:nvCxnSpPr>
+              <p:spPr>
+                <a:xfrm>
+                  <a:off x="4741739" y="5638821"/>
+                  <a:ext cx="430548" cy="0"/>
+                </a:xfrm>
+                <a:prstGeom prst="straightConnector1">
+                  <a:avLst/>
+                </a:prstGeom>
+                <a:ln w="28575">
+                  <a:solidFill>
+                    <a:srgbClr val="FF0000"/>
+                  </a:solidFill>
+                  <a:tailEnd type="triangle"/>
+                </a:ln>
+              </p:spPr>
+              <p:style>
+                <a:lnRef idx="1">
+                  <a:schemeClr val="accent1"/>
+                </a:lnRef>
+                <a:fillRef idx="0">
+                  <a:schemeClr val="accent1"/>
+                </a:fillRef>
+                <a:effectRef idx="0">
+                  <a:schemeClr val="accent1"/>
+                </a:effectRef>
+                <a:fontRef idx="minor">
+                  <a:schemeClr val="tx1"/>
+                </a:fontRef>
+              </p:style>
+            </p:cxnSp>
+            <p:cxnSp>
+              <p:nvCxnSpPr>
+                <p:cNvPr id="81" name="Прямая со стрелкой 80">
+                  <a:extLst>
+                    <a:ext uri="{FF2B5EF4-FFF2-40B4-BE49-F238E27FC236}">
+                      <a16:creationId xmlns:a16="http://schemas.microsoft.com/office/drawing/2014/main" id="{B02B45C6-42DB-4996-A50E-68DB56502EFA}"/>
+                    </a:ext>
+                  </a:extLst>
+                </p:cNvPr>
+                <p:cNvCxnSpPr/>
+                <p:nvPr/>
+              </p:nvCxnSpPr>
+              <p:spPr>
+                <a:xfrm flipV="1">
+                  <a:off x="4741739" y="5195973"/>
+                  <a:ext cx="0" cy="442848"/>
+                </a:xfrm>
+                <a:prstGeom prst="straightConnector1">
+                  <a:avLst/>
+                </a:prstGeom>
+                <a:ln w="28575">
+                  <a:solidFill>
+                    <a:srgbClr val="FF0000"/>
+                  </a:solidFill>
+                  <a:tailEnd type="triangle"/>
+                </a:ln>
+              </p:spPr>
+              <p:style>
+                <a:lnRef idx="1">
+                  <a:schemeClr val="accent1"/>
+                </a:lnRef>
+                <a:fillRef idx="0">
+                  <a:schemeClr val="accent1"/>
+                </a:fillRef>
+                <a:effectRef idx="0">
+                  <a:schemeClr val="accent1"/>
+                </a:effectRef>
+                <a:fontRef idx="minor">
+                  <a:schemeClr val="tx1"/>
+                </a:fontRef>
+              </p:style>
+            </p:cxnSp>
+          </p:grpSp>
+          <mc:AlternateContent xmlns:mc="http://schemas.openxmlformats.org/markup-compatibility/2006">
+            <mc:Choice xmlns:a14="http://schemas.microsoft.com/office/drawing/2010/main" Requires="a14">
+              <p:sp>
+                <p:nvSpPr>
+                  <p:cNvPr id="78" name="TextBox 77">
+                    <a:extLst>
+                      <a:ext uri="{FF2B5EF4-FFF2-40B4-BE49-F238E27FC236}">
+                        <a16:creationId xmlns:a16="http://schemas.microsoft.com/office/drawing/2014/main" id="{D456C9E9-AFA2-4C7C-A52A-75216A77E1F2}"/>
+                      </a:ext>
+                    </a:extLst>
+                  </p:cNvPr>
+                  <p:cNvSpPr txBox="1"/>
+                  <p:nvPr/>
+                </p:nvSpPr>
+                <p:spPr>
+                  <a:xfrm>
+                    <a:off x="4587802" y="5540338"/>
+                    <a:ext cx="111633" cy="184666"/>
+                  </a:xfrm>
+                  <a:prstGeom prst="rect">
+                    <a:avLst/>
+                  </a:prstGeom>
+                  <a:noFill/>
+                  <a:ln w="28575">
+                    <a:noFill/>
+                  </a:ln>
+                </p:spPr>
+                <p:txBody>
+                  <a:bodyPr wrap="none" lIns="0" tIns="0" rIns="0" bIns="0" rtlCol="0">
+                    <a:spAutoFit/>
+                  </a:bodyPr>
+                  <a:lstStyle/>
+                  <a:p>
+                    <a:pPr/>
+                    <a14:m>
+                      <m:oMathPara xmlns:m="http://schemas.openxmlformats.org/officeDocument/2006/math">
+                        <m:oMathParaPr>
+                          <m:jc m:val="centerGroup"/>
+                        </m:oMathParaPr>
+                        <m:oMath xmlns:m="http://schemas.openxmlformats.org/officeDocument/2006/math">
+                          <m:r>
+                            <a:rPr lang="en-US" sz="1200" b="0" i="1" smtClean="0">
+                              <a:latin typeface="Cambria Math" panose="02040503050406030204" pitchFamily="18" charset="0"/>
+                            </a:rPr>
+                            <m:t>𝑧</m:t>
+                          </m:r>
+                        </m:oMath>
+                      </m:oMathPara>
+                    </a14:m>
+                    <a:endParaRPr lang="ru-RU" dirty="0"/>
+                  </a:p>
+                </p:txBody>
+              </p:sp>
+            </mc:Choice>
+            <mc:Fallback>
+              <p:sp>
+                <p:nvSpPr>
+                  <p:cNvPr id="78" name="TextBox 77">
+                    <a:extLst>
+                      <a:ext uri="{FF2B5EF4-FFF2-40B4-BE49-F238E27FC236}">
+                        <a16:creationId xmlns:a16="http://schemas.microsoft.com/office/drawing/2014/main" id="{D456C9E9-AFA2-4C7C-A52A-75216A77E1F2}"/>
+                      </a:ext>
+                    </a:extLst>
+                  </p:cNvPr>
+                  <p:cNvSpPr txBox="1">
+                    <a:spLocks noRot="1" noChangeAspect="1" noMove="1" noResize="1" noEditPoints="1" noAdjustHandles="1" noChangeArrowheads="1" noChangeShapeType="1" noTextEdit="1"/>
+                  </p:cNvSpPr>
+                  <p:nvPr/>
+                </p:nvSpPr>
+                <p:spPr>
+                  <a:xfrm>
+                    <a:off x="4587802" y="5540338"/>
+                    <a:ext cx="111633" cy="184666"/>
+                  </a:xfrm>
+                  <a:prstGeom prst="rect">
+                    <a:avLst/>
+                  </a:prstGeom>
+                  <a:blipFill>
+                    <a:blip r:embed="rId8"/>
+                    <a:stretch>
+                      <a:fillRect r="-4167"/>
+                    </a:stretch>
+                  </a:blipFill>
+                  <a:ln w="28575">
+                    <a:noFill/>
+                  </a:ln>
+                </p:spPr>
+                <p:txBody>
+                  <a:bodyPr/>
+                  <a:lstStyle/>
+                  <a:p>
+                    <a:r>
+                      <a:rPr lang="ru-RU">
+                        <a:noFill/>
+                      </a:rPr>
+                      <a:t> </a:t>
+                    </a:r>
+                  </a:p>
+                </p:txBody>
+              </p:sp>
+            </mc:Fallback>
+          </mc:AlternateContent>
+          <mc:AlternateContent xmlns:mc="http://schemas.openxmlformats.org/markup-compatibility/2006">
+            <mc:Choice xmlns:a14="http://schemas.microsoft.com/office/drawing/2010/main" Requires="a14">
+              <p:sp>
+                <p:nvSpPr>
+                  <p:cNvPr id="79" name="TextBox 78">
+                    <a:extLst>
+                      <a:ext uri="{FF2B5EF4-FFF2-40B4-BE49-F238E27FC236}">
+                        <a16:creationId xmlns:a16="http://schemas.microsoft.com/office/drawing/2014/main" id="{B05FF3D7-AB47-4210-9A94-D26145B61549}"/>
+                      </a:ext>
+                    </a:extLst>
+                  </p:cNvPr>
+                  <p:cNvSpPr txBox="1"/>
+                  <p:nvPr/>
+                </p:nvSpPr>
+                <p:spPr>
+                  <a:xfrm>
+                    <a:off x="5068287" y="5033516"/>
+                    <a:ext cx="124457" cy="184666"/>
+                  </a:xfrm>
+                  <a:prstGeom prst="rect">
+                    <a:avLst/>
+                  </a:prstGeom>
+                  <a:noFill/>
+                  <a:ln w="28575">
+                    <a:noFill/>
+                  </a:ln>
+                </p:spPr>
+                <p:txBody>
+                  <a:bodyPr wrap="none" lIns="0" tIns="0" rIns="0" bIns="0" rtlCol="0">
+                    <a:spAutoFit/>
+                  </a:bodyPr>
+                  <a:lstStyle/>
+                  <a:p>
+                    <a:pPr/>
+                    <a14:m>
+                      <m:oMathPara xmlns:m="http://schemas.openxmlformats.org/officeDocument/2006/math">
+                        <m:oMathParaPr>
+                          <m:jc m:val="centerGroup"/>
+                        </m:oMathParaPr>
+                        <m:oMath xmlns:m="http://schemas.openxmlformats.org/officeDocument/2006/math">
+                          <m:r>
+                            <a:rPr lang="en-US" sz="1200" b="0" i="1" smtClean="0">
+                              <a:latin typeface="Cambria Math" panose="02040503050406030204" pitchFamily="18" charset="0"/>
+                            </a:rPr>
+                            <m:t>𝑦</m:t>
+                          </m:r>
+                        </m:oMath>
+                      </m:oMathPara>
+                    </a14:m>
+                    <a:endParaRPr lang="ru-RU" dirty="0"/>
+                  </a:p>
+                </p:txBody>
+              </p:sp>
+            </mc:Choice>
+            <mc:Fallback>
+              <p:sp>
+                <p:nvSpPr>
+                  <p:cNvPr id="79" name="TextBox 78">
+                    <a:extLst>
+                      <a:ext uri="{FF2B5EF4-FFF2-40B4-BE49-F238E27FC236}">
+                        <a16:creationId xmlns:a16="http://schemas.microsoft.com/office/drawing/2014/main" id="{B05FF3D7-AB47-4210-9A94-D26145B61549}"/>
+                      </a:ext>
+                    </a:extLst>
+                  </p:cNvPr>
+                  <p:cNvSpPr txBox="1">
+                    <a:spLocks noRot="1" noChangeAspect="1" noMove="1" noResize="1" noEditPoints="1" noAdjustHandles="1" noChangeArrowheads="1" noChangeShapeType="1" noTextEdit="1"/>
+                  </p:cNvSpPr>
+                  <p:nvPr/>
+                </p:nvSpPr>
+                <p:spPr>
+                  <a:xfrm>
+                    <a:off x="5068287" y="5033516"/>
+                    <a:ext cx="124457" cy="184666"/>
+                  </a:xfrm>
+                  <a:prstGeom prst="rect">
+                    <a:avLst/>
+                  </a:prstGeom>
+                  <a:blipFill>
+                    <a:blip r:embed="rId9"/>
+                    <a:stretch>
+                      <a:fillRect l="-11538" r="-11538"/>
+                    </a:stretch>
+                  </a:blipFill>
+                  <a:ln w="28575">
+                    <a:noFill/>
+                  </a:ln>
+                </p:spPr>
+                <p:txBody>
+                  <a:bodyPr/>
+                  <a:lstStyle/>
+                  <a:p>
+                    <a:r>
+                      <a:rPr lang="ru-RU">
+                        <a:noFill/>
+                      </a:rPr>
+                      <a:t> </a:t>
+                    </a:r>
+                  </a:p>
+                </p:txBody>
+              </p:sp>
+            </mc:Fallback>
+          </mc:AlternateContent>
+        </p:grpSp>
+        <p:sp>
+          <p:nvSpPr>
+            <p:cNvPr id="82" name="Прямоугольник 81">
+              <a:extLst>
+                <a:ext uri="{FF2B5EF4-FFF2-40B4-BE49-F238E27FC236}">
+                  <a16:creationId xmlns:a16="http://schemas.microsoft.com/office/drawing/2014/main" id="{6C22DFC2-A2AB-473A-ABFF-9AA4B678C09D}"/>
+                </a:ext>
+              </a:extLst>
+            </p:cNvPr>
+            <p:cNvSpPr/>
+            <p:nvPr/>
+          </p:nvSpPr>
+          <p:spPr>
+            <a:xfrm>
+              <a:off x="8593109" y="3021573"/>
+              <a:ext cx="2966470" cy="1452660"/>
+            </a:xfrm>
+            <a:prstGeom prst="rect">
+              <a:avLst/>
+            </a:prstGeom>
+            <a:noFill/>
+            <a:ln w="19050">
+              <a:solidFill>
+                <a:srgbClr val="FF0000"/>
+              </a:solidFill>
+              <a:prstDash val="dash"/>
+            </a:ln>
+          </p:spPr>
+          <p:style>
+            <a:lnRef idx="2">
+              <a:schemeClr val="accent1">
+                <a:shade val="50000"/>
+              </a:schemeClr>
+            </a:lnRef>
+            <a:fillRef idx="1">
+              <a:schemeClr val="accent1"/>
+            </a:fillRef>
+            <a:effectRef idx="0">
+              <a:schemeClr val="accent1"/>
+            </a:effectRef>
+            <a:fontRef idx="minor">
+              <a:schemeClr val="lt1"/>
+            </a:fontRef>
+          </p:style>
+          <p:txBody>
+            <a:bodyPr rtlCol="0" anchor="ctr"/>
+            <a:lstStyle/>
+            <a:p>
+              <a:pPr algn="ctr"/>
+              <a:endParaRPr lang="ru-RU"/>
+            </a:p>
+          </p:txBody>
+        </p:sp>
+      </p:grpSp>
+      <p:sp>
+        <p:nvSpPr>
+          <p:cNvPr id="61" name="Параллелограмм 60">
+            <a:extLst>
+              <a:ext uri="{FF2B5EF4-FFF2-40B4-BE49-F238E27FC236}">
+                <a16:creationId xmlns:a16="http://schemas.microsoft.com/office/drawing/2014/main" id="{4B01BF83-4170-4669-99DF-C309892A0A53}"/>
+              </a:ext>
+            </a:extLst>
+          </p:cNvPr>
+          <p:cNvSpPr/>
+          <p:nvPr/>
+        </p:nvSpPr>
+        <p:spPr>
+          <a:xfrm rot="5400000" flipH="1">
+            <a:off x="2518261" y="2754181"/>
+            <a:ext cx="2383852" cy="1221941"/>
+          </a:xfrm>
+          <a:prstGeom prst="parallelogram">
+            <a:avLst>
+              <a:gd name="adj" fmla="val 99399"/>
+            </a:avLst>
+          </a:prstGeom>
+          <a:solidFill>
+            <a:schemeClr val="bg1">
+              <a:lumMod val="95000"/>
+            </a:schemeClr>
+          </a:solidFill>
+          <a:ln w="3175">
+            <a:solidFill>
+              <a:schemeClr val="tx1"/>
+            </a:solidFill>
+          </a:ln>
+        </p:spPr>
+        <p:style>
+          <a:lnRef idx="2">
+            <a:schemeClr val="accent1">
+              <a:shade val="50000"/>
+            </a:schemeClr>
+          </a:lnRef>
+          <a:fillRef idx="1">
+            <a:schemeClr val="accent1"/>
+          </a:fillRef>
+          <a:effectRef idx="0">
+            <a:schemeClr val="accent1"/>
+          </a:effectRef>
+          <a:fontRef idx="minor">
+            <a:schemeClr val="lt1"/>
+          </a:fontRef>
+        </p:style>
+        <p:txBody>
+          <a:bodyPr rtlCol="0" anchor="ctr"/>
+          <a:lstStyle/>
+          <a:p>
+            <a:pPr algn="ctr"/>
+            <a:endParaRPr lang="ru-RU" dirty="0"/>
+          </a:p>
+        </p:txBody>
+      </p:sp>
+      <p:sp>
+        <p:nvSpPr>
+          <p:cNvPr id="87" name="Параллелограмм 86">
+            <a:extLst>
+              <a:ext uri="{FF2B5EF4-FFF2-40B4-BE49-F238E27FC236}">
+                <a16:creationId xmlns:a16="http://schemas.microsoft.com/office/drawing/2014/main" id="{2CCDF7BD-58A0-4303-BC15-9486F8308F6C}"/>
+              </a:ext>
+            </a:extLst>
+          </p:cNvPr>
+          <p:cNvSpPr/>
+          <p:nvPr/>
+        </p:nvSpPr>
+        <p:spPr>
+          <a:xfrm rot="5400000" flipH="1">
+            <a:off x="916990" y="2232087"/>
+            <a:ext cx="2905992" cy="1749114"/>
+          </a:xfrm>
+          <a:prstGeom prst="parallelogram">
+            <a:avLst>
+              <a:gd name="adj" fmla="val 99399"/>
+            </a:avLst>
+          </a:prstGeom>
+          <a:noFill/>
+          <a:ln>
+            <a:solidFill>
+              <a:schemeClr val="bg2"/>
+            </a:solidFill>
+            <a:prstDash val="dash"/>
+          </a:ln>
+        </p:spPr>
+        <p:style>
+          <a:lnRef idx="2">
+            <a:schemeClr val="accent1">
+              <a:shade val="50000"/>
+            </a:schemeClr>
+          </a:lnRef>
+          <a:fillRef idx="1">
+            <a:schemeClr val="accent1"/>
+          </a:fillRef>
+          <a:effectRef idx="0">
+            <a:schemeClr val="accent1"/>
+          </a:effectRef>
+          <a:fontRef idx="minor">
+            <a:schemeClr val="lt1"/>
+          </a:fontRef>
+        </p:style>
+        <p:txBody>
+          <a:bodyPr rtlCol="0" anchor="ctr"/>
+          <a:lstStyle/>
+          <a:p>
+            <a:pPr algn="ctr"/>
+            <a:endParaRPr lang="ru-RU" dirty="0"/>
+          </a:p>
+        </p:txBody>
+      </p:sp>
+      <p:sp>
+        <p:nvSpPr>
+          <p:cNvPr id="89" name="Параллелограмм 88">
+            <a:extLst>
+              <a:ext uri="{FF2B5EF4-FFF2-40B4-BE49-F238E27FC236}">
+                <a16:creationId xmlns:a16="http://schemas.microsoft.com/office/drawing/2014/main" id="{EFCBCDFB-1612-4A3D-A76E-713631BB0643}"/>
+              </a:ext>
+            </a:extLst>
+          </p:cNvPr>
+          <p:cNvSpPr/>
+          <p:nvPr/>
+        </p:nvSpPr>
+        <p:spPr>
+          <a:xfrm rot="5400000" flipH="1">
+            <a:off x="4017738" y="2243004"/>
+            <a:ext cx="2889131" cy="1739011"/>
+          </a:xfrm>
+          <a:prstGeom prst="parallelogram">
+            <a:avLst>
+              <a:gd name="adj" fmla="val 99638"/>
+            </a:avLst>
+          </a:prstGeom>
+          <a:solidFill>
+            <a:srgbClr val="FFF2CC">
+              <a:alpha val="50196"/>
+            </a:srgbClr>
+          </a:solidFill>
+          <a:ln w="6350">
+            <a:solidFill>
+              <a:schemeClr val="tx1"/>
+            </a:solidFill>
+          </a:ln>
+        </p:spPr>
+        <p:style>
+          <a:lnRef idx="2">
+            <a:schemeClr val="accent1">
+              <a:shade val="50000"/>
+            </a:schemeClr>
+          </a:lnRef>
+          <a:fillRef idx="1">
+            <a:schemeClr val="accent1"/>
+          </a:fillRef>
+          <a:effectRef idx="0">
+            <a:schemeClr val="accent1"/>
+          </a:effectRef>
+          <a:fontRef idx="minor">
+            <a:schemeClr val="lt1"/>
+          </a:fontRef>
+        </p:style>
+        <p:txBody>
+          <a:bodyPr rtlCol="0" anchor="ctr"/>
+          <a:lstStyle/>
+          <a:p>
+            <a:pPr algn="ctr"/>
+            <a:endParaRPr lang="ru-RU" dirty="0"/>
+          </a:p>
+        </p:txBody>
+      </p:sp>
+      <p:sp>
+        <p:nvSpPr>
+          <p:cNvPr id="90" name="Прямоугольник 89">
+            <a:extLst>
+              <a:ext uri="{FF2B5EF4-FFF2-40B4-BE49-F238E27FC236}">
+                <a16:creationId xmlns:a16="http://schemas.microsoft.com/office/drawing/2014/main" id="{3D06AE66-83C8-4A55-9F78-884F4455154E}"/>
+              </a:ext>
+            </a:extLst>
+          </p:cNvPr>
+          <p:cNvSpPr/>
+          <p:nvPr/>
+        </p:nvSpPr>
+        <p:spPr>
+          <a:xfrm>
+            <a:off x="1496948" y="3398241"/>
+            <a:ext cx="3094940" cy="1161399"/>
+          </a:xfrm>
+          <a:prstGeom prst="rect">
+            <a:avLst/>
+          </a:prstGeom>
+          <a:solidFill>
+            <a:srgbClr val="FFF2CC">
+              <a:alpha val="50196"/>
+            </a:srgbClr>
+          </a:solidFill>
+          <a:ln w="6350">
+            <a:solidFill>
+              <a:schemeClr val="tx1"/>
+            </a:solidFill>
+          </a:ln>
+        </p:spPr>
+        <p:style>
+          <a:lnRef idx="2">
+            <a:schemeClr val="accent1">
+              <a:shade val="50000"/>
+            </a:schemeClr>
+          </a:lnRef>
+          <a:fillRef idx="1">
+            <a:schemeClr val="accent1"/>
+          </a:fillRef>
+          <a:effectRef idx="0">
+            <a:schemeClr val="accent1"/>
+          </a:effectRef>
+          <a:fontRef idx="minor">
+            <a:schemeClr val="lt1"/>
+          </a:fontRef>
+        </p:style>
+        <p:txBody>
+          <a:bodyPr rtlCol="0" anchor="ctr"/>
+          <a:lstStyle/>
+          <a:p>
+            <a:pPr algn="ctr"/>
+            <a:endParaRPr lang="ru-RU"/>
+          </a:p>
+        </p:txBody>
+      </p:sp>
+      <p:sp>
+        <p:nvSpPr>
+          <p:cNvPr id="91" name="Параллелограмм 90">
+            <a:extLst>
+              <a:ext uri="{FF2B5EF4-FFF2-40B4-BE49-F238E27FC236}">
+                <a16:creationId xmlns:a16="http://schemas.microsoft.com/office/drawing/2014/main" id="{EBB6E413-BF5F-4788-8EDB-6510396FE4DC}"/>
+              </a:ext>
+            </a:extLst>
+          </p:cNvPr>
+          <p:cNvSpPr/>
+          <p:nvPr/>
+        </p:nvSpPr>
+        <p:spPr>
+          <a:xfrm>
+            <a:off x="1496946" y="1653648"/>
+            <a:ext cx="4845727" cy="1744593"/>
+          </a:xfrm>
+          <a:prstGeom prst="parallelogram">
+            <a:avLst>
+              <a:gd name="adj" fmla="val 100549"/>
+            </a:avLst>
+          </a:prstGeom>
+          <a:noFill/>
+          <a:ln>
+            <a:solidFill>
+              <a:schemeClr val="tx1"/>
+            </a:solidFill>
+          </a:ln>
+        </p:spPr>
+        <p:style>
+          <a:lnRef idx="2">
+            <a:schemeClr val="accent1">
+              <a:shade val="50000"/>
+            </a:schemeClr>
+          </a:lnRef>
+          <a:fillRef idx="1">
+            <a:schemeClr val="accent1"/>
+          </a:fillRef>
+          <a:effectRef idx="0">
+            <a:schemeClr val="accent1"/>
+          </a:effectRef>
+          <a:fontRef idx="minor">
+            <a:schemeClr val="lt1"/>
+          </a:fontRef>
+        </p:style>
+        <p:txBody>
+          <a:bodyPr rtlCol="0" anchor="ctr"/>
+          <a:lstStyle/>
+          <a:p>
+            <a:pPr algn="ctr"/>
+            <a:endParaRPr lang="ru-RU"/>
+          </a:p>
+        </p:txBody>
+      </p:sp>
+      <p:sp>
+        <p:nvSpPr>
+          <p:cNvPr id="92" name="Овал 91">
+            <a:extLst>
+              <a:ext uri="{FF2B5EF4-FFF2-40B4-BE49-F238E27FC236}">
+                <a16:creationId xmlns:a16="http://schemas.microsoft.com/office/drawing/2014/main" id="{FD53A7E6-6A8C-42AD-B645-8DE7C313EEEE}"/>
+              </a:ext>
+            </a:extLst>
+          </p:cNvPr>
+          <p:cNvSpPr/>
+          <p:nvPr/>
+        </p:nvSpPr>
+        <p:spPr>
+          <a:xfrm rot="5400000">
+            <a:off x="2517328" y="3865695"/>
+            <a:ext cx="1161398" cy="221367"/>
+          </a:xfrm>
+          <a:prstGeom prst="ellipse">
+            <a:avLst/>
+          </a:prstGeom>
+          <a:noFill/>
+          <a:ln>
+            <a:solidFill>
+              <a:schemeClr val="tx1"/>
+            </a:solidFill>
+            <a:prstDash val="dash"/>
+          </a:ln>
+        </p:spPr>
+        <p:style>
+          <a:lnRef idx="2">
+            <a:schemeClr val="accent1">
+              <a:shade val="50000"/>
+            </a:schemeClr>
+          </a:lnRef>
+          <a:fillRef idx="1">
+            <a:schemeClr val="accent1"/>
+          </a:fillRef>
+          <a:effectRef idx="0">
+            <a:schemeClr val="accent1"/>
+          </a:effectRef>
+          <a:fontRef idx="minor">
+            <a:schemeClr val="lt1"/>
+          </a:fontRef>
+        </p:style>
+        <p:txBody>
+          <a:bodyPr rtlCol="0" anchor="ctr"/>
+          <a:lstStyle/>
+          <a:p>
+            <a:pPr algn="ctr"/>
+            <a:endParaRPr lang="ru-RU" dirty="0"/>
+          </a:p>
+        </p:txBody>
+      </p:sp>
+      <p:sp>
+        <p:nvSpPr>
+          <p:cNvPr id="93" name="Параллелограмм 92">
+            <a:extLst>
+              <a:ext uri="{FF2B5EF4-FFF2-40B4-BE49-F238E27FC236}">
+                <a16:creationId xmlns:a16="http://schemas.microsoft.com/office/drawing/2014/main" id="{8D1CA52A-32CE-4F77-83CA-D0E715DD4546}"/>
+              </a:ext>
+            </a:extLst>
+          </p:cNvPr>
+          <p:cNvSpPr/>
+          <p:nvPr/>
+        </p:nvSpPr>
+        <p:spPr>
+          <a:xfrm rot="5400000" flipH="1">
+            <a:off x="2521533" y="2232086"/>
+            <a:ext cx="2905992" cy="1749113"/>
+          </a:xfrm>
+          <a:prstGeom prst="parallelogram">
+            <a:avLst>
+              <a:gd name="adj" fmla="val 99399"/>
+            </a:avLst>
+          </a:prstGeom>
+          <a:noFill/>
+          <a:ln>
+            <a:solidFill>
+              <a:schemeClr val="tx1"/>
+            </a:solidFill>
+            <a:prstDash val="sysDot"/>
+          </a:ln>
+        </p:spPr>
+        <p:style>
+          <a:lnRef idx="2">
+            <a:schemeClr val="accent1">
+              <a:shade val="50000"/>
+            </a:schemeClr>
+          </a:lnRef>
+          <a:fillRef idx="1">
+            <a:schemeClr val="accent1"/>
+          </a:fillRef>
+          <a:effectRef idx="0">
+            <a:schemeClr val="accent1"/>
+          </a:effectRef>
+          <a:fontRef idx="minor">
+            <a:schemeClr val="lt1"/>
+          </a:fontRef>
+        </p:style>
+        <p:txBody>
+          <a:bodyPr rtlCol="0" anchor="ctr"/>
+          <a:lstStyle/>
+          <a:p>
+            <a:pPr algn="ctr"/>
+            <a:endParaRPr lang="ru-RU" dirty="0"/>
+          </a:p>
+        </p:txBody>
+      </p:sp>
+      <p:sp>
+        <p:nvSpPr>
+          <p:cNvPr id="95" name="Прямоугольник 94">
+            <a:extLst>
+              <a:ext uri="{FF2B5EF4-FFF2-40B4-BE49-F238E27FC236}">
+                <a16:creationId xmlns:a16="http://schemas.microsoft.com/office/drawing/2014/main" id="{9615AC81-0CE6-45AC-91DE-B16F10C592B5}"/>
+              </a:ext>
+            </a:extLst>
+          </p:cNvPr>
+          <p:cNvSpPr/>
+          <p:nvPr/>
+        </p:nvSpPr>
+        <p:spPr>
+          <a:xfrm>
+            <a:off x="1495430" y="2788913"/>
+            <a:ext cx="3098132" cy="610483"/>
+          </a:xfrm>
+          <a:prstGeom prst="rect">
+            <a:avLst/>
+          </a:prstGeom>
+          <a:solidFill>
+            <a:schemeClr val="bg1">
+              <a:lumMod val="65000"/>
+            </a:schemeClr>
+          </a:solidFill>
+          <a:ln w="6350">
+            <a:solidFill>
+              <a:srgbClr val="000000">
+                <a:alpha val="69804"/>
+              </a:srgbClr>
+            </a:solidFill>
+          </a:ln>
+        </p:spPr>
+        <p:style>
+          <a:lnRef idx="2">
+            <a:schemeClr val="accent1">
+              <a:shade val="50000"/>
+            </a:schemeClr>
+          </a:lnRef>
+          <a:fillRef idx="1">
+            <a:schemeClr val="accent1"/>
+          </a:fillRef>
+          <a:effectRef idx="0">
+            <a:schemeClr val="accent1"/>
+          </a:effectRef>
+          <a:fontRef idx="minor">
+            <a:schemeClr val="lt1"/>
+          </a:fontRef>
+        </p:style>
+        <p:txBody>
+          <a:bodyPr rtlCol="0" anchor="ctr"/>
+          <a:lstStyle/>
+          <a:p>
+            <a:pPr algn="ctr"/>
+            <a:endParaRPr lang="ru-RU"/>
+          </a:p>
+        </p:txBody>
+      </p:sp>
+      <p:sp>
+        <p:nvSpPr>
+          <p:cNvPr id="96" name="Параллелограмм 95">
+            <a:extLst>
+              <a:ext uri="{FF2B5EF4-FFF2-40B4-BE49-F238E27FC236}">
+                <a16:creationId xmlns:a16="http://schemas.microsoft.com/office/drawing/2014/main" id="{799EBC53-5F0A-4582-9C81-829D54E96473}"/>
+              </a:ext>
+            </a:extLst>
+          </p:cNvPr>
+          <p:cNvSpPr/>
+          <p:nvPr/>
+        </p:nvSpPr>
+        <p:spPr>
+          <a:xfrm>
+            <a:off x="1507477" y="1049442"/>
+            <a:ext cx="4845726" cy="1744593"/>
+          </a:xfrm>
+          <a:prstGeom prst="parallelogram">
+            <a:avLst>
+              <a:gd name="adj" fmla="val 100292"/>
+            </a:avLst>
+          </a:prstGeom>
+          <a:solidFill>
+            <a:schemeClr val="bg1">
+              <a:lumMod val="65000"/>
+            </a:schemeClr>
+          </a:solidFill>
+          <a:ln w="6350">
+            <a:solidFill>
+              <a:srgbClr val="000000">
+                <a:alpha val="69804"/>
+              </a:srgbClr>
+            </a:solidFill>
+          </a:ln>
+        </p:spPr>
+        <p:style>
+          <a:lnRef idx="2">
+            <a:schemeClr val="accent1">
+              <a:shade val="50000"/>
+            </a:schemeClr>
+          </a:lnRef>
+          <a:fillRef idx="1">
+            <a:schemeClr val="accent1"/>
+          </a:fillRef>
+          <a:effectRef idx="0">
+            <a:schemeClr val="accent1"/>
+          </a:effectRef>
+          <a:fontRef idx="minor">
+            <a:schemeClr val="lt1"/>
+          </a:fontRef>
+        </p:style>
+        <p:txBody>
+          <a:bodyPr rtlCol="0" anchor="ctr"/>
+          <a:lstStyle/>
+          <a:p>
+            <a:pPr algn="ctr"/>
+            <a:endParaRPr lang="ru-RU"/>
+          </a:p>
+        </p:txBody>
+      </p:sp>
+      <p:sp>
+        <p:nvSpPr>
+          <p:cNvPr id="97" name="Параллелограмм 96">
+            <a:extLst>
+              <a:ext uri="{FF2B5EF4-FFF2-40B4-BE49-F238E27FC236}">
+                <a16:creationId xmlns:a16="http://schemas.microsoft.com/office/drawing/2014/main" id="{537AF3B2-5069-4569-A2AC-F2A5908BE6D1}"/>
+              </a:ext>
+            </a:extLst>
+          </p:cNvPr>
+          <p:cNvSpPr/>
+          <p:nvPr/>
+        </p:nvSpPr>
+        <p:spPr>
+          <a:xfrm rot="5400000" flipH="1">
+            <a:off x="4292198" y="1355233"/>
+            <a:ext cx="2350594" cy="1739011"/>
+          </a:xfrm>
+          <a:prstGeom prst="parallelogram">
+            <a:avLst>
+              <a:gd name="adj" fmla="val 99877"/>
+            </a:avLst>
+          </a:prstGeom>
+          <a:solidFill>
+            <a:schemeClr val="bg1">
+              <a:lumMod val="65000"/>
+            </a:schemeClr>
+          </a:solidFill>
+          <a:ln w="6350">
+            <a:solidFill>
+              <a:srgbClr val="000000">
+                <a:alpha val="69804"/>
+              </a:srgbClr>
+            </a:solidFill>
+          </a:ln>
+        </p:spPr>
+        <p:style>
+          <a:lnRef idx="2">
+            <a:schemeClr val="accent1">
+              <a:shade val="50000"/>
+            </a:schemeClr>
+          </a:lnRef>
+          <a:fillRef idx="1">
+            <a:schemeClr val="accent1"/>
+          </a:fillRef>
+          <a:effectRef idx="0">
+            <a:schemeClr val="accent1"/>
+          </a:effectRef>
+          <a:fontRef idx="minor">
+            <a:schemeClr val="lt1"/>
+          </a:fontRef>
+        </p:style>
+        <p:txBody>
+          <a:bodyPr rtlCol="0" anchor="ctr"/>
+          <a:lstStyle/>
+          <a:p>
+            <a:pPr algn="ctr"/>
+            <a:endParaRPr lang="ru-RU" dirty="0"/>
+          </a:p>
+        </p:txBody>
+      </p:sp>
+      <p:sp>
+        <p:nvSpPr>
+          <p:cNvPr id="98" name="Прямоугольник 97">
+            <a:extLst>
+              <a:ext uri="{FF2B5EF4-FFF2-40B4-BE49-F238E27FC236}">
+                <a16:creationId xmlns:a16="http://schemas.microsoft.com/office/drawing/2014/main" id="{33C85E0F-6C00-46E3-8048-0A72328FCB79}"/>
+              </a:ext>
+            </a:extLst>
+          </p:cNvPr>
+          <p:cNvSpPr/>
+          <p:nvPr/>
+        </p:nvSpPr>
+        <p:spPr>
+          <a:xfrm>
+            <a:off x="1494051" y="4562294"/>
+            <a:ext cx="3098132" cy="610483"/>
+          </a:xfrm>
+          <a:prstGeom prst="rect">
+            <a:avLst/>
+          </a:prstGeom>
+          <a:solidFill>
+            <a:schemeClr val="bg1">
+              <a:lumMod val="65000"/>
+            </a:schemeClr>
+          </a:solidFill>
+          <a:ln w="6350">
+            <a:solidFill>
+              <a:schemeClr val="tx1"/>
+            </a:solidFill>
+          </a:ln>
+        </p:spPr>
+        <p:style>
+          <a:lnRef idx="2">
+            <a:schemeClr val="accent1">
+              <a:shade val="50000"/>
+            </a:schemeClr>
+          </a:lnRef>
+          <a:fillRef idx="1">
+            <a:schemeClr val="accent1"/>
+          </a:fillRef>
+          <a:effectRef idx="0">
+            <a:schemeClr val="accent1"/>
+          </a:effectRef>
+          <a:fontRef idx="minor">
+            <a:schemeClr val="lt1"/>
+          </a:fontRef>
+        </p:style>
+        <p:txBody>
+          <a:bodyPr rtlCol="0" anchor="ctr"/>
+          <a:lstStyle/>
+          <a:p>
+            <a:pPr algn="ctr"/>
+            <a:endParaRPr lang="ru-RU"/>
+          </a:p>
+        </p:txBody>
+      </p:sp>
+      <p:sp>
+        <p:nvSpPr>
+          <p:cNvPr id="99" name="Параллелограмм 98">
+            <a:extLst>
+              <a:ext uri="{FF2B5EF4-FFF2-40B4-BE49-F238E27FC236}">
+                <a16:creationId xmlns:a16="http://schemas.microsoft.com/office/drawing/2014/main" id="{F3A5B86B-7A5E-454D-BEB8-6486E84AAC4C}"/>
+              </a:ext>
+            </a:extLst>
+          </p:cNvPr>
+          <p:cNvSpPr/>
+          <p:nvPr/>
+        </p:nvSpPr>
+        <p:spPr>
+          <a:xfrm rot="5400000" flipH="1">
+            <a:off x="4290819" y="3128614"/>
+            <a:ext cx="2350594" cy="1739011"/>
+          </a:xfrm>
+          <a:prstGeom prst="parallelogram">
+            <a:avLst>
+              <a:gd name="adj" fmla="val 99877"/>
+            </a:avLst>
+          </a:prstGeom>
+          <a:solidFill>
+            <a:schemeClr val="bg1">
+              <a:lumMod val="65000"/>
+            </a:schemeClr>
+          </a:solidFill>
+          <a:ln w="6350">
+            <a:solidFill>
+              <a:schemeClr val="tx1"/>
+            </a:solidFill>
+          </a:ln>
+        </p:spPr>
+        <p:style>
+          <a:lnRef idx="2">
+            <a:schemeClr val="accent1">
+              <a:shade val="50000"/>
+            </a:schemeClr>
+          </a:lnRef>
+          <a:fillRef idx="1">
+            <a:schemeClr val="accent1"/>
+          </a:fillRef>
+          <a:effectRef idx="0">
+            <a:schemeClr val="accent1"/>
+          </a:effectRef>
+          <a:fontRef idx="minor">
+            <a:schemeClr val="lt1"/>
+          </a:fontRef>
+        </p:style>
+        <p:txBody>
+          <a:bodyPr rtlCol="0" anchor="ctr"/>
+          <a:lstStyle/>
+          <a:p>
+            <a:pPr algn="ctr"/>
+            <a:endParaRPr lang="ru-RU" dirty="0"/>
+          </a:p>
+        </p:txBody>
+      </p:sp>
+      <p:grpSp>
+        <p:nvGrpSpPr>
+          <p:cNvPr id="100" name="Группа 99">
+            <a:extLst>
+              <a:ext uri="{FF2B5EF4-FFF2-40B4-BE49-F238E27FC236}">
+                <a16:creationId xmlns:a16="http://schemas.microsoft.com/office/drawing/2014/main" id="{DED26A33-AD0C-4695-9743-50930F330E26}"/>
               </a:ext>
             </a:extLst>
           </p:cNvPr>
@@ -7132,10 +10431,614 @@
         </p:nvGrpSpPr>
         <p:grpSpPr>
           <a:xfrm>
-            <a:off x="202847" y="176403"/>
-            <a:ext cx="7062953" cy="5773558"/>
-            <a:chOff x="2891845" y="674470"/>
-            <a:chExt cx="7062953" cy="5773558"/>
+            <a:off x="3094697" y="3522856"/>
+            <a:ext cx="922327" cy="1240330"/>
+            <a:chOff x="738199" y="852893"/>
+            <a:chExt cx="1712154" cy="2302475"/>
+          </a:xfrm>
+        </p:grpSpPr>
+        <p:grpSp>
+          <p:nvGrpSpPr>
+            <p:cNvPr id="101" name="Группа 100">
+              <a:extLst>
+                <a:ext uri="{FF2B5EF4-FFF2-40B4-BE49-F238E27FC236}">
+                  <a16:creationId xmlns:a16="http://schemas.microsoft.com/office/drawing/2014/main" id="{DEB026B1-BFA5-4323-AC06-0C408BF55FDC}"/>
+                </a:ext>
+              </a:extLst>
+            </p:cNvPr>
+            <p:cNvGrpSpPr>
+              <a:grpSpLocks noChangeAspect="1"/>
+            </p:cNvGrpSpPr>
+            <p:nvPr/>
+          </p:nvGrpSpPr>
+          <p:grpSpPr>
+            <a:xfrm>
+              <a:off x="738199" y="852893"/>
+              <a:ext cx="1615458" cy="2210142"/>
+              <a:chOff x="-11535178" y="-1749837"/>
+              <a:chExt cx="5957428" cy="8150474"/>
+            </a:xfrm>
+          </p:grpSpPr>
+          <p:cxnSp>
+            <p:nvCxnSpPr>
+              <p:cNvPr id="105" name="Прямая со стрелкой 104">
+                <a:extLst>
+                  <a:ext uri="{FF2B5EF4-FFF2-40B4-BE49-F238E27FC236}">
+                    <a16:creationId xmlns:a16="http://schemas.microsoft.com/office/drawing/2014/main" id="{2070A19E-FD6E-4FF8-9667-C46731FE7E66}"/>
+                  </a:ext>
+                </a:extLst>
+              </p:cNvPr>
+              <p:cNvCxnSpPr>
+                <a:cxnSpLocks/>
+              </p:cNvCxnSpPr>
+              <p:nvPr/>
+            </p:nvCxnSpPr>
+            <p:spPr>
+              <a:xfrm>
+                <a:off x="-11535178" y="1368020"/>
+                <a:ext cx="5957428" cy="0"/>
+              </a:xfrm>
+              <a:prstGeom prst="straightConnector1">
+                <a:avLst/>
+              </a:prstGeom>
+              <a:ln w="19050">
+                <a:solidFill>
+                  <a:srgbClr val="FF0000"/>
+                </a:solidFill>
+                <a:tailEnd type="triangle"/>
+              </a:ln>
+            </p:spPr>
+            <p:style>
+              <a:lnRef idx="1">
+                <a:schemeClr val="accent1"/>
+              </a:lnRef>
+              <a:fillRef idx="0">
+                <a:schemeClr val="accent1"/>
+              </a:fillRef>
+              <a:effectRef idx="0">
+                <a:schemeClr val="accent1"/>
+              </a:effectRef>
+              <a:fontRef idx="minor">
+                <a:schemeClr val="tx1"/>
+              </a:fontRef>
+            </p:style>
+          </p:cxnSp>
+          <p:cxnSp>
+            <p:nvCxnSpPr>
+              <p:cNvPr id="106" name="Прямая со стрелкой 105">
+                <a:extLst>
+                  <a:ext uri="{FF2B5EF4-FFF2-40B4-BE49-F238E27FC236}">
+                    <a16:creationId xmlns:a16="http://schemas.microsoft.com/office/drawing/2014/main" id="{71CFE814-8171-49FB-840F-87A1C9866C85}"/>
+                  </a:ext>
+                </a:extLst>
+              </p:cNvPr>
+              <p:cNvCxnSpPr>
+                <a:cxnSpLocks/>
+              </p:cNvCxnSpPr>
+              <p:nvPr/>
+            </p:nvCxnSpPr>
+            <p:spPr>
+              <a:xfrm flipV="1">
+                <a:off x="-11535178" y="-1749837"/>
+                <a:ext cx="3117861" cy="3117858"/>
+              </a:xfrm>
+              <a:prstGeom prst="straightConnector1">
+                <a:avLst/>
+              </a:prstGeom>
+              <a:ln w="19050">
+                <a:solidFill>
+                  <a:srgbClr val="FF0000"/>
+                </a:solidFill>
+                <a:tailEnd type="triangle"/>
+              </a:ln>
+            </p:spPr>
+            <p:style>
+              <a:lnRef idx="1">
+                <a:schemeClr val="accent1"/>
+              </a:lnRef>
+              <a:fillRef idx="0">
+                <a:schemeClr val="accent1"/>
+              </a:fillRef>
+              <a:effectRef idx="0">
+                <a:schemeClr val="accent1"/>
+              </a:effectRef>
+              <a:fontRef idx="minor">
+                <a:schemeClr val="tx1"/>
+              </a:fontRef>
+            </p:style>
+          </p:cxnSp>
+          <p:cxnSp>
+            <p:nvCxnSpPr>
+              <p:cNvPr id="107" name="Прямая со стрелкой 106">
+                <a:extLst>
+                  <a:ext uri="{FF2B5EF4-FFF2-40B4-BE49-F238E27FC236}">
+                    <a16:creationId xmlns:a16="http://schemas.microsoft.com/office/drawing/2014/main" id="{E164ADEF-2FE5-4CEB-94CD-5E4AC16DE73F}"/>
+                  </a:ext>
+                </a:extLst>
+              </p:cNvPr>
+              <p:cNvCxnSpPr>
+                <a:cxnSpLocks/>
+              </p:cNvCxnSpPr>
+              <p:nvPr/>
+            </p:nvCxnSpPr>
+            <p:spPr>
+              <a:xfrm>
+                <a:off x="-11502534" y="1368020"/>
+                <a:ext cx="0" cy="5032617"/>
+              </a:xfrm>
+              <a:prstGeom prst="straightConnector1">
+                <a:avLst/>
+              </a:prstGeom>
+              <a:ln w="19050">
+                <a:solidFill>
+                  <a:srgbClr val="FF0000"/>
+                </a:solidFill>
+                <a:tailEnd type="triangle"/>
+              </a:ln>
+            </p:spPr>
+            <p:style>
+              <a:lnRef idx="1">
+                <a:schemeClr val="accent1"/>
+              </a:lnRef>
+              <a:fillRef idx="0">
+                <a:schemeClr val="accent1"/>
+              </a:fillRef>
+              <a:effectRef idx="0">
+                <a:schemeClr val="accent1"/>
+              </a:effectRef>
+              <a:fontRef idx="minor">
+                <a:schemeClr val="tx1"/>
+              </a:fontRef>
+            </p:style>
+          </p:cxnSp>
+        </p:grpSp>
+        <mc:AlternateContent xmlns:mc="http://schemas.openxmlformats.org/markup-compatibility/2006">
+          <mc:Choice xmlns:a14="http://schemas.microsoft.com/office/drawing/2010/main" Requires="a14">
+            <p:sp>
+              <p:nvSpPr>
+                <p:cNvPr id="102" name="TextBox 101">
+                  <a:extLst>
+                    <a:ext uri="{FF2B5EF4-FFF2-40B4-BE49-F238E27FC236}">
+                      <a16:creationId xmlns:a16="http://schemas.microsoft.com/office/drawing/2014/main" id="{5EFB536F-EE27-4336-95FC-F36E3459BF5F}"/>
+                    </a:ext>
+                  </a:extLst>
+                </p:cNvPr>
+                <p:cNvSpPr txBox="1"/>
+                <p:nvPr/>
+              </p:nvSpPr>
+              <p:spPr>
+                <a:xfrm>
+                  <a:off x="1632138" y="852893"/>
+                  <a:ext cx="121700" cy="184666"/>
+                </a:xfrm>
+                <a:prstGeom prst="rect">
+                  <a:avLst/>
+                </a:prstGeom>
+                <a:noFill/>
+              </p:spPr>
+              <p:txBody>
+                <a:bodyPr wrap="none" lIns="0" tIns="0" rIns="0" bIns="0" rtlCol="0">
+                  <a:spAutoFit/>
+                </a:bodyPr>
+                <a:lstStyle/>
+                <a:p>
+                  <a:pPr/>
+                  <a14:m>
+                    <m:oMathPara xmlns:m="http://schemas.openxmlformats.org/officeDocument/2006/math">
+                      <m:oMathParaPr>
+                        <m:jc m:val="centerGroup"/>
+                      </m:oMathParaPr>
+                      <m:oMath xmlns:m="http://schemas.openxmlformats.org/officeDocument/2006/math">
+                        <m:r>
+                          <a:rPr lang="en-US" sz="1200" b="0" i="1" smtClean="0">
+                            <a:latin typeface="Cambria Math" panose="02040503050406030204" pitchFamily="18" charset="0"/>
+                          </a:rPr>
+                          <m:t>𝑥</m:t>
+                        </m:r>
+                      </m:oMath>
+                    </m:oMathPara>
+                  </a14:m>
+                  <a:endParaRPr lang="ru-RU" dirty="0"/>
+                </a:p>
+              </p:txBody>
+            </p:sp>
+          </mc:Choice>
+          <mc:Fallback>
+            <p:sp>
+              <p:nvSpPr>
+                <p:cNvPr id="102" name="TextBox 101">
+                  <a:extLst>
+                    <a:ext uri="{FF2B5EF4-FFF2-40B4-BE49-F238E27FC236}">
+                      <a16:creationId xmlns:a16="http://schemas.microsoft.com/office/drawing/2014/main" id="{5EFB536F-EE27-4336-95FC-F36E3459BF5F}"/>
+                    </a:ext>
+                  </a:extLst>
+                </p:cNvPr>
+                <p:cNvSpPr txBox="1">
+                  <a:spLocks noRot="1" noChangeAspect="1" noMove="1" noResize="1" noEditPoints="1" noAdjustHandles="1" noChangeArrowheads="1" noChangeShapeType="1" noTextEdit="1"/>
+                </p:cNvSpPr>
+                <p:nvPr/>
+              </p:nvSpPr>
+              <p:spPr>
+                <a:xfrm>
+                  <a:off x="1632138" y="852893"/>
+                  <a:ext cx="121700" cy="184666"/>
+                </a:xfrm>
+                <a:prstGeom prst="rect">
+                  <a:avLst/>
+                </a:prstGeom>
+                <a:blipFill>
+                  <a:blip r:embed="rId10"/>
+                  <a:stretch>
+                    <a:fillRect l="-70000" r="-90000" b="-81250"/>
+                  </a:stretch>
+                </a:blipFill>
+              </p:spPr>
+              <p:txBody>
+                <a:bodyPr/>
+                <a:lstStyle/>
+                <a:p>
+                  <a:r>
+                    <a:rPr lang="ru-RU">
+                      <a:noFill/>
+                    </a:rPr>
+                    <a:t> </a:t>
+                  </a:r>
+                </a:p>
+              </p:txBody>
+            </p:sp>
+          </mc:Fallback>
+        </mc:AlternateContent>
+        <mc:AlternateContent xmlns:mc="http://schemas.openxmlformats.org/markup-compatibility/2006">
+          <mc:Choice xmlns:a14="http://schemas.microsoft.com/office/drawing/2010/main" Requires="a14">
+            <p:sp>
+              <p:nvSpPr>
+                <p:cNvPr id="103" name="TextBox 102">
+                  <a:extLst>
+                    <a:ext uri="{FF2B5EF4-FFF2-40B4-BE49-F238E27FC236}">
+                      <a16:creationId xmlns:a16="http://schemas.microsoft.com/office/drawing/2014/main" id="{067325BB-564E-45FB-AF53-6CFE1FFF6D41}"/>
+                    </a:ext>
+                  </a:extLst>
+                </p:cNvPr>
+                <p:cNvSpPr txBox="1"/>
+                <p:nvPr/>
+              </p:nvSpPr>
+              <p:spPr>
+                <a:xfrm>
+                  <a:off x="2325895" y="1825383"/>
+                  <a:ext cx="124458" cy="184666"/>
+                </a:xfrm>
+                <a:prstGeom prst="rect">
+                  <a:avLst/>
+                </a:prstGeom>
+                <a:noFill/>
+              </p:spPr>
+              <p:txBody>
+                <a:bodyPr wrap="none" lIns="0" tIns="0" rIns="0" bIns="0" rtlCol="0">
+                  <a:spAutoFit/>
+                </a:bodyPr>
+                <a:lstStyle/>
+                <a:p>
+                  <a:pPr/>
+                  <a14:m>
+                    <m:oMathPara xmlns:m="http://schemas.openxmlformats.org/officeDocument/2006/math">
+                      <m:oMathParaPr>
+                        <m:jc m:val="centerGroup"/>
+                      </m:oMathParaPr>
+                      <m:oMath xmlns:m="http://schemas.openxmlformats.org/officeDocument/2006/math">
+                        <m:r>
+                          <a:rPr lang="en-US" sz="1200" b="0" i="1" smtClean="0">
+                            <a:latin typeface="Cambria Math" panose="02040503050406030204" pitchFamily="18" charset="0"/>
+                          </a:rPr>
+                          <m:t>𝑦</m:t>
+                        </m:r>
+                      </m:oMath>
+                    </m:oMathPara>
+                  </a14:m>
+                  <a:endParaRPr lang="ru-RU" dirty="0"/>
+                </a:p>
+              </p:txBody>
+            </p:sp>
+          </mc:Choice>
+          <mc:Fallback>
+            <p:sp>
+              <p:nvSpPr>
+                <p:cNvPr id="103" name="TextBox 102">
+                  <a:extLst>
+                    <a:ext uri="{FF2B5EF4-FFF2-40B4-BE49-F238E27FC236}">
+                      <a16:creationId xmlns:a16="http://schemas.microsoft.com/office/drawing/2014/main" id="{067325BB-564E-45FB-AF53-6CFE1FFF6D41}"/>
+                    </a:ext>
+                  </a:extLst>
+                </p:cNvPr>
+                <p:cNvSpPr txBox="1">
+                  <a:spLocks noRot="1" noChangeAspect="1" noMove="1" noResize="1" noEditPoints="1" noAdjustHandles="1" noChangeArrowheads="1" noChangeShapeType="1" noTextEdit="1"/>
+                </p:cNvSpPr>
+                <p:nvPr/>
+              </p:nvSpPr>
+              <p:spPr>
+                <a:xfrm>
+                  <a:off x="2325895" y="1825383"/>
+                  <a:ext cx="124458" cy="184666"/>
+                </a:xfrm>
+                <a:prstGeom prst="rect">
+                  <a:avLst/>
+                </a:prstGeom>
+                <a:blipFill>
+                  <a:blip r:embed="rId11"/>
+                  <a:stretch>
+                    <a:fillRect l="-81818" r="-109091" b="-131250"/>
+                  </a:stretch>
+                </a:blipFill>
+              </p:spPr>
+              <p:txBody>
+                <a:bodyPr/>
+                <a:lstStyle/>
+                <a:p>
+                  <a:r>
+                    <a:rPr lang="ru-RU">
+                      <a:noFill/>
+                    </a:rPr>
+                    <a:t> </a:t>
+                  </a:r>
+                </a:p>
+              </p:txBody>
+            </p:sp>
+          </mc:Fallback>
+        </mc:AlternateContent>
+        <mc:AlternateContent xmlns:mc="http://schemas.openxmlformats.org/markup-compatibility/2006">
+          <mc:Choice xmlns:a14="http://schemas.microsoft.com/office/drawing/2010/main" Requires="a14">
+            <p:sp>
+              <p:nvSpPr>
+                <p:cNvPr id="104" name="TextBox 103">
+                  <a:extLst>
+                    <a:ext uri="{FF2B5EF4-FFF2-40B4-BE49-F238E27FC236}">
+                      <a16:creationId xmlns:a16="http://schemas.microsoft.com/office/drawing/2014/main" id="{239DC4BC-8E2B-4390-A71D-E631CF8DB90A}"/>
+                    </a:ext>
+                  </a:extLst>
+                </p:cNvPr>
+                <p:cNvSpPr txBox="1"/>
+                <p:nvPr/>
+              </p:nvSpPr>
+              <p:spPr>
+                <a:xfrm>
+                  <a:off x="852632" y="2970702"/>
+                  <a:ext cx="111634" cy="184666"/>
+                </a:xfrm>
+                <a:prstGeom prst="rect">
+                  <a:avLst/>
+                </a:prstGeom>
+                <a:noFill/>
+              </p:spPr>
+              <p:txBody>
+                <a:bodyPr wrap="none" lIns="0" tIns="0" rIns="0" bIns="0" rtlCol="0">
+                  <a:spAutoFit/>
+                </a:bodyPr>
+                <a:lstStyle/>
+                <a:p>
+                  <a:pPr/>
+                  <a14:m>
+                    <m:oMathPara xmlns:m="http://schemas.openxmlformats.org/officeDocument/2006/math">
+                      <m:oMathParaPr>
+                        <m:jc m:val="centerGroup"/>
+                      </m:oMathParaPr>
+                      <m:oMath xmlns:m="http://schemas.openxmlformats.org/officeDocument/2006/math">
+                        <m:r>
+                          <a:rPr lang="en-US" sz="1200" b="0" i="1" smtClean="0">
+                            <a:latin typeface="Cambria Math" panose="02040503050406030204" pitchFamily="18" charset="0"/>
+                          </a:rPr>
+                          <m:t>𝑧</m:t>
+                        </m:r>
+                      </m:oMath>
+                    </m:oMathPara>
+                  </a14:m>
+                  <a:endParaRPr lang="ru-RU" dirty="0"/>
+                </a:p>
+              </p:txBody>
+            </p:sp>
+          </mc:Choice>
+          <mc:Fallback>
+            <p:sp>
+              <p:nvSpPr>
+                <p:cNvPr id="104" name="TextBox 103">
+                  <a:extLst>
+                    <a:ext uri="{FF2B5EF4-FFF2-40B4-BE49-F238E27FC236}">
+                      <a16:creationId xmlns:a16="http://schemas.microsoft.com/office/drawing/2014/main" id="{239DC4BC-8E2B-4390-A71D-E631CF8DB90A}"/>
+                    </a:ext>
+                  </a:extLst>
+                </p:cNvPr>
+                <p:cNvSpPr txBox="1">
+                  <a:spLocks noRot="1" noChangeAspect="1" noMove="1" noResize="1" noEditPoints="1" noAdjustHandles="1" noChangeArrowheads="1" noChangeShapeType="1" noTextEdit="1"/>
+                </p:cNvSpPr>
+                <p:nvPr/>
+              </p:nvSpPr>
+              <p:spPr>
+                <a:xfrm>
+                  <a:off x="852632" y="2970702"/>
+                  <a:ext cx="111634" cy="184666"/>
+                </a:xfrm>
+                <a:prstGeom prst="rect">
+                  <a:avLst/>
+                </a:prstGeom>
+                <a:blipFill>
+                  <a:blip r:embed="rId12"/>
+                  <a:stretch>
+                    <a:fillRect l="-70000" r="-80000" b="-87500"/>
+                  </a:stretch>
+                </a:blipFill>
+              </p:spPr>
+              <p:txBody>
+                <a:bodyPr/>
+                <a:lstStyle/>
+                <a:p>
+                  <a:r>
+                    <a:rPr lang="ru-RU">
+                      <a:noFill/>
+                    </a:rPr>
+                    <a:t> </a:t>
+                  </a:r>
+                </a:p>
+              </p:txBody>
+            </p:sp>
+          </mc:Fallback>
+        </mc:AlternateContent>
+      </p:grpSp>
+      <p:sp>
+        <p:nvSpPr>
+          <p:cNvPr id="108" name="Прямоугольник 107">
+            <a:extLst>
+              <a:ext uri="{FF2B5EF4-FFF2-40B4-BE49-F238E27FC236}">
+                <a16:creationId xmlns:a16="http://schemas.microsoft.com/office/drawing/2014/main" id="{E1850A5F-FDC1-4BCE-855F-EF4D5C22286D}"/>
+              </a:ext>
+            </a:extLst>
+          </p:cNvPr>
+          <p:cNvSpPr/>
+          <p:nvPr/>
+        </p:nvSpPr>
+        <p:spPr>
+          <a:xfrm>
+            <a:off x="3106920" y="2756372"/>
+            <a:ext cx="1521711" cy="2447979"/>
+          </a:xfrm>
+          <a:prstGeom prst="rect">
+            <a:avLst/>
+          </a:prstGeom>
+          <a:noFill/>
+          <a:ln w="19050">
+            <a:solidFill>
+              <a:srgbClr val="FF0000"/>
+            </a:solidFill>
+            <a:prstDash val="dash"/>
+          </a:ln>
+        </p:spPr>
+        <p:style>
+          <a:lnRef idx="2">
+            <a:schemeClr val="accent1">
+              <a:shade val="50000"/>
+            </a:schemeClr>
+          </a:lnRef>
+          <a:fillRef idx="1">
+            <a:schemeClr val="accent1"/>
+          </a:fillRef>
+          <a:effectRef idx="0">
+            <a:schemeClr val="accent1"/>
+          </a:effectRef>
+          <a:fontRef idx="minor">
+            <a:schemeClr val="lt1"/>
+          </a:fontRef>
+        </p:style>
+        <p:txBody>
+          <a:bodyPr rtlCol="0" anchor="ctr"/>
+          <a:lstStyle/>
+          <a:p>
+            <a:pPr algn="ctr"/>
+            <a:endParaRPr lang="ru-RU"/>
+          </a:p>
+        </p:txBody>
+      </p:sp>
+      <p:sp>
+        <p:nvSpPr>
+          <p:cNvPr id="109" name="Стрелка: влево-вправо 108">
+            <a:extLst>
+              <a:ext uri="{FF2B5EF4-FFF2-40B4-BE49-F238E27FC236}">
+                <a16:creationId xmlns:a16="http://schemas.microsoft.com/office/drawing/2014/main" id="{914A25E2-6C94-485D-A416-550B853A94FA}"/>
+              </a:ext>
+            </a:extLst>
+          </p:cNvPr>
+          <p:cNvSpPr/>
+          <p:nvPr/>
+        </p:nvSpPr>
+        <p:spPr>
+          <a:xfrm rot="21346583">
+            <a:off x="5015804" y="3576299"/>
+            <a:ext cx="1615285" cy="62640"/>
+          </a:xfrm>
+          <a:prstGeom prst="leftRightArrow">
+            <a:avLst>
+              <a:gd name="adj1" fmla="val 32505"/>
+              <a:gd name="adj2" fmla="val 196005"/>
+            </a:avLst>
+          </a:prstGeom>
+          <a:solidFill>
+            <a:schemeClr val="tx1"/>
+          </a:solidFill>
+          <a:ln>
+            <a:solidFill>
+              <a:schemeClr val="tx1"/>
+            </a:solidFill>
+          </a:ln>
+        </p:spPr>
+        <p:style>
+          <a:lnRef idx="2">
+            <a:schemeClr val="accent1">
+              <a:shade val="50000"/>
+            </a:schemeClr>
+          </a:lnRef>
+          <a:fillRef idx="1">
+            <a:schemeClr val="accent1"/>
+          </a:fillRef>
+          <a:effectRef idx="0">
+            <a:schemeClr val="accent1"/>
+          </a:effectRef>
+          <a:fontRef idx="minor">
+            <a:schemeClr val="lt1"/>
+          </a:fontRef>
+        </p:style>
+        <p:txBody>
+          <a:bodyPr rtlCol="0" anchor="ctr"/>
+          <a:lstStyle/>
+          <a:p>
+            <a:pPr algn="ctr"/>
+            <a:endParaRPr lang="ru-RU" dirty="0"/>
+          </a:p>
+        </p:txBody>
+      </p:sp>
+    </p:spTree>
+    <p:extLst>
+      <p:ext uri="{BB962C8B-B14F-4D97-AF65-F5344CB8AC3E}">
+        <p14:creationId xmlns:p14="http://schemas.microsoft.com/office/powerpoint/2010/main" val="928320106"/>
+      </p:ext>
+    </p:extLst>
+  </p:cSld>
+  <p:clrMapOvr>
+    <a:masterClrMapping/>
+  </p:clrMapOvr>
+</p:sld>
+</file>
+
+<file path=ppt/slides/slide5.xml><?xml version="1.0" encoding="utf-8"?>
+<p:sld xmlns:a="http://schemas.openxmlformats.org/drawingml/2006/main" xmlns:r="http://schemas.openxmlformats.org/officeDocument/2006/relationships" xmlns:p="http://schemas.openxmlformats.org/presentationml/2006/main">
+  <p:cSld>
+    <p:spTree>
+      <p:nvGrpSpPr>
+        <p:cNvPr id="1" name=""/>
+        <p:cNvGrpSpPr/>
+        <p:nvPr/>
+      </p:nvGrpSpPr>
+      <p:grpSpPr>
+        <a:xfrm>
+          <a:off x="0" y="0"/>
+          <a:ext cx="0" cy="0"/>
+          <a:chOff x="0" y="0"/>
+          <a:chExt cx="0" cy="0"/>
+        </a:xfrm>
+      </p:grpSpPr>
+      <p:grpSp>
+        <p:nvGrpSpPr>
+          <p:cNvPr id="6" name="Группа 5">
+            <a:extLst>
+              <a:ext uri="{FF2B5EF4-FFF2-40B4-BE49-F238E27FC236}">
+                <a16:creationId xmlns:a16="http://schemas.microsoft.com/office/drawing/2014/main" id="{7CE55A27-D729-4F86-8496-63A3196ABAD0}"/>
+              </a:ext>
+            </a:extLst>
+          </p:cNvPr>
+          <p:cNvGrpSpPr/>
+          <p:nvPr/>
+        </p:nvGrpSpPr>
+        <p:grpSpPr>
+          <a:xfrm>
+            <a:off x="2149764" y="1049448"/>
+            <a:ext cx="4859152" cy="4123975"/>
+            <a:chOff x="2149764" y="1049448"/>
+            <a:chExt cx="4859152" cy="4123975"/>
           </a:xfrm>
         </p:grpSpPr>
         <p:sp>
@@ -7152,8 +11055,8 @@
           </p:nvSpPr>
           <p:spPr>
             <a:xfrm rot="5400000" flipH="1">
-              <a:off x="3722378" y="2718630"/>
-              <a:ext cx="4425241" cy="2268339"/>
+              <a:off x="3173974" y="2754187"/>
+              <a:ext cx="2383852" cy="1221941"/>
             </a:xfrm>
             <a:prstGeom prst="parallelogram">
               <a:avLst>
@@ -7210,8 +11113,8 @@
           </p:nvSpPr>
           <p:spPr>
             <a:xfrm>
-              <a:off x="4798294" y="1751263"/>
-              <a:ext cx="5154811" cy="3238559"/>
+              <a:off x="3750455" y="2233072"/>
+              <a:ext cx="3242261" cy="1744593"/>
             </a:xfrm>
             <a:prstGeom prst="parallelogram">
               <a:avLst>
@@ -7219,7 +11122,7 @@
               </a:avLst>
             </a:prstGeom>
             <a:solidFill>
-              <a:srgbClr val="F0F7EC">
+              <a:srgbClr val="E2F0D9">
                 <a:alpha val="72157"/>
               </a:srgbClr>
             </a:solidFill>
@@ -7269,8 +11172,8 @@
           </p:nvSpPr>
           <p:spPr>
             <a:xfrm rot="5400000" flipH="1">
-              <a:off x="1818065" y="1749445"/>
-              <a:ext cx="5394511" cy="3246952"/>
+              <a:off x="1572703" y="2232093"/>
+              <a:ext cx="2905992" cy="1749114"/>
             </a:xfrm>
             <a:prstGeom prst="parallelogram">
               <a:avLst>
@@ -7312,10 +11215,10 @@
         </p:sp>
         <p:sp>
           <p:nvSpPr>
-            <p:cNvPr id="32" name="Прямоугольник 31">
+            <p:cNvPr id="12" name="Параллелограмм 11">
               <a:extLst>
                 <a:ext uri="{FF2B5EF4-FFF2-40B4-BE49-F238E27FC236}">
-                  <a16:creationId xmlns:a16="http://schemas.microsoft.com/office/drawing/2014/main" id="{0FECCE43-80CA-42BA-83FE-CADEC4B20B59}"/>
+                  <a16:creationId xmlns:a16="http://schemas.microsoft.com/office/drawing/2014/main" id="{24C0039A-DCA5-4E16-A2CB-C7189B42A603}"/>
                 </a:ext>
               </a:extLst>
             </p:cNvPr>
@@ -7323,19 +11226,20 @@
             <p:nvPr/>
           </p:nvSpPr>
           <p:spPr>
-            <a:xfrm>
-              <a:off x="6139641" y="674470"/>
-              <a:ext cx="3815157" cy="2164158"/>
+            <a:xfrm rot="5400000" flipH="1">
+              <a:off x="4673451" y="2243010"/>
+              <a:ext cx="2889131" cy="1739011"/>
             </a:xfrm>
-            <a:prstGeom prst="rect">
-              <a:avLst/>
+            <a:prstGeom prst="parallelogram">
+              <a:avLst>
+                <a:gd name="adj" fmla="val 99638"/>
+              </a:avLst>
             </a:prstGeom>
             <a:noFill/>
-            <a:ln>
+            <a:ln w="6350">
               <a:solidFill>
-                <a:schemeClr val="bg2"/>
+                <a:schemeClr val="tx1"/>
               </a:solidFill>
-              <a:prstDash val="dash"/>
             </a:ln>
           </p:spPr>
           <p:style>
@@ -7359,7 +11263,7 @@
             <a:lstStyle/>
             <a:p>
               <a:pPr algn="ctr"/>
-              <a:endParaRPr lang="ru-RU"/>
+              <a:endParaRPr lang="ru-RU" dirty="0"/>
             </a:p>
           </p:txBody>
         </p:sp>
@@ -7377,14 +11281,18 @@
           </p:nvSpPr>
           <p:spPr>
             <a:xfrm>
-              <a:off x="2894664" y="3914225"/>
-              <a:ext cx="3815157" cy="2155952"/>
+              <a:off x="2152661" y="3398247"/>
+              <a:ext cx="3094940" cy="1161399"/>
             </a:xfrm>
             <a:prstGeom prst="rect">
               <a:avLst/>
             </a:prstGeom>
-            <a:noFill/>
-            <a:ln>
+            <a:solidFill>
+              <a:srgbClr val="FFF2CC">
+                <a:alpha val="50196"/>
+              </a:srgbClr>
+            </a:solidFill>
+            <a:ln w="6350">
               <a:solidFill>
                 <a:schemeClr val="tx1"/>
               </a:solidFill>
@@ -7429,12 +11337,12 @@
           </p:nvSpPr>
           <p:spPr>
             <a:xfrm>
-              <a:off x="2894661" y="675666"/>
-              <a:ext cx="7060137" cy="3238559"/>
+              <a:off x="2152659" y="1653654"/>
+              <a:ext cx="4845727" cy="1744593"/>
             </a:xfrm>
             <a:prstGeom prst="parallelogram">
               <a:avLst>
-                <a:gd name="adj" fmla="val 100292"/>
+                <a:gd name="adj" fmla="val 100549"/>
               </a:avLst>
             </a:prstGeom>
             <a:noFill/>
@@ -7483,8 +11391,8 @@
           </p:nvSpPr>
           <p:spPr>
             <a:xfrm rot="5400000">
-              <a:off x="3718626" y="4883756"/>
-              <a:ext cx="2155950" cy="207377"/>
+              <a:off x="3173041" y="3865701"/>
+              <a:ext cx="1161398" cy="221367"/>
             </a:xfrm>
             <a:prstGeom prst="ellipse">
               <a:avLst/>
@@ -7495,60 +11403,6 @@
                 <a:schemeClr val="tx1"/>
               </a:solidFill>
               <a:prstDash val="dash"/>
-            </a:ln>
-          </p:spPr>
-          <p:style>
-            <a:lnRef idx="2">
-              <a:schemeClr val="accent1">
-                <a:shade val="50000"/>
-              </a:schemeClr>
-            </a:lnRef>
-            <a:fillRef idx="1">
-              <a:schemeClr val="accent1"/>
-            </a:fillRef>
-            <a:effectRef idx="0">
-              <a:schemeClr val="accent1"/>
-            </a:effectRef>
-            <a:fontRef idx="minor">
-              <a:schemeClr val="lt1"/>
-            </a:fontRef>
-          </p:style>
-          <p:txBody>
-            <a:bodyPr rtlCol="0" anchor="ctr"/>
-            <a:lstStyle/>
-            <a:p>
-              <a:pPr algn="ctr"/>
-              <a:endParaRPr lang="ru-RU" dirty="0"/>
-            </a:p>
-          </p:txBody>
-        </p:sp>
-        <p:sp>
-          <p:nvSpPr>
-            <p:cNvPr id="12" name="Параллелограмм 11">
-              <a:extLst>
-                <a:ext uri="{FF2B5EF4-FFF2-40B4-BE49-F238E27FC236}">
-                  <a16:creationId xmlns:a16="http://schemas.microsoft.com/office/drawing/2014/main" id="{24C0039A-DCA5-4E16-A2CB-C7189B42A603}"/>
-                </a:ext>
-              </a:extLst>
-            </p:cNvPr>
-            <p:cNvSpPr/>
-            <p:nvPr/>
-          </p:nvSpPr>
-          <p:spPr>
-            <a:xfrm rot="5400000" flipH="1">
-              <a:off x="5631671" y="1748742"/>
-              <a:ext cx="5394511" cy="3248360"/>
-            </a:xfrm>
-            <a:prstGeom prst="parallelogram">
-              <a:avLst>
-                <a:gd name="adj" fmla="val 99399"/>
-              </a:avLst>
-            </a:prstGeom>
-            <a:noFill/>
-            <a:ln>
-              <a:solidFill>
-                <a:schemeClr val="tx1"/>
-              </a:solidFill>
             </a:ln>
           </p:spPr>
           <p:style>
@@ -7590,8 +11444,8 @@
           </p:nvSpPr>
           <p:spPr>
             <a:xfrm rot="5400000" flipH="1">
-              <a:off x="3728460" y="1749443"/>
-              <a:ext cx="5394512" cy="3246951"/>
+              <a:off x="3177246" y="2232092"/>
+              <a:ext cx="2905992" cy="1749113"/>
             </a:xfrm>
             <a:prstGeom prst="parallelogram">
               <a:avLst>
@@ -7647,8 +11501,8 @@
           </p:nvCxnSpPr>
           <p:spPr>
             <a:xfrm flipV="1">
-              <a:off x="4796601" y="2722698"/>
-              <a:ext cx="2272567" cy="2276414"/>
+              <a:off x="3754885" y="2756378"/>
+              <a:ext cx="1224218" cy="1226291"/>
             </a:xfrm>
             <a:prstGeom prst="line">
               <a:avLst/>
@@ -7674,6 +11528,284 @@
             </a:fontRef>
           </p:style>
         </p:cxnSp>
+        <p:sp>
+          <p:nvSpPr>
+            <p:cNvPr id="39" name="Прямоугольник 38">
+              <a:extLst>
+                <a:ext uri="{FF2B5EF4-FFF2-40B4-BE49-F238E27FC236}">
+                  <a16:creationId xmlns:a16="http://schemas.microsoft.com/office/drawing/2014/main" id="{41FC9AF2-AA34-4888-9FD1-D8DFA4EE6485}"/>
+                </a:ext>
+              </a:extLst>
+            </p:cNvPr>
+            <p:cNvSpPr/>
+            <p:nvPr/>
+          </p:nvSpPr>
+          <p:spPr>
+            <a:xfrm>
+              <a:off x="2151143" y="2788919"/>
+              <a:ext cx="3098132" cy="610483"/>
+            </a:xfrm>
+            <a:prstGeom prst="rect">
+              <a:avLst/>
+            </a:prstGeom>
+            <a:solidFill>
+              <a:srgbClr val="A6A6A6"/>
+            </a:solidFill>
+            <a:ln w="6350">
+              <a:solidFill>
+                <a:schemeClr val="tx1"/>
+              </a:solidFill>
+            </a:ln>
+          </p:spPr>
+          <p:style>
+            <a:lnRef idx="2">
+              <a:schemeClr val="accent1">
+                <a:shade val="50000"/>
+              </a:schemeClr>
+            </a:lnRef>
+            <a:fillRef idx="1">
+              <a:schemeClr val="accent1"/>
+            </a:fillRef>
+            <a:effectRef idx="0">
+              <a:schemeClr val="accent1"/>
+            </a:effectRef>
+            <a:fontRef idx="minor">
+              <a:schemeClr val="lt1"/>
+            </a:fontRef>
+          </p:style>
+          <p:txBody>
+            <a:bodyPr rtlCol="0" anchor="ctr"/>
+            <a:lstStyle/>
+            <a:p>
+              <a:pPr algn="ctr"/>
+              <a:endParaRPr lang="ru-RU"/>
+            </a:p>
+          </p:txBody>
+        </p:sp>
+        <p:sp>
+          <p:nvSpPr>
+            <p:cNvPr id="40" name="Параллелограмм 39">
+              <a:extLst>
+                <a:ext uri="{FF2B5EF4-FFF2-40B4-BE49-F238E27FC236}">
+                  <a16:creationId xmlns:a16="http://schemas.microsoft.com/office/drawing/2014/main" id="{65875F13-FDB6-46D2-A76B-CA1643F45DBD}"/>
+                </a:ext>
+              </a:extLst>
+            </p:cNvPr>
+            <p:cNvSpPr/>
+            <p:nvPr/>
+          </p:nvSpPr>
+          <p:spPr>
+            <a:xfrm>
+              <a:off x="2163190" y="1049448"/>
+              <a:ext cx="4845726" cy="1744593"/>
+            </a:xfrm>
+            <a:prstGeom prst="parallelogram">
+              <a:avLst>
+                <a:gd name="adj" fmla="val 100292"/>
+              </a:avLst>
+            </a:prstGeom>
+            <a:solidFill>
+              <a:schemeClr val="bg1">
+                <a:lumMod val="65000"/>
+              </a:schemeClr>
+            </a:solidFill>
+            <a:ln w="6350">
+              <a:solidFill>
+                <a:schemeClr val="tx1"/>
+              </a:solidFill>
+            </a:ln>
+          </p:spPr>
+          <p:style>
+            <a:lnRef idx="2">
+              <a:schemeClr val="accent1">
+                <a:shade val="50000"/>
+              </a:schemeClr>
+            </a:lnRef>
+            <a:fillRef idx="1">
+              <a:schemeClr val="accent1"/>
+            </a:fillRef>
+            <a:effectRef idx="0">
+              <a:schemeClr val="accent1"/>
+            </a:effectRef>
+            <a:fontRef idx="minor">
+              <a:schemeClr val="lt1"/>
+            </a:fontRef>
+          </p:style>
+          <p:txBody>
+            <a:bodyPr rtlCol="0" anchor="ctr"/>
+            <a:lstStyle/>
+            <a:p>
+              <a:pPr algn="ctr"/>
+              <a:endParaRPr lang="ru-RU"/>
+            </a:p>
+          </p:txBody>
+        </p:sp>
+        <p:sp>
+          <p:nvSpPr>
+            <p:cNvPr id="41" name="Параллелограмм 40">
+              <a:extLst>
+                <a:ext uri="{FF2B5EF4-FFF2-40B4-BE49-F238E27FC236}">
+                  <a16:creationId xmlns:a16="http://schemas.microsoft.com/office/drawing/2014/main" id="{2BFBCFA3-C967-4593-B9E8-6FFC9A68E3D6}"/>
+                </a:ext>
+              </a:extLst>
+            </p:cNvPr>
+            <p:cNvSpPr/>
+            <p:nvPr/>
+          </p:nvSpPr>
+          <p:spPr>
+            <a:xfrm rot="5400000" flipH="1">
+              <a:off x="4947911" y="1355239"/>
+              <a:ext cx="2350594" cy="1739011"/>
+            </a:xfrm>
+            <a:prstGeom prst="parallelogram">
+              <a:avLst>
+                <a:gd name="adj" fmla="val 99877"/>
+              </a:avLst>
+            </a:prstGeom>
+            <a:solidFill>
+              <a:srgbClr val="A6A6A6"/>
+            </a:solidFill>
+            <a:ln w="6350">
+              <a:solidFill>
+                <a:schemeClr val="tx1"/>
+              </a:solidFill>
+            </a:ln>
+          </p:spPr>
+          <p:style>
+            <a:lnRef idx="2">
+              <a:schemeClr val="accent1">
+                <a:shade val="50000"/>
+              </a:schemeClr>
+            </a:lnRef>
+            <a:fillRef idx="1">
+              <a:schemeClr val="accent1"/>
+            </a:fillRef>
+            <a:effectRef idx="0">
+              <a:schemeClr val="accent1"/>
+            </a:effectRef>
+            <a:fontRef idx="minor">
+              <a:schemeClr val="lt1"/>
+            </a:fontRef>
+          </p:style>
+          <p:txBody>
+            <a:bodyPr rtlCol="0" anchor="ctr"/>
+            <a:lstStyle/>
+            <a:p>
+              <a:pPr algn="ctr"/>
+              <a:endParaRPr lang="ru-RU" dirty="0"/>
+            </a:p>
+          </p:txBody>
+        </p:sp>
+        <p:sp>
+          <p:nvSpPr>
+            <p:cNvPr id="43" name="Прямоугольник 42">
+              <a:extLst>
+                <a:ext uri="{FF2B5EF4-FFF2-40B4-BE49-F238E27FC236}">
+                  <a16:creationId xmlns:a16="http://schemas.microsoft.com/office/drawing/2014/main" id="{97C44628-40DA-4FA8-967A-F96FB41AFA2C}"/>
+                </a:ext>
+              </a:extLst>
+            </p:cNvPr>
+            <p:cNvSpPr/>
+            <p:nvPr/>
+          </p:nvSpPr>
+          <p:spPr>
+            <a:xfrm>
+              <a:off x="2149764" y="4562300"/>
+              <a:ext cx="3098132" cy="610483"/>
+            </a:xfrm>
+            <a:prstGeom prst="rect">
+              <a:avLst/>
+            </a:prstGeom>
+            <a:solidFill>
+              <a:srgbClr val="A6A6A6"/>
+            </a:solidFill>
+            <a:ln w="6350">
+              <a:solidFill>
+                <a:schemeClr val="tx1"/>
+              </a:solidFill>
+            </a:ln>
+          </p:spPr>
+          <p:style>
+            <a:lnRef idx="2">
+              <a:schemeClr val="accent1">
+                <a:shade val="50000"/>
+              </a:schemeClr>
+            </a:lnRef>
+            <a:fillRef idx="1">
+              <a:schemeClr val="accent1"/>
+            </a:fillRef>
+            <a:effectRef idx="0">
+              <a:schemeClr val="accent1"/>
+            </a:effectRef>
+            <a:fontRef idx="minor">
+              <a:schemeClr val="lt1"/>
+            </a:fontRef>
+          </p:style>
+          <p:txBody>
+            <a:bodyPr rtlCol="0" anchor="ctr"/>
+            <a:lstStyle/>
+            <a:p>
+              <a:pPr algn="ctr"/>
+              <a:endParaRPr lang="ru-RU"/>
+            </a:p>
+          </p:txBody>
+        </p:sp>
+        <p:sp>
+          <p:nvSpPr>
+            <p:cNvPr id="44" name="Параллелограмм 43">
+              <a:extLst>
+                <a:ext uri="{FF2B5EF4-FFF2-40B4-BE49-F238E27FC236}">
+                  <a16:creationId xmlns:a16="http://schemas.microsoft.com/office/drawing/2014/main" id="{5664C639-7AA4-45A5-8511-C2D900720C2E}"/>
+                </a:ext>
+              </a:extLst>
+            </p:cNvPr>
+            <p:cNvSpPr/>
+            <p:nvPr/>
+          </p:nvSpPr>
+          <p:spPr>
+            <a:xfrm rot="5400000" flipH="1">
+              <a:off x="4946532" y="3128620"/>
+              <a:ext cx="2350594" cy="1739011"/>
+            </a:xfrm>
+            <a:prstGeom prst="parallelogram">
+              <a:avLst>
+                <a:gd name="adj" fmla="val 99877"/>
+              </a:avLst>
+            </a:prstGeom>
+            <a:solidFill>
+              <a:srgbClr val="A6A6A6"/>
+            </a:solidFill>
+            <a:ln w="6350">
+              <a:solidFill>
+                <a:schemeClr val="tx1"/>
+              </a:solidFill>
+            </a:ln>
+          </p:spPr>
+          <p:style>
+            <a:lnRef idx="2">
+              <a:schemeClr val="accent1">
+                <a:shade val="50000"/>
+              </a:schemeClr>
+            </a:lnRef>
+            <a:fillRef idx="1">
+              <a:schemeClr val="accent1"/>
+            </a:fillRef>
+            <a:effectRef idx="0">
+              <a:schemeClr val="accent1"/>
+            </a:effectRef>
+            <a:fontRef idx="minor">
+              <a:schemeClr val="lt1"/>
+            </a:fontRef>
+          </p:style>
+          <p:txBody>
+            <a:bodyPr rtlCol="0" anchor="ctr"/>
+            <a:lstStyle/>
+            <a:p>
+              <a:pPr algn="ctr"/>
+              <a:endParaRPr lang="ru-RU" dirty="0"/>
+            </a:p>
+          </p:txBody>
+        </p:sp>
         <p:grpSp>
           <p:nvGrpSpPr>
             <p:cNvPr id="88" name="Группа 87">
@@ -7688,8 +11820,8 @@
           </p:nvGrpSpPr>
           <p:grpSpPr>
             <a:xfrm>
-              <a:off x="4796599" y="4145553"/>
-              <a:ext cx="1712154" cy="2302475"/>
+              <a:off x="3750410" y="3522862"/>
+              <a:ext cx="922327" cy="1240330"/>
               <a:chOff x="738199" y="852893"/>
               <a:chExt cx="1712154" cy="2302475"/>
             </a:xfrm>
@@ -7849,8 +11981,8 @@
               </p:style>
             </p:cxnSp>
           </p:grpSp>
-          <mc:AlternateContent xmlns:mc="http://schemas.openxmlformats.org/markup-compatibility/2006" xmlns:a14="http://schemas.microsoft.com/office/drawing/2010/main">
-            <mc:Choice Requires="a14">
+          <mc:AlternateContent xmlns:mc="http://schemas.openxmlformats.org/markup-compatibility/2006">
+            <mc:Choice xmlns:a14="http://schemas.microsoft.com/office/drawing/2010/main" Requires="a14">
               <p:sp>
                 <p:nvSpPr>
                   <p:cNvPr id="84" name="TextBox 83">
@@ -7900,7 +12032,7 @@
                 </p:txBody>
               </p:sp>
             </mc:Choice>
-            <mc:Fallback xmlns="">
+            <mc:Fallback>
               <p:sp>
                 <p:nvSpPr>
                   <p:cNvPr id="84" name="TextBox 83">
@@ -7926,7 +12058,7 @@
                   <a:blipFill>
                     <a:blip r:embed="rId2"/>
                     <a:stretch>
-                      <a:fillRect l="-15000" r="-15000"/>
+                      <a:fillRect l="-54545" r="-81818" b="-81250"/>
                     </a:stretch>
                   </a:blipFill>
                 </p:spPr>
@@ -7945,8 +12077,8 @@
               </p:sp>
             </mc:Fallback>
           </mc:AlternateContent>
-          <mc:AlternateContent xmlns:mc="http://schemas.openxmlformats.org/markup-compatibility/2006" xmlns:a14="http://schemas.microsoft.com/office/drawing/2010/main">
-            <mc:Choice Requires="a14">
+          <mc:AlternateContent xmlns:mc="http://schemas.openxmlformats.org/markup-compatibility/2006">
+            <mc:Choice xmlns:a14="http://schemas.microsoft.com/office/drawing/2010/main" Requires="a14">
               <p:sp>
                 <p:nvSpPr>
                   <p:cNvPr id="85" name="TextBox 84">
@@ -7996,7 +12128,7 @@
                 </p:txBody>
               </p:sp>
             </mc:Choice>
-            <mc:Fallback xmlns="">
+            <mc:Fallback>
               <p:sp>
                 <p:nvSpPr>
                   <p:cNvPr id="85" name="TextBox 84">
@@ -8022,7 +12154,7 @@
                   <a:blipFill>
                     <a:blip r:embed="rId3"/>
                     <a:stretch>
-                      <a:fillRect l="-28571" r="-23810" b="-23333"/>
+                      <a:fillRect l="-81818" r="-109091" b="-131250"/>
                     </a:stretch>
                   </a:blipFill>
                 </p:spPr>
@@ -8041,8 +12173,8 @@
               </p:sp>
             </mc:Fallback>
           </mc:AlternateContent>
-          <mc:AlternateContent xmlns:mc="http://schemas.openxmlformats.org/markup-compatibility/2006" xmlns:a14="http://schemas.microsoft.com/office/drawing/2010/main">
-            <mc:Choice Requires="a14">
+          <mc:AlternateContent xmlns:mc="http://schemas.openxmlformats.org/markup-compatibility/2006">
+            <mc:Choice xmlns:a14="http://schemas.microsoft.com/office/drawing/2010/main" Requires="a14">
               <p:sp>
                 <p:nvSpPr>
                   <p:cNvPr id="86" name="TextBox 85">
@@ -8092,7 +12224,7 @@
                 </p:txBody>
               </p:sp>
             </mc:Choice>
-            <mc:Fallback xmlns="">
+            <mc:Fallback>
               <p:sp>
                 <p:nvSpPr>
                   <p:cNvPr id="86" name="TextBox 85">
@@ -8118,7 +12250,7 @@
                   <a:blipFill>
                     <a:blip r:embed="rId4"/>
                     <a:stretch>
-                      <a:fillRect l="-22222" r="-16667"/>
+                      <a:fillRect l="-60000" r="-90000" b="-87500"/>
                     </a:stretch>
                   </a:blipFill>
                 </p:spPr>
@@ -8139,32 +12271,91 @@
           </mc:AlternateContent>
         </p:grpSp>
       </p:grpSp>
-      <p:grpSp>
-        <p:nvGrpSpPr>
-          <p:cNvPr id="3" name="Группа 2">
+      <p:sp>
+        <p:nvSpPr>
+          <p:cNvPr id="130" name="Стрелка: влево-вправо 129">
             <a:extLst>
               <a:ext uri="{FF2B5EF4-FFF2-40B4-BE49-F238E27FC236}">
-                <a16:creationId xmlns:a16="http://schemas.microsoft.com/office/drawing/2014/main" id="{774E6FB5-F3A3-4642-B680-565C6EFA1BF4}"/>
+                <a16:creationId xmlns:a16="http://schemas.microsoft.com/office/drawing/2014/main" id="{BFF30141-5749-4B30-A49A-E1803CA53532}"/>
               </a:ext>
             </a:extLst>
           </p:cNvPr>
-          <p:cNvGrpSpPr/>
+          <p:cNvSpPr/>
+          <p:nvPr/>
+        </p:nvSpPr>
+        <p:spPr>
+          <a:xfrm rot="401782">
+            <a:off x="5723746" y="3659347"/>
+            <a:ext cx="1615285" cy="62640"/>
+          </a:xfrm>
+          <a:prstGeom prst="leftRightArrow">
+            <a:avLst>
+              <a:gd name="adj1" fmla="val 32505"/>
+              <a:gd name="adj2" fmla="val 196005"/>
+            </a:avLst>
+          </a:prstGeom>
+          <a:solidFill>
+            <a:schemeClr val="tx1"/>
+          </a:solidFill>
+          <a:ln>
+            <a:solidFill>
+              <a:schemeClr val="tx1"/>
+            </a:solidFill>
+          </a:ln>
+        </p:spPr>
+        <p:style>
+          <a:lnRef idx="2">
+            <a:schemeClr val="accent1">
+              <a:shade val="50000"/>
+            </a:schemeClr>
+          </a:lnRef>
+          <a:fillRef idx="1">
+            <a:schemeClr val="accent1"/>
+          </a:fillRef>
+          <a:effectRef idx="0">
+            <a:schemeClr val="accent1"/>
+          </a:effectRef>
+          <a:fontRef idx="minor">
+            <a:schemeClr val="lt1"/>
+          </a:fontRef>
+        </p:style>
+        <p:txBody>
+          <a:bodyPr rtlCol="0" anchor="ctr"/>
+          <a:lstStyle/>
+          <a:p>
+            <a:pPr algn="ctr"/>
+            <a:endParaRPr lang="ru-RU" dirty="0"/>
+          </a:p>
+        </p:txBody>
+      </p:sp>
+      <p:grpSp>
+        <p:nvGrpSpPr>
+          <p:cNvPr id="45" name="Группа 44">
+            <a:extLst>
+              <a:ext uri="{FF2B5EF4-FFF2-40B4-BE49-F238E27FC236}">
+                <a16:creationId xmlns:a16="http://schemas.microsoft.com/office/drawing/2014/main" id="{1236D5AF-D879-4706-85B1-84BD4DBE7DD5}"/>
+              </a:ext>
+            </a:extLst>
+          </p:cNvPr>
+          <p:cNvGrpSpPr>
+            <a:grpSpLocks noChangeAspect="1"/>
+          </p:cNvGrpSpPr>
           <p:nvPr/>
         </p:nvGrpSpPr>
         <p:grpSpPr>
           <a:xfrm>
-            <a:off x="5611218" y="3967704"/>
-            <a:ext cx="6165561" cy="2649969"/>
+            <a:off x="7388041" y="2843801"/>
+            <a:ext cx="4350031" cy="1869651"/>
             <a:chOff x="5404680" y="4070216"/>
             <a:chExt cx="6165561" cy="2649969"/>
           </a:xfrm>
         </p:grpSpPr>
         <p:grpSp>
           <p:nvGrpSpPr>
-            <p:cNvPr id="2" name="Группа 1">
+            <p:cNvPr id="46" name="Группа 45">
               <a:extLst>
                 <a:ext uri="{FF2B5EF4-FFF2-40B4-BE49-F238E27FC236}">
-                  <a16:creationId xmlns:a16="http://schemas.microsoft.com/office/drawing/2014/main" id="{79B258BE-F7B7-45D3-82A6-C66E58EAF8A0}"/>
+                  <a16:creationId xmlns:a16="http://schemas.microsoft.com/office/drawing/2014/main" id="{9BF64FE5-B937-49B7-B61E-30CF000B0D6A}"/>
                 </a:ext>
               </a:extLst>
             </p:cNvPr>
@@ -8181,10 +12372,10 @@
           </p:grpSpPr>
           <p:grpSp>
             <p:nvGrpSpPr>
-              <p:cNvPr id="125" name="Группа 124">
+              <p:cNvPr id="48" name="Группа 47">
                 <a:extLst>
                   <a:ext uri="{FF2B5EF4-FFF2-40B4-BE49-F238E27FC236}">
-                    <a16:creationId xmlns:a16="http://schemas.microsoft.com/office/drawing/2014/main" id="{8C58781D-4446-4AE7-BDD6-6A23F204EF2B}"/>
+                    <a16:creationId xmlns:a16="http://schemas.microsoft.com/office/drawing/2014/main" id="{1988BDAC-3399-4C68-8669-C7383485D612}"/>
                   </a:ext>
                 </a:extLst>
               </p:cNvPr>
@@ -8204,10 +12395,10 @@
             </p:grpSpPr>
             <p:sp>
               <p:nvSpPr>
-                <p:cNvPr id="109" name="Прямоугольник 108">
+                <p:cNvPr id="64" name="Прямоугольник 63">
                   <a:extLst>
                     <a:ext uri="{FF2B5EF4-FFF2-40B4-BE49-F238E27FC236}">
-                      <a16:creationId xmlns:a16="http://schemas.microsoft.com/office/drawing/2014/main" id="{CC6C8900-AB55-463A-898C-8201B00CB8EB}"/>
+                      <a16:creationId xmlns:a16="http://schemas.microsoft.com/office/drawing/2014/main" id="{4C19A371-A660-4DD0-9883-AADE5CABD676}"/>
                     </a:ext>
                   </a:extLst>
                 </p:cNvPr>
@@ -8258,10 +12449,10 @@
             </p:sp>
             <p:cxnSp>
               <p:nvCxnSpPr>
-                <p:cNvPr id="114" name="Прямая соединительная линия 113">
+                <p:cNvPr id="65" name="Прямая соединительная линия 64">
                   <a:extLst>
                     <a:ext uri="{FF2B5EF4-FFF2-40B4-BE49-F238E27FC236}">
-                      <a16:creationId xmlns:a16="http://schemas.microsoft.com/office/drawing/2014/main" id="{B04B5E09-AF30-4FE7-804C-0965597D4905}"/>
+                      <a16:creationId xmlns:a16="http://schemas.microsoft.com/office/drawing/2014/main" id="{4300A258-FC89-4867-925C-E8F46A9F3146}"/>
                     </a:ext>
                   </a:extLst>
                 </p:cNvPr>
@@ -8303,10 +12494,10 @@
           </p:grpSp>
           <p:grpSp>
             <p:nvGrpSpPr>
-              <p:cNvPr id="124" name="Группа 123">
+              <p:cNvPr id="49" name="Группа 48">
                 <a:extLst>
                   <a:ext uri="{FF2B5EF4-FFF2-40B4-BE49-F238E27FC236}">
-                    <a16:creationId xmlns:a16="http://schemas.microsoft.com/office/drawing/2014/main" id="{748EF07C-0437-4D35-B785-29838132F003}"/>
+                    <a16:creationId xmlns:a16="http://schemas.microsoft.com/office/drawing/2014/main" id="{52F8DE1C-2F27-4EB1-9F04-F3416541745A}"/>
                   </a:ext>
                 </a:extLst>
               </p:cNvPr>
@@ -8325,10 +12516,10 @@
             </p:grpSpPr>
             <p:cxnSp>
               <p:nvCxnSpPr>
-                <p:cNvPr id="111" name="Прямая со стрелкой 110">
+                <p:cNvPr id="56" name="Прямая со стрелкой 55">
                   <a:extLst>
                     <a:ext uri="{FF2B5EF4-FFF2-40B4-BE49-F238E27FC236}">
-                      <a16:creationId xmlns:a16="http://schemas.microsoft.com/office/drawing/2014/main" id="{AE191B01-B306-4CB4-87FA-8749EC290B4C}"/>
+                      <a16:creationId xmlns:a16="http://schemas.microsoft.com/office/drawing/2014/main" id="{065E2F60-C562-4D43-A7A9-76C640B1AA6F}"/>
                     </a:ext>
                   </a:extLst>
                 </p:cNvPr>
@@ -8371,10 +12562,10 @@
               <mc:Choice Requires="a14">
                 <p:sp>
                   <p:nvSpPr>
-                    <p:cNvPr id="112" name="TextBox 111">
+                    <p:cNvPr id="57" name="TextBox 56">
                       <a:extLst>
                         <a:ext uri="{FF2B5EF4-FFF2-40B4-BE49-F238E27FC236}">
-                          <a16:creationId xmlns:a16="http://schemas.microsoft.com/office/drawing/2014/main" id="{93C5AD03-8867-4E1E-B16F-88E967C0A31F}"/>
+                          <a16:creationId xmlns:a16="http://schemas.microsoft.com/office/drawing/2014/main" id="{10CF4A28-8485-4545-BEC5-C03DDE6824A7}"/>
                         </a:ext>
                       </a:extLst>
                     </p:cNvPr>
@@ -8475,10 +12666,10 @@
               <mc:Choice Requires="a14">
                 <p:sp>
                   <p:nvSpPr>
-                    <p:cNvPr id="113" name="TextBox 112">
+                    <p:cNvPr id="60" name="TextBox 59">
                       <a:extLst>
                         <a:ext uri="{FF2B5EF4-FFF2-40B4-BE49-F238E27FC236}">
-                          <a16:creationId xmlns:a16="http://schemas.microsoft.com/office/drawing/2014/main" id="{93BAF3D1-7F09-4B84-A184-51B213B0CAAC}"/>
+                          <a16:creationId xmlns:a16="http://schemas.microsoft.com/office/drawing/2014/main" id="{42FDA891-A75D-4858-92D0-D7FD3F4B529C}"/>
                         </a:ext>
                       </a:extLst>
                     </p:cNvPr>
@@ -8577,10 +12768,10 @@
             </mc:AlternateContent>
             <p:cxnSp>
               <p:nvCxnSpPr>
-                <p:cNvPr id="110" name="Прямая со стрелкой 109">
+                <p:cNvPr id="62" name="Прямая со стрелкой 61">
                   <a:extLst>
                     <a:ext uri="{FF2B5EF4-FFF2-40B4-BE49-F238E27FC236}">
-                      <a16:creationId xmlns:a16="http://schemas.microsoft.com/office/drawing/2014/main" id="{C525283B-4DEB-4ADF-8354-E85BC0334DE4}"/>
+                      <a16:creationId xmlns:a16="http://schemas.microsoft.com/office/drawing/2014/main" id="{744E038F-4DC4-4CE5-A5D8-AA528110CEA6}"/>
                     </a:ext>
                   </a:extLst>
                 </p:cNvPr>
@@ -8624,10 +12815,10 @@
             <mc:Choice Requires="a14">
               <p:sp>
                 <p:nvSpPr>
-                  <p:cNvPr id="116" name="TextBox 115">
+                  <p:cNvPr id="50" name="TextBox 49">
                     <a:extLst>
                       <a:ext uri="{FF2B5EF4-FFF2-40B4-BE49-F238E27FC236}">
-                        <a16:creationId xmlns:a16="http://schemas.microsoft.com/office/drawing/2014/main" id="{5D0F617F-B506-41FD-B40B-9790B79BDACB}"/>
+                        <a16:creationId xmlns:a16="http://schemas.microsoft.com/office/drawing/2014/main" id="{8B80FBBA-CC3A-4255-A590-5C2F3FF3BD77}"/>
                       </a:ext>
                     </a:extLst>
                   </p:cNvPr>
@@ -8701,10 +12892,10 @@
             <mc:Fallback xmlns="">
               <p:sp>
                 <p:nvSpPr>
-                  <p:cNvPr id="116" name="TextBox 115">
+                  <p:cNvPr id="25" name="TextBox 24">
                     <a:extLst>
                       <a:ext uri="{FF2B5EF4-FFF2-40B4-BE49-F238E27FC236}">
-                        <a16:creationId xmlns:a16="http://schemas.microsoft.com/office/drawing/2014/main" id="{5D0F617F-B506-41FD-B40B-9790B79BDACB}"/>
+                        <a16:creationId xmlns:a16="http://schemas.microsoft.com/office/drawing/2014/main" id="{9F539C58-C867-4402-B0B0-EB009420196B}"/>
                       </a:ext>
                     </a:extLst>
                   </p:cNvPr>
@@ -8724,7 +12915,7 @@
                   <a:blipFill>
                     <a:blip r:embed="rId7"/>
                     <a:stretch>
-                      <a:fillRect l="-23684" r="-5263" b="-15217"/>
+                      <a:fillRect l="-27027" r="-8108" b="-15217"/>
                     </a:stretch>
                   </a:blipFill>
                 </p:spPr>
@@ -8747,10 +12938,10 @@
             <mc:Choice Requires="a14">
               <p:sp>
                 <p:nvSpPr>
-                  <p:cNvPr id="117" name="TextBox 116">
+                  <p:cNvPr id="51" name="TextBox 50">
                     <a:extLst>
                       <a:ext uri="{FF2B5EF4-FFF2-40B4-BE49-F238E27FC236}">
-                        <a16:creationId xmlns:a16="http://schemas.microsoft.com/office/drawing/2014/main" id="{602A78B8-F28C-4F8D-B60F-CA0C5948928A}"/>
+                        <a16:creationId xmlns:a16="http://schemas.microsoft.com/office/drawing/2014/main" id="{7A1770D0-2E34-402F-A59C-1FD214BBFF2A}"/>
                       </a:ext>
                     </a:extLst>
                   </p:cNvPr>
@@ -8824,10 +13015,10 @@
             <mc:Fallback xmlns="">
               <p:sp>
                 <p:nvSpPr>
-                  <p:cNvPr id="117" name="TextBox 116">
+                  <p:cNvPr id="26" name="TextBox 25">
                     <a:extLst>
                       <a:ext uri="{FF2B5EF4-FFF2-40B4-BE49-F238E27FC236}">
-                        <a16:creationId xmlns:a16="http://schemas.microsoft.com/office/drawing/2014/main" id="{602A78B8-F28C-4F8D-B60F-CA0C5948928A}"/>
+                        <a16:creationId xmlns:a16="http://schemas.microsoft.com/office/drawing/2014/main" id="{EC510919-E20A-4EF3-A484-30F0D759F71A}"/>
                       </a:ext>
                     </a:extLst>
                   </p:cNvPr>
@@ -8847,7 +13038,7 @@
                   <a:blipFill>
                     <a:blip r:embed="rId8"/>
                     <a:stretch>
-                      <a:fillRect l="-21429" r="-14286" b="-26000"/>
+                      <a:fillRect l="-21429" r="-14286" b="-28571"/>
                     </a:stretch>
                   </a:blipFill>
                 </p:spPr>
@@ -8870,10 +13061,10 @@
             <mc:Choice Requires="a14">
               <p:sp>
                 <p:nvSpPr>
-                  <p:cNvPr id="118" name="TextBox 117">
+                  <p:cNvPr id="53" name="TextBox 52">
                     <a:extLst>
                       <a:ext uri="{FF2B5EF4-FFF2-40B4-BE49-F238E27FC236}">
-                        <a16:creationId xmlns:a16="http://schemas.microsoft.com/office/drawing/2014/main" id="{0A64567F-2287-49BA-8755-17B474C461B0}"/>
+                        <a16:creationId xmlns:a16="http://schemas.microsoft.com/office/drawing/2014/main" id="{0D686E5A-DF28-4256-BC4E-DFA8212D5A90}"/>
                       </a:ext>
                     </a:extLst>
                   </p:cNvPr>
@@ -8947,10 +13138,10 @@
             <mc:Fallback xmlns="">
               <p:sp>
                 <p:nvSpPr>
-                  <p:cNvPr id="118" name="TextBox 117">
+                  <p:cNvPr id="27" name="TextBox 26">
                     <a:extLst>
                       <a:ext uri="{FF2B5EF4-FFF2-40B4-BE49-F238E27FC236}">
-                        <a16:creationId xmlns:a16="http://schemas.microsoft.com/office/drawing/2014/main" id="{0A64567F-2287-49BA-8755-17B474C461B0}"/>
+                        <a16:creationId xmlns:a16="http://schemas.microsoft.com/office/drawing/2014/main" id="{4712F8AA-1954-4528-BE92-8F0D6D716758}"/>
                       </a:ext>
                     </a:extLst>
                   </p:cNvPr>
@@ -8970,7 +13161,7 @@
                   <a:blipFill>
                     <a:blip r:embed="rId9"/>
                     <a:stretch>
-                      <a:fillRect l="-22222" r="-6667" b="-15217"/>
+                      <a:fillRect l="-22222" r="-6667" b="-15556"/>
                     </a:stretch>
                   </a:blipFill>
                 </p:spPr>
@@ -8993,10 +13184,10 @@
             <mc:Choice Requires="a14">
               <p:sp>
                 <p:nvSpPr>
-                  <p:cNvPr id="119" name="TextBox 118">
+                  <p:cNvPr id="54" name="TextBox 53">
                     <a:extLst>
                       <a:ext uri="{FF2B5EF4-FFF2-40B4-BE49-F238E27FC236}">
-                        <a16:creationId xmlns:a16="http://schemas.microsoft.com/office/drawing/2014/main" id="{325443A3-A20D-4EFA-B9D7-C026338206E2}"/>
+                        <a16:creationId xmlns:a16="http://schemas.microsoft.com/office/drawing/2014/main" id="{448DA4AB-872D-4A9B-980D-BAFD491A231E}"/>
                       </a:ext>
                     </a:extLst>
                   </p:cNvPr>
@@ -9070,10 +13261,10 @@
             <mc:Fallback xmlns="">
               <p:sp>
                 <p:nvSpPr>
-                  <p:cNvPr id="119" name="TextBox 118">
+                  <p:cNvPr id="28" name="TextBox 27">
                     <a:extLst>
                       <a:ext uri="{FF2B5EF4-FFF2-40B4-BE49-F238E27FC236}">
-                        <a16:creationId xmlns:a16="http://schemas.microsoft.com/office/drawing/2014/main" id="{325443A3-A20D-4EFA-B9D7-C026338206E2}"/>
+                        <a16:creationId xmlns:a16="http://schemas.microsoft.com/office/drawing/2014/main" id="{98DBD084-6FF8-4D10-AAA2-D66A52128FF6}"/>
                       </a:ext>
                     </a:extLst>
                   </p:cNvPr>
@@ -9093,7 +13284,7 @@
                   <a:blipFill>
                     <a:blip r:embed="rId10"/>
                     <a:stretch>
-                      <a:fillRect l="-20000" r="-6667" b="-15556"/>
+                      <a:fillRect l="-20000" r="-6667" b="-15217"/>
                     </a:stretch>
                   </a:blipFill>
                 </p:spPr>
@@ -9116,10 +13307,10 @@
             <mc:Choice Requires="a14">
               <p:sp>
                 <p:nvSpPr>
-                  <p:cNvPr id="120" name="TextBox 119">
+                  <p:cNvPr id="55" name="TextBox 54">
                     <a:extLst>
                       <a:ext uri="{FF2B5EF4-FFF2-40B4-BE49-F238E27FC236}">
-                        <a16:creationId xmlns:a16="http://schemas.microsoft.com/office/drawing/2014/main" id="{45C13FEF-08D8-41E6-BB2F-777C706FECF4}"/>
+                        <a16:creationId xmlns:a16="http://schemas.microsoft.com/office/drawing/2014/main" id="{176ED4E5-4728-4C34-A71A-84E6ECA9290F}"/>
                       </a:ext>
                     </a:extLst>
                   </p:cNvPr>
@@ -9193,10 +13384,10 @@
             <mc:Fallback xmlns="">
               <p:sp>
                 <p:nvSpPr>
-                  <p:cNvPr id="120" name="TextBox 119">
+                  <p:cNvPr id="29" name="TextBox 28">
                     <a:extLst>
                       <a:ext uri="{FF2B5EF4-FFF2-40B4-BE49-F238E27FC236}">
-                        <a16:creationId xmlns:a16="http://schemas.microsoft.com/office/drawing/2014/main" id="{45C13FEF-08D8-41E6-BB2F-777C706FECF4}"/>
+                        <a16:creationId xmlns:a16="http://schemas.microsoft.com/office/drawing/2014/main" id="{3BCD5B23-9720-4568-BA6E-E08B715CC054}"/>
                       </a:ext>
                     </a:extLst>
                   </p:cNvPr>
@@ -9216,7 +13407,7 @@
                   <a:blipFill>
                     <a:blip r:embed="rId11"/>
                     <a:stretch>
-                      <a:fillRect l="-22222" r="-4444" b="-15556"/>
+                      <a:fillRect l="-22222" r="-4444" b="-15217"/>
                     </a:stretch>
                   </a:blipFill>
                 </p:spPr>
@@ -9240,10 +13431,10 @@
           <mc:Choice Requires="a14">
             <p:sp>
               <p:nvSpPr>
-                <p:cNvPr id="115" name="TextBox 114">
+                <p:cNvPr id="47" name="TextBox 46">
                   <a:extLst>
                     <a:ext uri="{FF2B5EF4-FFF2-40B4-BE49-F238E27FC236}">
-                      <a16:creationId xmlns:a16="http://schemas.microsoft.com/office/drawing/2014/main" id="{8B184312-DAF0-4725-AF11-3B4AEEFE2681}"/>
+                      <a16:creationId xmlns:a16="http://schemas.microsoft.com/office/drawing/2014/main" id="{9028B70D-D326-4E08-AAC2-4C1EA341DDFD}"/>
                     </a:ext>
                   </a:extLst>
                 </p:cNvPr>
@@ -9296,10 +13487,10 @@
           <mc:Fallback xmlns="">
             <p:sp>
               <p:nvSpPr>
-                <p:cNvPr id="115" name="TextBox 114">
+                <p:cNvPr id="16" name="TextBox 15">
                   <a:extLst>
                     <a:ext uri="{FF2B5EF4-FFF2-40B4-BE49-F238E27FC236}">
-                      <a16:creationId xmlns:a16="http://schemas.microsoft.com/office/drawing/2014/main" id="{8B184312-DAF0-4725-AF11-3B4AEEFE2681}"/>
+                      <a16:creationId xmlns:a16="http://schemas.microsoft.com/office/drawing/2014/main" id="{2211C296-1934-4598-A4EB-A8AD0FA4E077}"/>
                     </a:ext>
                   </a:extLst>
                 </p:cNvPr>
@@ -9339,67 +13530,10 @@
           </mc:Fallback>
         </mc:AlternateContent>
       </p:grpSp>
-      <p:sp>
-        <p:nvSpPr>
-          <p:cNvPr id="130" name="Стрелка: влево-вправо 129">
-            <a:extLst>
-              <a:ext uri="{FF2B5EF4-FFF2-40B4-BE49-F238E27FC236}">
-                <a16:creationId xmlns:a16="http://schemas.microsoft.com/office/drawing/2014/main" id="{BFF30141-5749-4B30-A49A-E1803CA53532}"/>
-              </a:ext>
-            </a:extLst>
-          </p:cNvPr>
-          <p:cNvSpPr/>
-          <p:nvPr/>
-        </p:nvSpPr>
-        <p:spPr>
-          <a:xfrm rot="2207703">
-            <a:off x="5574702" y="3533063"/>
-            <a:ext cx="1615285" cy="62640"/>
-          </a:xfrm>
-          <a:prstGeom prst="leftRightArrow">
-            <a:avLst>
-              <a:gd name="adj1" fmla="val 32505"/>
-              <a:gd name="adj2" fmla="val 196005"/>
-            </a:avLst>
-          </a:prstGeom>
-          <a:solidFill>
-            <a:schemeClr val="tx1"/>
-          </a:solidFill>
-          <a:ln>
-            <a:solidFill>
-              <a:schemeClr val="tx1"/>
-            </a:solidFill>
-          </a:ln>
-        </p:spPr>
-        <p:style>
-          <a:lnRef idx="2">
-            <a:schemeClr val="accent1">
-              <a:shade val="50000"/>
-            </a:schemeClr>
-          </a:lnRef>
-          <a:fillRef idx="1">
-            <a:schemeClr val="accent1"/>
-          </a:fillRef>
-          <a:effectRef idx="0">
-            <a:schemeClr val="accent1"/>
-          </a:effectRef>
-          <a:fontRef idx="minor">
-            <a:schemeClr val="lt1"/>
-          </a:fontRef>
-        </p:style>
-        <p:txBody>
-          <a:bodyPr rtlCol="0" anchor="ctr"/>
-          <a:lstStyle/>
-          <a:p>
-            <a:pPr algn="ctr"/>
-            <a:endParaRPr lang="ru-RU" dirty="0"/>
-          </a:p>
-        </p:txBody>
-      </p:sp>
     </p:spTree>
     <p:extLst>
       <p:ext uri="{BB962C8B-B14F-4D97-AF65-F5344CB8AC3E}">
-        <p14:creationId xmlns:p14="http://schemas.microsoft.com/office/powerpoint/2010/main" val="2878198627"/>
+        <p14:creationId xmlns:p14="http://schemas.microsoft.com/office/powerpoint/2010/main" val="2185390768"/>
       </p:ext>
     </p:extLst>
   </p:cSld>
@@ -9409,7 +13543,7 @@
 </p:sld>
 </file>
 
-<file path=ppt/slides/slide4.xml><?xml version="1.0" encoding="utf-8"?>
+<file path=ppt/slides/slide6.xml><?xml version="1.0" encoding="utf-8"?>
 <p:sld xmlns:a="http://schemas.openxmlformats.org/drawingml/2006/main" xmlns:r="http://schemas.openxmlformats.org/officeDocument/2006/relationships" xmlns:p="http://schemas.openxmlformats.org/presentationml/2006/main">
   <p:cSld>
     <p:spTree>
@@ -9502,18 +13636,12 @@
           <a:prstGeom prst="rect">
             <a:avLst/>
           </a:prstGeom>
-          <a:solidFill>
-            <a:schemeClr val="accent4">
-              <a:lumMod val="20000"/>
-              <a:lumOff val="80000"/>
-              <a:alpha val="41961"/>
-            </a:schemeClr>
-          </a:solidFill>
-          <a:ln w="3175">
+          <a:noFill/>
+          <a:ln w="19050">
             <a:solidFill>
-              <a:schemeClr val="tx1"/>
+              <a:srgbClr val="FF0000"/>
             </a:solidFill>
-            <a:prstDash val="solid"/>
+            <a:prstDash val="dash"/>
           </a:ln>
         </p:spPr>
         <p:style>
@@ -11712,18 +15840,18 @@
         </p:nvSpPr>
         <p:spPr>
           <a:xfrm>
-            <a:off x="8140064" y="3968341"/>
-            <a:ext cx="3017256" cy="1030126"/>
+            <a:off x="8140064" y="3762344"/>
+            <a:ext cx="3017256" cy="1660803"/>
           </a:xfrm>
           <a:prstGeom prst="rect">
             <a:avLst/>
           </a:prstGeom>
           <a:noFill/>
-          <a:ln>
+          <a:ln w="19050">
             <a:solidFill>
               <a:srgbClr val="FF0000"/>
             </a:solidFill>
-            <a:prstDash val="lgDash"/>
+            <a:prstDash val="dash"/>
           </a:ln>
         </p:spPr>
         <p:style>
@@ -12228,7 +16356,7 @@
 </p:sld>
 </file>
 
-<file path=ppt/slides/slide5.xml><?xml version="1.0" encoding="utf-8"?>
+<file path=ppt/slides/slide7.xml><?xml version="1.0" encoding="utf-8"?>
 <p:sld xmlns:a="http://schemas.openxmlformats.org/drawingml/2006/main" xmlns:r="http://schemas.openxmlformats.org/officeDocument/2006/relationships" xmlns:p="http://schemas.openxmlformats.org/presentationml/2006/main">
   <p:cSld>
     <p:spTree>

--- a/Pics/Illustrations.pptx
+++ b/Pics/Illustrations.pptx
@@ -5,7 +5,7 @@
     <p:sldMasterId id="2147483648" r:id="rId1"/>
   </p:sldMasterIdLst>
   <p:notesMasterIdLst>
-    <p:notesMasterId r:id="rId9"/>
+    <p:notesMasterId r:id="rId11"/>
   </p:notesMasterIdLst>
   <p:sldIdLst>
     <p:sldId id="256" r:id="rId2"/>
@@ -15,6 +15,8 @@
     <p:sldId id="261" r:id="rId6"/>
     <p:sldId id="259" r:id="rId7"/>
     <p:sldId id="260" r:id="rId8"/>
+    <p:sldId id="263" r:id="rId9"/>
+    <p:sldId id="264" r:id="rId10"/>
   </p:sldIdLst>
   <p:sldSz cx="12192000" cy="6858000"/>
   <p:notesSz cx="6858000" cy="9144000"/>
@@ -203,7 +205,7 @@
           <a:p>
             <a:fld id="{D4132F78-145B-4E09-A749-FC2612A50C34}" type="datetimeFigureOut">
               <a:rPr lang="ru-RU" smtClean="0"/>
-              <a:t>23.05.2024</a:t>
+              <a:t>16.06.2024</a:t>
             </a:fld>
             <a:endParaRPr lang="ru-RU"/>
           </a:p>
@@ -701,7 +703,7 @@
           <a:p>
             <a:fld id="{0D7D8A5E-F820-4C45-897A-B8B30BC14499}" type="datetimeFigureOut">
               <a:rPr lang="ru-RU" smtClean="0"/>
-              <a:t>23.05.2024</a:t>
+              <a:t>16.06.2024</a:t>
             </a:fld>
             <a:endParaRPr lang="ru-RU"/>
           </a:p>
@@ -899,7 +901,7 @@
           <a:p>
             <a:fld id="{0D7D8A5E-F820-4C45-897A-B8B30BC14499}" type="datetimeFigureOut">
               <a:rPr lang="ru-RU" smtClean="0"/>
-              <a:t>23.05.2024</a:t>
+              <a:t>16.06.2024</a:t>
             </a:fld>
             <a:endParaRPr lang="ru-RU"/>
           </a:p>
@@ -1107,7 +1109,7 @@
           <a:p>
             <a:fld id="{0D7D8A5E-F820-4C45-897A-B8B30BC14499}" type="datetimeFigureOut">
               <a:rPr lang="ru-RU" smtClean="0"/>
-              <a:t>23.05.2024</a:t>
+              <a:t>16.06.2024</a:t>
             </a:fld>
             <a:endParaRPr lang="ru-RU"/>
           </a:p>
@@ -1305,7 +1307,7 @@
           <a:p>
             <a:fld id="{0D7D8A5E-F820-4C45-897A-B8B30BC14499}" type="datetimeFigureOut">
               <a:rPr lang="ru-RU" smtClean="0"/>
-              <a:t>23.05.2024</a:t>
+              <a:t>16.06.2024</a:t>
             </a:fld>
             <a:endParaRPr lang="ru-RU"/>
           </a:p>
@@ -1580,7 +1582,7 @@
           <a:p>
             <a:fld id="{0D7D8A5E-F820-4C45-897A-B8B30BC14499}" type="datetimeFigureOut">
               <a:rPr lang="ru-RU" smtClean="0"/>
-              <a:t>23.05.2024</a:t>
+              <a:t>16.06.2024</a:t>
             </a:fld>
             <a:endParaRPr lang="ru-RU"/>
           </a:p>
@@ -1845,7 +1847,7 @@
           <a:p>
             <a:fld id="{0D7D8A5E-F820-4C45-897A-B8B30BC14499}" type="datetimeFigureOut">
               <a:rPr lang="ru-RU" smtClean="0"/>
-              <a:t>23.05.2024</a:t>
+              <a:t>16.06.2024</a:t>
             </a:fld>
             <a:endParaRPr lang="ru-RU"/>
           </a:p>
@@ -2257,7 +2259,7 @@
           <a:p>
             <a:fld id="{0D7D8A5E-F820-4C45-897A-B8B30BC14499}" type="datetimeFigureOut">
               <a:rPr lang="ru-RU" smtClean="0"/>
-              <a:t>23.05.2024</a:t>
+              <a:t>16.06.2024</a:t>
             </a:fld>
             <a:endParaRPr lang="ru-RU"/>
           </a:p>
@@ -2398,7 +2400,7 @@
           <a:p>
             <a:fld id="{0D7D8A5E-F820-4C45-897A-B8B30BC14499}" type="datetimeFigureOut">
               <a:rPr lang="ru-RU" smtClean="0"/>
-              <a:t>23.05.2024</a:t>
+              <a:t>16.06.2024</a:t>
             </a:fld>
             <a:endParaRPr lang="ru-RU"/>
           </a:p>
@@ -2511,7 +2513,7 @@
           <a:p>
             <a:fld id="{0D7D8A5E-F820-4C45-897A-B8B30BC14499}" type="datetimeFigureOut">
               <a:rPr lang="ru-RU" smtClean="0"/>
-              <a:t>23.05.2024</a:t>
+              <a:t>16.06.2024</a:t>
             </a:fld>
             <a:endParaRPr lang="ru-RU"/>
           </a:p>
@@ -2822,7 +2824,7 @@
           <a:p>
             <a:fld id="{0D7D8A5E-F820-4C45-897A-B8B30BC14499}" type="datetimeFigureOut">
               <a:rPr lang="ru-RU" smtClean="0"/>
-              <a:t>23.05.2024</a:t>
+              <a:t>16.06.2024</a:t>
             </a:fld>
             <a:endParaRPr lang="ru-RU"/>
           </a:p>
@@ -3110,7 +3112,7 @@
           <a:p>
             <a:fld id="{0D7D8A5E-F820-4C45-897A-B8B30BC14499}" type="datetimeFigureOut">
               <a:rPr lang="ru-RU" smtClean="0"/>
-              <a:t>23.05.2024</a:t>
+              <a:t>16.06.2024</a:t>
             </a:fld>
             <a:endParaRPr lang="ru-RU"/>
           </a:p>
@@ -3351,7 +3353,7 @@
           <a:p>
             <a:fld id="{0D7D8A5E-F820-4C45-897A-B8B30BC14499}" type="datetimeFigureOut">
               <a:rPr lang="ru-RU" smtClean="0"/>
-              <a:t>23.05.2024</a:t>
+              <a:t>16.06.2024</a:t>
             </a:fld>
             <a:endParaRPr lang="ru-RU"/>
           </a:p>
@@ -7192,8 +7194,8 @@
         </p:nvSpPr>
         <p:spPr>
           <a:xfrm rot="5400000" flipH="1">
-            <a:off x="2290409" y="2253544"/>
-            <a:ext cx="3611143" cy="2173544"/>
+            <a:off x="2839668" y="2891040"/>
+            <a:ext cx="2968672" cy="1541019"/>
           </a:xfrm>
           <a:prstGeom prst="parallelogram">
             <a:avLst>
@@ -7247,8 +7249,8 @@
         </p:nvSpPr>
         <p:spPr>
           <a:xfrm>
-            <a:off x="5182752" y="1555156"/>
-            <a:ext cx="4422243" cy="1427497"/>
+            <a:off x="5096193" y="2186528"/>
+            <a:ext cx="3498546" cy="1427497"/>
           </a:xfrm>
           <a:prstGeom prst="rect">
             <a:avLst/>
@@ -7300,8 +7302,8 @@
         </p:nvSpPr>
         <p:spPr>
           <a:xfrm>
-            <a:off x="3009208" y="3702671"/>
-            <a:ext cx="4424393" cy="1443217"/>
+            <a:off x="3554021" y="3693694"/>
+            <a:ext cx="3507706" cy="1443217"/>
           </a:xfrm>
           <a:prstGeom prst="rect">
             <a:avLst/>
@@ -7457,8 +7459,8 @@
         </p:nvSpPr>
         <p:spPr>
           <a:xfrm rot="5400000" flipH="1">
-            <a:off x="6715273" y="2264201"/>
-            <a:ext cx="3611143" cy="2174487"/>
+            <a:off x="6345328" y="2895371"/>
+            <a:ext cx="2965287" cy="1528970"/>
           </a:xfrm>
           <a:prstGeom prst="parallelogram">
             <a:avLst>
@@ -7511,8 +7513,8 @@
         </p:nvSpPr>
         <p:spPr>
           <a:xfrm rot="5400000" flipH="1">
-            <a:off x="4436624" y="2253543"/>
-            <a:ext cx="3611143" cy="2173544"/>
+            <a:off x="8751796" y="3525757"/>
+            <a:ext cx="3331601" cy="1517506"/>
           </a:xfrm>
           <a:prstGeom prst="parallelogram">
             <a:avLst>
@@ -8085,8 +8087,8 @@
         </p:nvSpPr>
         <p:spPr>
           <a:xfrm>
-            <a:off x="3006113" y="1558341"/>
-            <a:ext cx="6595788" cy="2144330"/>
+            <a:off x="3554020" y="2177215"/>
+            <a:ext cx="5038437" cy="1519376"/>
           </a:xfrm>
           <a:prstGeom prst="parallelogram">
             <a:avLst>
@@ -8122,6 +8124,112 @@
           <a:p>
             <a:pPr algn="ctr"/>
             <a:endParaRPr lang="ru-RU"/>
+          </a:p>
+        </p:txBody>
+      </p:sp>
+      <p:sp>
+        <p:nvSpPr>
+          <p:cNvPr id="20" name="Овал 19">
+            <a:extLst>
+              <a:ext uri="{FF2B5EF4-FFF2-40B4-BE49-F238E27FC236}">
+                <a16:creationId xmlns:a16="http://schemas.microsoft.com/office/drawing/2014/main" id="{AAF2EAD4-793C-4BCE-A8B1-074DDB241A4B}"/>
+              </a:ext>
+            </a:extLst>
+          </p:cNvPr>
+          <p:cNvSpPr/>
+          <p:nvPr/>
+        </p:nvSpPr>
+        <p:spPr>
+          <a:xfrm rot="5400000">
+            <a:off x="4978686" y="3758360"/>
+            <a:ext cx="1443216" cy="222387"/>
+          </a:xfrm>
+          <a:prstGeom prst="ellipse">
+            <a:avLst/>
+          </a:prstGeom>
+          <a:noFill/>
+          <a:ln>
+            <a:solidFill>
+              <a:schemeClr val="tx1"/>
+            </a:solidFill>
+            <a:prstDash val="dash"/>
+          </a:ln>
+        </p:spPr>
+        <p:style>
+          <a:lnRef idx="2">
+            <a:schemeClr val="accent1">
+              <a:shade val="50000"/>
+            </a:schemeClr>
+          </a:lnRef>
+          <a:fillRef idx="1">
+            <a:schemeClr val="accent1"/>
+          </a:fillRef>
+          <a:effectRef idx="0">
+            <a:schemeClr val="accent1"/>
+          </a:effectRef>
+          <a:fontRef idx="minor">
+            <a:schemeClr val="lt1"/>
+          </a:fontRef>
+        </p:style>
+        <p:txBody>
+          <a:bodyPr rtlCol="0" anchor="ctr"/>
+          <a:lstStyle/>
+          <a:p>
+            <a:pPr algn="ctr"/>
+            <a:endParaRPr lang="ru-RU" dirty="0"/>
+          </a:p>
+        </p:txBody>
+      </p:sp>
+      <p:sp>
+        <p:nvSpPr>
+          <p:cNvPr id="21" name="Овал 20">
+            <a:extLst>
+              <a:ext uri="{FF2B5EF4-FFF2-40B4-BE49-F238E27FC236}">
+                <a16:creationId xmlns:a16="http://schemas.microsoft.com/office/drawing/2014/main" id="{AAF2EAD4-793C-4BCE-A8B1-074DDB241A4B}"/>
+              </a:ext>
+            </a:extLst>
+          </p:cNvPr>
+          <p:cNvSpPr/>
+          <p:nvPr/>
+        </p:nvSpPr>
+        <p:spPr>
+          <a:xfrm rot="5400000">
+            <a:off x="5614426" y="3158907"/>
+            <a:ext cx="1443216" cy="158559"/>
+          </a:xfrm>
+          <a:prstGeom prst="ellipse">
+            <a:avLst/>
+          </a:prstGeom>
+          <a:noFill/>
+          <a:ln>
+            <a:solidFill>
+              <a:schemeClr val="tx1"/>
+            </a:solidFill>
+            <a:prstDash val="dash"/>
+          </a:ln>
+        </p:spPr>
+        <p:style>
+          <a:lnRef idx="2">
+            <a:schemeClr val="accent1">
+              <a:shade val="50000"/>
+            </a:schemeClr>
+          </a:lnRef>
+          <a:fillRef idx="1">
+            <a:schemeClr val="accent1"/>
+          </a:fillRef>
+          <a:effectRef idx="0">
+            <a:schemeClr val="accent1"/>
+          </a:effectRef>
+          <a:fontRef idx="minor">
+            <a:schemeClr val="lt1"/>
+          </a:fontRef>
+        </p:style>
+        <p:txBody>
+          <a:bodyPr rtlCol="0" anchor="ctr"/>
+          <a:lstStyle/>
+          <a:p>
+            <a:pPr algn="ctr"/>
+            <a:endParaRPr lang="ru-RU" dirty="0"/>
           </a:p>
         </p:txBody>
       </p:sp>
@@ -8177,8 +8285,8 @@
             <a:chExt cx="3702115" cy="5199170"/>
           </a:xfrm>
         </p:grpSpPr>
-        <mc:AlternateContent xmlns:mc="http://schemas.openxmlformats.org/markup-compatibility/2006">
-          <mc:Choice xmlns:a14="http://schemas.microsoft.com/office/drawing/2010/main" Requires="a14">
+        <mc:AlternateContent xmlns:mc="http://schemas.openxmlformats.org/markup-compatibility/2006" xmlns:a14="http://schemas.microsoft.com/office/drawing/2010/main">
+          <mc:Choice Requires="a14">
             <p:sp>
               <p:nvSpPr>
                 <p:cNvPr id="54" name="TextBox 53">
@@ -8253,7 +8361,7 @@
               </p:txBody>
             </p:sp>
           </mc:Choice>
-          <mc:Fallback>
+          <mc:Fallback xmlns="">
             <p:sp>
               <p:nvSpPr>
                 <p:cNvPr id="54" name="TextBox 53">
@@ -8298,8 +8406,8 @@
             </p:sp>
           </mc:Fallback>
         </mc:AlternateContent>
-        <mc:AlternateContent xmlns:mc="http://schemas.openxmlformats.org/markup-compatibility/2006">
-          <mc:Choice xmlns:a14="http://schemas.microsoft.com/office/drawing/2010/main" Requires="a14">
+        <mc:AlternateContent xmlns:mc="http://schemas.openxmlformats.org/markup-compatibility/2006" xmlns:a14="http://schemas.microsoft.com/office/drawing/2010/main">
+          <mc:Choice Requires="a14">
             <p:sp>
               <p:nvSpPr>
                 <p:cNvPr id="55" name="TextBox 54">
@@ -8374,7 +8482,7 @@
               </p:txBody>
             </p:sp>
           </mc:Choice>
-          <mc:Fallback>
+          <mc:Fallback xmlns="">
             <p:sp>
               <p:nvSpPr>
                 <p:cNvPr id="55" name="TextBox 54">
@@ -8419,8 +8527,8 @@
             </p:sp>
           </mc:Fallback>
         </mc:AlternateContent>
-        <mc:AlternateContent xmlns:mc="http://schemas.openxmlformats.org/markup-compatibility/2006">
-          <mc:Choice xmlns:a14="http://schemas.microsoft.com/office/drawing/2010/main" Requires="a14">
+        <mc:AlternateContent xmlns:mc="http://schemas.openxmlformats.org/markup-compatibility/2006" xmlns:a14="http://schemas.microsoft.com/office/drawing/2010/main">
+          <mc:Choice Requires="a14">
             <p:sp>
               <p:nvSpPr>
                 <p:cNvPr id="56" name="TextBox 55">
@@ -8495,7 +8603,7 @@
               </p:txBody>
             </p:sp>
           </mc:Choice>
-          <mc:Fallback>
+          <mc:Fallback xmlns="">
             <p:sp>
               <p:nvSpPr>
                 <p:cNvPr id="56" name="TextBox 55">
@@ -8540,8 +8648,8 @@
             </p:sp>
           </mc:Fallback>
         </mc:AlternateContent>
-        <mc:AlternateContent xmlns:mc="http://schemas.openxmlformats.org/markup-compatibility/2006">
-          <mc:Choice xmlns:a14="http://schemas.microsoft.com/office/drawing/2010/main" Requires="a14">
+        <mc:AlternateContent xmlns:mc="http://schemas.openxmlformats.org/markup-compatibility/2006" xmlns:a14="http://schemas.microsoft.com/office/drawing/2010/main">
+          <mc:Choice Requires="a14">
             <p:sp>
               <p:nvSpPr>
                 <p:cNvPr id="57" name="TextBox 56">
@@ -8616,7 +8724,7 @@
               </p:txBody>
             </p:sp>
           </mc:Choice>
-          <mc:Fallback>
+          <mc:Fallback xmlns="">
             <p:sp>
               <p:nvSpPr>
                 <p:cNvPr id="57" name="TextBox 56">
@@ -8985,8 +9093,8 @@
             </a:p>
           </p:txBody>
         </p:sp>
-        <mc:AlternateContent xmlns:mc="http://schemas.openxmlformats.org/markup-compatibility/2006">
-          <mc:Choice xmlns:a14="http://schemas.microsoft.com/office/drawing/2010/main" Requires="a14">
+        <mc:AlternateContent xmlns:mc="http://schemas.openxmlformats.org/markup-compatibility/2006" xmlns:a14="http://schemas.microsoft.com/office/drawing/2010/main">
+          <mc:Choice Requires="a14">
             <p:sp>
               <p:nvSpPr>
                 <p:cNvPr id="68" name="TextBox 67">
@@ -9061,7 +9169,7 @@
               </p:txBody>
             </p:sp>
           </mc:Choice>
-          <mc:Fallback>
+          <mc:Fallback xmlns="">
             <p:sp>
               <p:nvSpPr>
                 <p:cNvPr id="68" name="TextBox 67">
@@ -9106,8 +9214,8 @@
             </p:sp>
           </mc:Fallback>
         </mc:AlternateContent>
-        <mc:AlternateContent xmlns:mc="http://schemas.openxmlformats.org/markup-compatibility/2006">
-          <mc:Choice xmlns:a14="http://schemas.microsoft.com/office/drawing/2010/main" Requires="a14">
+        <mc:AlternateContent xmlns:mc="http://schemas.openxmlformats.org/markup-compatibility/2006" xmlns:a14="http://schemas.microsoft.com/office/drawing/2010/main">
+          <mc:Choice Requires="a14">
             <p:sp>
               <p:nvSpPr>
                 <p:cNvPr id="69" name="TextBox 68">
@@ -9161,7 +9269,7 @@
               </p:txBody>
             </p:sp>
           </mc:Choice>
-          <mc:Fallback>
+          <mc:Fallback xmlns="">
             <p:sp>
               <p:nvSpPr>
                 <p:cNvPr id="69" name="TextBox 68">
@@ -9477,8 +9585,8 @@
               </p:style>
             </p:cxnSp>
           </p:grpSp>
-          <mc:AlternateContent xmlns:mc="http://schemas.openxmlformats.org/markup-compatibility/2006">
-            <mc:Choice xmlns:a14="http://schemas.microsoft.com/office/drawing/2010/main" Requires="a14">
+          <mc:AlternateContent xmlns:mc="http://schemas.openxmlformats.org/markup-compatibility/2006" xmlns:a14="http://schemas.microsoft.com/office/drawing/2010/main">
+            <mc:Choice Requires="a14">
               <p:sp>
                 <p:nvSpPr>
                   <p:cNvPr id="78" name="TextBox 77">
@@ -9531,7 +9639,7 @@
                 </p:txBody>
               </p:sp>
             </mc:Choice>
-            <mc:Fallback>
+            <mc:Fallback xmlns="">
               <p:sp>
                 <p:nvSpPr>
                   <p:cNvPr id="78" name="TextBox 77">
@@ -9579,8 +9687,8 @@
               </p:sp>
             </mc:Fallback>
           </mc:AlternateContent>
-          <mc:AlternateContent xmlns:mc="http://schemas.openxmlformats.org/markup-compatibility/2006">
-            <mc:Choice xmlns:a14="http://schemas.microsoft.com/office/drawing/2010/main" Requires="a14">
+          <mc:AlternateContent xmlns:mc="http://schemas.openxmlformats.org/markup-compatibility/2006" xmlns:a14="http://schemas.microsoft.com/office/drawing/2010/main">
+            <mc:Choice Requires="a14">
               <p:sp>
                 <p:nvSpPr>
                   <p:cNvPr id="79" name="TextBox 78">
@@ -9633,7 +9741,7 @@
                 </p:txBody>
               </p:sp>
             </mc:Choice>
-            <mc:Fallback>
+            <mc:Fallback xmlns="">
               <p:sp>
                 <p:nvSpPr>
                   <p:cNvPr id="79" name="TextBox 78">
@@ -10592,8 +10700,8 @@
             </p:style>
           </p:cxnSp>
         </p:grpSp>
-        <mc:AlternateContent xmlns:mc="http://schemas.openxmlformats.org/markup-compatibility/2006">
-          <mc:Choice xmlns:a14="http://schemas.microsoft.com/office/drawing/2010/main" Requires="a14">
+        <mc:AlternateContent xmlns:mc="http://schemas.openxmlformats.org/markup-compatibility/2006" xmlns:a14="http://schemas.microsoft.com/office/drawing/2010/main">
+          <mc:Choice Requires="a14">
             <p:sp>
               <p:nvSpPr>
                 <p:cNvPr id="102" name="TextBox 101">
@@ -10643,7 +10751,7 @@
               </p:txBody>
             </p:sp>
           </mc:Choice>
-          <mc:Fallback>
+          <mc:Fallback xmlns="">
             <p:sp>
               <p:nvSpPr>
                 <p:cNvPr id="102" name="TextBox 101">
@@ -10688,8 +10796,8 @@
             </p:sp>
           </mc:Fallback>
         </mc:AlternateContent>
-        <mc:AlternateContent xmlns:mc="http://schemas.openxmlformats.org/markup-compatibility/2006">
-          <mc:Choice xmlns:a14="http://schemas.microsoft.com/office/drawing/2010/main" Requires="a14">
+        <mc:AlternateContent xmlns:mc="http://schemas.openxmlformats.org/markup-compatibility/2006" xmlns:a14="http://schemas.microsoft.com/office/drawing/2010/main">
+          <mc:Choice Requires="a14">
             <p:sp>
               <p:nvSpPr>
                 <p:cNvPr id="103" name="TextBox 102">
@@ -10739,7 +10847,7 @@
               </p:txBody>
             </p:sp>
           </mc:Choice>
-          <mc:Fallback>
+          <mc:Fallback xmlns="">
             <p:sp>
               <p:nvSpPr>
                 <p:cNvPr id="103" name="TextBox 102">
@@ -10784,8 +10892,8 @@
             </p:sp>
           </mc:Fallback>
         </mc:AlternateContent>
-        <mc:AlternateContent xmlns:mc="http://schemas.openxmlformats.org/markup-compatibility/2006">
-          <mc:Choice xmlns:a14="http://schemas.microsoft.com/office/drawing/2010/main" Requires="a14">
+        <mc:AlternateContent xmlns:mc="http://schemas.openxmlformats.org/markup-compatibility/2006" xmlns:a14="http://schemas.microsoft.com/office/drawing/2010/main">
+          <mc:Choice Requires="a14">
             <p:sp>
               <p:nvSpPr>
                 <p:cNvPr id="104" name="TextBox 103">
@@ -10835,7 +10943,7 @@
               </p:txBody>
             </p:sp>
           </mc:Choice>
-          <mc:Fallback>
+          <mc:Fallback xmlns="">
             <p:sp>
               <p:nvSpPr>
                 <p:cNvPr id="104" name="TextBox 103">
@@ -11021,12 +11129,777 @@
           <a:chExt cx="0" cy="0"/>
         </a:xfrm>
       </p:grpSpPr>
+      <p:sp>
+        <p:nvSpPr>
+          <p:cNvPr id="75" name="Параллелограмм 74">
+            <a:extLst>
+              <a:ext uri="{FF2B5EF4-FFF2-40B4-BE49-F238E27FC236}">
+                <a16:creationId xmlns:a16="http://schemas.microsoft.com/office/drawing/2014/main" id="{41E19B58-FDE4-4360-B1D2-504B03381611}"/>
+              </a:ext>
+            </a:extLst>
+          </p:cNvPr>
+          <p:cNvSpPr/>
+          <p:nvPr/>
+        </p:nvSpPr>
+        <p:spPr>
+          <a:xfrm rot="5400000" flipH="1">
+            <a:off x="3173974" y="2754187"/>
+            <a:ext cx="2383852" cy="1221941"/>
+          </a:xfrm>
+          <a:prstGeom prst="parallelogram">
+            <a:avLst>
+              <a:gd name="adj" fmla="val 99399"/>
+            </a:avLst>
+          </a:prstGeom>
+          <a:solidFill>
+            <a:schemeClr val="bg1">
+              <a:lumMod val="95000"/>
+            </a:schemeClr>
+          </a:solidFill>
+          <a:ln w="3175">
+            <a:solidFill>
+              <a:schemeClr val="tx1"/>
+            </a:solidFill>
+          </a:ln>
+        </p:spPr>
+        <p:style>
+          <a:lnRef idx="2">
+            <a:schemeClr val="accent1">
+              <a:shade val="50000"/>
+            </a:schemeClr>
+          </a:lnRef>
+          <a:fillRef idx="1">
+            <a:schemeClr val="accent1"/>
+          </a:fillRef>
+          <a:effectRef idx="0">
+            <a:schemeClr val="accent1"/>
+          </a:effectRef>
+          <a:fontRef idx="minor">
+            <a:schemeClr val="lt1"/>
+          </a:fontRef>
+        </p:style>
+        <p:txBody>
+          <a:bodyPr rtlCol="0" anchor="ctr"/>
+          <a:lstStyle/>
+          <a:p>
+            <a:pPr algn="ctr"/>
+            <a:endParaRPr lang="ru-RU" dirty="0"/>
+          </a:p>
+        </p:txBody>
+      </p:sp>
+      <p:sp>
+        <p:nvSpPr>
+          <p:cNvPr id="61" name="Параллелограмм 60">
+            <a:extLst>
+              <a:ext uri="{FF2B5EF4-FFF2-40B4-BE49-F238E27FC236}">
+                <a16:creationId xmlns:a16="http://schemas.microsoft.com/office/drawing/2014/main" id="{B9EE1ED1-FF4E-4C72-957E-64FDDBED071A}"/>
+              </a:ext>
+            </a:extLst>
+          </p:cNvPr>
+          <p:cNvSpPr/>
+          <p:nvPr/>
+        </p:nvSpPr>
+        <p:spPr>
+          <a:xfrm>
+            <a:off x="3750455" y="2233072"/>
+            <a:ext cx="3242261" cy="1744593"/>
+          </a:xfrm>
+          <a:prstGeom prst="parallelogram">
+            <a:avLst>
+              <a:gd name="adj" fmla="val 100292"/>
+            </a:avLst>
+          </a:prstGeom>
+          <a:solidFill>
+            <a:srgbClr val="E2F0D9">
+              <a:alpha val="72157"/>
+            </a:srgbClr>
+          </a:solidFill>
+          <a:ln>
+            <a:solidFill>
+              <a:srgbClr val="00B050"/>
+            </a:solidFill>
+            <a:prstDash val="sysDot"/>
+          </a:ln>
+        </p:spPr>
+        <p:style>
+          <a:lnRef idx="2">
+            <a:schemeClr val="accent1">
+              <a:shade val="50000"/>
+            </a:schemeClr>
+          </a:lnRef>
+          <a:fillRef idx="1">
+            <a:schemeClr val="accent1"/>
+          </a:fillRef>
+          <a:effectRef idx="0">
+            <a:schemeClr val="accent1"/>
+          </a:effectRef>
+          <a:fontRef idx="minor">
+            <a:schemeClr val="lt1"/>
+          </a:fontRef>
+        </p:style>
+        <p:txBody>
+          <a:bodyPr rtlCol="0" anchor="ctr"/>
+          <a:lstStyle/>
+          <a:p>
+            <a:pPr algn="ctr"/>
+            <a:endParaRPr lang="ru-RU"/>
+          </a:p>
+        </p:txBody>
+      </p:sp>
+      <p:sp>
+        <p:nvSpPr>
+          <p:cNvPr id="42" name="Параллелограмм 41">
+            <a:extLst>
+              <a:ext uri="{FF2B5EF4-FFF2-40B4-BE49-F238E27FC236}">
+                <a16:creationId xmlns:a16="http://schemas.microsoft.com/office/drawing/2014/main" id="{0EE97983-1A51-4CBF-94B0-36D3642ADBC2}"/>
+              </a:ext>
+            </a:extLst>
+          </p:cNvPr>
+          <p:cNvSpPr/>
+          <p:nvPr/>
+        </p:nvSpPr>
+        <p:spPr>
+          <a:xfrm rot="5400000" flipH="1">
+            <a:off x="1572703" y="2232093"/>
+            <a:ext cx="2905992" cy="1749114"/>
+          </a:xfrm>
+          <a:prstGeom prst="parallelogram">
+            <a:avLst>
+              <a:gd name="adj" fmla="val 99399"/>
+            </a:avLst>
+          </a:prstGeom>
+          <a:noFill/>
+          <a:ln>
+            <a:solidFill>
+              <a:schemeClr val="bg2"/>
+            </a:solidFill>
+            <a:prstDash val="dash"/>
+          </a:ln>
+        </p:spPr>
+        <p:style>
+          <a:lnRef idx="2">
+            <a:schemeClr val="accent1">
+              <a:shade val="50000"/>
+            </a:schemeClr>
+          </a:lnRef>
+          <a:fillRef idx="1">
+            <a:schemeClr val="accent1"/>
+          </a:fillRef>
+          <a:effectRef idx="0">
+            <a:schemeClr val="accent1"/>
+          </a:effectRef>
+          <a:fontRef idx="minor">
+            <a:schemeClr val="lt1"/>
+          </a:fontRef>
+        </p:style>
+        <p:txBody>
+          <a:bodyPr rtlCol="0" anchor="ctr"/>
+          <a:lstStyle/>
+          <a:p>
+            <a:pPr algn="ctr"/>
+            <a:endParaRPr lang="ru-RU" dirty="0"/>
+          </a:p>
+        </p:txBody>
+      </p:sp>
+      <p:sp>
+        <p:nvSpPr>
+          <p:cNvPr id="12" name="Параллелограмм 11">
+            <a:extLst>
+              <a:ext uri="{FF2B5EF4-FFF2-40B4-BE49-F238E27FC236}">
+                <a16:creationId xmlns:a16="http://schemas.microsoft.com/office/drawing/2014/main" id="{24C0039A-DCA5-4E16-A2CB-C7189B42A603}"/>
+              </a:ext>
+            </a:extLst>
+          </p:cNvPr>
+          <p:cNvSpPr/>
+          <p:nvPr/>
+        </p:nvSpPr>
+        <p:spPr>
+          <a:xfrm rot="5400000" flipH="1">
+            <a:off x="4673451" y="2243010"/>
+            <a:ext cx="2889131" cy="1739011"/>
+          </a:xfrm>
+          <a:prstGeom prst="parallelogram">
+            <a:avLst>
+              <a:gd name="adj" fmla="val 99638"/>
+            </a:avLst>
+          </a:prstGeom>
+          <a:noFill/>
+          <a:ln w="6350">
+            <a:solidFill>
+              <a:schemeClr val="tx1"/>
+            </a:solidFill>
+          </a:ln>
+        </p:spPr>
+        <p:style>
+          <a:lnRef idx="2">
+            <a:schemeClr val="accent1">
+              <a:shade val="50000"/>
+            </a:schemeClr>
+          </a:lnRef>
+          <a:fillRef idx="1">
+            <a:schemeClr val="accent1"/>
+          </a:fillRef>
+          <a:effectRef idx="0">
+            <a:schemeClr val="accent1"/>
+          </a:effectRef>
+          <a:fontRef idx="minor">
+            <a:schemeClr val="lt1"/>
+          </a:fontRef>
+        </p:style>
+        <p:txBody>
+          <a:bodyPr rtlCol="0" anchor="ctr"/>
+          <a:lstStyle/>
+          <a:p>
+            <a:pPr algn="ctr"/>
+            <a:endParaRPr lang="ru-RU" dirty="0"/>
+          </a:p>
+        </p:txBody>
+      </p:sp>
+      <p:sp>
+        <p:nvSpPr>
+          <p:cNvPr id="4" name="Прямоугольник 3">
+            <a:extLst>
+              <a:ext uri="{FF2B5EF4-FFF2-40B4-BE49-F238E27FC236}">
+                <a16:creationId xmlns:a16="http://schemas.microsoft.com/office/drawing/2014/main" id="{45BBA27D-3E89-46DC-BC9B-5235C0087FEB}"/>
+              </a:ext>
+            </a:extLst>
+          </p:cNvPr>
+          <p:cNvSpPr/>
+          <p:nvPr/>
+        </p:nvSpPr>
+        <p:spPr>
+          <a:xfrm>
+            <a:off x="2152661" y="3398247"/>
+            <a:ext cx="3094940" cy="1161399"/>
+          </a:xfrm>
+          <a:prstGeom prst="rect">
+            <a:avLst/>
+          </a:prstGeom>
+          <a:solidFill>
+            <a:srgbClr val="FFF2CC">
+              <a:alpha val="50196"/>
+            </a:srgbClr>
+          </a:solidFill>
+          <a:ln w="6350">
+            <a:solidFill>
+              <a:schemeClr val="tx1"/>
+            </a:solidFill>
+          </a:ln>
+        </p:spPr>
+        <p:style>
+          <a:lnRef idx="2">
+            <a:schemeClr val="accent1">
+              <a:shade val="50000"/>
+            </a:schemeClr>
+          </a:lnRef>
+          <a:fillRef idx="1">
+            <a:schemeClr val="accent1"/>
+          </a:fillRef>
+          <a:effectRef idx="0">
+            <a:schemeClr val="accent1"/>
+          </a:effectRef>
+          <a:fontRef idx="minor">
+            <a:schemeClr val="lt1"/>
+          </a:fontRef>
+        </p:style>
+        <p:txBody>
+          <a:bodyPr rtlCol="0" anchor="ctr"/>
+          <a:lstStyle/>
+          <a:p>
+            <a:pPr algn="ctr"/>
+            <a:endParaRPr lang="ru-RU"/>
+          </a:p>
+        </p:txBody>
+      </p:sp>
+      <p:sp>
+        <p:nvSpPr>
+          <p:cNvPr id="7" name="Параллелограмм 6">
+            <a:extLst>
+              <a:ext uri="{FF2B5EF4-FFF2-40B4-BE49-F238E27FC236}">
+                <a16:creationId xmlns:a16="http://schemas.microsoft.com/office/drawing/2014/main" id="{A13A03B0-1191-4163-A41E-34350D59F82B}"/>
+              </a:ext>
+            </a:extLst>
+          </p:cNvPr>
+          <p:cNvSpPr/>
+          <p:nvPr/>
+        </p:nvSpPr>
+        <p:spPr>
+          <a:xfrm>
+            <a:off x="2152659" y="1653654"/>
+            <a:ext cx="4845727" cy="1744593"/>
+          </a:xfrm>
+          <a:prstGeom prst="parallelogram">
+            <a:avLst>
+              <a:gd name="adj" fmla="val 100549"/>
+            </a:avLst>
+          </a:prstGeom>
+          <a:noFill/>
+          <a:ln>
+            <a:solidFill>
+              <a:schemeClr val="tx1"/>
+            </a:solidFill>
+          </a:ln>
+        </p:spPr>
+        <p:style>
+          <a:lnRef idx="2">
+            <a:schemeClr val="accent1">
+              <a:shade val="50000"/>
+            </a:schemeClr>
+          </a:lnRef>
+          <a:fillRef idx="1">
+            <a:schemeClr val="accent1"/>
+          </a:fillRef>
+          <a:effectRef idx="0">
+            <a:schemeClr val="accent1"/>
+          </a:effectRef>
+          <a:fontRef idx="minor">
+            <a:schemeClr val="lt1"/>
+          </a:fontRef>
+        </p:style>
+        <p:txBody>
+          <a:bodyPr rtlCol="0" anchor="ctr"/>
+          <a:lstStyle/>
+          <a:p>
+            <a:pPr algn="ctr"/>
+            <a:endParaRPr lang="ru-RU"/>
+          </a:p>
+        </p:txBody>
+      </p:sp>
+      <p:sp>
+        <p:nvSpPr>
+          <p:cNvPr id="31" name="Овал 30">
+            <a:extLst>
+              <a:ext uri="{FF2B5EF4-FFF2-40B4-BE49-F238E27FC236}">
+                <a16:creationId xmlns:a16="http://schemas.microsoft.com/office/drawing/2014/main" id="{AAF2EAD4-793C-4BCE-A8B1-074DDB241A4B}"/>
+              </a:ext>
+            </a:extLst>
+          </p:cNvPr>
+          <p:cNvSpPr/>
+          <p:nvPr/>
+        </p:nvSpPr>
+        <p:spPr>
+          <a:xfrm rot="5400000">
+            <a:off x="3173041" y="3865701"/>
+            <a:ext cx="1161398" cy="221367"/>
+          </a:xfrm>
+          <a:prstGeom prst="ellipse">
+            <a:avLst/>
+          </a:prstGeom>
+          <a:noFill/>
+          <a:ln>
+            <a:solidFill>
+              <a:schemeClr val="tx1"/>
+            </a:solidFill>
+            <a:prstDash val="dash"/>
+          </a:ln>
+        </p:spPr>
+        <p:style>
+          <a:lnRef idx="2">
+            <a:schemeClr val="accent1">
+              <a:shade val="50000"/>
+            </a:schemeClr>
+          </a:lnRef>
+          <a:fillRef idx="1">
+            <a:schemeClr val="accent1"/>
+          </a:fillRef>
+          <a:effectRef idx="0">
+            <a:schemeClr val="accent1"/>
+          </a:effectRef>
+          <a:fontRef idx="minor">
+            <a:schemeClr val="lt1"/>
+          </a:fontRef>
+        </p:style>
+        <p:txBody>
+          <a:bodyPr rtlCol="0" anchor="ctr"/>
+          <a:lstStyle/>
+          <a:p>
+            <a:pPr algn="ctr"/>
+            <a:endParaRPr lang="ru-RU" dirty="0"/>
+          </a:p>
+        </p:txBody>
+      </p:sp>
+      <p:sp>
+        <p:nvSpPr>
+          <p:cNvPr id="63" name="Параллелограмм 62">
+            <a:extLst>
+              <a:ext uri="{FF2B5EF4-FFF2-40B4-BE49-F238E27FC236}">
+                <a16:creationId xmlns:a16="http://schemas.microsoft.com/office/drawing/2014/main" id="{8064DB1D-15BA-4796-819E-7499A3E5C05E}"/>
+              </a:ext>
+            </a:extLst>
+          </p:cNvPr>
+          <p:cNvSpPr/>
+          <p:nvPr/>
+        </p:nvSpPr>
+        <p:spPr>
+          <a:xfrm rot="5400000" flipH="1">
+            <a:off x="3177246" y="2232092"/>
+            <a:ext cx="2905992" cy="1749113"/>
+          </a:xfrm>
+          <a:prstGeom prst="parallelogram">
+            <a:avLst>
+              <a:gd name="adj" fmla="val 99399"/>
+            </a:avLst>
+          </a:prstGeom>
+          <a:noFill/>
+          <a:ln>
+            <a:solidFill>
+              <a:schemeClr val="tx1"/>
+            </a:solidFill>
+            <a:prstDash val="sysDot"/>
+          </a:ln>
+        </p:spPr>
+        <p:style>
+          <a:lnRef idx="2">
+            <a:schemeClr val="accent1">
+              <a:shade val="50000"/>
+            </a:schemeClr>
+          </a:lnRef>
+          <a:fillRef idx="1">
+            <a:schemeClr val="accent1"/>
+          </a:fillRef>
+          <a:effectRef idx="0">
+            <a:schemeClr val="accent1"/>
+          </a:effectRef>
+          <a:fontRef idx="minor">
+            <a:schemeClr val="lt1"/>
+          </a:fontRef>
+        </p:style>
+        <p:txBody>
+          <a:bodyPr rtlCol="0" anchor="ctr"/>
+          <a:lstStyle/>
+          <a:p>
+            <a:pPr algn="ctr"/>
+            <a:endParaRPr lang="ru-RU" dirty="0"/>
+          </a:p>
+        </p:txBody>
+      </p:sp>
+      <p:cxnSp>
+        <p:nvCxnSpPr>
+          <p:cNvPr id="77" name="Прямая соединительная линия 76">
+            <a:extLst>
+              <a:ext uri="{FF2B5EF4-FFF2-40B4-BE49-F238E27FC236}">
+                <a16:creationId xmlns:a16="http://schemas.microsoft.com/office/drawing/2014/main" id="{54DE92EE-7A1D-4F0B-A95B-7DC1F14C6299}"/>
+              </a:ext>
+            </a:extLst>
+          </p:cNvPr>
+          <p:cNvCxnSpPr>
+            <a:cxnSpLocks/>
+          </p:cNvCxnSpPr>
+          <p:nvPr/>
+        </p:nvCxnSpPr>
+        <p:spPr>
+          <a:xfrm flipV="1">
+            <a:off x="3754885" y="2756378"/>
+            <a:ext cx="1224218" cy="1226291"/>
+          </a:xfrm>
+          <a:prstGeom prst="line">
+            <a:avLst/>
+          </a:prstGeom>
+          <a:ln w="19050">
+            <a:solidFill>
+              <a:srgbClr val="00B050"/>
+            </a:solidFill>
+          </a:ln>
+        </p:spPr>
+        <p:style>
+          <a:lnRef idx="1">
+            <a:schemeClr val="accent1"/>
+          </a:lnRef>
+          <a:fillRef idx="0">
+            <a:schemeClr val="accent1"/>
+          </a:fillRef>
+          <a:effectRef idx="0">
+            <a:schemeClr val="accent1"/>
+          </a:effectRef>
+          <a:fontRef idx="minor">
+            <a:schemeClr val="tx1"/>
+          </a:fontRef>
+        </p:style>
+      </p:cxnSp>
+      <p:sp>
+        <p:nvSpPr>
+          <p:cNvPr id="39" name="Прямоугольник 38">
+            <a:extLst>
+              <a:ext uri="{FF2B5EF4-FFF2-40B4-BE49-F238E27FC236}">
+                <a16:creationId xmlns:a16="http://schemas.microsoft.com/office/drawing/2014/main" id="{41FC9AF2-AA34-4888-9FD1-D8DFA4EE6485}"/>
+              </a:ext>
+            </a:extLst>
+          </p:cNvPr>
+          <p:cNvSpPr/>
+          <p:nvPr/>
+        </p:nvSpPr>
+        <p:spPr>
+          <a:xfrm>
+            <a:off x="2151143" y="2788919"/>
+            <a:ext cx="3098132" cy="610483"/>
+          </a:xfrm>
+          <a:prstGeom prst="rect">
+            <a:avLst/>
+          </a:prstGeom>
+          <a:solidFill>
+            <a:srgbClr val="A6A6A6"/>
+          </a:solidFill>
+          <a:ln w="6350">
+            <a:solidFill>
+              <a:schemeClr val="tx1"/>
+            </a:solidFill>
+          </a:ln>
+        </p:spPr>
+        <p:style>
+          <a:lnRef idx="2">
+            <a:schemeClr val="accent1">
+              <a:shade val="50000"/>
+            </a:schemeClr>
+          </a:lnRef>
+          <a:fillRef idx="1">
+            <a:schemeClr val="accent1"/>
+          </a:fillRef>
+          <a:effectRef idx="0">
+            <a:schemeClr val="accent1"/>
+          </a:effectRef>
+          <a:fontRef idx="minor">
+            <a:schemeClr val="lt1"/>
+          </a:fontRef>
+        </p:style>
+        <p:txBody>
+          <a:bodyPr rtlCol="0" anchor="ctr"/>
+          <a:lstStyle/>
+          <a:p>
+            <a:pPr algn="ctr"/>
+            <a:endParaRPr lang="ru-RU"/>
+          </a:p>
+        </p:txBody>
+      </p:sp>
+      <p:sp>
+        <p:nvSpPr>
+          <p:cNvPr id="40" name="Параллелограмм 39">
+            <a:extLst>
+              <a:ext uri="{FF2B5EF4-FFF2-40B4-BE49-F238E27FC236}">
+                <a16:creationId xmlns:a16="http://schemas.microsoft.com/office/drawing/2014/main" id="{65875F13-FDB6-46D2-A76B-CA1643F45DBD}"/>
+              </a:ext>
+            </a:extLst>
+          </p:cNvPr>
+          <p:cNvSpPr/>
+          <p:nvPr/>
+        </p:nvSpPr>
+        <p:spPr>
+          <a:xfrm>
+            <a:off x="2163190" y="1049448"/>
+            <a:ext cx="4845726" cy="1744593"/>
+          </a:xfrm>
+          <a:prstGeom prst="parallelogram">
+            <a:avLst>
+              <a:gd name="adj" fmla="val 100292"/>
+            </a:avLst>
+          </a:prstGeom>
+          <a:solidFill>
+            <a:schemeClr val="bg1">
+              <a:lumMod val="65000"/>
+            </a:schemeClr>
+          </a:solidFill>
+          <a:ln w="6350">
+            <a:solidFill>
+              <a:schemeClr val="tx1"/>
+            </a:solidFill>
+          </a:ln>
+        </p:spPr>
+        <p:style>
+          <a:lnRef idx="2">
+            <a:schemeClr val="accent1">
+              <a:shade val="50000"/>
+            </a:schemeClr>
+          </a:lnRef>
+          <a:fillRef idx="1">
+            <a:schemeClr val="accent1"/>
+          </a:fillRef>
+          <a:effectRef idx="0">
+            <a:schemeClr val="accent1"/>
+          </a:effectRef>
+          <a:fontRef idx="minor">
+            <a:schemeClr val="lt1"/>
+          </a:fontRef>
+        </p:style>
+        <p:txBody>
+          <a:bodyPr rtlCol="0" anchor="ctr"/>
+          <a:lstStyle/>
+          <a:p>
+            <a:pPr algn="ctr"/>
+            <a:endParaRPr lang="ru-RU"/>
+          </a:p>
+        </p:txBody>
+      </p:sp>
+      <p:sp>
+        <p:nvSpPr>
+          <p:cNvPr id="41" name="Параллелограмм 40">
+            <a:extLst>
+              <a:ext uri="{FF2B5EF4-FFF2-40B4-BE49-F238E27FC236}">
+                <a16:creationId xmlns:a16="http://schemas.microsoft.com/office/drawing/2014/main" id="{2BFBCFA3-C967-4593-B9E8-6FFC9A68E3D6}"/>
+              </a:ext>
+            </a:extLst>
+          </p:cNvPr>
+          <p:cNvSpPr/>
+          <p:nvPr/>
+        </p:nvSpPr>
+        <p:spPr>
+          <a:xfrm rot="5400000" flipH="1">
+            <a:off x="4947911" y="1355239"/>
+            <a:ext cx="2350594" cy="1739011"/>
+          </a:xfrm>
+          <a:prstGeom prst="parallelogram">
+            <a:avLst>
+              <a:gd name="adj" fmla="val 99877"/>
+            </a:avLst>
+          </a:prstGeom>
+          <a:solidFill>
+            <a:srgbClr val="A6A6A6"/>
+          </a:solidFill>
+          <a:ln w="6350">
+            <a:solidFill>
+              <a:schemeClr val="tx1"/>
+            </a:solidFill>
+          </a:ln>
+        </p:spPr>
+        <p:style>
+          <a:lnRef idx="2">
+            <a:schemeClr val="accent1">
+              <a:shade val="50000"/>
+            </a:schemeClr>
+          </a:lnRef>
+          <a:fillRef idx="1">
+            <a:schemeClr val="accent1"/>
+          </a:fillRef>
+          <a:effectRef idx="0">
+            <a:schemeClr val="accent1"/>
+          </a:effectRef>
+          <a:fontRef idx="minor">
+            <a:schemeClr val="lt1"/>
+          </a:fontRef>
+        </p:style>
+        <p:txBody>
+          <a:bodyPr rtlCol="0" anchor="ctr"/>
+          <a:lstStyle/>
+          <a:p>
+            <a:pPr algn="ctr"/>
+            <a:endParaRPr lang="ru-RU" dirty="0"/>
+          </a:p>
+        </p:txBody>
+      </p:sp>
+      <p:sp>
+        <p:nvSpPr>
+          <p:cNvPr id="43" name="Прямоугольник 42">
+            <a:extLst>
+              <a:ext uri="{FF2B5EF4-FFF2-40B4-BE49-F238E27FC236}">
+                <a16:creationId xmlns:a16="http://schemas.microsoft.com/office/drawing/2014/main" id="{97C44628-40DA-4FA8-967A-F96FB41AFA2C}"/>
+              </a:ext>
+            </a:extLst>
+          </p:cNvPr>
+          <p:cNvSpPr/>
+          <p:nvPr/>
+        </p:nvSpPr>
+        <p:spPr>
+          <a:xfrm>
+            <a:off x="2149764" y="4562300"/>
+            <a:ext cx="3098132" cy="610483"/>
+          </a:xfrm>
+          <a:prstGeom prst="rect">
+            <a:avLst/>
+          </a:prstGeom>
+          <a:solidFill>
+            <a:srgbClr val="A6A6A6"/>
+          </a:solidFill>
+          <a:ln w="6350">
+            <a:solidFill>
+              <a:schemeClr val="tx1"/>
+            </a:solidFill>
+          </a:ln>
+        </p:spPr>
+        <p:style>
+          <a:lnRef idx="2">
+            <a:schemeClr val="accent1">
+              <a:shade val="50000"/>
+            </a:schemeClr>
+          </a:lnRef>
+          <a:fillRef idx="1">
+            <a:schemeClr val="accent1"/>
+          </a:fillRef>
+          <a:effectRef idx="0">
+            <a:schemeClr val="accent1"/>
+          </a:effectRef>
+          <a:fontRef idx="minor">
+            <a:schemeClr val="lt1"/>
+          </a:fontRef>
+        </p:style>
+        <p:txBody>
+          <a:bodyPr rtlCol="0" anchor="ctr"/>
+          <a:lstStyle/>
+          <a:p>
+            <a:pPr algn="ctr"/>
+            <a:endParaRPr lang="ru-RU"/>
+          </a:p>
+        </p:txBody>
+      </p:sp>
+      <p:sp>
+        <p:nvSpPr>
+          <p:cNvPr id="44" name="Параллелограмм 43">
+            <a:extLst>
+              <a:ext uri="{FF2B5EF4-FFF2-40B4-BE49-F238E27FC236}">
+                <a16:creationId xmlns:a16="http://schemas.microsoft.com/office/drawing/2014/main" id="{5664C639-7AA4-45A5-8511-C2D900720C2E}"/>
+              </a:ext>
+            </a:extLst>
+          </p:cNvPr>
+          <p:cNvSpPr/>
+          <p:nvPr/>
+        </p:nvSpPr>
+        <p:spPr>
+          <a:xfrm rot="5400000" flipH="1">
+            <a:off x="4946532" y="3128620"/>
+            <a:ext cx="2350594" cy="1739011"/>
+          </a:xfrm>
+          <a:prstGeom prst="parallelogram">
+            <a:avLst>
+              <a:gd name="adj" fmla="val 99877"/>
+            </a:avLst>
+          </a:prstGeom>
+          <a:solidFill>
+            <a:srgbClr val="A6A6A6"/>
+          </a:solidFill>
+          <a:ln w="6350">
+            <a:solidFill>
+              <a:schemeClr val="tx1"/>
+            </a:solidFill>
+          </a:ln>
+        </p:spPr>
+        <p:style>
+          <a:lnRef idx="2">
+            <a:schemeClr val="accent1">
+              <a:shade val="50000"/>
+            </a:schemeClr>
+          </a:lnRef>
+          <a:fillRef idx="1">
+            <a:schemeClr val="accent1"/>
+          </a:fillRef>
+          <a:effectRef idx="0">
+            <a:schemeClr val="accent1"/>
+          </a:effectRef>
+          <a:fontRef idx="minor">
+            <a:schemeClr val="lt1"/>
+          </a:fontRef>
+        </p:style>
+        <p:txBody>
+          <a:bodyPr rtlCol="0" anchor="ctr"/>
+          <a:lstStyle/>
+          <a:p>
+            <a:pPr algn="ctr"/>
+            <a:endParaRPr lang="ru-RU" dirty="0"/>
+          </a:p>
+        </p:txBody>
+      </p:sp>
       <p:grpSp>
         <p:nvGrpSpPr>
-          <p:cNvPr id="6" name="Группа 5">
+          <p:cNvPr id="88" name="Группа 87">
             <a:extLst>
               <a:ext uri="{FF2B5EF4-FFF2-40B4-BE49-F238E27FC236}">
-                <a16:creationId xmlns:a16="http://schemas.microsoft.com/office/drawing/2014/main" id="{7CE55A27-D729-4F86-8496-63A3196ABAD0}"/>
+                <a16:creationId xmlns:a16="http://schemas.microsoft.com/office/drawing/2014/main" id="{CF76A613-1E2B-4AED-8594-B7D7662EAD9A}"/>
               </a:ext>
             </a:extLst>
           </p:cNvPr>
@@ -11035,1241 +11908,455 @@
         </p:nvGrpSpPr>
         <p:grpSpPr>
           <a:xfrm>
-            <a:off x="2149764" y="1049448"/>
-            <a:ext cx="4859152" cy="4123975"/>
-            <a:chOff x="2149764" y="1049448"/>
-            <a:chExt cx="4859152" cy="4123975"/>
+            <a:off x="3750410" y="3522862"/>
+            <a:ext cx="922327" cy="1240330"/>
+            <a:chOff x="738199" y="852893"/>
+            <a:chExt cx="1712154" cy="2302475"/>
           </a:xfrm>
         </p:grpSpPr>
-        <p:sp>
-          <p:nvSpPr>
-            <p:cNvPr id="75" name="Параллелограмм 74">
+        <p:grpSp>
+          <p:nvGrpSpPr>
+            <p:cNvPr id="59" name="Группа 58">
               <a:extLst>
                 <a:ext uri="{FF2B5EF4-FFF2-40B4-BE49-F238E27FC236}">
-                  <a16:creationId xmlns:a16="http://schemas.microsoft.com/office/drawing/2014/main" id="{41E19B58-FDE4-4360-B1D2-504B03381611}"/>
+                  <a16:creationId xmlns:a16="http://schemas.microsoft.com/office/drawing/2014/main" id="{B014DD65-D28D-4E54-BDD1-6187696B01AA}"/>
                 </a:ext>
               </a:extLst>
             </p:cNvPr>
-            <p:cNvSpPr/>
-            <p:nvPr/>
-          </p:nvSpPr>
-          <p:spPr>
-            <a:xfrm rot="5400000" flipH="1">
-              <a:off x="3173974" y="2754187"/>
-              <a:ext cx="2383852" cy="1221941"/>
-            </a:xfrm>
-            <a:prstGeom prst="parallelogram">
-              <a:avLst>
-                <a:gd name="adj" fmla="val 99399"/>
-              </a:avLst>
-            </a:prstGeom>
-            <a:solidFill>
-              <a:schemeClr val="bg1">
-                <a:lumMod val="95000"/>
-              </a:schemeClr>
-            </a:solidFill>
-            <a:ln w="3175">
-              <a:solidFill>
-                <a:schemeClr val="tx1"/>
-              </a:solidFill>
-            </a:ln>
-          </p:spPr>
-          <p:style>
-            <a:lnRef idx="2">
-              <a:schemeClr val="accent1">
-                <a:shade val="50000"/>
-              </a:schemeClr>
-            </a:lnRef>
-            <a:fillRef idx="1">
-              <a:schemeClr val="accent1"/>
-            </a:fillRef>
-            <a:effectRef idx="0">
-              <a:schemeClr val="accent1"/>
-            </a:effectRef>
-            <a:fontRef idx="minor">
-              <a:schemeClr val="lt1"/>
-            </a:fontRef>
-          </p:style>
-          <p:txBody>
-            <a:bodyPr rtlCol="0" anchor="ctr"/>
-            <a:lstStyle/>
-            <a:p>
-              <a:pPr algn="ctr"/>
-              <a:endParaRPr lang="ru-RU" dirty="0"/>
-            </a:p>
-          </p:txBody>
-        </p:sp>
-        <p:sp>
-          <p:nvSpPr>
-            <p:cNvPr id="61" name="Параллелограмм 60">
-              <a:extLst>
-                <a:ext uri="{FF2B5EF4-FFF2-40B4-BE49-F238E27FC236}">
-                  <a16:creationId xmlns:a16="http://schemas.microsoft.com/office/drawing/2014/main" id="{B9EE1ED1-FF4E-4C72-957E-64FDDBED071A}"/>
-                </a:ext>
-              </a:extLst>
-            </p:cNvPr>
-            <p:cNvSpPr/>
-            <p:nvPr/>
-          </p:nvSpPr>
-          <p:spPr>
-            <a:xfrm>
-              <a:off x="3750455" y="2233072"/>
-              <a:ext cx="3242261" cy="1744593"/>
-            </a:xfrm>
-            <a:prstGeom prst="parallelogram">
-              <a:avLst>
-                <a:gd name="adj" fmla="val 100292"/>
-              </a:avLst>
-            </a:prstGeom>
-            <a:solidFill>
-              <a:srgbClr val="E2F0D9">
-                <a:alpha val="72157"/>
-              </a:srgbClr>
-            </a:solidFill>
-            <a:ln>
-              <a:solidFill>
-                <a:srgbClr val="00B050"/>
-              </a:solidFill>
-              <a:prstDash val="sysDot"/>
-            </a:ln>
-          </p:spPr>
-          <p:style>
-            <a:lnRef idx="2">
-              <a:schemeClr val="accent1">
-                <a:shade val="50000"/>
-              </a:schemeClr>
-            </a:lnRef>
-            <a:fillRef idx="1">
-              <a:schemeClr val="accent1"/>
-            </a:fillRef>
-            <a:effectRef idx="0">
-              <a:schemeClr val="accent1"/>
-            </a:effectRef>
-            <a:fontRef idx="minor">
-              <a:schemeClr val="lt1"/>
-            </a:fontRef>
-          </p:style>
-          <p:txBody>
-            <a:bodyPr rtlCol="0" anchor="ctr"/>
-            <a:lstStyle/>
-            <a:p>
-              <a:pPr algn="ctr"/>
-              <a:endParaRPr lang="ru-RU"/>
-            </a:p>
-          </p:txBody>
-        </p:sp>
-        <p:sp>
-          <p:nvSpPr>
-            <p:cNvPr id="42" name="Параллелограмм 41">
-              <a:extLst>
-                <a:ext uri="{FF2B5EF4-FFF2-40B4-BE49-F238E27FC236}">
-                  <a16:creationId xmlns:a16="http://schemas.microsoft.com/office/drawing/2014/main" id="{0EE97983-1A51-4CBF-94B0-36D3642ADBC2}"/>
-                </a:ext>
-              </a:extLst>
-            </p:cNvPr>
-            <p:cNvSpPr/>
-            <p:nvPr/>
-          </p:nvSpPr>
-          <p:spPr>
-            <a:xfrm rot="5400000" flipH="1">
-              <a:off x="1572703" y="2232093"/>
-              <a:ext cx="2905992" cy="1749114"/>
-            </a:xfrm>
-            <a:prstGeom prst="parallelogram">
-              <a:avLst>
-                <a:gd name="adj" fmla="val 99399"/>
-              </a:avLst>
-            </a:prstGeom>
-            <a:noFill/>
-            <a:ln>
-              <a:solidFill>
-                <a:schemeClr val="bg2"/>
-              </a:solidFill>
-              <a:prstDash val="dash"/>
-            </a:ln>
-          </p:spPr>
-          <p:style>
-            <a:lnRef idx="2">
-              <a:schemeClr val="accent1">
-                <a:shade val="50000"/>
-              </a:schemeClr>
-            </a:lnRef>
-            <a:fillRef idx="1">
-              <a:schemeClr val="accent1"/>
-            </a:fillRef>
-            <a:effectRef idx="0">
-              <a:schemeClr val="accent1"/>
-            </a:effectRef>
-            <a:fontRef idx="minor">
-              <a:schemeClr val="lt1"/>
-            </a:fontRef>
-          </p:style>
-          <p:txBody>
-            <a:bodyPr rtlCol="0" anchor="ctr"/>
-            <a:lstStyle/>
-            <a:p>
-              <a:pPr algn="ctr"/>
-              <a:endParaRPr lang="ru-RU" dirty="0"/>
-            </a:p>
-          </p:txBody>
-        </p:sp>
-        <p:sp>
-          <p:nvSpPr>
-            <p:cNvPr id="12" name="Параллелограмм 11">
-              <a:extLst>
-                <a:ext uri="{FF2B5EF4-FFF2-40B4-BE49-F238E27FC236}">
-                  <a16:creationId xmlns:a16="http://schemas.microsoft.com/office/drawing/2014/main" id="{24C0039A-DCA5-4E16-A2CB-C7189B42A603}"/>
-                </a:ext>
-              </a:extLst>
-            </p:cNvPr>
-            <p:cNvSpPr/>
-            <p:nvPr/>
-          </p:nvSpPr>
-          <p:spPr>
-            <a:xfrm rot="5400000" flipH="1">
-              <a:off x="4673451" y="2243010"/>
-              <a:ext cx="2889131" cy="1739011"/>
-            </a:xfrm>
-            <a:prstGeom prst="parallelogram">
-              <a:avLst>
-                <a:gd name="adj" fmla="val 99638"/>
-              </a:avLst>
-            </a:prstGeom>
-            <a:noFill/>
-            <a:ln w="6350">
-              <a:solidFill>
-                <a:schemeClr val="tx1"/>
-              </a:solidFill>
-            </a:ln>
-          </p:spPr>
-          <p:style>
-            <a:lnRef idx="2">
-              <a:schemeClr val="accent1">
-                <a:shade val="50000"/>
-              </a:schemeClr>
-            </a:lnRef>
-            <a:fillRef idx="1">
-              <a:schemeClr val="accent1"/>
-            </a:fillRef>
-            <a:effectRef idx="0">
-              <a:schemeClr val="accent1"/>
-            </a:effectRef>
-            <a:fontRef idx="minor">
-              <a:schemeClr val="lt1"/>
-            </a:fontRef>
-          </p:style>
-          <p:txBody>
-            <a:bodyPr rtlCol="0" anchor="ctr"/>
-            <a:lstStyle/>
-            <a:p>
-              <a:pPr algn="ctr"/>
-              <a:endParaRPr lang="ru-RU" dirty="0"/>
-            </a:p>
-          </p:txBody>
-        </p:sp>
-        <p:sp>
-          <p:nvSpPr>
-            <p:cNvPr id="4" name="Прямоугольник 3">
-              <a:extLst>
-                <a:ext uri="{FF2B5EF4-FFF2-40B4-BE49-F238E27FC236}">
-                  <a16:creationId xmlns:a16="http://schemas.microsoft.com/office/drawing/2014/main" id="{45BBA27D-3E89-46DC-BC9B-5235C0087FEB}"/>
-                </a:ext>
-              </a:extLst>
-            </p:cNvPr>
-            <p:cNvSpPr/>
-            <p:nvPr/>
-          </p:nvSpPr>
-          <p:spPr>
-            <a:xfrm>
-              <a:off x="2152661" y="3398247"/>
-              <a:ext cx="3094940" cy="1161399"/>
-            </a:xfrm>
-            <a:prstGeom prst="rect">
-              <a:avLst/>
-            </a:prstGeom>
-            <a:solidFill>
-              <a:srgbClr val="FFF2CC">
-                <a:alpha val="50196"/>
-              </a:srgbClr>
-            </a:solidFill>
-            <a:ln w="6350">
-              <a:solidFill>
-                <a:schemeClr val="tx1"/>
-              </a:solidFill>
-            </a:ln>
-          </p:spPr>
-          <p:style>
-            <a:lnRef idx="2">
-              <a:schemeClr val="accent1">
-                <a:shade val="50000"/>
-              </a:schemeClr>
-            </a:lnRef>
-            <a:fillRef idx="1">
-              <a:schemeClr val="accent1"/>
-            </a:fillRef>
-            <a:effectRef idx="0">
-              <a:schemeClr val="accent1"/>
-            </a:effectRef>
-            <a:fontRef idx="minor">
-              <a:schemeClr val="lt1"/>
-            </a:fontRef>
-          </p:style>
-          <p:txBody>
-            <a:bodyPr rtlCol="0" anchor="ctr"/>
-            <a:lstStyle/>
-            <a:p>
-              <a:pPr algn="ctr"/>
-              <a:endParaRPr lang="ru-RU"/>
-            </a:p>
-          </p:txBody>
-        </p:sp>
-        <p:sp>
-          <p:nvSpPr>
-            <p:cNvPr id="7" name="Параллелограмм 6">
-              <a:extLst>
-                <a:ext uri="{FF2B5EF4-FFF2-40B4-BE49-F238E27FC236}">
-                  <a16:creationId xmlns:a16="http://schemas.microsoft.com/office/drawing/2014/main" id="{A13A03B0-1191-4163-A41E-34350D59F82B}"/>
-                </a:ext>
-              </a:extLst>
-            </p:cNvPr>
-            <p:cNvSpPr/>
-            <p:nvPr/>
-          </p:nvSpPr>
-          <p:spPr>
-            <a:xfrm>
-              <a:off x="2152659" y="1653654"/>
-              <a:ext cx="4845727" cy="1744593"/>
-            </a:xfrm>
-            <a:prstGeom prst="parallelogram">
-              <a:avLst>
-                <a:gd name="adj" fmla="val 100549"/>
-              </a:avLst>
-            </a:prstGeom>
-            <a:noFill/>
-            <a:ln>
-              <a:solidFill>
-                <a:schemeClr val="tx1"/>
-              </a:solidFill>
-            </a:ln>
-          </p:spPr>
-          <p:style>
-            <a:lnRef idx="2">
-              <a:schemeClr val="accent1">
-                <a:shade val="50000"/>
-              </a:schemeClr>
-            </a:lnRef>
-            <a:fillRef idx="1">
-              <a:schemeClr val="accent1"/>
-            </a:fillRef>
-            <a:effectRef idx="0">
-              <a:schemeClr val="accent1"/>
-            </a:effectRef>
-            <a:fontRef idx="minor">
-              <a:schemeClr val="lt1"/>
-            </a:fontRef>
-          </p:style>
-          <p:txBody>
-            <a:bodyPr rtlCol="0" anchor="ctr"/>
-            <a:lstStyle/>
-            <a:p>
-              <a:pPr algn="ctr"/>
-              <a:endParaRPr lang="ru-RU"/>
-            </a:p>
-          </p:txBody>
-        </p:sp>
-        <p:sp>
-          <p:nvSpPr>
-            <p:cNvPr id="31" name="Овал 30">
-              <a:extLst>
-                <a:ext uri="{FF2B5EF4-FFF2-40B4-BE49-F238E27FC236}">
-                  <a16:creationId xmlns:a16="http://schemas.microsoft.com/office/drawing/2014/main" id="{AAF2EAD4-793C-4BCE-A8B1-074DDB241A4B}"/>
-                </a:ext>
-              </a:extLst>
-            </p:cNvPr>
-            <p:cNvSpPr/>
-            <p:nvPr/>
-          </p:nvSpPr>
-          <p:spPr>
-            <a:xfrm rot="5400000">
-              <a:off x="3173041" y="3865701"/>
-              <a:ext cx="1161398" cy="221367"/>
-            </a:xfrm>
-            <a:prstGeom prst="ellipse">
-              <a:avLst/>
-            </a:prstGeom>
-            <a:noFill/>
-            <a:ln>
-              <a:solidFill>
-                <a:schemeClr val="tx1"/>
-              </a:solidFill>
-              <a:prstDash val="dash"/>
-            </a:ln>
-          </p:spPr>
-          <p:style>
-            <a:lnRef idx="2">
-              <a:schemeClr val="accent1">
-                <a:shade val="50000"/>
-              </a:schemeClr>
-            </a:lnRef>
-            <a:fillRef idx="1">
-              <a:schemeClr val="accent1"/>
-            </a:fillRef>
-            <a:effectRef idx="0">
-              <a:schemeClr val="accent1"/>
-            </a:effectRef>
-            <a:fontRef idx="minor">
-              <a:schemeClr val="lt1"/>
-            </a:fontRef>
-          </p:style>
-          <p:txBody>
-            <a:bodyPr rtlCol="0" anchor="ctr"/>
-            <a:lstStyle/>
-            <a:p>
-              <a:pPr algn="ctr"/>
-              <a:endParaRPr lang="ru-RU" dirty="0"/>
-            </a:p>
-          </p:txBody>
-        </p:sp>
-        <p:sp>
-          <p:nvSpPr>
-            <p:cNvPr id="63" name="Параллелограмм 62">
-              <a:extLst>
-                <a:ext uri="{FF2B5EF4-FFF2-40B4-BE49-F238E27FC236}">
-                  <a16:creationId xmlns:a16="http://schemas.microsoft.com/office/drawing/2014/main" id="{8064DB1D-15BA-4796-819E-7499A3E5C05E}"/>
-                </a:ext>
-              </a:extLst>
-            </p:cNvPr>
-            <p:cNvSpPr/>
-            <p:nvPr/>
-          </p:nvSpPr>
-          <p:spPr>
-            <a:xfrm rot="5400000" flipH="1">
-              <a:off x="3177246" y="2232092"/>
-              <a:ext cx="2905992" cy="1749113"/>
-            </a:xfrm>
-            <a:prstGeom prst="parallelogram">
-              <a:avLst>
-                <a:gd name="adj" fmla="val 99399"/>
-              </a:avLst>
-            </a:prstGeom>
-            <a:noFill/>
-            <a:ln>
-              <a:solidFill>
-                <a:schemeClr val="tx1"/>
-              </a:solidFill>
-              <a:prstDash val="sysDot"/>
-            </a:ln>
-          </p:spPr>
-          <p:style>
-            <a:lnRef idx="2">
-              <a:schemeClr val="accent1">
-                <a:shade val="50000"/>
-              </a:schemeClr>
-            </a:lnRef>
-            <a:fillRef idx="1">
-              <a:schemeClr val="accent1"/>
-            </a:fillRef>
-            <a:effectRef idx="0">
-              <a:schemeClr val="accent1"/>
-            </a:effectRef>
-            <a:fontRef idx="minor">
-              <a:schemeClr val="lt1"/>
-            </a:fontRef>
-          </p:style>
-          <p:txBody>
-            <a:bodyPr rtlCol="0" anchor="ctr"/>
-            <a:lstStyle/>
-            <a:p>
-              <a:pPr algn="ctr"/>
-              <a:endParaRPr lang="ru-RU" dirty="0"/>
-            </a:p>
-          </p:txBody>
-        </p:sp>
-        <p:cxnSp>
-          <p:nvCxnSpPr>
-            <p:cNvPr id="77" name="Прямая соединительная линия 76">
-              <a:extLst>
-                <a:ext uri="{FF2B5EF4-FFF2-40B4-BE49-F238E27FC236}">
-                  <a16:creationId xmlns:a16="http://schemas.microsoft.com/office/drawing/2014/main" id="{54DE92EE-7A1D-4F0B-A95B-7DC1F14C6299}"/>
-                </a:ext>
-              </a:extLst>
-            </p:cNvPr>
-            <p:cNvCxnSpPr>
-              <a:cxnSpLocks/>
-            </p:cNvCxnSpPr>
-            <p:nvPr/>
-          </p:nvCxnSpPr>
-          <p:spPr>
-            <a:xfrm flipV="1">
-              <a:off x="3754885" y="2756378"/>
-              <a:ext cx="1224218" cy="1226291"/>
-            </a:xfrm>
-            <a:prstGeom prst="line">
-              <a:avLst/>
-            </a:prstGeom>
-            <a:ln w="19050">
-              <a:solidFill>
-                <a:srgbClr val="00B050"/>
-              </a:solidFill>
-            </a:ln>
-          </p:spPr>
-          <p:style>
-            <a:lnRef idx="1">
-              <a:schemeClr val="accent1"/>
-            </a:lnRef>
-            <a:fillRef idx="0">
-              <a:schemeClr val="accent1"/>
-            </a:fillRef>
-            <a:effectRef idx="0">
-              <a:schemeClr val="accent1"/>
-            </a:effectRef>
-            <a:fontRef idx="minor">
-              <a:schemeClr val="tx1"/>
-            </a:fontRef>
-          </p:style>
-        </p:cxnSp>
-        <p:sp>
-          <p:nvSpPr>
-            <p:cNvPr id="39" name="Прямоугольник 38">
-              <a:extLst>
-                <a:ext uri="{FF2B5EF4-FFF2-40B4-BE49-F238E27FC236}">
-                  <a16:creationId xmlns:a16="http://schemas.microsoft.com/office/drawing/2014/main" id="{41FC9AF2-AA34-4888-9FD1-D8DFA4EE6485}"/>
-                </a:ext>
-              </a:extLst>
-            </p:cNvPr>
-            <p:cNvSpPr/>
-            <p:nvPr/>
-          </p:nvSpPr>
-          <p:spPr>
-            <a:xfrm>
-              <a:off x="2151143" y="2788919"/>
-              <a:ext cx="3098132" cy="610483"/>
-            </a:xfrm>
-            <a:prstGeom prst="rect">
-              <a:avLst/>
-            </a:prstGeom>
-            <a:solidFill>
-              <a:srgbClr val="A6A6A6"/>
-            </a:solidFill>
-            <a:ln w="6350">
-              <a:solidFill>
-                <a:schemeClr val="tx1"/>
-              </a:solidFill>
-            </a:ln>
-          </p:spPr>
-          <p:style>
-            <a:lnRef idx="2">
-              <a:schemeClr val="accent1">
-                <a:shade val="50000"/>
-              </a:schemeClr>
-            </a:lnRef>
-            <a:fillRef idx="1">
-              <a:schemeClr val="accent1"/>
-            </a:fillRef>
-            <a:effectRef idx="0">
-              <a:schemeClr val="accent1"/>
-            </a:effectRef>
-            <a:fontRef idx="minor">
-              <a:schemeClr val="lt1"/>
-            </a:fontRef>
-          </p:style>
-          <p:txBody>
-            <a:bodyPr rtlCol="0" anchor="ctr"/>
-            <a:lstStyle/>
-            <a:p>
-              <a:pPr algn="ctr"/>
-              <a:endParaRPr lang="ru-RU"/>
-            </a:p>
-          </p:txBody>
-        </p:sp>
-        <p:sp>
-          <p:nvSpPr>
-            <p:cNvPr id="40" name="Параллелограмм 39">
-              <a:extLst>
-                <a:ext uri="{FF2B5EF4-FFF2-40B4-BE49-F238E27FC236}">
-                  <a16:creationId xmlns:a16="http://schemas.microsoft.com/office/drawing/2014/main" id="{65875F13-FDB6-46D2-A76B-CA1643F45DBD}"/>
-                </a:ext>
-              </a:extLst>
-            </p:cNvPr>
-            <p:cNvSpPr/>
-            <p:nvPr/>
-          </p:nvSpPr>
-          <p:spPr>
-            <a:xfrm>
-              <a:off x="2163190" y="1049448"/>
-              <a:ext cx="4845726" cy="1744593"/>
-            </a:xfrm>
-            <a:prstGeom prst="parallelogram">
-              <a:avLst>
-                <a:gd name="adj" fmla="val 100292"/>
-              </a:avLst>
-            </a:prstGeom>
-            <a:solidFill>
-              <a:schemeClr val="bg1">
-                <a:lumMod val="65000"/>
-              </a:schemeClr>
-            </a:solidFill>
-            <a:ln w="6350">
-              <a:solidFill>
-                <a:schemeClr val="tx1"/>
-              </a:solidFill>
-            </a:ln>
-          </p:spPr>
-          <p:style>
-            <a:lnRef idx="2">
-              <a:schemeClr val="accent1">
-                <a:shade val="50000"/>
-              </a:schemeClr>
-            </a:lnRef>
-            <a:fillRef idx="1">
-              <a:schemeClr val="accent1"/>
-            </a:fillRef>
-            <a:effectRef idx="0">
-              <a:schemeClr val="accent1"/>
-            </a:effectRef>
-            <a:fontRef idx="minor">
-              <a:schemeClr val="lt1"/>
-            </a:fontRef>
-          </p:style>
-          <p:txBody>
-            <a:bodyPr rtlCol="0" anchor="ctr"/>
-            <a:lstStyle/>
-            <a:p>
-              <a:pPr algn="ctr"/>
-              <a:endParaRPr lang="ru-RU"/>
-            </a:p>
-          </p:txBody>
-        </p:sp>
-        <p:sp>
-          <p:nvSpPr>
-            <p:cNvPr id="41" name="Параллелограмм 40">
-              <a:extLst>
-                <a:ext uri="{FF2B5EF4-FFF2-40B4-BE49-F238E27FC236}">
-                  <a16:creationId xmlns:a16="http://schemas.microsoft.com/office/drawing/2014/main" id="{2BFBCFA3-C967-4593-B9E8-6FFC9A68E3D6}"/>
-                </a:ext>
-              </a:extLst>
-            </p:cNvPr>
-            <p:cNvSpPr/>
-            <p:nvPr/>
-          </p:nvSpPr>
-          <p:spPr>
-            <a:xfrm rot="5400000" flipH="1">
-              <a:off x="4947911" y="1355239"/>
-              <a:ext cx="2350594" cy="1739011"/>
-            </a:xfrm>
-            <a:prstGeom prst="parallelogram">
-              <a:avLst>
-                <a:gd name="adj" fmla="val 99877"/>
-              </a:avLst>
-            </a:prstGeom>
-            <a:solidFill>
-              <a:srgbClr val="A6A6A6"/>
-            </a:solidFill>
-            <a:ln w="6350">
-              <a:solidFill>
-                <a:schemeClr val="tx1"/>
-              </a:solidFill>
-            </a:ln>
-          </p:spPr>
-          <p:style>
-            <a:lnRef idx="2">
-              <a:schemeClr val="accent1">
-                <a:shade val="50000"/>
-              </a:schemeClr>
-            </a:lnRef>
-            <a:fillRef idx="1">
-              <a:schemeClr val="accent1"/>
-            </a:fillRef>
-            <a:effectRef idx="0">
-              <a:schemeClr val="accent1"/>
-            </a:effectRef>
-            <a:fontRef idx="minor">
-              <a:schemeClr val="lt1"/>
-            </a:fontRef>
-          </p:style>
-          <p:txBody>
-            <a:bodyPr rtlCol="0" anchor="ctr"/>
-            <a:lstStyle/>
-            <a:p>
-              <a:pPr algn="ctr"/>
-              <a:endParaRPr lang="ru-RU" dirty="0"/>
-            </a:p>
-          </p:txBody>
-        </p:sp>
-        <p:sp>
-          <p:nvSpPr>
-            <p:cNvPr id="43" name="Прямоугольник 42">
-              <a:extLst>
-                <a:ext uri="{FF2B5EF4-FFF2-40B4-BE49-F238E27FC236}">
-                  <a16:creationId xmlns:a16="http://schemas.microsoft.com/office/drawing/2014/main" id="{97C44628-40DA-4FA8-967A-F96FB41AFA2C}"/>
-                </a:ext>
-              </a:extLst>
-            </p:cNvPr>
-            <p:cNvSpPr/>
-            <p:nvPr/>
-          </p:nvSpPr>
-          <p:spPr>
-            <a:xfrm>
-              <a:off x="2149764" y="4562300"/>
-              <a:ext cx="3098132" cy="610483"/>
-            </a:xfrm>
-            <a:prstGeom prst="rect">
-              <a:avLst/>
-            </a:prstGeom>
-            <a:solidFill>
-              <a:srgbClr val="A6A6A6"/>
-            </a:solidFill>
-            <a:ln w="6350">
-              <a:solidFill>
-                <a:schemeClr val="tx1"/>
-              </a:solidFill>
-            </a:ln>
-          </p:spPr>
-          <p:style>
-            <a:lnRef idx="2">
-              <a:schemeClr val="accent1">
-                <a:shade val="50000"/>
-              </a:schemeClr>
-            </a:lnRef>
-            <a:fillRef idx="1">
-              <a:schemeClr val="accent1"/>
-            </a:fillRef>
-            <a:effectRef idx="0">
-              <a:schemeClr val="accent1"/>
-            </a:effectRef>
-            <a:fontRef idx="minor">
-              <a:schemeClr val="lt1"/>
-            </a:fontRef>
-          </p:style>
-          <p:txBody>
-            <a:bodyPr rtlCol="0" anchor="ctr"/>
-            <a:lstStyle/>
-            <a:p>
-              <a:pPr algn="ctr"/>
-              <a:endParaRPr lang="ru-RU"/>
-            </a:p>
-          </p:txBody>
-        </p:sp>
-        <p:sp>
-          <p:nvSpPr>
-            <p:cNvPr id="44" name="Параллелограмм 43">
-              <a:extLst>
-                <a:ext uri="{FF2B5EF4-FFF2-40B4-BE49-F238E27FC236}">
-                  <a16:creationId xmlns:a16="http://schemas.microsoft.com/office/drawing/2014/main" id="{5664C639-7AA4-45A5-8511-C2D900720C2E}"/>
-                </a:ext>
-              </a:extLst>
-            </p:cNvPr>
-            <p:cNvSpPr/>
-            <p:nvPr/>
-          </p:nvSpPr>
-          <p:spPr>
-            <a:xfrm rot="5400000" flipH="1">
-              <a:off x="4946532" y="3128620"/>
-              <a:ext cx="2350594" cy="1739011"/>
-            </a:xfrm>
-            <a:prstGeom prst="parallelogram">
-              <a:avLst>
-                <a:gd name="adj" fmla="val 99877"/>
-              </a:avLst>
-            </a:prstGeom>
-            <a:solidFill>
-              <a:srgbClr val="A6A6A6"/>
-            </a:solidFill>
-            <a:ln w="6350">
-              <a:solidFill>
-                <a:schemeClr val="tx1"/>
-              </a:solidFill>
-            </a:ln>
-          </p:spPr>
-          <p:style>
-            <a:lnRef idx="2">
-              <a:schemeClr val="accent1">
-                <a:shade val="50000"/>
-              </a:schemeClr>
-            </a:lnRef>
-            <a:fillRef idx="1">
-              <a:schemeClr val="accent1"/>
-            </a:fillRef>
-            <a:effectRef idx="0">
-              <a:schemeClr val="accent1"/>
-            </a:effectRef>
-            <a:fontRef idx="minor">
-              <a:schemeClr val="lt1"/>
-            </a:fontRef>
-          </p:style>
-          <p:txBody>
-            <a:bodyPr rtlCol="0" anchor="ctr"/>
-            <a:lstStyle/>
-            <a:p>
-              <a:pPr algn="ctr"/>
-              <a:endParaRPr lang="ru-RU" dirty="0"/>
-            </a:p>
-          </p:txBody>
-        </p:sp>
-        <p:grpSp>
-          <p:nvGrpSpPr>
-            <p:cNvPr id="88" name="Группа 87">
-              <a:extLst>
-                <a:ext uri="{FF2B5EF4-FFF2-40B4-BE49-F238E27FC236}">
-                  <a16:creationId xmlns:a16="http://schemas.microsoft.com/office/drawing/2014/main" id="{CF76A613-1E2B-4AED-8594-B7D7662EAD9A}"/>
-                </a:ext>
-              </a:extLst>
-            </p:cNvPr>
-            <p:cNvGrpSpPr/>
+            <p:cNvGrpSpPr>
+              <a:grpSpLocks noChangeAspect="1"/>
+            </p:cNvGrpSpPr>
             <p:nvPr/>
           </p:nvGrpSpPr>
           <p:grpSpPr>
             <a:xfrm>
-              <a:off x="3750410" y="3522862"/>
-              <a:ext cx="922327" cy="1240330"/>
-              <a:chOff x="738199" y="852893"/>
-              <a:chExt cx="1712154" cy="2302475"/>
+              <a:off x="738199" y="852893"/>
+              <a:ext cx="1615458" cy="2210142"/>
+              <a:chOff x="-11535178" y="-1749837"/>
+              <a:chExt cx="5957428" cy="8150474"/>
             </a:xfrm>
           </p:grpSpPr>
-          <p:grpSp>
-            <p:nvGrpSpPr>
-              <p:cNvPr id="59" name="Группа 58">
+          <p:cxnSp>
+            <p:nvCxnSpPr>
+              <p:cNvPr id="30" name="Прямая со стрелкой 29">
                 <a:extLst>
                   <a:ext uri="{FF2B5EF4-FFF2-40B4-BE49-F238E27FC236}">
-                    <a16:creationId xmlns:a16="http://schemas.microsoft.com/office/drawing/2014/main" id="{B014DD65-D28D-4E54-BDD1-6187696B01AA}"/>
+                    <a16:creationId xmlns:a16="http://schemas.microsoft.com/office/drawing/2014/main" id="{4468664F-311A-407D-8AF2-666CD52A7299}"/>
                   </a:ext>
                 </a:extLst>
               </p:cNvPr>
-              <p:cNvGrpSpPr>
-                <a:grpSpLocks noChangeAspect="1"/>
-              </p:cNvGrpSpPr>
+              <p:cNvCxnSpPr>
+                <a:cxnSpLocks/>
+              </p:cNvCxnSpPr>
               <p:nvPr/>
-            </p:nvGrpSpPr>
-            <p:grpSpPr>
+            </p:nvCxnSpPr>
+            <p:spPr>
               <a:xfrm>
-                <a:off x="738199" y="852893"/>
-                <a:ext cx="1615458" cy="2210142"/>
-                <a:chOff x="-11535178" y="-1749837"/>
-                <a:chExt cx="5957428" cy="8150474"/>
+                <a:off x="-11535178" y="1368020"/>
+                <a:ext cx="5957428" cy="0"/>
               </a:xfrm>
-            </p:grpSpPr>
-            <p:cxnSp>
-              <p:nvCxnSpPr>
-                <p:cNvPr id="30" name="Прямая со стрелкой 29">
+              <a:prstGeom prst="straightConnector1">
+                <a:avLst/>
+              </a:prstGeom>
+              <a:ln w="19050">
+                <a:solidFill>
+                  <a:srgbClr val="FF0000"/>
+                </a:solidFill>
+                <a:tailEnd type="triangle"/>
+              </a:ln>
+            </p:spPr>
+            <p:style>
+              <a:lnRef idx="1">
+                <a:schemeClr val="accent1"/>
+              </a:lnRef>
+              <a:fillRef idx="0">
+                <a:schemeClr val="accent1"/>
+              </a:fillRef>
+              <a:effectRef idx="0">
+                <a:schemeClr val="accent1"/>
+              </a:effectRef>
+              <a:fontRef idx="minor">
+                <a:schemeClr val="tx1"/>
+              </a:fontRef>
+            </p:style>
+          </p:cxnSp>
+          <p:cxnSp>
+            <p:nvCxnSpPr>
+              <p:cNvPr id="52" name="Прямая со стрелкой 51">
+                <a:extLst>
+                  <a:ext uri="{FF2B5EF4-FFF2-40B4-BE49-F238E27FC236}">
+                    <a16:creationId xmlns:a16="http://schemas.microsoft.com/office/drawing/2014/main" id="{0C9D142C-B96D-49EC-92D1-D9B9B63613EB}"/>
+                  </a:ext>
+                </a:extLst>
+              </p:cNvPr>
+              <p:cNvCxnSpPr>
+                <a:cxnSpLocks/>
+              </p:cNvCxnSpPr>
+              <p:nvPr/>
+            </p:nvCxnSpPr>
+            <p:spPr>
+              <a:xfrm flipV="1">
+                <a:off x="-11535178" y="-1749837"/>
+                <a:ext cx="3117861" cy="3117858"/>
+              </a:xfrm>
+              <a:prstGeom prst="straightConnector1">
+                <a:avLst/>
+              </a:prstGeom>
+              <a:ln w="19050">
+                <a:solidFill>
+                  <a:srgbClr val="FF0000"/>
+                </a:solidFill>
+                <a:tailEnd type="triangle"/>
+              </a:ln>
+            </p:spPr>
+            <p:style>
+              <a:lnRef idx="1">
+                <a:schemeClr val="accent1"/>
+              </a:lnRef>
+              <a:fillRef idx="0">
+                <a:schemeClr val="accent1"/>
+              </a:fillRef>
+              <a:effectRef idx="0">
+                <a:schemeClr val="accent1"/>
+              </a:effectRef>
+              <a:fontRef idx="minor">
+                <a:schemeClr val="tx1"/>
+              </a:fontRef>
+            </p:style>
+          </p:cxnSp>
+          <p:cxnSp>
+            <p:nvCxnSpPr>
+              <p:cNvPr id="58" name="Прямая со стрелкой 57">
+                <a:extLst>
+                  <a:ext uri="{FF2B5EF4-FFF2-40B4-BE49-F238E27FC236}">
+                    <a16:creationId xmlns:a16="http://schemas.microsoft.com/office/drawing/2014/main" id="{B1D426AB-97F6-48A5-A530-C0F91D161D7E}"/>
+                  </a:ext>
+                </a:extLst>
+              </p:cNvPr>
+              <p:cNvCxnSpPr>
+                <a:cxnSpLocks/>
+              </p:cNvCxnSpPr>
+              <p:nvPr/>
+            </p:nvCxnSpPr>
+            <p:spPr>
+              <a:xfrm>
+                <a:off x="-11502534" y="1368020"/>
+                <a:ext cx="0" cy="5032617"/>
+              </a:xfrm>
+              <a:prstGeom prst="straightConnector1">
+                <a:avLst/>
+              </a:prstGeom>
+              <a:ln w="19050">
+                <a:solidFill>
+                  <a:srgbClr val="FF0000"/>
+                </a:solidFill>
+                <a:tailEnd type="triangle"/>
+              </a:ln>
+            </p:spPr>
+            <p:style>
+              <a:lnRef idx="1">
+                <a:schemeClr val="accent1"/>
+              </a:lnRef>
+              <a:fillRef idx="0">
+                <a:schemeClr val="accent1"/>
+              </a:fillRef>
+              <a:effectRef idx="0">
+                <a:schemeClr val="accent1"/>
+              </a:effectRef>
+              <a:fontRef idx="minor">
+                <a:schemeClr val="tx1"/>
+              </a:fontRef>
+            </p:style>
+          </p:cxnSp>
+        </p:grpSp>
+        <mc:AlternateContent xmlns:mc="http://schemas.openxmlformats.org/markup-compatibility/2006" xmlns:a14="http://schemas.microsoft.com/office/drawing/2010/main">
+          <mc:Choice Requires="a14">
+            <p:sp>
+              <p:nvSpPr>
+                <p:cNvPr id="84" name="TextBox 83">
                   <a:extLst>
                     <a:ext uri="{FF2B5EF4-FFF2-40B4-BE49-F238E27FC236}">
-                      <a16:creationId xmlns:a16="http://schemas.microsoft.com/office/drawing/2014/main" id="{4468664F-311A-407D-8AF2-666CD52A7299}"/>
+                      <a16:creationId xmlns:a16="http://schemas.microsoft.com/office/drawing/2014/main" id="{C96AB7BD-C965-4A01-B9FF-DE1EB9F44893}"/>
                     </a:ext>
                   </a:extLst>
                 </p:cNvPr>
-                <p:cNvCxnSpPr>
-                  <a:cxnSpLocks/>
-                </p:cNvCxnSpPr>
+                <p:cNvSpPr txBox="1"/>
                 <p:nvPr/>
-              </p:nvCxnSpPr>
+              </p:nvSpPr>
               <p:spPr>
                 <a:xfrm>
-                  <a:off x="-11535178" y="1368020"/>
-                  <a:ext cx="5957428" cy="0"/>
+                  <a:off x="1632138" y="852893"/>
+                  <a:ext cx="121700" cy="184666"/>
                 </a:xfrm>
-                <a:prstGeom prst="straightConnector1">
+                <a:prstGeom prst="rect">
                   <a:avLst/>
                 </a:prstGeom>
-                <a:ln w="19050">
-                  <a:solidFill>
-                    <a:srgbClr val="FF0000"/>
-                  </a:solidFill>
-                  <a:tailEnd type="triangle"/>
-                </a:ln>
+                <a:noFill/>
               </p:spPr>
-              <p:style>
-                <a:lnRef idx="1">
-                  <a:schemeClr val="accent1"/>
-                </a:lnRef>
-                <a:fillRef idx="0">
-                  <a:schemeClr val="accent1"/>
-                </a:fillRef>
-                <a:effectRef idx="0">
-                  <a:schemeClr val="accent1"/>
-                </a:effectRef>
-                <a:fontRef idx="minor">
-                  <a:schemeClr val="tx1"/>
-                </a:fontRef>
-              </p:style>
-            </p:cxnSp>
-            <p:cxnSp>
-              <p:nvCxnSpPr>
-                <p:cNvPr id="52" name="Прямая со стрелкой 51">
+              <p:txBody>
+                <a:bodyPr wrap="none" lIns="0" tIns="0" rIns="0" bIns="0" rtlCol="0">
+                  <a:spAutoFit/>
+                </a:bodyPr>
+                <a:lstStyle/>
+                <a:p>
+                  <a:pPr/>
+                  <a14:m>
+                    <m:oMathPara xmlns:m="http://schemas.openxmlformats.org/officeDocument/2006/math">
+                      <m:oMathParaPr>
+                        <m:jc m:val="centerGroup"/>
+                      </m:oMathParaPr>
+                      <m:oMath xmlns:m="http://schemas.openxmlformats.org/officeDocument/2006/math">
+                        <m:r>
+                          <a:rPr lang="en-US" sz="1200" b="0" i="1" smtClean="0">
+                            <a:latin typeface="Cambria Math" panose="02040503050406030204" pitchFamily="18" charset="0"/>
+                          </a:rPr>
+                          <m:t>𝑥</m:t>
+                        </m:r>
+                      </m:oMath>
+                    </m:oMathPara>
+                  </a14:m>
+                  <a:endParaRPr lang="ru-RU" dirty="0"/>
+                </a:p>
+              </p:txBody>
+            </p:sp>
+          </mc:Choice>
+          <mc:Fallback xmlns="">
+            <p:sp>
+              <p:nvSpPr>
+                <p:cNvPr id="84" name="TextBox 83">
                   <a:extLst>
                     <a:ext uri="{FF2B5EF4-FFF2-40B4-BE49-F238E27FC236}">
-                      <a16:creationId xmlns:a16="http://schemas.microsoft.com/office/drawing/2014/main" id="{0C9D142C-B96D-49EC-92D1-D9B9B63613EB}"/>
+                      <a16:creationId xmlns:a16="http://schemas.microsoft.com/office/drawing/2014/main" id="{C96AB7BD-C965-4A01-B9FF-DE1EB9F44893}"/>
                     </a:ext>
                   </a:extLst>
                 </p:cNvPr>
-                <p:cNvCxnSpPr>
-                  <a:cxnSpLocks/>
-                </p:cNvCxnSpPr>
+                <p:cNvSpPr txBox="1">
+                  <a:spLocks noRot="1" noChangeAspect="1" noMove="1" noResize="1" noEditPoints="1" noAdjustHandles="1" noChangeArrowheads="1" noChangeShapeType="1" noTextEdit="1"/>
+                </p:cNvSpPr>
                 <p:nvPr/>
-              </p:nvCxnSpPr>
+              </p:nvSpPr>
               <p:spPr>
-                <a:xfrm flipV="1">
-                  <a:off x="-11535178" y="-1749837"/>
-                  <a:ext cx="3117861" cy="3117858"/>
+                <a:xfrm>
+                  <a:off x="1632138" y="852893"/>
+                  <a:ext cx="121700" cy="184666"/>
                 </a:xfrm>
-                <a:prstGeom prst="straightConnector1">
+                <a:prstGeom prst="rect">
                   <a:avLst/>
                 </a:prstGeom>
-                <a:ln w="19050">
-                  <a:solidFill>
-                    <a:srgbClr val="FF0000"/>
-                  </a:solidFill>
-                  <a:tailEnd type="triangle"/>
-                </a:ln>
+                <a:blipFill>
+                  <a:blip r:embed="rId2"/>
+                  <a:stretch>
+                    <a:fillRect l="-54545" r="-81818" b="-81250"/>
+                  </a:stretch>
+                </a:blipFill>
               </p:spPr>
-              <p:style>
-                <a:lnRef idx="1">
-                  <a:schemeClr val="accent1"/>
-                </a:lnRef>
-                <a:fillRef idx="0">
-                  <a:schemeClr val="accent1"/>
-                </a:fillRef>
-                <a:effectRef idx="0">
-                  <a:schemeClr val="accent1"/>
-                </a:effectRef>
-                <a:fontRef idx="minor">
-                  <a:schemeClr val="tx1"/>
-                </a:fontRef>
-              </p:style>
-            </p:cxnSp>
-            <p:cxnSp>
-              <p:nvCxnSpPr>
-                <p:cNvPr id="58" name="Прямая со стрелкой 57">
+              <p:txBody>
+                <a:bodyPr/>
+                <a:lstStyle/>
+                <a:p>
+                  <a:r>
+                    <a:rPr lang="ru-RU">
+                      <a:noFill/>
+                    </a:rPr>
+                    <a:t> </a:t>
+                  </a:r>
+                </a:p>
+              </p:txBody>
+            </p:sp>
+          </mc:Fallback>
+        </mc:AlternateContent>
+        <mc:AlternateContent xmlns:mc="http://schemas.openxmlformats.org/markup-compatibility/2006" xmlns:a14="http://schemas.microsoft.com/office/drawing/2010/main">
+          <mc:Choice Requires="a14">
+            <p:sp>
+              <p:nvSpPr>
+                <p:cNvPr id="85" name="TextBox 84">
                   <a:extLst>
                     <a:ext uri="{FF2B5EF4-FFF2-40B4-BE49-F238E27FC236}">
-                      <a16:creationId xmlns:a16="http://schemas.microsoft.com/office/drawing/2014/main" id="{B1D426AB-97F6-48A5-A530-C0F91D161D7E}"/>
+                      <a16:creationId xmlns:a16="http://schemas.microsoft.com/office/drawing/2014/main" id="{2CB354C6-4B15-4C68-B5F1-F7C486A29F5D}"/>
                     </a:ext>
                   </a:extLst>
                 </p:cNvPr>
-                <p:cNvCxnSpPr>
-                  <a:cxnSpLocks/>
-                </p:cNvCxnSpPr>
+                <p:cNvSpPr txBox="1"/>
                 <p:nvPr/>
-              </p:nvCxnSpPr>
+              </p:nvSpPr>
               <p:spPr>
                 <a:xfrm>
-                  <a:off x="-11502534" y="1368020"/>
-                  <a:ext cx="0" cy="5032617"/>
+                  <a:off x="2325895" y="1825383"/>
+                  <a:ext cx="124458" cy="184666"/>
                 </a:xfrm>
-                <a:prstGeom prst="straightConnector1">
+                <a:prstGeom prst="rect">
                   <a:avLst/>
                 </a:prstGeom>
-                <a:ln w="19050">
-                  <a:solidFill>
-                    <a:srgbClr val="FF0000"/>
-                  </a:solidFill>
-                  <a:tailEnd type="triangle"/>
-                </a:ln>
+                <a:noFill/>
               </p:spPr>
-              <p:style>
-                <a:lnRef idx="1">
-                  <a:schemeClr val="accent1"/>
-                </a:lnRef>
-                <a:fillRef idx="0">
-                  <a:schemeClr val="accent1"/>
-                </a:fillRef>
-                <a:effectRef idx="0">
-                  <a:schemeClr val="accent1"/>
-                </a:effectRef>
-                <a:fontRef idx="minor">
-                  <a:schemeClr val="tx1"/>
-                </a:fontRef>
-              </p:style>
-            </p:cxnSp>
-          </p:grpSp>
-          <mc:AlternateContent xmlns:mc="http://schemas.openxmlformats.org/markup-compatibility/2006">
-            <mc:Choice xmlns:a14="http://schemas.microsoft.com/office/drawing/2010/main" Requires="a14">
-              <p:sp>
-                <p:nvSpPr>
-                  <p:cNvPr id="84" name="TextBox 83">
-                    <a:extLst>
-                      <a:ext uri="{FF2B5EF4-FFF2-40B4-BE49-F238E27FC236}">
-                        <a16:creationId xmlns:a16="http://schemas.microsoft.com/office/drawing/2014/main" id="{C96AB7BD-C965-4A01-B9FF-DE1EB9F44893}"/>
-                      </a:ext>
-                    </a:extLst>
-                  </p:cNvPr>
-                  <p:cNvSpPr txBox="1"/>
-                  <p:nvPr/>
-                </p:nvSpPr>
-                <p:spPr>
-                  <a:xfrm>
-                    <a:off x="1632138" y="852893"/>
-                    <a:ext cx="121700" cy="184666"/>
-                  </a:xfrm>
-                  <a:prstGeom prst="rect">
-                    <a:avLst/>
-                  </a:prstGeom>
-                  <a:noFill/>
-                </p:spPr>
-                <p:txBody>
-                  <a:bodyPr wrap="none" lIns="0" tIns="0" rIns="0" bIns="0" rtlCol="0">
-                    <a:spAutoFit/>
-                  </a:bodyPr>
-                  <a:lstStyle/>
-                  <a:p>
-                    <a:pPr/>
-                    <a14:m>
-                      <m:oMathPara xmlns:m="http://schemas.openxmlformats.org/officeDocument/2006/math">
-                        <m:oMathParaPr>
-                          <m:jc m:val="centerGroup"/>
-                        </m:oMathParaPr>
-                        <m:oMath xmlns:m="http://schemas.openxmlformats.org/officeDocument/2006/math">
-                          <m:r>
-                            <a:rPr lang="en-US" sz="1200" b="0" i="1" smtClean="0">
-                              <a:latin typeface="Cambria Math" panose="02040503050406030204" pitchFamily="18" charset="0"/>
-                            </a:rPr>
-                            <m:t>𝑥</m:t>
-                          </m:r>
-                        </m:oMath>
-                      </m:oMathPara>
-                    </a14:m>
-                    <a:endParaRPr lang="ru-RU" dirty="0"/>
-                  </a:p>
-                </p:txBody>
-              </p:sp>
-            </mc:Choice>
-            <mc:Fallback>
-              <p:sp>
-                <p:nvSpPr>
-                  <p:cNvPr id="84" name="TextBox 83">
-                    <a:extLst>
-                      <a:ext uri="{FF2B5EF4-FFF2-40B4-BE49-F238E27FC236}">
-                        <a16:creationId xmlns:a16="http://schemas.microsoft.com/office/drawing/2014/main" id="{C96AB7BD-C965-4A01-B9FF-DE1EB9F44893}"/>
-                      </a:ext>
-                    </a:extLst>
-                  </p:cNvPr>
-                  <p:cNvSpPr txBox="1">
-                    <a:spLocks noRot="1" noChangeAspect="1" noMove="1" noResize="1" noEditPoints="1" noAdjustHandles="1" noChangeArrowheads="1" noChangeShapeType="1" noTextEdit="1"/>
-                  </p:cNvSpPr>
-                  <p:nvPr/>
-                </p:nvSpPr>
-                <p:spPr>
-                  <a:xfrm>
-                    <a:off x="1632138" y="852893"/>
-                    <a:ext cx="121700" cy="184666"/>
-                  </a:xfrm>
-                  <a:prstGeom prst="rect">
-                    <a:avLst/>
-                  </a:prstGeom>
-                  <a:blipFill>
-                    <a:blip r:embed="rId2"/>
-                    <a:stretch>
-                      <a:fillRect l="-54545" r="-81818" b="-81250"/>
-                    </a:stretch>
-                  </a:blipFill>
-                </p:spPr>
-                <p:txBody>
-                  <a:bodyPr/>
-                  <a:lstStyle/>
-                  <a:p>
-                    <a:r>
-                      <a:rPr lang="ru-RU">
-                        <a:noFill/>
-                      </a:rPr>
-                      <a:t> </a:t>
-                    </a:r>
-                  </a:p>
-                </p:txBody>
-              </p:sp>
-            </mc:Fallback>
-          </mc:AlternateContent>
-          <mc:AlternateContent xmlns:mc="http://schemas.openxmlformats.org/markup-compatibility/2006">
-            <mc:Choice xmlns:a14="http://schemas.microsoft.com/office/drawing/2010/main" Requires="a14">
-              <p:sp>
-                <p:nvSpPr>
-                  <p:cNvPr id="85" name="TextBox 84">
-                    <a:extLst>
-                      <a:ext uri="{FF2B5EF4-FFF2-40B4-BE49-F238E27FC236}">
-                        <a16:creationId xmlns:a16="http://schemas.microsoft.com/office/drawing/2014/main" id="{2CB354C6-4B15-4C68-B5F1-F7C486A29F5D}"/>
-                      </a:ext>
-                    </a:extLst>
-                  </p:cNvPr>
-                  <p:cNvSpPr txBox="1"/>
-                  <p:nvPr/>
-                </p:nvSpPr>
-                <p:spPr>
-                  <a:xfrm>
-                    <a:off x="2325895" y="1825383"/>
-                    <a:ext cx="124458" cy="184666"/>
-                  </a:xfrm>
-                  <a:prstGeom prst="rect">
-                    <a:avLst/>
-                  </a:prstGeom>
-                  <a:noFill/>
-                </p:spPr>
-                <p:txBody>
-                  <a:bodyPr wrap="none" lIns="0" tIns="0" rIns="0" bIns="0" rtlCol="0">
-                    <a:spAutoFit/>
-                  </a:bodyPr>
-                  <a:lstStyle/>
-                  <a:p>
-                    <a:pPr/>
-                    <a14:m>
-                      <m:oMathPara xmlns:m="http://schemas.openxmlformats.org/officeDocument/2006/math">
-                        <m:oMathParaPr>
-                          <m:jc m:val="centerGroup"/>
-                        </m:oMathParaPr>
-                        <m:oMath xmlns:m="http://schemas.openxmlformats.org/officeDocument/2006/math">
-                          <m:r>
-                            <a:rPr lang="en-US" sz="1200" b="0" i="1" smtClean="0">
-                              <a:latin typeface="Cambria Math" panose="02040503050406030204" pitchFamily="18" charset="0"/>
-                            </a:rPr>
-                            <m:t>𝑦</m:t>
-                          </m:r>
-                        </m:oMath>
-                      </m:oMathPara>
-                    </a14:m>
-                    <a:endParaRPr lang="ru-RU" dirty="0"/>
-                  </a:p>
-                </p:txBody>
-              </p:sp>
-            </mc:Choice>
-            <mc:Fallback>
-              <p:sp>
-                <p:nvSpPr>
-                  <p:cNvPr id="85" name="TextBox 84">
-                    <a:extLst>
-                      <a:ext uri="{FF2B5EF4-FFF2-40B4-BE49-F238E27FC236}">
-                        <a16:creationId xmlns:a16="http://schemas.microsoft.com/office/drawing/2014/main" id="{2CB354C6-4B15-4C68-B5F1-F7C486A29F5D}"/>
-                      </a:ext>
-                    </a:extLst>
-                  </p:cNvPr>
-                  <p:cNvSpPr txBox="1">
-                    <a:spLocks noRot="1" noChangeAspect="1" noMove="1" noResize="1" noEditPoints="1" noAdjustHandles="1" noChangeArrowheads="1" noChangeShapeType="1" noTextEdit="1"/>
-                  </p:cNvSpPr>
-                  <p:nvPr/>
-                </p:nvSpPr>
-                <p:spPr>
-                  <a:xfrm>
-                    <a:off x="2325895" y="1825383"/>
-                    <a:ext cx="124458" cy="184666"/>
-                  </a:xfrm>
-                  <a:prstGeom prst="rect">
-                    <a:avLst/>
-                  </a:prstGeom>
-                  <a:blipFill>
-                    <a:blip r:embed="rId3"/>
-                    <a:stretch>
-                      <a:fillRect l="-81818" r="-109091" b="-131250"/>
-                    </a:stretch>
-                  </a:blipFill>
-                </p:spPr>
-                <p:txBody>
-                  <a:bodyPr/>
-                  <a:lstStyle/>
-                  <a:p>
-                    <a:r>
-                      <a:rPr lang="ru-RU">
-                        <a:noFill/>
-                      </a:rPr>
-                      <a:t> </a:t>
-                    </a:r>
-                  </a:p>
-                </p:txBody>
-              </p:sp>
-            </mc:Fallback>
-          </mc:AlternateContent>
-          <mc:AlternateContent xmlns:mc="http://schemas.openxmlformats.org/markup-compatibility/2006">
-            <mc:Choice xmlns:a14="http://schemas.microsoft.com/office/drawing/2010/main" Requires="a14">
-              <p:sp>
-                <p:nvSpPr>
-                  <p:cNvPr id="86" name="TextBox 85">
-                    <a:extLst>
-                      <a:ext uri="{FF2B5EF4-FFF2-40B4-BE49-F238E27FC236}">
-                        <a16:creationId xmlns:a16="http://schemas.microsoft.com/office/drawing/2014/main" id="{259E9A8A-4EC5-43DB-B027-A2D88FFFA435}"/>
-                      </a:ext>
-                    </a:extLst>
-                  </p:cNvPr>
-                  <p:cNvSpPr txBox="1"/>
-                  <p:nvPr/>
-                </p:nvSpPr>
-                <p:spPr>
-                  <a:xfrm>
-                    <a:off x="852632" y="2970702"/>
-                    <a:ext cx="111634" cy="184666"/>
-                  </a:xfrm>
-                  <a:prstGeom prst="rect">
-                    <a:avLst/>
-                  </a:prstGeom>
-                  <a:noFill/>
-                </p:spPr>
-                <p:txBody>
-                  <a:bodyPr wrap="none" lIns="0" tIns="0" rIns="0" bIns="0" rtlCol="0">
-                    <a:spAutoFit/>
-                  </a:bodyPr>
-                  <a:lstStyle/>
-                  <a:p>
-                    <a:pPr/>
-                    <a14:m>
-                      <m:oMathPara xmlns:m="http://schemas.openxmlformats.org/officeDocument/2006/math">
-                        <m:oMathParaPr>
-                          <m:jc m:val="centerGroup"/>
-                        </m:oMathParaPr>
-                        <m:oMath xmlns:m="http://schemas.openxmlformats.org/officeDocument/2006/math">
-                          <m:r>
-                            <a:rPr lang="en-US" sz="1200" b="0" i="1" smtClean="0">
-                              <a:latin typeface="Cambria Math" panose="02040503050406030204" pitchFamily="18" charset="0"/>
-                            </a:rPr>
-                            <m:t>𝑧</m:t>
-                          </m:r>
-                        </m:oMath>
-                      </m:oMathPara>
-                    </a14:m>
-                    <a:endParaRPr lang="ru-RU" dirty="0"/>
-                  </a:p>
-                </p:txBody>
-              </p:sp>
-            </mc:Choice>
-            <mc:Fallback>
-              <p:sp>
-                <p:nvSpPr>
-                  <p:cNvPr id="86" name="TextBox 85">
-                    <a:extLst>
-                      <a:ext uri="{FF2B5EF4-FFF2-40B4-BE49-F238E27FC236}">
-                        <a16:creationId xmlns:a16="http://schemas.microsoft.com/office/drawing/2014/main" id="{259E9A8A-4EC5-43DB-B027-A2D88FFFA435}"/>
-                      </a:ext>
-                    </a:extLst>
-                  </p:cNvPr>
-                  <p:cNvSpPr txBox="1">
-                    <a:spLocks noRot="1" noChangeAspect="1" noMove="1" noResize="1" noEditPoints="1" noAdjustHandles="1" noChangeArrowheads="1" noChangeShapeType="1" noTextEdit="1"/>
-                  </p:cNvSpPr>
-                  <p:nvPr/>
-                </p:nvSpPr>
-                <p:spPr>
-                  <a:xfrm>
-                    <a:off x="852632" y="2970702"/>
-                    <a:ext cx="111634" cy="184666"/>
-                  </a:xfrm>
-                  <a:prstGeom prst="rect">
-                    <a:avLst/>
-                  </a:prstGeom>
-                  <a:blipFill>
-                    <a:blip r:embed="rId4"/>
-                    <a:stretch>
-                      <a:fillRect l="-60000" r="-90000" b="-87500"/>
-                    </a:stretch>
-                  </a:blipFill>
-                </p:spPr>
-                <p:txBody>
-                  <a:bodyPr/>
-                  <a:lstStyle/>
-                  <a:p>
-                    <a:r>
-                      <a:rPr lang="ru-RU">
-                        <a:noFill/>
-                      </a:rPr>
-                      <a:t> </a:t>
-                    </a:r>
-                  </a:p>
-                </p:txBody>
-              </p:sp>
-            </mc:Fallback>
-          </mc:AlternateContent>
-        </p:grpSp>
+              <p:txBody>
+                <a:bodyPr wrap="none" lIns="0" tIns="0" rIns="0" bIns="0" rtlCol="0">
+                  <a:spAutoFit/>
+                </a:bodyPr>
+                <a:lstStyle/>
+                <a:p>
+                  <a:pPr/>
+                  <a14:m>
+                    <m:oMathPara xmlns:m="http://schemas.openxmlformats.org/officeDocument/2006/math">
+                      <m:oMathParaPr>
+                        <m:jc m:val="centerGroup"/>
+                      </m:oMathParaPr>
+                      <m:oMath xmlns:m="http://schemas.openxmlformats.org/officeDocument/2006/math">
+                        <m:r>
+                          <a:rPr lang="en-US" sz="1200" b="0" i="1" smtClean="0">
+                            <a:latin typeface="Cambria Math" panose="02040503050406030204" pitchFamily="18" charset="0"/>
+                          </a:rPr>
+                          <m:t>𝑦</m:t>
+                        </m:r>
+                      </m:oMath>
+                    </m:oMathPara>
+                  </a14:m>
+                  <a:endParaRPr lang="ru-RU" dirty="0"/>
+                </a:p>
+              </p:txBody>
+            </p:sp>
+          </mc:Choice>
+          <mc:Fallback xmlns="">
+            <p:sp>
+              <p:nvSpPr>
+                <p:cNvPr id="85" name="TextBox 84">
+                  <a:extLst>
+                    <a:ext uri="{FF2B5EF4-FFF2-40B4-BE49-F238E27FC236}">
+                      <a16:creationId xmlns:a16="http://schemas.microsoft.com/office/drawing/2014/main" id="{2CB354C6-4B15-4C68-B5F1-F7C486A29F5D}"/>
+                    </a:ext>
+                  </a:extLst>
+                </p:cNvPr>
+                <p:cNvSpPr txBox="1">
+                  <a:spLocks noRot="1" noChangeAspect="1" noMove="1" noResize="1" noEditPoints="1" noAdjustHandles="1" noChangeArrowheads="1" noChangeShapeType="1" noTextEdit="1"/>
+                </p:cNvSpPr>
+                <p:nvPr/>
+              </p:nvSpPr>
+              <p:spPr>
+                <a:xfrm>
+                  <a:off x="2325895" y="1825383"/>
+                  <a:ext cx="124458" cy="184666"/>
+                </a:xfrm>
+                <a:prstGeom prst="rect">
+                  <a:avLst/>
+                </a:prstGeom>
+                <a:blipFill>
+                  <a:blip r:embed="rId3"/>
+                  <a:stretch>
+                    <a:fillRect l="-81818" r="-109091" b="-131250"/>
+                  </a:stretch>
+                </a:blipFill>
+              </p:spPr>
+              <p:txBody>
+                <a:bodyPr/>
+                <a:lstStyle/>
+                <a:p>
+                  <a:r>
+                    <a:rPr lang="ru-RU">
+                      <a:noFill/>
+                    </a:rPr>
+                    <a:t> </a:t>
+                  </a:r>
+                </a:p>
+              </p:txBody>
+            </p:sp>
+          </mc:Fallback>
+        </mc:AlternateContent>
+        <mc:AlternateContent xmlns:mc="http://schemas.openxmlformats.org/markup-compatibility/2006" xmlns:a14="http://schemas.microsoft.com/office/drawing/2010/main">
+          <mc:Choice Requires="a14">
+            <p:sp>
+              <p:nvSpPr>
+                <p:cNvPr id="86" name="TextBox 85">
+                  <a:extLst>
+                    <a:ext uri="{FF2B5EF4-FFF2-40B4-BE49-F238E27FC236}">
+                      <a16:creationId xmlns:a16="http://schemas.microsoft.com/office/drawing/2014/main" id="{259E9A8A-4EC5-43DB-B027-A2D88FFFA435}"/>
+                    </a:ext>
+                  </a:extLst>
+                </p:cNvPr>
+                <p:cNvSpPr txBox="1"/>
+                <p:nvPr/>
+              </p:nvSpPr>
+              <p:spPr>
+                <a:xfrm>
+                  <a:off x="852632" y="2970702"/>
+                  <a:ext cx="111634" cy="184666"/>
+                </a:xfrm>
+                <a:prstGeom prst="rect">
+                  <a:avLst/>
+                </a:prstGeom>
+                <a:noFill/>
+              </p:spPr>
+              <p:txBody>
+                <a:bodyPr wrap="none" lIns="0" tIns="0" rIns="0" bIns="0" rtlCol="0">
+                  <a:spAutoFit/>
+                </a:bodyPr>
+                <a:lstStyle/>
+                <a:p>
+                  <a:pPr/>
+                  <a14:m>
+                    <m:oMathPara xmlns:m="http://schemas.openxmlformats.org/officeDocument/2006/math">
+                      <m:oMathParaPr>
+                        <m:jc m:val="centerGroup"/>
+                      </m:oMathParaPr>
+                      <m:oMath xmlns:m="http://schemas.openxmlformats.org/officeDocument/2006/math">
+                        <m:r>
+                          <a:rPr lang="en-US" sz="1200" b="0" i="1" smtClean="0">
+                            <a:latin typeface="Cambria Math" panose="02040503050406030204" pitchFamily="18" charset="0"/>
+                          </a:rPr>
+                          <m:t>𝑧</m:t>
+                        </m:r>
+                      </m:oMath>
+                    </m:oMathPara>
+                  </a14:m>
+                  <a:endParaRPr lang="ru-RU" dirty="0"/>
+                </a:p>
+              </p:txBody>
+            </p:sp>
+          </mc:Choice>
+          <mc:Fallback xmlns="">
+            <p:sp>
+              <p:nvSpPr>
+                <p:cNvPr id="86" name="TextBox 85">
+                  <a:extLst>
+                    <a:ext uri="{FF2B5EF4-FFF2-40B4-BE49-F238E27FC236}">
+                      <a16:creationId xmlns:a16="http://schemas.microsoft.com/office/drawing/2014/main" id="{259E9A8A-4EC5-43DB-B027-A2D88FFFA435}"/>
+                    </a:ext>
+                  </a:extLst>
+                </p:cNvPr>
+                <p:cNvSpPr txBox="1">
+                  <a:spLocks noRot="1" noChangeAspect="1" noMove="1" noResize="1" noEditPoints="1" noAdjustHandles="1" noChangeArrowheads="1" noChangeShapeType="1" noTextEdit="1"/>
+                </p:cNvSpPr>
+                <p:nvPr/>
+              </p:nvSpPr>
+              <p:spPr>
+                <a:xfrm>
+                  <a:off x="852632" y="2970702"/>
+                  <a:ext cx="111634" cy="184666"/>
+                </a:xfrm>
+                <a:prstGeom prst="rect">
+                  <a:avLst/>
+                </a:prstGeom>
+                <a:blipFill>
+                  <a:blip r:embed="rId4"/>
+                  <a:stretch>
+                    <a:fillRect l="-60000" r="-90000" b="-87500"/>
+                  </a:stretch>
+                </a:blipFill>
+              </p:spPr>
+              <p:txBody>
+                <a:bodyPr/>
+                <a:lstStyle/>
+                <a:p>
+                  <a:r>
+                    <a:rPr lang="ru-RU">
+                      <a:noFill/>
+                    </a:rPr>
+                    <a:t> </a:t>
+                  </a:r>
+                </a:p>
+              </p:txBody>
+            </p:sp>
+          </mc:Fallback>
+        </mc:AlternateContent>
       </p:grpSp>
       <p:sp>
         <p:nvSpPr>
@@ -19333,6 +19420,4296 @@
 </p:sld>
 </file>
 
+<file path=ppt/slides/slide8.xml><?xml version="1.0" encoding="utf-8"?>
+<p:sld xmlns:a="http://schemas.openxmlformats.org/drawingml/2006/main" xmlns:r="http://schemas.openxmlformats.org/officeDocument/2006/relationships" xmlns:p="http://schemas.openxmlformats.org/presentationml/2006/main">
+  <p:cSld>
+    <p:spTree>
+      <p:nvGrpSpPr>
+        <p:cNvPr id="1" name=""/>
+        <p:cNvGrpSpPr/>
+        <p:nvPr/>
+      </p:nvGrpSpPr>
+      <p:grpSpPr>
+        <a:xfrm>
+          <a:off x="0" y="0"/>
+          <a:ext cx="0" cy="0"/>
+          <a:chOff x="0" y="0"/>
+          <a:chExt cx="0" cy="0"/>
+        </a:xfrm>
+      </p:grpSpPr>
+      <p:grpSp>
+        <p:nvGrpSpPr>
+          <p:cNvPr id="88" name="Группа 87">
+            <a:extLst>
+              <a:ext uri="{FF2B5EF4-FFF2-40B4-BE49-F238E27FC236}">
+                <a16:creationId xmlns:a16="http://schemas.microsoft.com/office/drawing/2014/main" id="{7CE55A27-D729-4F86-8496-63A3196ABAD0}"/>
+              </a:ext>
+            </a:extLst>
+          </p:cNvPr>
+          <p:cNvGrpSpPr>
+            <a:grpSpLocks noChangeAspect="1"/>
+          </p:cNvGrpSpPr>
+          <p:nvPr/>
+        </p:nvGrpSpPr>
+        <p:grpSpPr>
+          <a:xfrm>
+            <a:off x="2728918" y="649390"/>
+            <a:ext cx="5790967" cy="4914810"/>
+            <a:chOff x="2149764" y="1049448"/>
+            <a:chExt cx="4859152" cy="4123975"/>
+          </a:xfrm>
+        </p:grpSpPr>
+        <p:sp>
+          <p:nvSpPr>
+            <p:cNvPr id="94" name="Параллелограмм 93">
+              <a:extLst>
+                <a:ext uri="{FF2B5EF4-FFF2-40B4-BE49-F238E27FC236}">
+                  <a16:creationId xmlns:a16="http://schemas.microsoft.com/office/drawing/2014/main" id="{41E19B58-FDE4-4360-B1D2-504B03381611}"/>
+                </a:ext>
+              </a:extLst>
+            </p:cNvPr>
+            <p:cNvSpPr/>
+            <p:nvPr/>
+          </p:nvSpPr>
+          <p:spPr>
+            <a:xfrm rot="5400000" flipH="1">
+              <a:off x="3173974" y="2754187"/>
+              <a:ext cx="2383852" cy="1221941"/>
+            </a:xfrm>
+            <a:prstGeom prst="parallelogram">
+              <a:avLst>
+                <a:gd name="adj" fmla="val 99399"/>
+              </a:avLst>
+            </a:prstGeom>
+            <a:solidFill>
+              <a:schemeClr val="bg1">
+                <a:lumMod val="95000"/>
+              </a:schemeClr>
+            </a:solidFill>
+            <a:ln w="3175">
+              <a:solidFill>
+                <a:schemeClr val="tx1"/>
+              </a:solidFill>
+            </a:ln>
+          </p:spPr>
+          <p:style>
+            <a:lnRef idx="2">
+              <a:schemeClr val="accent1">
+                <a:shade val="50000"/>
+              </a:schemeClr>
+            </a:lnRef>
+            <a:fillRef idx="1">
+              <a:schemeClr val="accent1"/>
+            </a:fillRef>
+            <a:effectRef idx="0">
+              <a:schemeClr val="accent1"/>
+            </a:effectRef>
+            <a:fontRef idx="minor">
+              <a:schemeClr val="lt1"/>
+            </a:fontRef>
+          </p:style>
+          <p:txBody>
+            <a:bodyPr rtlCol="0" anchor="ctr"/>
+            <a:lstStyle/>
+            <a:p>
+              <a:pPr algn="ctr"/>
+              <a:endParaRPr lang="ru-RU" dirty="0"/>
+            </a:p>
+          </p:txBody>
+        </p:sp>
+        <p:sp>
+          <p:nvSpPr>
+            <p:cNvPr id="110" name="Параллелограмм 109">
+              <a:extLst>
+                <a:ext uri="{FF2B5EF4-FFF2-40B4-BE49-F238E27FC236}">
+                  <a16:creationId xmlns:a16="http://schemas.microsoft.com/office/drawing/2014/main" id="{B9EE1ED1-FF4E-4C72-957E-64FDDBED071A}"/>
+                </a:ext>
+              </a:extLst>
+            </p:cNvPr>
+            <p:cNvSpPr/>
+            <p:nvPr/>
+          </p:nvSpPr>
+          <p:spPr>
+            <a:xfrm>
+              <a:off x="3750455" y="2233072"/>
+              <a:ext cx="3242261" cy="1744593"/>
+            </a:xfrm>
+            <a:prstGeom prst="parallelogram">
+              <a:avLst>
+                <a:gd name="adj" fmla="val 100292"/>
+              </a:avLst>
+            </a:prstGeom>
+            <a:solidFill>
+              <a:srgbClr val="E2F0D9">
+                <a:alpha val="72157"/>
+              </a:srgbClr>
+            </a:solidFill>
+            <a:ln>
+              <a:solidFill>
+                <a:srgbClr val="00B050"/>
+              </a:solidFill>
+              <a:prstDash val="sysDot"/>
+            </a:ln>
+          </p:spPr>
+          <p:style>
+            <a:lnRef idx="2">
+              <a:schemeClr val="accent1">
+                <a:shade val="50000"/>
+              </a:schemeClr>
+            </a:lnRef>
+            <a:fillRef idx="1">
+              <a:schemeClr val="accent1"/>
+            </a:fillRef>
+            <a:effectRef idx="0">
+              <a:schemeClr val="accent1"/>
+            </a:effectRef>
+            <a:fontRef idx="minor">
+              <a:schemeClr val="lt1"/>
+            </a:fontRef>
+          </p:style>
+          <p:txBody>
+            <a:bodyPr rtlCol="0" anchor="ctr"/>
+            <a:lstStyle/>
+            <a:p>
+              <a:pPr algn="ctr"/>
+              <a:endParaRPr lang="ru-RU"/>
+            </a:p>
+          </p:txBody>
+        </p:sp>
+        <p:sp>
+          <p:nvSpPr>
+            <p:cNvPr id="111" name="Параллелограмм 110">
+              <a:extLst>
+                <a:ext uri="{FF2B5EF4-FFF2-40B4-BE49-F238E27FC236}">
+                  <a16:creationId xmlns:a16="http://schemas.microsoft.com/office/drawing/2014/main" id="{0EE97983-1A51-4CBF-94B0-36D3642ADBC2}"/>
+                </a:ext>
+              </a:extLst>
+            </p:cNvPr>
+            <p:cNvSpPr/>
+            <p:nvPr/>
+          </p:nvSpPr>
+          <p:spPr>
+            <a:xfrm rot="5400000" flipH="1">
+              <a:off x="1572703" y="2232093"/>
+              <a:ext cx="2905992" cy="1749114"/>
+            </a:xfrm>
+            <a:prstGeom prst="parallelogram">
+              <a:avLst>
+                <a:gd name="adj" fmla="val 99399"/>
+              </a:avLst>
+            </a:prstGeom>
+            <a:noFill/>
+            <a:ln>
+              <a:solidFill>
+                <a:schemeClr val="bg2"/>
+              </a:solidFill>
+              <a:prstDash val="dash"/>
+            </a:ln>
+          </p:spPr>
+          <p:style>
+            <a:lnRef idx="2">
+              <a:schemeClr val="accent1">
+                <a:shade val="50000"/>
+              </a:schemeClr>
+            </a:lnRef>
+            <a:fillRef idx="1">
+              <a:schemeClr val="accent1"/>
+            </a:fillRef>
+            <a:effectRef idx="0">
+              <a:schemeClr val="accent1"/>
+            </a:effectRef>
+            <a:fontRef idx="minor">
+              <a:schemeClr val="lt1"/>
+            </a:fontRef>
+          </p:style>
+          <p:txBody>
+            <a:bodyPr rtlCol="0" anchor="ctr"/>
+            <a:lstStyle/>
+            <a:p>
+              <a:pPr algn="ctr"/>
+              <a:endParaRPr lang="ru-RU" dirty="0"/>
+            </a:p>
+          </p:txBody>
+        </p:sp>
+        <p:sp>
+          <p:nvSpPr>
+            <p:cNvPr id="112" name="Параллелограмм 111">
+              <a:extLst>
+                <a:ext uri="{FF2B5EF4-FFF2-40B4-BE49-F238E27FC236}">
+                  <a16:creationId xmlns:a16="http://schemas.microsoft.com/office/drawing/2014/main" id="{24C0039A-DCA5-4E16-A2CB-C7189B42A603}"/>
+                </a:ext>
+              </a:extLst>
+            </p:cNvPr>
+            <p:cNvSpPr/>
+            <p:nvPr/>
+          </p:nvSpPr>
+          <p:spPr>
+            <a:xfrm rot="5400000" flipH="1">
+              <a:off x="4673451" y="2243010"/>
+              <a:ext cx="2889131" cy="1739011"/>
+            </a:xfrm>
+            <a:prstGeom prst="parallelogram">
+              <a:avLst>
+                <a:gd name="adj" fmla="val 99638"/>
+              </a:avLst>
+            </a:prstGeom>
+            <a:noFill/>
+            <a:ln w="6350">
+              <a:solidFill>
+                <a:schemeClr val="tx1"/>
+              </a:solidFill>
+            </a:ln>
+          </p:spPr>
+          <p:style>
+            <a:lnRef idx="2">
+              <a:schemeClr val="accent1">
+                <a:shade val="50000"/>
+              </a:schemeClr>
+            </a:lnRef>
+            <a:fillRef idx="1">
+              <a:schemeClr val="accent1"/>
+            </a:fillRef>
+            <a:effectRef idx="0">
+              <a:schemeClr val="accent1"/>
+            </a:effectRef>
+            <a:fontRef idx="minor">
+              <a:schemeClr val="lt1"/>
+            </a:fontRef>
+          </p:style>
+          <p:txBody>
+            <a:bodyPr rtlCol="0" anchor="ctr"/>
+            <a:lstStyle/>
+            <a:p>
+              <a:pPr algn="ctr"/>
+              <a:endParaRPr lang="ru-RU" dirty="0"/>
+            </a:p>
+          </p:txBody>
+        </p:sp>
+        <p:sp>
+          <p:nvSpPr>
+            <p:cNvPr id="114" name="Параллелограмм 113">
+              <a:extLst>
+                <a:ext uri="{FF2B5EF4-FFF2-40B4-BE49-F238E27FC236}">
+                  <a16:creationId xmlns:a16="http://schemas.microsoft.com/office/drawing/2014/main" id="{A13A03B0-1191-4163-A41E-34350D59F82B}"/>
+                </a:ext>
+              </a:extLst>
+            </p:cNvPr>
+            <p:cNvSpPr/>
+            <p:nvPr/>
+          </p:nvSpPr>
+          <p:spPr>
+            <a:xfrm>
+              <a:off x="2152659" y="1653654"/>
+              <a:ext cx="4845727" cy="1744593"/>
+            </a:xfrm>
+            <a:prstGeom prst="parallelogram">
+              <a:avLst>
+                <a:gd name="adj" fmla="val 100549"/>
+              </a:avLst>
+            </a:prstGeom>
+            <a:noFill/>
+            <a:ln>
+              <a:solidFill>
+                <a:schemeClr val="tx1"/>
+              </a:solidFill>
+            </a:ln>
+          </p:spPr>
+          <p:style>
+            <a:lnRef idx="2">
+              <a:schemeClr val="accent1">
+                <a:shade val="50000"/>
+              </a:schemeClr>
+            </a:lnRef>
+            <a:fillRef idx="1">
+              <a:schemeClr val="accent1"/>
+            </a:fillRef>
+            <a:effectRef idx="0">
+              <a:schemeClr val="accent1"/>
+            </a:effectRef>
+            <a:fontRef idx="minor">
+              <a:schemeClr val="lt1"/>
+            </a:fontRef>
+          </p:style>
+          <p:txBody>
+            <a:bodyPr rtlCol="0" anchor="ctr"/>
+            <a:lstStyle/>
+            <a:p>
+              <a:pPr algn="ctr"/>
+              <a:endParaRPr lang="ru-RU"/>
+            </a:p>
+          </p:txBody>
+        </p:sp>
+        <p:sp>
+          <p:nvSpPr>
+            <p:cNvPr id="115" name="Овал 114">
+              <a:extLst>
+                <a:ext uri="{FF2B5EF4-FFF2-40B4-BE49-F238E27FC236}">
+                  <a16:creationId xmlns:a16="http://schemas.microsoft.com/office/drawing/2014/main" id="{AAF2EAD4-793C-4BCE-A8B1-074DDB241A4B}"/>
+                </a:ext>
+              </a:extLst>
+            </p:cNvPr>
+            <p:cNvSpPr/>
+            <p:nvPr/>
+          </p:nvSpPr>
+          <p:spPr>
+            <a:xfrm rot="5400000">
+              <a:off x="3173041" y="3865701"/>
+              <a:ext cx="1161398" cy="221367"/>
+            </a:xfrm>
+            <a:prstGeom prst="ellipse">
+              <a:avLst/>
+            </a:prstGeom>
+            <a:noFill/>
+            <a:ln>
+              <a:solidFill>
+                <a:schemeClr val="tx1"/>
+              </a:solidFill>
+              <a:prstDash val="dash"/>
+            </a:ln>
+          </p:spPr>
+          <p:style>
+            <a:lnRef idx="2">
+              <a:schemeClr val="accent1">
+                <a:shade val="50000"/>
+              </a:schemeClr>
+            </a:lnRef>
+            <a:fillRef idx="1">
+              <a:schemeClr val="accent1"/>
+            </a:fillRef>
+            <a:effectRef idx="0">
+              <a:schemeClr val="accent1"/>
+            </a:effectRef>
+            <a:fontRef idx="minor">
+              <a:schemeClr val="lt1"/>
+            </a:fontRef>
+          </p:style>
+          <p:txBody>
+            <a:bodyPr rtlCol="0" anchor="ctr"/>
+            <a:lstStyle/>
+            <a:p>
+              <a:pPr algn="ctr"/>
+              <a:endParaRPr lang="ru-RU" dirty="0"/>
+            </a:p>
+          </p:txBody>
+        </p:sp>
+        <p:sp>
+          <p:nvSpPr>
+            <p:cNvPr id="116" name="Параллелограмм 115">
+              <a:extLst>
+                <a:ext uri="{FF2B5EF4-FFF2-40B4-BE49-F238E27FC236}">
+                  <a16:creationId xmlns:a16="http://schemas.microsoft.com/office/drawing/2014/main" id="{8064DB1D-15BA-4796-819E-7499A3E5C05E}"/>
+                </a:ext>
+              </a:extLst>
+            </p:cNvPr>
+            <p:cNvSpPr/>
+            <p:nvPr/>
+          </p:nvSpPr>
+          <p:spPr>
+            <a:xfrm rot="5400000" flipH="1">
+              <a:off x="3177246" y="2232092"/>
+              <a:ext cx="2905992" cy="1749113"/>
+            </a:xfrm>
+            <a:prstGeom prst="parallelogram">
+              <a:avLst>
+                <a:gd name="adj" fmla="val 99399"/>
+              </a:avLst>
+            </a:prstGeom>
+            <a:noFill/>
+            <a:ln>
+              <a:solidFill>
+                <a:schemeClr val="tx1"/>
+              </a:solidFill>
+              <a:prstDash val="sysDot"/>
+            </a:ln>
+          </p:spPr>
+          <p:style>
+            <a:lnRef idx="2">
+              <a:schemeClr val="accent1">
+                <a:shade val="50000"/>
+              </a:schemeClr>
+            </a:lnRef>
+            <a:fillRef idx="1">
+              <a:schemeClr val="accent1"/>
+            </a:fillRef>
+            <a:effectRef idx="0">
+              <a:schemeClr val="accent1"/>
+            </a:effectRef>
+            <a:fontRef idx="minor">
+              <a:schemeClr val="lt1"/>
+            </a:fontRef>
+          </p:style>
+          <p:txBody>
+            <a:bodyPr rtlCol="0" anchor="ctr"/>
+            <a:lstStyle/>
+            <a:p>
+              <a:pPr algn="ctr"/>
+              <a:endParaRPr lang="ru-RU" dirty="0"/>
+            </a:p>
+          </p:txBody>
+        </p:sp>
+        <p:cxnSp>
+          <p:nvCxnSpPr>
+            <p:cNvPr id="117" name="Прямая соединительная линия 116">
+              <a:extLst>
+                <a:ext uri="{FF2B5EF4-FFF2-40B4-BE49-F238E27FC236}">
+                  <a16:creationId xmlns:a16="http://schemas.microsoft.com/office/drawing/2014/main" id="{54DE92EE-7A1D-4F0B-A95B-7DC1F14C6299}"/>
+                </a:ext>
+              </a:extLst>
+            </p:cNvPr>
+            <p:cNvCxnSpPr>
+              <a:cxnSpLocks/>
+            </p:cNvCxnSpPr>
+            <p:nvPr/>
+          </p:nvCxnSpPr>
+          <p:spPr>
+            <a:xfrm flipV="1">
+              <a:off x="3754885" y="2756378"/>
+              <a:ext cx="1224218" cy="1226291"/>
+            </a:xfrm>
+            <a:prstGeom prst="line">
+              <a:avLst/>
+            </a:prstGeom>
+            <a:ln w="19050">
+              <a:solidFill>
+                <a:srgbClr val="00B050"/>
+              </a:solidFill>
+            </a:ln>
+          </p:spPr>
+          <p:style>
+            <a:lnRef idx="1">
+              <a:schemeClr val="accent1"/>
+            </a:lnRef>
+            <a:fillRef idx="0">
+              <a:schemeClr val="accent1"/>
+            </a:fillRef>
+            <a:effectRef idx="0">
+              <a:schemeClr val="accent1"/>
+            </a:effectRef>
+            <a:fontRef idx="minor">
+              <a:schemeClr val="tx1"/>
+            </a:fontRef>
+          </p:style>
+        </p:cxnSp>
+        <p:sp>
+          <p:nvSpPr>
+            <p:cNvPr id="118" name="Прямоугольник 117">
+              <a:extLst>
+                <a:ext uri="{FF2B5EF4-FFF2-40B4-BE49-F238E27FC236}">
+                  <a16:creationId xmlns:a16="http://schemas.microsoft.com/office/drawing/2014/main" id="{41FC9AF2-AA34-4888-9FD1-D8DFA4EE6485}"/>
+                </a:ext>
+              </a:extLst>
+            </p:cNvPr>
+            <p:cNvSpPr/>
+            <p:nvPr/>
+          </p:nvSpPr>
+          <p:spPr>
+            <a:xfrm>
+              <a:off x="2151143" y="2788919"/>
+              <a:ext cx="3098132" cy="610483"/>
+            </a:xfrm>
+            <a:prstGeom prst="rect">
+              <a:avLst/>
+            </a:prstGeom>
+            <a:solidFill>
+              <a:srgbClr val="A6A6A6"/>
+            </a:solidFill>
+            <a:ln w="6350">
+              <a:solidFill>
+                <a:schemeClr val="tx1"/>
+              </a:solidFill>
+            </a:ln>
+          </p:spPr>
+          <p:style>
+            <a:lnRef idx="2">
+              <a:schemeClr val="accent1">
+                <a:shade val="50000"/>
+              </a:schemeClr>
+            </a:lnRef>
+            <a:fillRef idx="1">
+              <a:schemeClr val="accent1"/>
+            </a:fillRef>
+            <a:effectRef idx="0">
+              <a:schemeClr val="accent1"/>
+            </a:effectRef>
+            <a:fontRef idx="minor">
+              <a:schemeClr val="lt1"/>
+            </a:fontRef>
+          </p:style>
+          <p:txBody>
+            <a:bodyPr rtlCol="0" anchor="ctr"/>
+            <a:lstStyle/>
+            <a:p>
+              <a:pPr algn="ctr"/>
+              <a:endParaRPr lang="ru-RU"/>
+            </a:p>
+          </p:txBody>
+        </p:sp>
+        <p:sp>
+          <p:nvSpPr>
+            <p:cNvPr id="119" name="Параллелограмм 118">
+              <a:extLst>
+                <a:ext uri="{FF2B5EF4-FFF2-40B4-BE49-F238E27FC236}">
+                  <a16:creationId xmlns:a16="http://schemas.microsoft.com/office/drawing/2014/main" id="{65875F13-FDB6-46D2-A76B-CA1643F45DBD}"/>
+                </a:ext>
+              </a:extLst>
+            </p:cNvPr>
+            <p:cNvSpPr/>
+            <p:nvPr/>
+          </p:nvSpPr>
+          <p:spPr>
+            <a:xfrm>
+              <a:off x="2163190" y="1049448"/>
+              <a:ext cx="4845726" cy="1744593"/>
+            </a:xfrm>
+            <a:prstGeom prst="parallelogram">
+              <a:avLst>
+                <a:gd name="adj" fmla="val 100292"/>
+              </a:avLst>
+            </a:prstGeom>
+            <a:solidFill>
+              <a:schemeClr val="bg1">
+                <a:lumMod val="65000"/>
+              </a:schemeClr>
+            </a:solidFill>
+            <a:ln w="6350">
+              <a:solidFill>
+                <a:schemeClr val="tx1"/>
+              </a:solidFill>
+            </a:ln>
+          </p:spPr>
+          <p:style>
+            <a:lnRef idx="2">
+              <a:schemeClr val="accent1">
+                <a:shade val="50000"/>
+              </a:schemeClr>
+            </a:lnRef>
+            <a:fillRef idx="1">
+              <a:schemeClr val="accent1"/>
+            </a:fillRef>
+            <a:effectRef idx="0">
+              <a:schemeClr val="accent1"/>
+            </a:effectRef>
+            <a:fontRef idx="minor">
+              <a:schemeClr val="lt1"/>
+            </a:fontRef>
+          </p:style>
+          <p:txBody>
+            <a:bodyPr rtlCol="0" anchor="ctr"/>
+            <a:lstStyle/>
+            <a:p>
+              <a:pPr algn="ctr"/>
+              <a:endParaRPr lang="ru-RU"/>
+            </a:p>
+          </p:txBody>
+        </p:sp>
+        <p:sp>
+          <p:nvSpPr>
+            <p:cNvPr id="120" name="Параллелограмм 119">
+              <a:extLst>
+                <a:ext uri="{FF2B5EF4-FFF2-40B4-BE49-F238E27FC236}">
+                  <a16:creationId xmlns:a16="http://schemas.microsoft.com/office/drawing/2014/main" id="{2BFBCFA3-C967-4593-B9E8-6FFC9A68E3D6}"/>
+                </a:ext>
+              </a:extLst>
+            </p:cNvPr>
+            <p:cNvSpPr/>
+            <p:nvPr/>
+          </p:nvSpPr>
+          <p:spPr>
+            <a:xfrm rot="5400000" flipH="1">
+              <a:off x="4947911" y="1355239"/>
+              <a:ext cx="2350594" cy="1739011"/>
+            </a:xfrm>
+            <a:prstGeom prst="parallelogram">
+              <a:avLst>
+                <a:gd name="adj" fmla="val 99877"/>
+              </a:avLst>
+            </a:prstGeom>
+            <a:solidFill>
+              <a:srgbClr val="A6A6A6"/>
+            </a:solidFill>
+            <a:ln w="6350">
+              <a:solidFill>
+                <a:schemeClr val="tx1"/>
+              </a:solidFill>
+            </a:ln>
+          </p:spPr>
+          <p:style>
+            <a:lnRef idx="2">
+              <a:schemeClr val="accent1">
+                <a:shade val="50000"/>
+              </a:schemeClr>
+            </a:lnRef>
+            <a:fillRef idx="1">
+              <a:schemeClr val="accent1"/>
+            </a:fillRef>
+            <a:effectRef idx="0">
+              <a:schemeClr val="accent1"/>
+            </a:effectRef>
+            <a:fontRef idx="minor">
+              <a:schemeClr val="lt1"/>
+            </a:fontRef>
+          </p:style>
+          <p:txBody>
+            <a:bodyPr rtlCol="0" anchor="ctr"/>
+            <a:lstStyle/>
+            <a:p>
+              <a:pPr algn="ctr"/>
+              <a:endParaRPr lang="ru-RU" dirty="0"/>
+            </a:p>
+          </p:txBody>
+        </p:sp>
+        <p:sp>
+          <p:nvSpPr>
+            <p:cNvPr id="121" name="Прямоугольник 120">
+              <a:extLst>
+                <a:ext uri="{FF2B5EF4-FFF2-40B4-BE49-F238E27FC236}">
+                  <a16:creationId xmlns:a16="http://schemas.microsoft.com/office/drawing/2014/main" id="{97C44628-40DA-4FA8-967A-F96FB41AFA2C}"/>
+                </a:ext>
+              </a:extLst>
+            </p:cNvPr>
+            <p:cNvSpPr/>
+            <p:nvPr/>
+          </p:nvSpPr>
+          <p:spPr>
+            <a:xfrm>
+              <a:off x="2149764" y="4562300"/>
+              <a:ext cx="3098132" cy="610483"/>
+            </a:xfrm>
+            <a:prstGeom prst="rect">
+              <a:avLst/>
+            </a:prstGeom>
+            <a:solidFill>
+              <a:srgbClr val="A6A6A6"/>
+            </a:solidFill>
+            <a:ln w="6350">
+              <a:solidFill>
+                <a:schemeClr val="tx1"/>
+              </a:solidFill>
+            </a:ln>
+          </p:spPr>
+          <p:style>
+            <a:lnRef idx="2">
+              <a:schemeClr val="accent1">
+                <a:shade val="50000"/>
+              </a:schemeClr>
+            </a:lnRef>
+            <a:fillRef idx="1">
+              <a:schemeClr val="accent1"/>
+            </a:fillRef>
+            <a:effectRef idx="0">
+              <a:schemeClr val="accent1"/>
+            </a:effectRef>
+            <a:fontRef idx="minor">
+              <a:schemeClr val="lt1"/>
+            </a:fontRef>
+          </p:style>
+          <p:txBody>
+            <a:bodyPr rtlCol="0" anchor="ctr"/>
+            <a:lstStyle/>
+            <a:p>
+              <a:pPr algn="ctr"/>
+              <a:endParaRPr lang="ru-RU"/>
+            </a:p>
+          </p:txBody>
+        </p:sp>
+        <p:sp>
+          <p:nvSpPr>
+            <p:cNvPr id="122" name="Параллелограмм 121">
+              <a:extLst>
+                <a:ext uri="{FF2B5EF4-FFF2-40B4-BE49-F238E27FC236}">
+                  <a16:creationId xmlns:a16="http://schemas.microsoft.com/office/drawing/2014/main" id="{5664C639-7AA4-45A5-8511-C2D900720C2E}"/>
+                </a:ext>
+              </a:extLst>
+            </p:cNvPr>
+            <p:cNvSpPr/>
+            <p:nvPr/>
+          </p:nvSpPr>
+          <p:spPr>
+            <a:xfrm rot="5400000" flipH="1">
+              <a:off x="4946532" y="3128620"/>
+              <a:ext cx="2350594" cy="1739011"/>
+            </a:xfrm>
+            <a:prstGeom prst="parallelogram">
+              <a:avLst>
+                <a:gd name="adj" fmla="val 99877"/>
+              </a:avLst>
+            </a:prstGeom>
+            <a:solidFill>
+              <a:srgbClr val="A6A6A6"/>
+            </a:solidFill>
+            <a:ln w="6350">
+              <a:solidFill>
+                <a:schemeClr val="tx1"/>
+              </a:solidFill>
+            </a:ln>
+          </p:spPr>
+          <p:style>
+            <a:lnRef idx="2">
+              <a:schemeClr val="accent1">
+                <a:shade val="50000"/>
+              </a:schemeClr>
+            </a:lnRef>
+            <a:fillRef idx="1">
+              <a:schemeClr val="accent1"/>
+            </a:fillRef>
+            <a:effectRef idx="0">
+              <a:schemeClr val="accent1"/>
+            </a:effectRef>
+            <a:fontRef idx="minor">
+              <a:schemeClr val="lt1"/>
+            </a:fontRef>
+          </p:style>
+          <p:txBody>
+            <a:bodyPr rtlCol="0" anchor="ctr"/>
+            <a:lstStyle/>
+            <a:p>
+              <a:pPr algn="ctr"/>
+              <a:endParaRPr lang="ru-RU" dirty="0"/>
+            </a:p>
+          </p:txBody>
+        </p:sp>
+        <p:grpSp>
+          <p:nvGrpSpPr>
+            <p:cNvPr id="123" name="Группа 122">
+              <a:extLst>
+                <a:ext uri="{FF2B5EF4-FFF2-40B4-BE49-F238E27FC236}">
+                  <a16:creationId xmlns:a16="http://schemas.microsoft.com/office/drawing/2014/main" id="{CF76A613-1E2B-4AED-8594-B7D7662EAD9A}"/>
+                </a:ext>
+              </a:extLst>
+            </p:cNvPr>
+            <p:cNvGrpSpPr/>
+            <p:nvPr/>
+          </p:nvGrpSpPr>
+          <p:grpSpPr>
+            <a:xfrm>
+              <a:off x="3750410" y="3522862"/>
+              <a:ext cx="922327" cy="1240330"/>
+              <a:chOff x="738199" y="852893"/>
+              <a:chExt cx="1712154" cy="2302475"/>
+            </a:xfrm>
+          </p:grpSpPr>
+          <p:grpSp>
+            <p:nvGrpSpPr>
+              <p:cNvPr id="124" name="Группа 123">
+                <a:extLst>
+                  <a:ext uri="{FF2B5EF4-FFF2-40B4-BE49-F238E27FC236}">
+                    <a16:creationId xmlns:a16="http://schemas.microsoft.com/office/drawing/2014/main" id="{B014DD65-D28D-4E54-BDD1-6187696B01AA}"/>
+                  </a:ext>
+                </a:extLst>
+              </p:cNvPr>
+              <p:cNvGrpSpPr>
+                <a:grpSpLocks noChangeAspect="1"/>
+              </p:cNvGrpSpPr>
+              <p:nvPr/>
+            </p:nvGrpSpPr>
+            <p:grpSpPr>
+              <a:xfrm>
+                <a:off x="738199" y="852893"/>
+                <a:ext cx="1615458" cy="2210142"/>
+                <a:chOff x="-11535178" y="-1749837"/>
+                <a:chExt cx="5957428" cy="8150474"/>
+              </a:xfrm>
+            </p:grpSpPr>
+            <p:cxnSp>
+              <p:nvCxnSpPr>
+                <p:cNvPr id="128" name="Прямая со стрелкой 127">
+                  <a:extLst>
+                    <a:ext uri="{FF2B5EF4-FFF2-40B4-BE49-F238E27FC236}">
+                      <a16:creationId xmlns:a16="http://schemas.microsoft.com/office/drawing/2014/main" id="{4468664F-311A-407D-8AF2-666CD52A7299}"/>
+                    </a:ext>
+                  </a:extLst>
+                </p:cNvPr>
+                <p:cNvCxnSpPr>
+                  <a:cxnSpLocks/>
+                </p:cNvCxnSpPr>
+                <p:nvPr/>
+              </p:nvCxnSpPr>
+              <p:spPr>
+                <a:xfrm>
+                  <a:off x="-11535178" y="1368020"/>
+                  <a:ext cx="5957428" cy="0"/>
+                </a:xfrm>
+                <a:prstGeom prst="straightConnector1">
+                  <a:avLst/>
+                </a:prstGeom>
+                <a:ln w="19050">
+                  <a:solidFill>
+                    <a:srgbClr val="FF0000"/>
+                  </a:solidFill>
+                  <a:tailEnd type="triangle"/>
+                </a:ln>
+              </p:spPr>
+              <p:style>
+                <a:lnRef idx="1">
+                  <a:schemeClr val="accent1"/>
+                </a:lnRef>
+                <a:fillRef idx="0">
+                  <a:schemeClr val="accent1"/>
+                </a:fillRef>
+                <a:effectRef idx="0">
+                  <a:schemeClr val="accent1"/>
+                </a:effectRef>
+                <a:fontRef idx="minor">
+                  <a:schemeClr val="tx1"/>
+                </a:fontRef>
+              </p:style>
+            </p:cxnSp>
+            <p:cxnSp>
+              <p:nvCxnSpPr>
+                <p:cNvPr id="129" name="Прямая со стрелкой 128">
+                  <a:extLst>
+                    <a:ext uri="{FF2B5EF4-FFF2-40B4-BE49-F238E27FC236}">
+                      <a16:creationId xmlns:a16="http://schemas.microsoft.com/office/drawing/2014/main" id="{0C9D142C-B96D-49EC-92D1-D9B9B63613EB}"/>
+                    </a:ext>
+                  </a:extLst>
+                </p:cNvPr>
+                <p:cNvCxnSpPr>
+                  <a:cxnSpLocks/>
+                </p:cNvCxnSpPr>
+                <p:nvPr/>
+              </p:nvCxnSpPr>
+              <p:spPr>
+                <a:xfrm flipV="1">
+                  <a:off x="-11535178" y="-1749837"/>
+                  <a:ext cx="3117861" cy="3117858"/>
+                </a:xfrm>
+                <a:prstGeom prst="straightConnector1">
+                  <a:avLst/>
+                </a:prstGeom>
+                <a:ln w="19050">
+                  <a:solidFill>
+                    <a:srgbClr val="FF0000"/>
+                  </a:solidFill>
+                  <a:tailEnd type="triangle"/>
+                </a:ln>
+              </p:spPr>
+              <p:style>
+                <a:lnRef idx="1">
+                  <a:schemeClr val="accent1"/>
+                </a:lnRef>
+                <a:fillRef idx="0">
+                  <a:schemeClr val="accent1"/>
+                </a:fillRef>
+                <a:effectRef idx="0">
+                  <a:schemeClr val="accent1"/>
+                </a:effectRef>
+                <a:fontRef idx="minor">
+                  <a:schemeClr val="tx1"/>
+                </a:fontRef>
+              </p:style>
+            </p:cxnSp>
+            <p:cxnSp>
+              <p:nvCxnSpPr>
+                <p:cNvPr id="130" name="Прямая со стрелкой 129">
+                  <a:extLst>
+                    <a:ext uri="{FF2B5EF4-FFF2-40B4-BE49-F238E27FC236}">
+                      <a16:creationId xmlns:a16="http://schemas.microsoft.com/office/drawing/2014/main" id="{B1D426AB-97F6-48A5-A530-C0F91D161D7E}"/>
+                    </a:ext>
+                  </a:extLst>
+                </p:cNvPr>
+                <p:cNvCxnSpPr>
+                  <a:cxnSpLocks/>
+                </p:cNvCxnSpPr>
+                <p:nvPr/>
+              </p:nvCxnSpPr>
+              <p:spPr>
+                <a:xfrm>
+                  <a:off x="-11502534" y="1368020"/>
+                  <a:ext cx="0" cy="5032617"/>
+                </a:xfrm>
+                <a:prstGeom prst="straightConnector1">
+                  <a:avLst/>
+                </a:prstGeom>
+                <a:ln w="19050">
+                  <a:solidFill>
+                    <a:srgbClr val="FF0000"/>
+                  </a:solidFill>
+                  <a:tailEnd type="triangle"/>
+                </a:ln>
+              </p:spPr>
+              <p:style>
+                <a:lnRef idx="1">
+                  <a:schemeClr val="accent1"/>
+                </a:lnRef>
+                <a:fillRef idx="0">
+                  <a:schemeClr val="accent1"/>
+                </a:fillRef>
+                <a:effectRef idx="0">
+                  <a:schemeClr val="accent1"/>
+                </a:effectRef>
+                <a:fontRef idx="minor">
+                  <a:schemeClr val="tx1"/>
+                </a:fontRef>
+              </p:style>
+            </p:cxnSp>
+          </p:grpSp>
+          <mc:AlternateContent xmlns:mc="http://schemas.openxmlformats.org/markup-compatibility/2006" xmlns:a14="http://schemas.microsoft.com/office/drawing/2010/main">
+            <mc:Choice Requires="a14">
+              <p:sp>
+                <p:nvSpPr>
+                  <p:cNvPr id="125" name="TextBox 124">
+                    <a:extLst>
+                      <a:ext uri="{FF2B5EF4-FFF2-40B4-BE49-F238E27FC236}">
+                        <a16:creationId xmlns:a16="http://schemas.microsoft.com/office/drawing/2014/main" id="{C96AB7BD-C965-4A01-B9FF-DE1EB9F44893}"/>
+                      </a:ext>
+                    </a:extLst>
+                  </p:cNvPr>
+                  <p:cNvSpPr txBox="1"/>
+                  <p:nvPr/>
+                </p:nvSpPr>
+                <p:spPr>
+                  <a:xfrm>
+                    <a:off x="1632138" y="852893"/>
+                    <a:ext cx="121700" cy="184666"/>
+                  </a:xfrm>
+                  <a:prstGeom prst="rect">
+                    <a:avLst/>
+                  </a:prstGeom>
+                  <a:noFill/>
+                </p:spPr>
+                <p:txBody>
+                  <a:bodyPr wrap="none" lIns="0" tIns="0" rIns="0" bIns="0" rtlCol="0">
+                    <a:spAutoFit/>
+                  </a:bodyPr>
+                  <a:lstStyle/>
+                  <a:p>
+                    <a:pPr/>
+                    <a14:m>
+                      <m:oMathPara xmlns:m="http://schemas.openxmlformats.org/officeDocument/2006/math">
+                        <m:oMathParaPr>
+                          <m:jc m:val="centerGroup"/>
+                        </m:oMathParaPr>
+                        <m:oMath xmlns:m="http://schemas.openxmlformats.org/officeDocument/2006/math">
+                          <m:r>
+                            <a:rPr lang="en-US" sz="1200" b="0" i="1" smtClean="0">
+                              <a:latin typeface="Cambria Math" panose="02040503050406030204" pitchFamily="18" charset="0"/>
+                            </a:rPr>
+                            <m:t>𝑥</m:t>
+                          </m:r>
+                        </m:oMath>
+                      </m:oMathPara>
+                    </a14:m>
+                    <a:endParaRPr lang="ru-RU" dirty="0"/>
+                  </a:p>
+                </p:txBody>
+              </p:sp>
+            </mc:Choice>
+            <mc:Fallback xmlns="">
+              <p:sp>
+                <p:nvSpPr>
+                  <p:cNvPr id="84" name="TextBox 83">
+                    <a:extLst>
+                      <a:ext uri="{FF2B5EF4-FFF2-40B4-BE49-F238E27FC236}">
+                        <a16:creationId xmlns:a16="http://schemas.microsoft.com/office/drawing/2014/main" id="{C96AB7BD-C965-4A01-B9FF-DE1EB9F44893}"/>
+                      </a:ext>
+                    </a:extLst>
+                  </p:cNvPr>
+                  <p:cNvSpPr txBox="1">
+                    <a:spLocks noRot="1" noChangeAspect="1" noMove="1" noResize="1" noEditPoints="1" noAdjustHandles="1" noChangeArrowheads="1" noChangeShapeType="1" noTextEdit="1"/>
+                  </p:cNvSpPr>
+                  <p:nvPr/>
+                </p:nvSpPr>
+                <p:spPr>
+                  <a:xfrm>
+                    <a:off x="1632138" y="852893"/>
+                    <a:ext cx="121700" cy="184666"/>
+                  </a:xfrm>
+                  <a:prstGeom prst="rect">
+                    <a:avLst/>
+                  </a:prstGeom>
+                  <a:blipFill>
+                    <a:blip r:embed="rId2"/>
+                    <a:stretch>
+                      <a:fillRect l="-54545" r="-81818" b="-81250"/>
+                    </a:stretch>
+                  </a:blipFill>
+                </p:spPr>
+                <p:txBody>
+                  <a:bodyPr/>
+                  <a:lstStyle/>
+                  <a:p>
+                    <a:r>
+                      <a:rPr lang="ru-RU">
+                        <a:noFill/>
+                      </a:rPr>
+                      <a:t> </a:t>
+                    </a:r>
+                  </a:p>
+                </p:txBody>
+              </p:sp>
+            </mc:Fallback>
+          </mc:AlternateContent>
+          <mc:AlternateContent xmlns:mc="http://schemas.openxmlformats.org/markup-compatibility/2006" xmlns:a14="http://schemas.microsoft.com/office/drawing/2010/main">
+            <mc:Choice Requires="a14">
+              <p:sp>
+                <p:nvSpPr>
+                  <p:cNvPr id="126" name="TextBox 125">
+                    <a:extLst>
+                      <a:ext uri="{FF2B5EF4-FFF2-40B4-BE49-F238E27FC236}">
+                        <a16:creationId xmlns:a16="http://schemas.microsoft.com/office/drawing/2014/main" id="{2CB354C6-4B15-4C68-B5F1-F7C486A29F5D}"/>
+                      </a:ext>
+                    </a:extLst>
+                  </p:cNvPr>
+                  <p:cNvSpPr txBox="1"/>
+                  <p:nvPr/>
+                </p:nvSpPr>
+                <p:spPr>
+                  <a:xfrm>
+                    <a:off x="2325895" y="1825383"/>
+                    <a:ext cx="124458" cy="184666"/>
+                  </a:xfrm>
+                  <a:prstGeom prst="rect">
+                    <a:avLst/>
+                  </a:prstGeom>
+                  <a:noFill/>
+                </p:spPr>
+                <p:txBody>
+                  <a:bodyPr wrap="none" lIns="0" tIns="0" rIns="0" bIns="0" rtlCol="0">
+                    <a:spAutoFit/>
+                  </a:bodyPr>
+                  <a:lstStyle/>
+                  <a:p>
+                    <a:pPr/>
+                    <a14:m>
+                      <m:oMathPara xmlns:m="http://schemas.openxmlformats.org/officeDocument/2006/math">
+                        <m:oMathParaPr>
+                          <m:jc m:val="centerGroup"/>
+                        </m:oMathParaPr>
+                        <m:oMath xmlns:m="http://schemas.openxmlformats.org/officeDocument/2006/math">
+                          <m:r>
+                            <a:rPr lang="en-US" sz="1200" b="0" i="1" smtClean="0">
+                              <a:latin typeface="Cambria Math" panose="02040503050406030204" pitchFamily="18" charset="0"/>
+                            </a:rPr>
+                            <m:t>𝑦</m:t>
+                          </m:r>
+                        </m:oMath>
+                      </m:oMathPara>
+                    </a14:m>
+                    <a:endParaRPr lang="ru-RU" dirty="0"/>
+                  </a:p>
+                </p:txBody>
+              </p:sp>
+            </mc:Choice>
+            <mc:Fallback xmlns="">
+              <p:sp>
+                <p:nvSpPr>
+                  <p:cNvPr id="85" name="TextBox 84">
+                    <a:extLst>
+                      <a:ext uri="{FF2B5EF4-FFF2-40B4-BE49-F238E27FC236}">
+                        <a16:creationId xmlns:a16="http://schemas.microsoft.com/office/drawing/2014/main" id="{2CB354C6-4B15-4C68-B5F1-F7C486A29F5D}"/>
+                      </a:ext>
+                    </a:extLst>
+                  </p:cNvPr>
+                  <p:cNvSpPr txBox="1">
+                    <a:spLocks noRot="1" noChangeAspect="1" noMove="1" noResize="1" noEditPoints="1" noAdjustHandles="1" noChangeArrowheads="1" noChangeShapeType="1" noTextEdit="1"/>
+                  </p:cNvSpPr>
+                  <p:nvPr/>
+                </p:nvSpPr>
+                <p:spPr>
+                  <a:xfrm>
+                    <a:off x="2325895" y="1825383"/>
+                    <a:ext cx="124458" cy="184666"/>
+                  </a:xfrm>
+                  <a:prstGeom prst="rect">
+                    <a:avLst/>
+                  </a:prstGeom>
+                  <a:blipFill>
+                    <a:blip r:embed="rId3"/>
+                    <a:stretch>
+                      <a:fillRect l="-81818" r="-109091" b="-131250"/>
+                    </a:stretch>
+                  </a:blipFill>
+                </p:spPr>
+                <p:txBody>
+                  <a:bodyPr/>
+                  <a:lstStyle/>
+                  <a:p>
+                    <a:r>
+                      <a:rPr lang="ru-RU">
+                        <a:noFill/>
+                      </a:rPr>
+                      <a:t> </a:t>
+                    </a:r>
+                  </a:p>
+                </p:txBody>
+              </p:sp>
+            </mc:Fallback>
+          </mc:AlternateContent>
+          <mc:AlternateContent xmlns:mc="http://schemas.openxmlformats.org/markup-compatibility/2006" xmlns:a14="http://schemas.microsoft.com/office/drawing/2010/main">
+            <mc:Choice Requires="a14">
+              <p:sp>
+                <p:nvSpPr>
+                  <p:cNvPr id="127" name="TextBox 126">
+                    <a:extLst>
+                      <a:ext uri="{FF2B5EF4-FFF2-40B4-BE49-F238E27FC236}">
+                        <a16:creationId xmlns:a16="http://schemas.microsoft.com/office/drawing/2014/main" id="{259E9A8A-4EC5-43DB-B027-A2D88FFFA435}"/>
+                      </a:ext>
+                    </a:extLst>
+                  </p:cNvPr>
+                  <p:cNvSpPr txBox="1"/>
+                  <p:nvPr/>
+                </p:nvSpPr>
+                <p:spPr>
+                  <a:xfrm>
+                    <a:off x="852632" y="2970702"/>
+                    <a:ext cx="111634" cy="184666"/>
+                  </a:xfrm>
+                  <a:prstGeom prst="rect">
+                    <a:avLst/>
+                  </a:prstGeom>
+                  <a:noFill/>
+                </p:spPr>
+                <p:txBody>
+                  <a:bodyPr wrap="none" lIns="0" tIns="0" rIns="0" bIns="0" rtlCol="0">
+                    <a:spAutoFit/>
+                  </a:bodyPr>
+                  <a:lstStyle/>
+                  <a:p>
+                    <a:pPr/>
+                    <a14:m>
+                      <m:oMathPara xmlns:m="http://schemas.openxmlformats.org/officeDocument/2006/math">
+                        <m:oMathParaPr>
+                          <m:jc m:val="centerGroup"/>
+                        </m:oMathParaPr>
+                        <m:oMath xmlns:m="http://schemas.openxmlformats.org/officeDocument/2006/math">
+                          <m:r>
+                            <a:rPr lang="en-US" sz="1200" b="0" i="1" smtClean="0">
+                              <a:latin typeface="Cambria Math" panose="02040503050406030204" pitchFamily="18" charset="0"/>
+                            </a:rPr>
+                            <m:t>𝑧</m:t>
+                          </m:r>
+                        </m:oMath>
+                      </m:oMathPara>
+                    </a14:m>
+                    <a:endParaRPr lang="ru-RU" dirty="0"/>
+                  </a:p>
+                </p:txBody>
+              </p:sp>
+            </mc:Choice>
+            <mc:Fallback xmlns="">
+              <p:sp>
+                <p:nvSpPr>
+                  <p:cNvPr id="86" name="TextBox 85">
+                    <a:extLst>
+                      <a:ext uri="{FF2B5EF4-FFF2-40B4-BE49-F238E27FC236}">
+                        <a16:creationId xmlns:a16="http://schemas.microsoft.com/office/drawing/2014/main" id="{259E9A8A-4EC5-43DB-B027-A2D88FFFA435}"/>
+                      </a:ext>
+                    </a:extLst>
+                  </p:cNvPr>
+                  <p:cNvSpPr txBox="1">
+                    <a:spLocks noRot="1" noChangeAspect="1" noMove="1" noResize="1" noEditPoints="1" noAdjustHandles="1" noChangeArrowheads="1" noChangeShapeType="1" noTextEdit="1"/>
+                  </p:cNvSpPr>
+                  <p:nvPr/>
+                </p:nvSpPr>
+                <p:spPr>
+                  <a:xfrm>
+                    <a:off x="852632" y="2970702"/>
+                    <a:ext cx="111634" cy="184666"/>
+                  </a:xfrm>
+                  <a:prstGeom prst="rect">
+                    <a:avLst/>
+                  </a:prstGeom>
+                  <a:blipFill>
+                    <a:blip r:embed="rId4"/>
+                    <a:stretch>
+                      <a:fillRect l="-60000" r="-90000" b="-87500"/>
+                    </a:stretch>
+                  </a:blipFill>
+                </p:spPr>
+                <p:txBody>
+                  <a:bodyPr/>
+                  <a:lstStyle/>
+                  <a:p>
+                    <a:r>
+                      <a:rPr lang="ru-RU">
+                        <a:noFill/>
+                      </a:rPr>
+                      <a:t> </a:t>
+                    </a:r>
+                  </a:p>
+                </p:txBody>
+              </p:sp>
+            </mc:Fallback>
+          </mc:AlternateContent>
+        </p:grpSp>
+      </p:grpSp>
+    </p:spTree>
+    <p:extLst>
+      <p:ext uri="{BB962C8B-B14F-4D97-AF65-F5344CB8AC3E}">
+        <p14:creationId xmlns:p14="http://schemas.microsoft.com/office/powerpoint/2010/main" val="495308616"/>
+      </p:ext>
+    </p:extLst>
+  </p:cSld>
+  <p:clrMapOvr>
+    <a:masterClrMapping/>
+  </p:clrMapOvr>
+</p:sld>
+</file>
+
+<file path=ppt/slides/slide9.xml><?xml version="1.0" encoding="utf-8"?>
+<p:sld xmlns:a="http://schemas.openxmlformats.org/drawingml/2006/main" xmlns:r="http://schemas.openxmlformats.org/officeDocument/2006/relationships" xmlns:p="http://schemas.openxmlformats.org/presentationml/2006/main">
+  <p:cSld>
+    <p:spTree>
+      <p:nvGrpSpPr>
+        <p:cNvPr id="1" name=""/>
+        <p:cNvGrpSpPr/>
+        <p:nvPr/>
+      </p:nvGrpSpPr>
+      <p:grpSpPr>
+        <a:xfrm>
+          <a:off x="0" y="0"/>
+          <a:ext cx="0" cy="0"/>
+          <a:chOff x="0" y="0"/>
+          <a:chExt cx="0" cy="0"/>
+        </a:xfrm>
+      </p:grpSpPr>
+      <p:sp>
+        <p:nvSpPr>
+          <p:cNvPr id="90" name="Прямоугольник 89">
+            <a:extLst>
+              <a:ext uri="{FF2B5EF4-FFF2-40B4-BE49-F238E27FC236}">
+                <a16:creationId xmlns:a16="http://schemas.microsoft.com/office/drawing/2014/main" id="{0FECCE43-80CA-42BA-83FE-CADEC4B20B59}"/>
+              </a:ext>
+            </a:extLst>
+          </p:cNvPr>
+          <p:cNvSpPr/>
+          <p:nvPr/>
+        </p:nvSpPr>
+        <p:spPr>
+          <a:xfrm>
+            <a:off x="2472515" y="2346311"/>
+            <a:ext cx="2245463" cy="846783"/>
+          </a:xfrm>
+          <a:prstGeom prst="rect">
+            <a:avLst/>
+          </a:prstGeom>
+          <a:noFill/>
+          <a:ln>
+            <a:solidFill>
+              <a:schemeClr val="bg2"/>
+            </a:solidFill>
+            <a:prstDash val="dash"/>
+          </a:ln>
+        </p:spPr>
+        <p:style>
+          <a:lnRef idx="2">
+            <a:schemeClr val="accent1">
+              <a:shade val="50000"/>
+            </a:schemeClr>
+          </a:lnRef>
+          <a:fillRef idx="1">
+            <a:schemeClr val="accent1"/>
+          </a:fillRef>
+          <a:effectRef idx="0">
+            <a:schemeClr val="accent1"/>
+          </a:effectRef>
+          <a:fontRef idx="minor">
+            <a:schemeClr val="lt1"/>
+          </a:fontRef>
+        </p:style>
+        <p:txBody>
+          <a:bodyPr rtlCol="0" anchor="ctr"/>
+          <a:lstStyle/>
+          <a:p>
+            <a:pPr algn="ctr"/>
+            <a:endParaRPr lang="ru-RU"/>
+          </a:p>
+        </p:txBody>
+      </p:sp>
+      <p:grpSp>
+        <p:nvGrpSpPr>
+          <p:cNvPr id="9" name="Группа 8">
+            <a:extLst>
+              <a:ext uri="{FF2B5EF4-FFF2-40B4-BE49-F238E27FC236}">
+                <a16:creationId xmlns:a16="http://schemas.microsoft.com/office/drawing/2014/main" id="{880AA7AC-8423-4006-80B0-6D95C0914AAA}"/>
+              </a:ext>
+            </a:extLst>
+          </p:cNvPr>
+          <p:cNvGrpSpPr>
+            <a:grpSpLocks noChangeAspect="1"/>
+          </p:cNvGrpSpPr>
+          <p:nvPr/>
+        </p:nvGrpSpPr>
+        <p:grpSpPr>
+          <a:xfrm>
+            <a:off x="5982071" y="3535742"/>
+            <a:ext cx="1713539" cy="2760969"/>
+            <a:chOff x="8477035" y="805644"/>
+            <a:chExt cx="3040576" cy="4883508"/>
+          </a:xfrm>
+        </p:grpSpPr>
+        <p:sp>
+          <p:nvSpPr>
+            <p:cNvPr id="60" name="Прямоугольник 59">
+              <a:extLst>
+                <a:ext uri="{FF2B5EF4-FFF2-40B4-BE49-F238E27FC236}">
+                  <a16:creationId xmlns:a16="http://schemas.microsoft.com/office/drawing/2014/main" id="{94A07685-D238-47EF-BFC8-AF3E0AC7C0DA}"/>
+                </a:ext>
+              </a:extLst>
+            </p:cNvPr>
+            <p:cNvSpPr/>
+            <p:nvPr/>
+          </p:nvSpPr>
+          <p:spPr>
+            <a:xfrm rot="5400000">
+              <a:off x="9267940" y="205010"/>
+              <a:ext cx="1649037" cy="2850305"/>
+            </a:xfrm>
+            <a:prstGeom prst="rect">
+              <a:avLst/>
+            </a:prstGeom>
+            <a:solidFill>
+              <a:schemeClr val="bg1">
+                <a:lumMod val="85000"/>
+              </a:schemeClr>
+            </a:solidFill>
+            <a:ln>
+              <a:noFill/>
+            </a:ln>
+          </p:spPr>
+          <p:style>
+            <a:lnRef idx="2">
+              <a:schemeClr val="accent1">
+                <a:shade val="50000"/>
+              </a:schemeClr>
+            </a:lnRef>
+            <a:fillRef idx="1">
+              <a:schemeClr val="accent1"/>
+            </a:fillRef>
+            <a:effectRef idx="0">
+              <a:schemeClr val="accent1"/>
+            </a:effectRef>
+            <a:fontRef idx="minor">
+              <a:schemeClr val="lt1"/>
+            </a:fontRef>
+          </p:style>
+          <p:txBody>
+            <a:bodyPr rtlCol="0" anchor="ctr"/>
+            <a:lstStyle/>
+            <a:p>
+              <a:pPr algn="ctr"/>
+              <a:endParaRPr lang="ru-RU"/>
+            </a:p>
+          </p:txBody>
+        </p:sp>
+        <p:sp>
+          <p:nvSpPr>
+            <p:cNvPr id="62" name="Прямоугольник 61">
+              <a:extLst>
+                <a:ext uri="{FF2B5EF4-FFF2-40B4-BE49-F238E27FC236}">
+                  <a16:creationId xmlns:a16="http://schemas.microsoft.com/office/drawing/2014/main" id="{5A42EFB8-BFDB-424E-B899-D84FD77D776D}"/>
+                </a:ext>
+              </a:extLst>
+            </p:cNvPr>
+            <p:cNvSpPr/>
+            <p:nvPr/>
+          </p:nvSpPr>
+          <p:spPr>
+            <a:xfrm rot="5400000">
+              <a:off x="9933497" y="1721835"/>
+              <a:ext cx="315662" cy="2850305"/>
+            </a:xfrm>
+            <a:prstGeom prst="rect">
+              <a:avLst/>
+            </a:prstGeom>
+            <a:solidFill>
+              <a:schemeClr val="bg1">
+                <a:lumMod val="85000"/>
+              </a:schemeClr>
+            </a:solidFill>
+            <a:ln>
+              <a:noFill/>
+            </a:ln>
+          </p:spPr>
+          <p:style>
+            <a:lnRef idx="2">
+              <a:schemeClr val="accent1">
+                <a:shade val="50000"/>
+              </a:schemeClr>
+            </a:lnRef>
+            <a:fillRef idx="1">
+              <a:schemeClr val="accent1"/>
+            </a:fillRef>
+            <a:effectRef idx="0">
+              <a:schemeClr val="accent1"/>
+            </a:effectRef>
+            <a:fontRef idx="minor">
+              <a:schemeClr val="lt1"/>
+            </a:fontRef>
+          </p:style>
+          <p:txBody>
+            <a:bodyPr rtlCol="0" anchor="ctr"/>
+            <a:lstStyle/>
+            <a:p>
+              <a:pPr algn="ctr"/>
+              <a:endParaRPr lang="ru-RU"/>
+            </a:p>
+          </p:txBody>
+        </p:sp>
+        <p:sp>
+          <p:nvSpPr>
+            <p:cNvPr id="64" name="Прямоугольник 63">
+              <a:extLst>
+                <a:ext uri="{FF2B5EF4-FFF2-40B4-BE49-F238E27FC236}">
+                  <a16:creationId xmlns:a16="http://schemas.microsoft.com/office/drawing/2014/main" id="{5EB47CDC-5B05-449C-96B3-B4129E737F3A}"/>
+                </a:ext>
+              </a:extLst>
+            </p:cNvPr>
+            <p:cNvSpPr/>
+            <p:nvPr/>
+          </p:nvSpPr>
+          <p:spPr>
+            <a:xfrm rot="5400000">
+              <a:off x="9319254" y="3483361"/>
+              <a:ext cx="1546409" cy="2850305"/>
+            </a:xfrm>
+            <a:prstGeom prst="rect">
+              <a:avLst/>
+            </a:prstGeom>
+            <a:solidFill>
+              <a:schemeClr val="bg1">
+                <a:lumMod val="85000"/>
+              </a:schemeClr>
+            </a:solidFill>
+            <a:ln>
+              <a:noFill/>
+            </a:ln>
+          </p:spPr>
+          <p:style>
+            <a:lnRef idx="2">
+              <a:schemeClr val="accent1">
+                <a:shade val="50000"/>
+              </a:schemeClr>
+            </a:lnRef>
+            <a:fillRef idx="1">
+              <a:schemeClr val="accent1"/>
+            </a:fillRef>
+            <a:effectRef idx="0">
+              <a:schemeClr val="accent1"/>
+            </a:effectRef>
+            <a:fontRef idx="minor">
+              <a:schemeClr val="lt1"/>
+            </a:fontRef>
+          </p:style>
+          <p:txBody>
+            <a:bodyPr rtlCol="0" anchor="ctr"/>
+            <a:lstStyle/>
+            <a:p>
+              <a:pPr algn="ctr"/>
+              <a:endParaRPr lang="ru-RU"/>
+            </a:p>
+          </p:txBody>
+        </p:sp>
+        <p:sp>
+          <p:nvSpPr>
+            <p:cNvPr id="65" name="Прямоугольник 64">
+              <a:extLst>
+                <a:ext uri="{FF2B5EF4-FFF2-40B4-BE49-F238E27FC236}">
+                  <a16:creationId xmlns:a16="http://schemas.microsoft.com/office/drawing/2014/main" id="{6022814C-25B8-4F9F-B0F2-9EF82E3570F9}"/>
+                </a:ext>
+              </a:extLst>
+            </p:cNvPr>
+            <p:cNvSpPr/>
+            <p:nvPr/>
+          </p:nvSpPr>
+          <p:spPr>
+            <a:xfrm rot="5400000">
+              <a:off x="9825221" y="1296766"/>
+              <a:ext cx="534474" cy="2850305"/>
+            </a:xfrm>
+            <a:prstGeom prst="rect">
+              <a:avLst/>
+            </a:prstGeom>
+            <a:solidFill>
+              <a:schemeClr val="accent4">
+                <a:lumMod val="20000"/>
+                <a:lumOff val="80000"/>
+              </a:schemeClr>
+            </a:solidFill>
+            <a:ln>
+              <a:noFill/>
+            </a:ln>
+          </p:spPr>
+          <p:style>
+            <a:lnRef idx="2">
+              <a:schemeClr val="accent1">
+                <a:shade val="50000"/>
+              </a:schemeClr>
+            </a:lnRef>
+            <a:fillRef idx="1">
+              <a:schemeClr val="accent1"/>
+            </a:fillRef>
+            <a:effectRef idx="0">
+              <a:schemeClr val="accent1"/>
+            </a:effectRef>
+            <a:fontRef idx="minor">
+              <a:schemeClr val="lt1"/>
+            </a:fontRef>
+          </p:style>
+          <p:txBody>
+            <a:bodyPr rtlCol="0" anchor="ctr"/>
+            <a:lstStyle/>
+            <a:p>
+              <a:pPr algn="ctr"/>
+              <a:endParaRPr lang="ru-RU"/>
+            </a:p>
+          </p:txBody>
+        </p:sp>
+        <p:sp>
+          <p:nvSpPr>
+            <p:cNvPr id="66" name="Прямоугольник 65">
+              <a:extLst>
+                <a:ext uri="{FF2B5EF4-FFF2-40B4-BE49-F238E27FC236}">
+                  <a16:creationId xmlns:a16="http://schemas.microsoft.com/office/drawing/2014/main" id="{75013FA4-5708-4F56-8A8F-EB84220949AE}"/>
+                </a:ext>
+              </a:extLst>
+            </p:cNvPr>
+            <p:cNvSpPr/>
+            <p:nvPr/>
+          </p:nvSpPr>
+          <p:spPr>
+            <a:xfrm rot="5400000">
+              <a:off x="9677214" y="2294910"/>
+              <a:ext cx="830489" cy="2850305"/>
+            </a:xfrm>
+            <a:prstGeom prst="rect">
+              <a:avLst/>
+            </a:prstGeom>
+            <a:solidFill>
+              <a:schemeClr val="accent4">
+                <a:lumMod val="20000"/>
+                <a:lumOff val="80000"/>
+              </a:schemeClr>
+            </a:solidFill>
+            <a:ln>
+              <a:noFill/>
+            </a:ln>
+          </p:spPr>
+          <p:style>
+            <a:lnRef idx="2">
+              <a:schemeClr val="accent1">
+                <a:shade val="50000"/>
+              </a:schemeClr>
+            </a:lnRef>
+            <a:fillRef idx="1">
+              <a:schemeClr val="accent1"/>
+            </a:fillRef>
+            <a:effectRef idx="0">
+              <a:schemeClr val="accent1"/>
+            </a:effectRef>
+            <a:fontRef idx="minor">
+              <a:schemeClr val="lt1"/>
+            </a:fontRef>
+          </p:style>
+          <p:txBody>
+            <a:bodyPr rtlCol="0" anchor="ctr"/>
+            <a:lstStyle/>
+            <a:p>
+              <a:pPr algn="ctr"/>
+              <a:endParaRPr lang="ru-RU"/>
+            </a:p>
+          </p:txBody>
+        </p:sp>
+        <p:sp>
+          <p:nvSpPr>
+            <p:cNvPr id="67" name="Прямоугольник 66">
+              <a:extLst>
+                <a:ext uri="{FF2B5EF4-FFF2-40B4-BE49-F238E27FC236}">
+                  <a16:creationId xmlns:a16="http://schemas.microsoft.com/office/drawing/2014/main" id="{CA1F329D-E6EE-46CD-A4F4-3B33D4A9CC91}"/>
+                </a:ext>
+              </a:extLst>
+            </p:cNvPr>
+            <p:cNvSpPr/>
+            <p:nvPr/>
+          </p:nvSpPr>
+          <p:spPr>
+            <a:xfrm rot="5400000">
+              <a:off x="7650705" y="1822246"/>
+              <a:ext cx="4883507" cy="2850305"/>
+            </a:xfrm>
+            <a:prstGeom prst="rect">
+              <a:avLst/>
+            </a:prstGeom>
+            <a:noFill/>
+            <a:ln w="19050">
+              <a:solidFill>
+                <a:schemeClr val="tx1"/>
+              </a:solidFill>
+            </a:ln>
+          </p:spPr>
+          <p:style>
+            <a:lnRef idx="2">
+              <a:schemeClr val="accent1">
+                <a:shade val="50000"/>
+              </a:schemeClr>
+            </a:lnRef>
+            <a:fillRef idx="1">
+              <a:schemeClr val="accent1"/>
+            </a:fillRef>
+            <a:effectRef idx="0">
+              <a:schemeClr val="accent1"/>
+            </a:effectRef>
+            <a:fontRef idx="minor">
+              <a:schemeClr val="lt1"/>
+            </a:fontRef>
+          </p:style>
+          <p:txBody>
+            <a:bodyPr rtlCol="0" anchor="ctr"/>
+            <a:lstStyle/>
+            <a:p>
+              <a:pPr algn="ctr"/>
+              <a:endParaRPr lang="ru-RU"/>
+            </a:p>
+          </p:txBody>
+        </p:sp>
+        <p:sp>
+          <p:nvSpPr>
+            <p:cNvPr id="72" name="Прямоугольник 71">
+              <a:extLst>
+                <a:ext uri="{FF2B5EF4-FFF2-40B4-BE49-F238E27FC236}">
+                  <a16:creationId xmlns:a16="http://schemas.microsoft.com/office/drawing/2014/main" id="{FF3A47EB-9EC0-43DB-B226-4CAC7709C798}"/>
+                </a:ext>
+              </a:extLst>
+            </p:cNvPr>
+            <p:cNvSpPr/>
+            <p:nvPr/>
+          </p:nvSpPr>
+          <p:spPr>
+            <a:xfrm>
+              <a:off x="8477035" y="3304815"/>
+              <a:ext cx="169889" cy="830489"/>
+            </a:xfrm>
+            <a:prstGeom prst="rect">
+              <a:avLst/>
+            </a:prstGeom>
+            <a:solidFill>
+              <a:schemeClr val="bg1"/>
+            </a:solidFill>
+            <a:ln>
+              <a:noFill/>
+            </a:ln>
+          </p:spPr>
+          <p:style>
+            <a:lnRef idx="2">
+              <a:schemeClr val="accent1">
+                <a:shade val="50000"/>
+              </a:schemeClr>
+            </a:lnRef>
+            <a:fillRef idx="1">
+              <a:schemeClr val="accent1"/>
+            </a:fillRef>
+            <a:effectRef idx="0">
+              <a:schemeClr val="accent1"/>
+            </a:effectRef>
+            <a:fontRef idx="minor">
+              <a:schemeClr val="lt1"/>
+            </a:fontRef>
+          </p:style>
+          <p:txBody>
+            <a:bodyPr rtlCol="0" anchor="ctr"/>
+            <a:lstStyle/>
+            <a:p>
+              <a:pPr algn="ctr"/>
+              <a:endParaRPr lang="ru-RU"/>
+            </a:p>
+          </p:txBody>
+        </p:sp>
+      </p:grpSp>
+      <p:grpSp>
+        <p:nvGrpSpPr>
+          <p:cNvPr id="48" name="Группа 47">
+            <a:extLst>
+              <a:ext uri="{FF2B5EF4-FFF2-40B4-BE49-F238E27FC236}">
+                <a16:creationId xmlns:a16="http://schemas.microsoft.com/office/drawing/2014/main" id="{1236D5AF-D879-4706-85B1-84BD4DBE7DD5}"/>
+              </a:ext>
+            </a:extLst>
+          </p:cNvPr>
+          <p:cNvGrpSpPr>
+            <a:grpSpLocks noChangeAspect="1"/>
+          </p:cNvGrpSpPr>
+          <p:nvPr/>
+        </p:nvGrpSpPr>
+        <p:grpSpPr>
+          <a:xfrm>
+            <a:off x="5306225" y="1583498"/>
+            <a:ext cx="3229920" cy="1533140"/>
+            <a:chOff x="5308075" y="3843185"/>
+            <a:chExt cx="6262166" cy="2972449"/>
+          </a:xfrm>
+        </p:grpSpPr>
+        <p:grpSp>
+          <p:nvGrpSpPr>
+            <p:cNvPr id="49" name="Группа 48">
+              <a:extLst>
+                <a:ext uri="{FF2B5EF4-FFF2-40B4-BE49-F238E27FC236}">
+                  <a16:creationId xmlns:a16="http://schemas.microsoft.com/office/drawing/2014/main" id="{9BF64FE5-B937-49B7-B61E-30CF000B0D6A}"/>
+                </a:ext>
+              </a:extLst>
+            </p:cNvPr>
+            <p:cNvGrpSpPr/>
+            <p:nvPr/>
+          </p:nvGrpSpPr>
+          <p:grpSpPr>
+            <a:xfrm>
+              <a:off x="5308075" y="3843185"/>
+              <a:ext cx="6262166" cy="2972449"/>
+              <a:chOff x="5308075" y="3843185"/>
+              <a:chExt cx="6262166" cy="2972449"/>
+            </a:xfrm>
+          </p:grpSpPr>
+          <p:grpSp>
+            <p:nvGrpSpPr>
+              <p:cNvPr id="51" name="Группа 50">
+                <a:extLst>
+                  <a:ext uri="{FF2B5EF4-FFF2-40B4-BE49-F238E27FC236}">
+                    <a16:creationId xmlns:a16="http://schemas.microsoft.com/office/drawing/2014/main" id="{1988BDAC-3399-4C68-8669-C7383485D612}"/>
+                  </a:ext>
+                </a:extLst>
+              </p:cNvPr>
+              <p:cNvGrpSpPr/>
+              <p:nvPr/>
+            </p:nvGrpSpPr>
+            <p:grpSpPr>
+              <a:xfrm>
+                <a:off x="5764027" y="4425230"/>
+                <a:ext cx="5471225" cy="1958524"/>
+                <a:chOff x="7565327" y="2929211"/>
+                <a:chExt cx="4432585" cy="2845712"/>
+              </a:xfrm>
+              <a:solidFill>
+                <a:srgbClr val="F0F7EC"/>
+              </a:solidFill>
+            </p:grpSpPr>
+            <p:sp>
+              <p:nvSpPr>
+                <p:cNvPr id="85" name="Прямоугольник 84">
+                  <a:extLst>
+                    <a:ext uri="{FF2B5EF4-FFF2-40B4-BE49-F238E27FC236}">
+                      <a16:creationId xmlns:a16="http://schemas.microsoft.com/office/drawing/2014/main" id="{4C19A371-A660-4DD0-9883-AADE5CABD676}"/>
+                    </a:ext>
+                  </a:extLst>
+                </p:cNvPr>
+                <p:cNvSpPr>
+                  <a:spLocks noChangeAspect="1"/>
+                </p:cNvSpPr>
+                <p:nvPr/>
+              </p:nvSpPr>
+              <p:spPr>
+                <a:xfrm>
+                  <a:off x="7565327" y="2929211"/>
+                  <a:ext cx="4432585" cy="2845712"/>
+                </a:xfrm>
+                <a:prstGeom prst="rect">
+                  <a:avLst/>
+                </a:prstGeom>
+                <a:grpFill/>
+                <a:ln w="19050">
+                  <a:solidFill>
+                    <a:schemeClr val="tx1"/>
+                  </a:solidFill>
+                </a:ln>
+              </p:spPr>
+              <p:style>
+                <a:lnRef idx="2">
+                  <a:schemeClr val="accent1">
+                    <a:shade val="50000"/>
+                  </a:schemeClr>
+                </a:lnRef>
+                <a:fillRef idx="1">
+                  <a:schemeClr val="accent1"/>
+                </a:fillRef>
+                <a:effectRef idx="0">
+                  <a:schemeClr val="accent1"/>
+                </a:effectRef>
+                <a:fontRef idx="minor">
+                  <a:schemeClr val="lt1"/>
+                </a:fontRef>
+              </p:style>
+              <p:txBody>
+                <a:bodyPr rtlCol="0" anchor="ctr"/>
+                <a:lstStyle/>
+                <a:p>
+                  <a:pPr algn="ctr"/>
+                  <a:endParaRPr lang="ru-RU"/>
+                </a:p>
+              </p:txBody>
+            </p:sp>
+            <p:cxnSp>
+              <p:nvCxnSpPr>
+                <p:cNvPr id="86" name="Прямая соединительная линия 85">
+                  <a:extLst>
+                    <a:ext uri="{FF2B5EF4-FFF2-40B4-BE49-F238E27FC236}">
+                      <a16:creationId xmlns:a16="http://schemas.microsoft.com/office/drawing/2014/main" id="{4300A258-FC89-4867-925C-E8F46A9F3146}"/>
+                    </a:ext>
+                  </a:extLst>
+                </p:cNvPr>
+                <p:cNvCxnSpPr>
+                  <a:cxnSpLocks noChangeAspect="1"/>
+                </p:cNvCxnSpPr>
+                <p:nvPr/>
+              </p:nvCxnSpPr>
+              <p:spPr>
+                <a:xfrm>
+                  <a:off x="7565327" y="5766722"/>
+                  <a:ext cx="2267548" cy="0"/>
+                </a:xfrm>
+                <a:prstGeom prst="line">
+                  <a:avLst/>
+                </a:prstGeom>
+                <a:grpFill/>
+                <a:ln w="38100">
+                  <a:solidFill>
+                    <a:srgbClr val="00B050"/>
+                  </a:solidFill>
+                </a:ln>
+              </p:spPr>
+              <p:style>
+                <a:lnRef idx="1">
+                  <a:schemeClr val="accent1"/>
+                </a:lnRef>
+                <a:fillRef idx="0">
+                  <a:schemeClr val="accent1"/>
+                </a:fillRef>
+                <a:effectRef idx="0">
+                  <a:schemeClr val="accent1"/>
+                </a:effectRef>
+                <a:fontRef idx="minor">
+                  <a:schemeClr val="tx1"/>
+                </a:fontRef>
+              </p:style>
+            </p:cxnSp>
+          </p:grpSp>
+          <p:grpSp>
+            <p:nvGrpSpPr>
+              <p:cNvPr id="52" name="Группа 51">
+                <a:extLst>
+                  <a:ext uri="{FF2B5EF4-FFF2-40B4-BE49-F238E27FC236}">
+                    <a16:creationId xmlns:a16="http://schemas.microsoft.com/office/drawing/2014/main" id="{52F8DE1C-2F27-4EB1-9F04-F3416541745A}"/>
+                  </a:ext>
+                </a:extLst>
+              </p:cNvPr>
+              <p:cNvGrpSpPr>
+                <a:grpSpLocks noChangeAspect="1"/>
+              </p:cNvGrpSpPr>
+              <p:nvPr/>
+            </p:nvGrpSpPr>
+            <p:grpSpPr>
+              <a:xfrm>
+                <a:off x="5430559" y="5768023"/>
+                <a:ext cx="1016181" cy="959463"/>
+                <a:chOff x="6975071" y="5774923"/>
+                <a:chExt cx="737216" cy="696068"/>
+              </a:xfrm>
+            </p:grpSpPr>
+            <p:cxnSp>
+              <p:nvCxnSpPr>
+                <p:cNvPr id="75" name="Прямая со стрелкой 74">
+                  <a:extLst>
+                    <a:ext uri="{FF2B5EF4-FFF2-40B4-BE49-F238E27FC236}">
+                      <a16:creationId xmlns:a16="http://schemas.microsoft.com/office/drawing/2014/main" id="{065E2F60-C562-4D43-A7A9-76C640B1AA6F}"/>
+                    </a:ext>
+                  </a:extLst>
+                </p:cNvPr>
+                <p:cNvCxnSpPr>
+                  <a:cxnSpLocks noChangeAspect="1"/>
+                </p:cNvCxnSpPr>
+                <p:nvPr/>
+              </p:nvCxnSpPr>
+              <p:spPr>
+                <a:xfrm flipV="1">
+                  <a:off x="7220890" y="5774923"/>
+                  <a:ext cx="0" cy="442848"/>
+                </a:xfrm>
+                <a:prstGeom prst="straightConnector1">
+                  <a:avLst/>
+                </a:prstGeom>
+                <a:ln w="28575">
+                  <a:solidFill>
+                    <a:srgbClr val="FF0000"/>
+                  </a:solidFill>
+                  <a:tailEnd type="triangle"/>
+                </a:ln>
+              </p:spPr>
+              <p:style>
+                <a:lnRef idx="1">
+                  <a:schemeClr val="accent1"/>
+                </a:lnRef>
+                <a:fillRef idx="0">
+                  <a:schemeClr val="accent1"/>
+                </a:fillRef>
+                <a:effectRef idx="0">
+                  <a:schemeClr val="accent1"/>
+                </a:effectRef>
+                <a:fontRef idx="minor">
+                  <a:schemeClr val="tx1"/>
+                </a:fontRef>
+              </p:style>
+            </p:cxnSp>
+            <mc:AlternateContent xmlns:mc="http://schemas.openxmlformats.org/markup-compatibility/2006">
+              <mc:Choice xmlns:a14="http://schemas.microsoft.com/office/drawing/2010/main" Requires="a14">
+                <p:sp>
+                  <p:nvSpPr>
+                    <p:cNvPr id="77" name="TextBox 76">
+                      <a:extLst>
+                        <a:ext uri="{FF2B5EF4-FFF2-40B4-BE49-F238E27FC236}">
+                          <a16:creationId xmlns:a16="http://schemas.microsoft.com/office/drawing/2014/main" id="{10CF4A28-8485-4545-BEC5-C03DDE6824A7}"/>
+                        </a:ext>
+                      </a:extLst>
+                    </p:cNvPr>
+                    <p:cNvSpPr txBox="1">
+                      <a:spLocks noChangeAspect="1"/>
+                    </p:cNvSpPr>
+                    <p:nvPr/>
+                  </p:nvSpPr>
+                  <p:spPr>
+                    <a:xfrm>
+                      <a:off x="7590588" y="6286324"/>
+                      <a:ext cx="121699" cy="184667"/>
+                    </a:xfrm>
+                    <a:prstGeom prst="rect">
+                      <a:avLst/>
+                    </a:prstGeom>
+                    <a:noFill/>
+                    <a:ln w="28575">
+                      <a:noFill/>
+                    </a:ln>
+                  </p:spPr>
+                  <p:txBody>
+                    <a:bodyPr wrap="square" lIns="0" tIns="0" rIns="0" bIns="0" rtlCol="0">
+                      <a:spAutoFit/>
+                    </a:bodyPr>
+                    <a:lstStyle/>
+                    <a:p>
+                      <a:pPr/>
+                      <a14:m>
+                        <m:oMathPara xmlns:m="http://schemas.openxmlformats.org/officeDocument/2006/math">
+                          <m:oMathParaPr>
+                            <m:jc m:val="centerGroup"/>
+                          </m:oMathParaPr>
+                          <m:oMath xmlns:m="http://schemas.openxmlformats.org/officeDocument/2006/math">
+                            <m:r>
+                              <a:rPr lang="en-US" sz="1200" b="0" i="1" smtClean="0">
+                                <a:latin typeface="Cambria Math" panose="02040503050406030204" pitchFamily="18" charset="0"/>
+                              </a:rPr>
+                              <m:t>𝑥</m:t>
+                            </m:r>
+                          </m:oMath>
+                        </m:oMathPara>
+                      </a14:m>
+                      <a:endParaRPr lang="ru-RU" dirty="0"/>
+                    </a:p>
+                  </p:txBody>
+                </p:sp>
+              </mc:Choice>
+              <mc:Fallback>
+                <p:sp>
+                  <p:nvSpPr>
+                    <p:cNvPr id="77" name="TextBox 76">
+                      <a:extLst>
+                        <a:ext uri="{FF2B5EF4-FFF2-40B4-BE49-F238E27FC236}">
+                          <a16:creationId xmlns:a16="http://schemas.microsoft.com/office/drawing/2014/main" id="{10CF4A28-8485-4545-BEC5-C03DDE6824A7}"/>
+                        </a:ext>
+                      </a:extLst>
+                    </p:cNvPr>
+                    <p:cNvSpPr txBox="1">
+                      <a:spLocks noRot="1" noChangeAspect="1" noMove="1" noResize="1" noEditPoints="1" noAdjustHandles="1" noChangeArrowheads="1" noChangeShapeType="1" noTextEdit="1"/>
+                    </p:cNvSpPr>
+                    <p:nvPr/>
+                  </p:nvSpPr>
+                  <p:spPr>
+                    <a:xfrm>
+                      <a:off x="7590588" y="6286324"/>
+                      <a:ext cx="121699" cy="184667"/>
+                    </a:xfrm>
+                    <a:prstGeom prst="rect">
+                      <a:avLst/>
+                    </a:prstGeom>
+                    <a:blipFill>
+                      <a:blip r:embed="rId2"/>
+                      <a:stretch>
+                        <a:fillRect l="-50000" r="-35714" b="-36364"/>
+                      </a:stretch>
+                    </a:blipFill>
+                    <a:ln w="28575">
+                      <a:noFill/>
+                    </a:ln>
+                  </p:spPr>
+                  <p:txBody>
+                    <a:bodyPr/>
+                    <a:lstStyle/>
+                    <a:p>
+                      <a:r>
+                        <a:rPr lang="ru-RU">
+                          <a:noFill/>
+                        </a:rPr>
+                        <a:t> </a:t>
+                      </a:r>
+                    </a:p>
+                  </p:txBody>
+                </p:sp>
+              </mc:Fallback>
+            </mc:AlternateContent>
+            <mc:AlternateContent xmlns:mc="http://schemas.openxmlformats.org/markup-compatibility/2006">
+              <mc:Choice xmlns:a14="http://schemas.microsoft.com/office/drawing/2010/main" Requires="a14">
+                <p:sp>
+                  <p:nvSpPr>
+                    <p:cNvPr id="83" name="TextBox 82">
+                      <a:extLst>
+                        <a:ext uri="{FF2B5EF4-FFF2-40B4-BE49-F238E27FC236}">
+                          <a16:creationId xmlns:a16="http://schemas.microsoft.com/office/drawing/2014/main" id="{42FDA891-A75D-4858-92D0-D7FD3F4B529C}"/>
+                        </a:ext>
+                      </a:extLst>
+                    </p:cNvPr>
+                    <p:cNvSpPr txBox="1">
+                      <a:spLocks noChangeAspect="1"/>
+                    </p:cNvSpPr>
+                    <p:nvPr/>
+                  </p:nvSpPr>
+                  <p:spPr>
+                    <a:xfrm>
+                      <a:off x="6975071" y="5800206"/>
+                      <a:ext cx="124458" cy="184666"/>
+                    </a:xfrm>
+                    <a:prstGeom prst="rect">
+                      <a:avLst/>
+                    </a:prstGeom>
+                    <a:noFill/>
+                    <a:ln w="28575">
+                      <a:noFill/>
+                    </a:ln>
+                  </p:spPr>
+                  <p:txBody>
+                    <a:bodyPr wrap="square" lIns="0" tIns="0" rIns="0" bIns="0" rtlCol="0">
+                      <a:spAutoFit/>
+                    </a:bodyPr>
+                    <a:lstStyle/>
+                    <a:p>
+                      <a:pPr/>
+                      <a14:m>
+                        <m:oMathPara xmlns:m="http://schemas.openxmlformats.org/officeDocument/2006/math">
+                          <m:oMathParaPr>
+                            <m:jc m:val="centerGroup"/>
+                          </m:oMathParaPr>
+                          <m:oMath xmlns:m="http://schemas.openxmlformats.org/officeDocument/2006/math">
+                            <m:r>
+                              <a:rPr lang="en-US" sz="1200" b="0" i="1" smtClean="0">
+                                <a:latin typeface="Cambria Math" panose="02040503050406030204" pitchFamily="18" charset="0"/>
+                              </a:rPr>
+                              <m:t>𝑦</m:t>
+                            </m:r>
+                          </m:oMath>
+                        </m:oMathPara>
+                      </a14:m>
+                      <a:endParaRPr lang="ru-RU" dirty="0"/>
+                    </a:p>
+                  </p:txBody>
+                </p:sp>
+              </mc:Choice>
+              <mc:Fallback>
+                <p:sp>
+                  <p:nvSpPr>
+                    <p:cNvPr id="83" name="TextBox 82">
+                      <a:extLst>
+                        <a:ext uri="{FF2B5EF4-FFF2-40B4-BE49-F238E27FC236}">
+                          <a16:creationId xmlns:a16="http://schemas.microsoft.com/office/drawing/2014/main" id="{42FDA891-A75D-4858-92D0-D7FD3F4B529C}"/>
+                        </a:ext>
+                      </a:extLst>
+                    </p:cNvPr>
+                    <p:cNvSpPr txBox="1">
+                      <a:spLocks noRot="1" noChangeAspect="1" noMove="1" noResize="1" noEditPoints="1" noAdjustHandles="1" noChangeArrowheads="1" noChangeShapeType="1" noTextEdit="1"/>
+                    </p:cNvSpPr>
+                    <p:nvPr/>
+                  </p:nvSpPr>
+                  <p:spPr>
+                    <a:xfrm>
+                      <a:off x="6975071" y="5800206"/>
+                      <a:ext cx="124458" cy="184666"/>
+                    </a:xfrm>
+                    <a:prstGeom prst="rect">
+                      <a:avLst/>
+                    </a:prstGeom>
+                    <a:blipFill>
+                      <a:blip r:embed="rId3"/>
+                      <a:stretch>
+                        <a:fillRect l="-64286" r="-64286" b="-76190"/>
+                      </a:stretch>
+                    </a:blipFill>
+                    <a:ln w="28575">
+                      <a:noFill/>
+                    </a:ln>
+                  </p:spPr>
+                  <p:txBody>
+                    <a:bodyPr/>
+                    <a:lstStyle/>
+                    <a:p>
+                      <a:r>
+                        <a:rPr lang="ru-RU">
+                          <a:noFill/>
+                        </a:rPr>
+                        <a:t> </a:t>
+                      </a:r>
+                    </a:p>
+                  </p:txBody>
+                </p:sp>
+              </mc:Fallback>
+            </mc:AlternateContent>
+            <p:cxnSp>
+              <p:nvCxnSpPr>
+                <p:cNvPr id="84" name="Прямая со стрелкой 83">
+                  <a:extLst>
+                    <a:ext uri="{FF2B5EF4-FFF2-40B4-BE49-F238E27FC236}">
+                      <a16:creationId xmlns:a16="http://schemas.microsoft.com/office/drawing/2014/main" id="{744E038F-4DC4-4CE5-A5D8-AA528110CEA6}"/>
+                    </a:ext>
+                  </a:extLst>
+                </p:cNvPr>
+                <p:cNvCxnSpPr>
+                  <a:cxnSpLocks noChangeAspect="1"/>
+                </p:cNvCxnSpPr>
+                <p:nvPr/>
+              </p:nvCxnSpPr>
+              <p:spPr>
+                <a:xfrm>
+                  <a:off x="7220890" y="6217771"/>
+                  <a:ext cx="430548" cy="0"/>
+                </a:xfrm>
+                <a:prstGeom prst="straightConnector1">
+                  <a:avLst/>
+                </a:prstGeom>
+                <a:ln w="28575">
+                  <a:solidFill>
+                    <a:srgbClr val="FF0000"/>
+                  </a:solidFill>
+                  <a:tailEnd type="triangle"/>
+                </a:ln>
+              </p:spPr>
+              <p:style>
+                <a:lnRef idx="1">
+                  <a:schemeClr val="accent1"/>
+                </a:lnRef>
+                <a:fillRef idx="0">
+                  <a:schemeClr val="accent1"/>
+                </a:fillRef>
+                <a:effectRef idx="0">
+                  <a:schemeClr val="accent1"/>
+                </a:effectRef>
+                <a:fontRef idx="minor">
+                  <a:schemeClr val="tx1"/>
+                </a:fontRef>
+              </p:style>
+            </p:cxnSp>
+          </p:grpSp>
+          <mc:AlternateContent xmlns:mc="http://schemas.openxmlformats.org/markup-compatibility/2006">
+            <mc:Choice xmlns:a14="http://schemas.microsoft.com/office/drawing/2010/main" Requires="a14">
+              <p:sp>
+                <p:nvSpPr>
+                  <p:cNvPr id="53" name="TextBox 52">
+                    <a:extLst>
+                      <a:ext uri="{FF2B5EF4-FFF2-40B4-BE49-F238E27FC236}">
+                        <a16:creationId xmlns:a16="http://schemas.microsoft.com/office/drawing/2014/main" id="{8B80FBBA-CC3A-4255-A590-5C2F3FF3BD77}"/>
+                      </a:ext>
+                    </a:extLst>
+                  </p:cNvPr>
+                  <p:cNvSpPr txBox="1">
+                    <a:spLocks noChangeAspect="1"/>
+                  </p:cNvSpPr>
+                  <p:nvPr/>
+                </p:nvSpPr>
+                <p:spPr>
+                  <a:xfrm>
+                    <a:off x="5308075" y="5139428"/>
+                    <a:ext cx="225703" cy="276998"/>
+                  </a:xfrm>
+                  <a:prstGeom prst="rect">
+                    <a:avLst/>
+                  </a:prstGeom>
+                  <a:noFill/>
+                </p:spPr>
+                <p:txBody>
+                  <a:bodyPr wrap="square" lIns="0" tIns="0" rIns="0" bIns="0" rtlCol="0">
+                    <a:spAutoFit/>
+                  </a:bodyPr>
+                  <a:lstStyle/>
+                  <a:p>
+                    <a:pPr/>
+                    <a14:m>
+                      <m:oMathPara xmlns:m="http://schemas.openxmlformats.org/officeDocument/2006/math">
+                        <m:oMathParaPr>
+                          <m:jc m:val="centerGroup"/>
+                        </m:oMathParaPr>
+                        <m:oMath xmlns:m="http://schemas.openxmlformats.org/officeDocument/2006/math">
+                          <m:sSub>
+                            <m:sSubPr>
+                              <m:ctrlPr>
+                                <a:rPr lang="el-GR" i="1" smtClean="0">
+                                  <a:latin typeface="Cambria Math" panose="02040503050406030204" pitchFamily="18" charset="0"/>
+                                  <a:ea typeface="Cambria Math" panose="02040503050406030204" pitchFamily="18" charset="0"/>
+                                </a:rPr>
+                              </m:ctrlPr>
+                            </m:sSubPr>
+                            <m:e>
+                              <m:r>
+                                <m:rPr>
+                                  <m:sty m:val="p"/>
+                                </m:rPr>
+                                <a:rPr lang="el-GR" i="1" smtClean="0">
+                                  <a:latin typeface="Cambria Math" panose="02040503050406030204" pitchFamily="18" charset="0"/>
+                                  <a:ea typeface="Cambria Math" panose="02040503050406030204" pitchFamily="18" charset="0"/>
+                                </a:rPr>
+                                <m:t>Γ</m:t>
+                              </m:r>
+                            </m:e>
+                            <m:sub>
+                              <m:r>
+                                <a:rPr lang="en-US" b="0" i="1" smtClean="0">
+                                  <a:latin typeface="Cambria Math" panose="02040503050406030204" pitchFamily="18" charset="0"/>
+                                  <a:ea typeface="Cambria Math" panose="02040503050406030204" pitchFamily="18" charset="0"/>
+                                </a:rPr>
+                                <m:t>𝑙</m:t>
+                              </m:r>
+                            </m:sub>
+                          </m:sSub>
+                        </m:oMath>
+                      </m:oMathPara>
+                    </a14:m>
+                    <a:endParaRPr lang="ru-RU" dirty="0"/>
+                  </a:p>
+                </p:txBody>
+              </p:sp>
+            </mc:Choice>
+            <mc:Fallback>
+              <p:sp>
+                <p:nvSpPr>
+                  <p:cNvPr id="53" name="TextBox 52">
+                    <a:extLst>
+                      <a:ext uri="{FF2B5EF4-FFF2-40B4-BE49-F238E27FC236}">
+                        <a16:creationId xmlns:a16="http://schemas.microsoft.com/office/drawing/2014/main" id="{8B80FBBA-CC3A-4255-A590-5C2F3FF3BD77}"/>
+                      </a:ext>
+                    </a:extLst>
+                  </p:cNvPr>
+                  <p:cNvSpPr txBox="1">
+                    <a:spLocks noRot="1" noChangeAspect="1" noMove="1" noResize="1" noEditPoints="1" noAdjustHandles="1" noChangeArrowheads="1" noChangeShapeType="1" noTextEdit="1"/>
+                  </p:cNvSpPr>
+                  <p:nvPr/>
+                </p:nvSpPr>
+                <p:spPr>
+                  <a:xfrm>
+                    <a:off x="5308075" y="5139428"/>
+                    <a:ext cx="225703" cy="276998"/>
+                  </a:xfrm>
+                  <a:prstGeom prst="rect">
+                    <a:avLst/>
+                  </a:prstGeom>
+                  <a:blipFill>
+                    <a:blip r:embed="rId4"/>
+                    <a:stretch>
+                      <a:fillRect l="-65000" r="-80000" b="-120833"/>
+                    </a:stretch>
+                  </a:blipFill>
+                </p:spPr>
+                <p:txBody>
+                  <a:bodyPr/>
+                  <a:lstStyle/>
+                  <a:p>
+                    <a:r>
+                      <a:rPr lang="ru-RU">
+                        <a:noFill/>
+                      </a:rPr>
+                      <a:t> </a:t>
+                    </a:r>
+                  </a:p>
+                </p:txBody>
+              </p:sp>
+            </mc:Fallback>
+          </mc:AlternateContent>
+          <mc:AlternateContent xmlns:mc="http://schemas.openxmlformats.org/markup-compatibility/2006">
+            <mc:Choice xmlns:a14="http://schemas.microsoft.com/office/drawing/2010/main" Requires="a14">
+              <p:sp>
+                <p:nvSpPr>
+                  <p:cNvPr id="58" name="TextBox 57">
+                    <a:extLst>
+                      <a:ext uri="{FF2B5EF4-FFF2-40B4-BE49-F238E27FC236}">
+                        <a16:creationId xmlns:a16="http://schemas.microsoft.com/office/drawing/2014/main" id="{7A1770D0-2E34-402F-A59C-1FD214BBFF2A}"/>
+                      </a:ext>
+                    </a:extLst>
+                  </p:cNvPr>
+                  <p:cNvSpPr txBox="1">
+                    <a:spLocks noChangeAspect="1"/>
+                  </p:cNvSpPr>
+                  <p:nvPr/>
+                </p:nvSpPr>
+                <p:spPr>
+                  <a:xfrm>
+                    <a:off x="7074583" y="6516384"/>
+                    <a:ext cx="252183" cy="299250"/>
+                  </a:xfrm>
+                  <a:prstGeom prst="rect">
+                    <a:avLst/>
+                  </a:prstGeom>
+                  <a:noFill/>
+                </p:spPr>
+                <p:txBody>
+                  <a:bodyPr wrap="square" lIns="0" tIns="0" rIns="0" bIns="0" rtlCol="0">
+                    <a:spAutoFit/>
+                  </a:bodyPr>
+                  <a:lstStyle/>
+                  <a:p>
+                    <a:pPr/>
+                    <a14:m>
+                      <m:oMathPara xmlns:m="http://schemas.openxmlformats.org/officeDocument/2006/math">
+                        <m:oMathParaPr>
+                          <m:jc m:val="centerGroup"/>
+                        </m:oMathParaPr>
+                        <m:oMath xmlns:m="http://schemas.openxmlformats.org/officeDocument/2006/math">
+                          <m:sSub>
+                            <m:sSubPr>
+                              <m:ctrlPr>
+                                <a:rPr lang="el-GR" i="1" smtClean="0">
+                                  <a:latin typeface="Cambria Math" panose="02040503050406030204" pitchFamily="18" charset="0"/>
+                                  <a:ea typeface="Cambria Math" panose="02040503050406030204" pitchFamily="18" charset="0"/>
+                                </a:rPr>
+                              </m:ctrlPr>
+                            </m:sSubPr>
+                            <m:e>
+                              <m:r>
+                                <m:rPr>
+                                  <m:sty m:val="p"/>
+                                </m:rPr>
+                                <a:rPr lang="el-GR" i="1" smtClean="0">
+                                  <a:latin typeface="Cambria Math" panose="02040503050406030204" pitchFamily="18" charset="0"/>
+                                  <a:ea typeface="Cambria Math" panose="02040503050406030204" pitchFamily="18" charset="0"/>
+                                </a:rPr>
+                                <m:t>Γ</m:t>
+                              </m:r>
+                            </m:e>
+                            <m:sub>
+                              <m:r>
+                                <a:rPr lang="en-US" b="0" i="1" smtClean="0">
+                                  <a:latin typeface="Cambria Math" panose="02040503050406030204" pitchFamily="18" charset="0"/>
+                                  <a:ea typeface="Cambria Math" panose="02040503050406030204" pitchFamily="18" charset="0"/>
+                                </a:rPr>
+                                <m:t>𝑓</m:t>
+                              </m:r>
+                            </m:sub>
+                          </m:sSub>
+                        </m:oMath>
+                      </m:oMathPara>
+                    </a14:m>
+                    <a:endParaRPr lang="ru-RU" dirty="0"/>
+                  </a:p>
+                </p:txBody>
+              </p:sp>
+            </mc:Choice>
+            <mc:Fallback>
+              <p:sp>
+                <p:nvSpPr>
+                  <p:cNvPr id="58" name="TextBox 57">
+                    <a:extLst>
+                      <a:ext uri="{FF2B5EF4-FFF2-40B4-BE49-F238E27FC236}">
+                        <a16:creationId xmlns:a16="http://schemas.microsoft.com/office/drawing/2014/main" id="{7A1770D0-2E34-402F-A59C-1FD214BBFF2A}"/>
+                      </a:ext>
+                    </a:extLst>
+                  </p:cNvPr>
+                  <p:cNvSpPr txBox="1">
+                    <a:spLocks noRot="1" noChangeAspect="1" noMove="1" noResize="1" noEditPoints="1" noAdjustHandles="1" noChangeArrowheads="1" noChangeShapeType="1" noTextEdit="1"/>
+                  </p:cNvSpPr>
+                  <p:nvPr/>
+                </p:nvSpPr>
+                <p:spPr>
+                  <a:xfrm>
+                    <a:off x="7074583" y="6516384"/>
+                    <a:ext cx="252183" cy="299250"/>
+                  </a:xfrm>
+                  <a:prstGeom prst="rect">
+                    <a:avLst/>
+                  </a:prstGeom>
+                  <a:blipFill>
+                    <a:blip r:embed="rId5"/>
+                    <a:stretch>
+                      <a:fillRect l="-66667" r="-109524" b="-152000"/>
+                    </a:stretch>
+                  </a:blipFill>
+                </p:spPr>
+                <p:txBody>
+                  <a:bodyPr/>
+                  <a:lstStyle/>
+                  <a:p>
+                    <a:r>
+                      <a:rPr lang="ru-RU">
+                        <a:noFill/>
+                      </a:rPr>
+                      <a:t> </a:t>
+                    </a:r>
+                  </a:p>
+                </p:txBody>
+              </p:sp>
+            </mc:Fallback>
+          </mc:AlternateContent>
+          <mc:AlternateContent xmlns:mc="http://schemas.openxmlformats.org/markup-compatibility/2006">
+            <mc:Choice xmlns:a14="http://schemas.microsoft.com/office/drawing/2010/main" Requires="a14">
+              <p:sp>
+                <p:nvSpPr>
+                  <p:cNvPr id="59" name="TextBox 58">
+                    <a:extLst>
+                      <a:ext uri="{FF2B5EF4-FFF2-40B4-BE49-F238E27FC236}">
+                        <a16:creationId xmlns:a16="http://schemas.microsoft.com/office/drawing/2014/main" id="{0D686E5A-DF28-4256-BC4E-DFA8212D5A90}"/>
+                      </a:ext>
+                    </a:extLst>
+                  </p:cNvPr>
+                  <p:cNvSpPr txBox="1">
+                    <a:spLocks noChangeAspect="1"/>
+                  </p:cNvSpPr>
+                  <p:nvPr/>
+                </p:nvSpPr>
+                <p:spPr>
+                  <a:xfrm>
+                    <a:off x="9939915" y="6516384"/>
+                    <a:ext cx="278923" cy="276998"/>
+                  </a:xfrm>
+                  <a:prstGeom prst="rect">
+                    <a:avLst/>
+                  </a:prstGeom>
+                  <a:noFill/>
+                </p:spPr>
+                <p:txBody>
+                  <a:bodyPr wrap="square" lIns="0" tIns="0" rIns="0" bIns="0" rtlCol="0">
+                    <a:spAutoFit/>
+                  </a:bodyPr>
+                  <a:lstStyle/>
+                  <a:p>
+                    <a:pPr/>
+                    <a14:m>
+                      <m:oMathPara xmlns:m="http://schemas.openxmlformats.org/officeDocument/2006/math">
+                        <m:oMathParaPr>
+                          <m:jc m:val="centerGroup"/>
+                        </m:oMathParaPr>
+                        <m:oMath xmlns:m="http://schemas.openxmlformats.org/officeDocument/2006/math">
+                          <m:sSub>
+                            <m:sSubPr>
+                              <m:ctrlPr>
+                                <a:rPr lang="el-GR" i="1" smtClean="0">
+                                  <a:latin typeface="Cambria Math" panose="02040503050406030204" pitchFamily="18" charset="0"/>
+                                  <a:ea typeface="Cambria Math" panose="02040503050406030204" pitchFamily="18" charset="0"/>
+                                </a:rPr>
+                              </m:ctrlPr>
+                            </m:sSubPr>
+                            <m:e>
+                              <m:r>
+                                <m:rPr>
+                                  <m:sty m:val="p"/>
+                                </m:rPr>
+                                <a:rPr lang="el-GR" i="1" smtClean="0">
+                                  <a:latin typeface="Cambria Math" panose="02040503050406030204" pitchFamily="18" charset="0"/>
+                                  <a:ea typeface="Cambria Math" panose="02040503050406030204" pitchFamily="18" charset="0"/>
+                                </a:rPr>
+                                <m:t>Γ</m:t>
+                              </m:r>
+                            </m:e>
+                            <m:sub>
+                              <m:r>
+                                <a:rPr lang="en-US" b="0" i="1" smtClean="0">
+                                  <a:latin typeface="Cambria Math" panose="02040503050406030204" pitchFamily="18" charset="0"/>
+                                  <a:ea typeface="Cambria Math" panose="02040503050406030204" pitchFamily="18" charset="0"/>
+                                </a:rPr>
+                                <m:t>𝐵</m:t>
+                              </m:r>
+                            </m:sub>
+                          </m:sSub>
+                        </m:oMath>
+                      </m:oMathPara>
+                    </a14:m>
+                    <a:endParaRPr lang="ru-RU" dirty="0"/>
+                  </a:p>
+                </p:txBody>
+              </p:sp>
+            </mc:Choice>
+            <mc:Fallback>
+              <p:sp>
+                <p:nvSpPr>
+                  <p:cNvPr id="59" name="TextBox 58">
+                    <a:extLst>
+                      <a:ext uri="{FF2B5EF4-FFF2-40B4-BE49-F238E27FC236}">
+                        <a16:creationId xmlns:a16="http://schemas.microsoft.com/office/drawing/2014/main" id="{0D686E5A-DF28-4256-BC4E-DFA8212D5A90}"/>
+                      </a:ext>
+                    </a:extLst>
+                  </p:cNvPr>
+                  <p:cNvSpPr txBox="1">
+                    <a:spLocks noRot="1" noChangeAspect="1" noMove="1" noResize="1" noEditPoints="1" noAdjustHandles="1" noChangeArrowheads="1" noChangeShapeType="1" noTextEdit="1"/>
+                  </p:cNvSpPr>
+                  <p:nvPr/>
+                </p:nvSpPr>
+                <p:spPr>
+                  <a:xfrm>
+                    <a:off x="9939915" y="6516384"/>
+                    <a:ext cx="278923" cy="276998"/>
+                  </a:xfrm>
+                  <a:prstGeom prst="rect">
+                    <a:avLst/>
+                  </a:prstGeom>
+                  <a:blipFill>
+                    <a:blip r:embed="rId6"/>
+                    <a:stretch>
+                      <a:fillRect l="-54167" r="-87500" b="-126087"/>
+                    </a:stretch>
+                  </a:blipFill>
+                </p:spPr>
+                <p:txBody>
+                  <a:bodyPr/>
+                  <a:lstStyle/>
+                  <a:p>
+                    <a:r>
+                      <a:rPr lang="ru-RU">
+                        <a:noFill/>
+                      </a:rPr>
+                      <a:t> </a:t>
+                    </a:r>
+                  </a:p>
+                </p:txBody>
+              </p:sp>
+            </mc:Fallback>
+          </mc:AlternateContent>
+          <mc:AlternateContent xmlns:mc="http://schemas.openxmlformats.org/markup-compatibility/2006" xmlns:a14="http://schemas.microsoft.com/office/drawing/2010/main">
+            <mc:Choice Requires="a14">
+              <p:sp>
+                <p:nvSpPr>
+                  <p:cNvPr id="63" name="TextBox 62">
+                    <a:extLst>
+                      <a:ext uri="{FF2B5EF4-FFF2-40B4-BE49-F238E27FC236}">
+                        <a16:creationId xmlns:a16="http://schemas.microsoft.com/office/drawing/2014/main" id="{448DA4AB-872D-4A9B-980D-BAFD491A231E}"/>
+                      </a:ext>
+                    </a:extLst>
+                  </p:cNvPr>
+                  <p:cNvSpPr txBox="1">
+                    <a:spLocks noChangeAspect="1"/>
+                  </p:cNvSpPr>
+                  <p:nvPr/>
+                </p:nvSpPr>
+                <p:spPr>
+                  <a:xfrm>
+                    <a:off x="11293948" y="5235248"/>
+                    <a:ext cx="276293" cy="276999"/>
+                  </a:xfrm>
+                  <a:prstGeom prst="rect">
+                    <a:avLst/>
+                  </a:prstGeom>
+                  <a:noFill/>
+                </p:spPr>
+                <p:txBody>
+                  <a:bodyPr wrap="square" lIns="0" tIns="0" rIns="0" bIns="0" rtlCol="0">
+                    <a:spAutoFit/>
+                  </a:bodyPr>
+                  <a:lstStyle/>
+                  <a:p>
+                    <a:pPr/>
+                    <a14:m>
+                      <m:oMathPara xmlns:m="http://schemas.openxmlformats.org/officeDocument/2006/math">
+                        <m:oMathParaPr>
+                          <m:jc m:val="centerGroup"/>
+                        </m:oMathParaPr>
+                        <m:oMath xmlns:m="http://schemas.openxmlformats.org/officeDocument/2006/math">
+                          <m:sSub>
+                            <m:sSubPr>
+                              <m:ctrlPr>
+                                <a:rPr lang="el-GR" i="1" smtClean="0">
+                                  <a:latin typeface="Cambria Math" panose="02040503050406030204" pitchFamily="18" charset="0"/>
+                                  <a:ea typeface="Cambria Math" panose="02040503050406030204" pitchFamily="18" charset="0"/>
+                                </a:rPr>
+                              </m:ctrlPr>
+                            </m:sSubPr>
+                            <m:e>
+                              <m:r>
+                                <m:rPr>
+                                  <m:sty m:val="p"/>
+                                </m:rPr>
+                                <a:rPr lang="el-GR" i="1" smtClean="0">
+                                  <a:latin typeface="Cambria Math" panose="02040503050406030204" pitchFamily="18" charset="0"/>
+                                  <a:ea typeface="Cambria Math" panose="02040503050406030204" pitchFamily="18" charset="0"/>
+                                </a:rPr>
+                                <m:t>Γ</m:t>
+                              </m:r>
+                            </m:e>
+                            <m:sub>
+                              <m:r>
+                                <a:rPr lang="en-US" b="0" i="1" smtClean="0">
+                                  <a:latin typeface="Cambria Math" panose="02040503050406030204" pitchFamily="18" charset="0"/>
+                                  <a:ea typeface="Cambria Math" panose="02040503050406030204" pitchFamily="18" charset="0"/>
+                                </a:rPr>
+                                <m:t>𝑅</m:t>
+                              </m:r>
+                            </m:sub>
+                          </m:sSub>
+                        </m:oMath>
+                      </m:oMathPara>
+                    </a14:m>
+                    <a:endParaRPr lang="ru-RU" dirty="0"/>
+                  </a:p>
+                </p:txBody>
+              </p:sp>
+            </mc:Choice>
+            <mc:Fallback xmlns="">
+              <p:sp>
+                <p:nvSpPr>
+                  <p:cNvPr id="28" name="TextBox 27">
+                    <a:extLst>
+                      <a:ext uri="{FF2B5EF4-FFF2-40B4-BE49-F238E27FC236}">
+                        <a16:creationId xmlns:a16="http://schemas.microsoft.com/office/drawing/2014/main" id="{98DBD084-6FF8-4D10-AAA2-D66A52128FF6}"/>
+                      </a:ext>
+                    </a:extLst>
+                  </p:cNvPr>
+                  <p:cNvSpPr txBox="1">
+                    <a:spLocks noRot="1" noChangeAspect="1" noMove="1" noResize="1" noEditPoints="1" noAdjustHandles="1" noChangeArrowheads="1" noChangeShapeType="1" noTextEdit="1"/>
+                  </p:cNvSpPr>
+                  <p:nvPr/>
+                </p:nvSpPr>
+                <p:spPr>
+                  <a:xfrm>
+                    <a:off x="11293948" y="5235248"/>
+                    <a:ext cx="276293" cy="276999"/>
+                  </a:xfrm>
+                  <a:prstGeom prst="rect">
+                    <a:avLst/>
+                  </a:prstGeom>
+                  <a:blipFill>
+                    <a:blip r:embed="rId10"/>
+                    <a:stretch>
+                      <a:fillRect l="-20000" r="-6667" b="-15217"/>
+                    </a:stretch>
+                  </a:blipFill>
+                </p:spPr>
+                <p:txBody>
+                  <a:bodyPr/>
+                  <a:lstStyle/>
+                  <a:p>
+                    <a:r>
+                      <a:rPr lang="ru-RU">
+                        <a:noFill/>
+                      </a:rPr>
+                      <a:t> </a:t>
+                    </a:r>
+                  </a:p>
+                </p:txBody>
+              </p:sp>
+            </mc:Fallback>
+          </mc:AlternateContent>
+          <mc:AlternateContent xmlns:mc="http://schemas.openxmlformats.org/markup-compatibility/2006">
+            <mc:Choice xmlns:a14="http://schemas.microsoft.com/office/drawing/2010/main" Requires="a14">
+              <p:sp>
+                <p:nvSpPr>
+                  <p:cNvPr id="73" name="TextBox 72">
+                    <a:extLst>
+                      <a:ext uri="{FF2B5EF4-FFF2-40B4-BE49-F238E27FC236}">
+                        <a16:creationId xmlns:a16="http://schemas.microsoft.com/office/drawing/2014/main" id="{176ED4E5-4728-4C34-A71A-84E6ECA9290F}"/>
+                      </a:ext>
+                    </a:extLst>
+                  </p:cNvPr>
+                  <p:cNvSpPr txBox="1">
+                    <a:spLocks noChangeAspect="1"/>
+                  </p:cNvSpPr>
+                  <p:nvPr/>
+                </p:nvSpPr>
+                <p:spPr>
+                  <a:xfrm>
+                    <a:off x="8221551" y="3843185"/>
+                    <a:ext cx="278088" cy="276998"/>
+                  </a:xfrm>
+                  <a:prstGeom prst="rect">
+                    <a:avLst/>
+                  </a:prstGeom>
+                  <a:noFill/>
+                </p:spPr>
+                <p:txBody>
+                  <a:bodyPr wrap="square" lIns="0" tIns="0" rIns="0" bIns="0" rtlCol="0">
+                    <a:spAutoFit/>
+                  </a:bodyPr>
+                  <a:lstStyle/>
+                  <a:p>
+                    <a:pPr/>
+                    <a14:m>
+                      <m:oMathPara xmlns:m="http://schemas.openxmlformats.org/officeDocument/2006/math">
+                        <m:oMathParaPr>
+                          <m:jc m:val="centerGroup"/>
+                        </m:oMathParaPr>
+                        <m:oMath xmlns:m="http://schemas.openxmlformats.org/officeDocument/2006/math">
+                          <m:sSub>
+                            <m:sSubPr>
+                              <m:ctrlPr>
+                                <a:rPr lang="el-GR" i="1" smtClean="0">
+                                  <a:latin typeface="Cambria Math" panose="02040503050406030204" pitchFamily="18" charset="0"/>
+                                  <a:ea typeface="Cambria Math" panose="02040503050406030204" pitchFamily="18" charset="0"/>
+                                </a:rPr>
+                              </m:ctrlPr>
+                            </m:sSubPr>
+                            <m:e>
+                              <m:r>
+                                <m:rPr>
+                                  <m:sty m:val="p"/>
+                                </m:rPr>
+                                <a:rPr lang="el-GR" i="1" smtClean="0">
+                                  <a:latin typeface="Cambria Math" panose="02040503050406030204" pitchFamily="18" charset="0"/>
+                                  <a:ea typeface="Cambria Math" panose="02040503050406030204" pitchFamily="18" charset="0"/>
+                                </a:rPr>
+                                <m:t>Γ</m:t>
+                              </m:r>
+                            </m:e>
+                            <m:sub>
+                              <m:r>
+                                <a:rPr lang="en-US" b="0" i="1" smtClean="0">
+                                  <a:latin typeface="Cambria Math" panose="02040503050406030204" pitchFamily="18" charset="0"/>
+                                  <a:ea typeface="Cambria Math" panose="02040503050406030204" pitchFamily="18" charset="0"/>
+                                </a:rPr>
+                                <m:t>𝑇</m:t>
+                              </m:r>
+                            </m:sub>
+                          </m:sSub>
+                        </m:oMath>
+                      </m:oMathPara>
+                    </a14:m>
+                    <a:endParaRPr lang="ru-RU" dirty="0"/>
+                  </a:p>
+                </p:txBody>
+              </p:sp>
+            </mc:Choice>
+            <mc:Fallback>
+              <p:sp>
+                <p:nvSpPr>
+                  <p:cNvPr id="73" name="TextBox 72">
+                    <a:extLst>
+                      <a:ext uri="{FF2B5EF4-FFF2-40B4-BE49-F238E27FC236}">
+                        <a16:creationId xmlns:a16="http://schemas.microsoft.com/office/drawing/2014/main" id="{176ED4E5-4728-4C34-A71A-84E6ECA9290F}"/>
+                      </a:ext>
+                    </a:extLst>
+                  </p:cNvPr>
+                  <p:cNvSpPr txBox="1">
+                    <a:spLocks noRot="1" noChangeAspect="1" noMove="1" noResize="1" noEditPoints="1" noAdjustHandles="1" noChangeArrowheads="1" noChangeShapeType="1" noTextEdit="1"/>
+                  </p:cNvSpPr>
+                  <p:nvPr/>
+                </p:nvSpPr>
+                <p:spPr>
+                  <a:xfrm>
+                    <a:off x="8221551" y="3843185"/>
+                    <a:ext cx="278088" cy="276998"/>
+                  </a:xfrm>
+                  <a:prstGeom prst="rect">
+                    <a:avLst/>
+                  </a:prstGeom>
+                  <a:blipFill>
+                    <a:blip r:embed="rId11"/>
+                    <a:stretch>
+                      <a:fillRect l="-60870" r="-86957" b="-126087"/>
+                    </a:stretch>
+                  </a:blipFill>
+                </p:spPr>
+                <p:txBody>
+                  <a:bodyPr/>
+                  <a:lstStyle/>
+                  <a:p>
+                    <a:r>
+                      <a:rPr lang="ru-RU">
+                        <a:noFill/>
+                      </a:rPr>
+                      <a:t> </a:t>
+                    </a:r>
+                  </a:p>
+                </p:txBody>
+              </p:sp>
+            </mc:Fallback>
+          </mc:AlternateContent>
+        </p:grpSp>
+        <mc:AlternateContent xmlns:mc="http://schemas.openxmlformats.org/markup-compatibility/2006">
+          <mc:Choice xmlns:a14="http://schemas.microsoft.com/office/drawing/2010/main" Requires="a14">
+            <p:sp>
+              <p:nvSpPr>
+                <p:cNvPr id="50" name="TextBox 49">
+                  <a:extLst>
+                    <a:ext uri="{FF2B5EF4-FFF2-40B4-BE49-F238E27FC236}">
+                      <a16:creationId xmlns:a16="http://schemas.microsoft.com/office/drawing/2014/main" id="{9028B70D-D326-4E08-AAC2-4C1EA341DDFD}"/>
+                    </a:ext>
+                  </a:extLst>
+                </p:cNvPr>
+                <p:cNvSpPr txBox="1">
+                  <a:spLocks noChangeAspect="1"/>
+                </p:cNvSpPr>
+                <p:nvPr/>
+              </p:nvSpPr>
+              <p:spPr>
+                <a:xfrm>
+                  <a:off x="6085543" y="5764517"/>
+                  <a:ext cx="277320" cy="276998"/>
+                </a:xfrm>
+                <a:prstGeom prst="rect">
+                  <a:avLst/>
+                </a:prstGeom>
+                <a:noFill/>
+              </p:spPr>
+              <p:txBody>
+                <a:bodyPr wrap="square" lIns="0" tIns="0" rIns="0" bIns="0" rtlCol="0">
+                  <a:spAutoFit/>
+                </a:bodyPr>
+                <a:lstStyle/>
+                <a:p>
+                  <a:pPr/>
+                  <a14:m>
+                    <m:oMathPara xmlns:m="http://schemas.openxmlformats.org/officeDocument/2006/math">
+                      <m:oMathParaPr>
+                        <m:jc m:val="centerGroup"/>
+                      </m:oMathParaPr>
+                      <m:oMath xmlns:m="http://schemas.openxmlformats.org/officeDocument/2006/math">
+                        <m:r>
+                          <m:rPr>
+                            <m:sty m:val="p"/>
+                          </m:rPr>
+                          <a:rPr lang="el-GR" i="1" smtClean="0">
+                            <a:latin typeface="Cambria Math" panose="02040503050406030204" pitchFamily="18" charset="0"/>
+                            <a:ea typeface="Cambria Math" panose="02040503050406030204" pitchFamily="18" charset="0"/>
+                          </a:rPr>
+                          <m:t>Ω</m:t>
+                        </m:r>
+                      </m:oMath>
+                    </m:oMathPara>
+                  </a14:m>
+                  <a:endParaRPr lang="ru-RU" dirty="0"/>
+                </a:p>
+              </p:txBody>
+            </p:sp>
+          </mc:Choice>
+          <mc:Fallback>
+            <p:sp>
+              <p:nvSpPr>
+                <p:cNvPr id="50" name="TextBox 49">
+                  <a:extLst>
+                    <a:ext uri="{FF2B5EF4-FFF2-40B4-BE49-F238E27FC236}">
+                      <a16:creationId xmlns:a16="http://schemas.microsoft.com/office/drawing/2014/main" id="{9028B70D-D326-4E08-AAC2-4C1EA341DDFD}"/>
+                    </a:ext>
+                  </a:extLst>
+                </p:cNvPr>
+                <p:cNvSpPr txBox="1">
+                  <a:spLocks noRot="1" noChangeAspect="1" noMove="1" noResize="1" noEditPoints="1" noAdjustHandles="1" noChangeArrowheads="1" noChangeShapeType="1" noTextEdit="1"/>
+                </p:cNvSpPr>
+                <p:nvPr/>
+              </p:nvSpPr>
+              <p:spPr>
+                <a:xfrm>
+                  <a:off x="6085543" y="5764517"/>
+                  <a:ext cx="277320" cy="276998"/>
+                </a:xfrm>
+                <a:prstGeom prst="rect">
+                  <a:avLst/>
+                </a:prstGeom>
+                <a:blipFill>
+                  <a:blip r:embed="rId12"/>
+                  <a:stretch>
+                    <a:fillRect l="-54167" r="-66667" b="-104167"/>
+                  </a:stretch>
+                </a:blipFill>
+              </p:spPr>
+              <p:txBody>
+                <a:bodyPr/>
+                <a:lstStyle/>
+                <a:p>
+                  <a:r>
+                    <a:rPr lang="ru-RU">
+                      <a:noFill/>
+                    </a:rPr>
+                    <a:t> </a:t>
+                  </a:r>
+                </a:p>
+              </p:txBody>
+            </p:sp>
+          </mc:Fallback>
+        </mc:AlternateContent>
+      </p:grpSp>
+      <p:sp>
+        <p:nvSpPr>
+          <p:cNvPr id="94" name="Параллелограмм 93">
+            <a:extLst>
+              <a:ext uri="{FF2B5EF4-FFF2-40B4-BE49-F238E27FC236}">
+                <a16:creationId xmlns:a16="http://schemas.microsoft.com/office/drawing/2014/main" id="{41E19B58-FDE4-4360-B1D2-504B03381611}"/>
+              </a:ext>
+            </a:extLst>
+          </p:cNvPr>
+          <p:cNvSpPr/>
+          <p:nvPr/>
+        </p:nvSpPr>
+        <p:spPr>
+          <a:xfrm rot="5400000" flipH="1">
+            <a:off x="1971165" y="3131933"/>
+            <a:ext cx="1715877" cy="879543"/>
+          </a:xfrm>
+          <a:prstGeom prst="parallelogram">
+            <a:avLst>
+              <a:gd name="adj" fmla="val 99399"/>
+            </a:avLst>
+          </a:prstGeom>
+          <a:solidFill>
+            <a:schemeClr val="bg1">
+              <a:lumMod val="95000"/>
+            </a:schemeClr>
+          </a:solidFill>
+          <a:ln w="3175">
+            <a:solidFill>
+              <a:schemeClr val="tx1"/>
+            </a:solidFill>
+          </a:ln>
+        </p:spPr>
+        <p:style>
+          <a:lnRef idx="2">
+            <a:schemeClr val="accent1">
+              <a:shade val="50000"/>
+            </a:schemeClr>
+          </a:lnRef>
+          <a:fillRef idx="1">
+            <a:schemeClr val="accent1"/>
+          </a:fillRef>
+          <a:effectRef idx="0">
+            <a:schemeClr val="accent1"/>
+          </a:effectRef>
+          <a:fontRef idx="minor">
+            <a:schemeClr val="lt1"/>
+          </a:fontRef>
+        </p:style>
+        <p:txBody>
+          <a:bodyPr rtlCol="0" anchor="ctr"/>
+          <a:lstStyle/>
+          <a:p>
+            <a:pPr algn="ctr"/>
+            <a:endParaRPr lang="ru-RU" dirty="0"/>
+          </a:p>
+        </p:txBody>
+      </p:sp>
+      <p:sp>
+        <p:nvSpPr>
+          <p:cNvPr id="110" name="Параллелограмм 109">
+            <a:extLst>
+              <a:ext uri="{FF2B5EF4-FFF2-40B4-BE49-F238E27FC236}">
+                <a16:creationId xmlns:a16="http://schemas.microsoft.com/office/drawing/2014/main" id="{B9EE1ED1-FF4E-4C72-957E-64FDDBED071A}"/>
+              </a:ext>
+            </a:extLst>
+          </p:cNvPr>
+          <p:cNvSpPr/>
+          <p:nvPr/>
+        </p:nvSpPr>
+        <p:spPr>
+          <a:xfrm>
+            <a:off x="2398685" y="2755007"/>
+            <a:ext cx="2333753" cy="1255744"/>
+          </a:xfrm>
+          <a:prstGeom prst="parallelogram">
+            <a:avLst>
+              <a:gd name="adj" fmla="val 100292"/>
+            </a:avLst>
+          </a:prstGeom>
+          <a:noFill/>
+          <a:ln>
+            <a:solidFill>
+              <a:srgbClr val="00B050"/>
+            </a:solidFill>
+            <a:prstDash val="dash"/>
+          </a:ln>
+        </p:spPr>
+        <p:style>
+          <a:lnRef idx="2">
+            <a:schemeClr val="accent1">
+              <a:shade val="50000"/>
+            </a:schemeClr>
+          </a:lnRef>
+          <a:fillRef idx="1">
+            <a:schemeClr val="accent1"/>
+          </a:fillRef>
+          <a:effectRef idx="0">
+            <a:schemeClr val="accent1"/>
+          </a:effectRef>
+          <a:fontRef idx="minor">
+            <a:schemeClr val="lt1"/>
+          </a:fontRef>
+        </p:style>
+        <p:txBody>
+          <a:bodyPr rtlCol="0" anchor="ctr"/>
+          <a:lstStyle/>
+          <a:p>
+            <a:pPr algn="ctr"/>
+            <a:endParaRPr lang="ru-RU"/>
+          </a:p>
+        </p:txBody>
+      </p:sp>
+      <p:sp>
+        <p:nvSpPr>
+          <p:cNvPr id="111" name="Параллелограмм 110">
+            <a:extLst>
+              <a:ext uri="{FF2B5EF4-FFF2-40B4-BE49-F238E27FC236}">
+                <a16:creationId xmlns:a16="http://schemas.microsoft.com/office/drawing/2014/main" id="{0EE97983-1A51-4CBF-94B0-36D3642ADBC2}"/>
+              </a:ext>
+            </a:extLst>
+          </p:cNvPr>
+          <p:cNvSpPr/>
+          <p:nvPr/>
+        </p:nvSpPr>
+        <p:spPr>
+          <a:xfrm rot="5400000" flipH="1">
+            <a:off x="818583" y="2756134"/>
+            <a:ext cx="2091710" cy="1258998"/>
+          </a:xfrm>
+          <a:prstGeom prst="parallelogram">
+            <a:avLst>
+              <a:gd name="adj" fmla="val 99399"/>
+            </a:avLst>
+          </a:prstGeom>
+          <a:noFill/>
+          <a:ln>
+            <a:solidFill>
+              <a:schemeClr val="bg2"/>
+            </a:solidFill>
+            <a:prstDash val="dash"/>
+          </a:ln>
+        </p:spPr>
+        <p:style>
+          <a:lnRef idx="2">
+            <a:schemeClr val="accent1">
+              <a:shade val="50000"/>
+            </a:schemeClr>
+          </a:lnRef>
+          <a:fillRef idx="1">
+            <a:schemeClr val="accent1"/>
+          </a:fillRef>
+          <a:effectRef idx="0">
+            <a:schemeClr val="accent1"/>
+          </a:effectRef>
+          <a:fontRef idx="minor">
+            <a:schemeClr val="lt1"/>
+          </a:fontRef>
+        </p:style>
+        <p:txBody>
+          <a:bodyPr rtlCol="0" anchor="ctr"/>
+          <a:lstStyle/>
+          <a:p>
+            <a:pPr algn="ctr"/>
+            <a:endParaRPr lang="ru-RU" dirty="0"/>
+          </a:p>
+        </p:txBody>
+      </p:sp>
+      <p:sp>
+        <p:nvSpPr>
+          <p:cNvPr id="112" name="Параллелограмм 111">
+            <a:extLst>
+              <a:ext uri="{FF2B5EF4-FFF2-40B4-BE49-F238E27FC236}">
+                <a16:creationId xmlns:a16="http://schemas.microsoft.com/office/drawing/2014/main" id="{24C0039A-DCA5-4E16-A2CB-C7189B42A603}"/>
+              </a:ext>
+            </a:extLst>
+          </p:cNvPr>
+          <p:cNvSpPr/>
+          <p:nvPr/>
+        </p:nvSpPr>
+        <p:spPr>
+          <a:xfrm rot="5400000" flipH="1">
+            <a:off x="3050476" y="2763992"/>
+            <a:ext cx="2079573" cy="1251726"/>
+          </a:xfrm>
+          <a:prstGeom prst="parallelogram">
+            <a:avLst>
+              <a:gd name="adj" fmla="val 99638"/>
+            </a:avLst>
+          </a:prstGeom>
+          <a:noFill/>
+          <a:ln w="6350">
+            <a:solidFill>
+              <a:schemeClr val="tx1"/>
+            </a:solidFill>
+          </a:ln>
+        </p:spPr>
+        <p:style>
+          <a:lnRef idx="2">
+            <a:schemeClr val="accent1">
+              <a:shade val="50000"/>
+            </a:schemeClr>
+          </a:lnRef>
+          <a:fillRef idx="1">
+            <a:schemeClr val="accent1"/>
+          </a:fillRef>
+          <a:effectRef idx="0">
+            <a:schemeClr val="accent1"/>
+          </a:effectRef>
+          <a:fontRef idx="minor">
+            <a:schemeClr val="lt1"/>
+          </a:fontRef>
+        </p:style>
+        <p:txBody>
+          <a:bodyPr rtlCol="0" anchor="ctr"/>
+          <a:lstStyle/>
+          <a:p>
+            <a:pPr algn="ctr"/>
+            <a:endParaRPr lang="ru-RU" dirty="0"/>
+          </a:p>
+        </p:txBody>
+      </p:sp>
+      <p:sp>
+        <p:nvSpPr>
+          <p:cNvPr id="114" name="Параллелограмм 113">
+            <a:extLst>
+              <a:ext uri="{FF2B5EF4-FFF2-40B4-BE49-F238E27FC236}">
+                <a16:creationId xmlns:a16="http://schemas.microsoft.com/office/drawing/2014/main" id="{A13A03B0-1191-4163-A41E-34350D59F82B}"/>
+              </a:ext>
+            </a:extLst>
+          </p:cNvPr>
+          <p:cNvSpPr/>
+          <p:nvPr/>
+        </p:nvSpPr>
+        <p:spPr>
+          <a:xfrm>
+            <a:off x="1236031" y="2339779"/>
+            <a:ext cx="3487915" cy="1255744"/>
+          </a:xfrm>
+          <a:prstGeom prst="parallelogram">
+            <a:avLst>
+              <a:gd name="adj" fmla="val 100549"/>
+            </a:avLst>
+          </a:prstGeom>
+          <a:noFill/>
+          <a:ln>
+            <a:solidFill>
+              <a:schemeClr val="tx1"/>
+            </a:solidFill>
+          </a:ln>
+        </p:spPr>
+        <p:style>
+          <a:lnRef idx="2">
+            <a:schemeClr val="accent1">
+              <a:shade val="50000"/>
+            </a:schemeClr>
+          </a:lnRef>
+          <a:fillRef idx="1">
+            <a:schemeClr val="accent1"/>
+          </a:fillRef>
+          <a:effectRef idx="0">
+            <a:schemeClr val="accent1"/>
+          </a:effectRef>
+          <a:fontRef idx="minor">
+            <a:schemeClr val="lt1"/>
+          </a:fontRef>
+        </p:style>
+        <p:txBody>
+          <a:bodyPr rtlCol="0" anchor="ctr"/>
+          <a:lstStyle/>
+          <a:p>
+            <a:pPr algn="ctr"/>
+            <a:endParaRPr lang="ru-RU"/>
+          </a:p>
+        </p:txBody>
+      </p:sp>
+      <p:sp>
+        <p:nvSpPr>
+          <p:cNvPr id="115" name="Овал 114">
+            <a:extLst>
+              <a:ext uri="{FF2B5EF4-FFF2-40B4-BE49-F238E27FC236}">
+                <a16:creationId xmlns:a16="http://schemas.microsoft.com/office/drawing/2014/main" id="{AAF2EAD4-793C-4BCE-A8B1-074DDB241A4B}"/>
+              </a:ext>
+            </a:extLst>
+          </p:cNvPr>
+          <p:cNvSpPr/>
+          <p:nvPr/>
+        </p:nvSpPr>
+        <p:spPr>
+          <a:xfrm rot="5400000">
+            <a:off x="1970136" y="3874294"/>
+            <a:ext cx="835965" cy="274736"/>
+          </a:xfrm>
+          <a:prstGeom prst="ellipse">
+            <a:avLst/>
+          </a:prstGeom>
+          <a:noFill/>
+          <a:ln>
+            <a:solidFill>
+              <a:schemeClr val="tx1"/>
+            </a:solidFill>
+            <a:prstDash val="dash"/>
+          </a:ln>
+        </p:spPr>
+        <p:style>
+          <a:lnRef idx="2">
+            <a:schemeClr val="accent1">
+              <a:shade val="50000"/>
+            </a:schemeClr>
+          </a:lnRef>
+          <a:fillRef idx="1">
+            <a:schemeClr val="accent1"/>
+          </a:fillRef>
+          <a:effectRef idx="0">
+            <a:schemeClr val="accent1"/>
+          </a:effectRef>
+          <a:fontRef idx="minor">
+            <a:schemeClr val="lt1"/>
+          </a:fontRef>
+        </p:style>
+        <p:txBody>
+          <a:bodyPr rtlCol="0" anchor="ctr"/>
+          <a:lstStyle/>
+          <a:p>
+            <a:pPr algn="ctr"/>
+            <a:endParaRPr lang="ru-RU" dirty="0"/>
+          </a:p>
+        </p:txBody>
+      </p:sp>
+      <p:sp>
+        <p:nvSpPr>
+          <p:cNvPr id="121" name="Прямоугольник 120">
+            <a:extLst>
+              <a:ext uri="{FF2B5EF4-FFF2-40B4-BE49-F238E27FC236}">
+                <a16:creationId xmlns:a16="http://schemas.microsoft.com/office/drawing/2014/main" id="{97C44628-40DA-4FA8-967A-F96FB41AFA2C}"/>
+              </a:ext>
+            </a:extLst>
+          </p:cNvPr>
+          <p:cNvSpPr/>
+          <p:nvPr/>
+        </p:nvSpPr>
+        <p:spPr>
+          <a:xfrm>
+            <a:off x="1233947" y="4433399"/>
+            <a:ext cx="2230010" cy="439421"/>
+          </a:xfrm>
+          <a:prstGeom prst="rect">
+            <a:avLst/>
+          </a:prstGeom>
+          <a:solidFill>
+            <a:srgbClr val="A6A6A6"/>
+          </a:solidFill>
+          <a:ln w="6350">
+            <a:solidFill>
+              <a:schemeClr val="tx1"/>
+            </a:solidFill>
+          </a:ln>
+        </p:spPr>
+        <p:style>
+          <a:lnRef idx="2">
+            <a:schemeClr val="accent1">
+              <a:shade val="50000"/>
+            </a:schemeClr>
+          </a:lnRef>
+          <a:fillRef idx="1">
+            <a:schemeClr val="accent1"/>
+          </a:fillRef>
+          <a:effectRef idx="0">
+            <a:schemeClr val="accent1"/>
+          </a:effectRef>
+          <a:fontRef idx="minor">
+            <a:schemeClr val="lt1"/>
+          </a:fontRef>
+        </p:style>
+        <p:txBody>
+          <a:bodyPr rtlCol="0" anchor="ctr"/>
+          <a:lstStyle/>
+          <a:p>
+            <a:pPr algn="ctr"/>
+            <a:endParaRPr lang="ru-RU"/>
+          </a:p>
+        </p:txBody>
+      </p:sp>
+      <p:sp>
+        <p:nvSpPr>
+          <p:cNvPr id="122" name="Параллелограмм 121">
+            <a:extLst>
+              <a:ext uri="{FF2B5EF4-FFF2-40B4-BE49-F238E27FC236}">
+                <a16:creationId xmlns:a16="http://schemas.microsoft.com/office/drawing/2014/main" id="{5664C639-7AA4-45A5-8511-C2D900720C2E}"/>
+              </a:ext>
+            </a:extLst>
+          </p:cNvPr>
+          <p:cNvSpPr/>
+          <p:nvPr/>
+        </p:nvSpPr>
+        <p:spPr>
+          <a:xfrm rot="5400000" flipH="1">
+            <a:off x="3247038" y="3401447"/>
+            <a:ext cx="1691939" cy="1251726"/>
+          </a:xfrm>
+          <a:prstGeom prst="parallelogram">
+            <a:avLst>
+              <a:gd name="adj" fmla="val 99877"/>
+            </a:avLst>
+          </a:prstGeom>
+          <a:solidFill>
+            <a:srgbClr val="A6A6A6"/>
+          </a:solidFill>
+          <a:ln w="6350">
+            <a:solidFill>
+              <a:schemeClr val="tx1"/>
+            </a:solidFill>
+          </a:ln>
+        </p:spPr>
+        <p:style>
+          <a:lnRef idx="2">
+            <a:schemeClr val="accent1">
+              <a:shade val="50000"/>
+            </a:schemeClr>
+          </a:lnRef>
+          <a:fillRef idx="1">
+            <a:schemeClr val="accent1"/>
+          </a:fillRef>
+          <a:effectRef idx="0">
+            <a:schemeClr val="accent1"/>
+          </a:effectRef>
+          <a:fontRef idx="minor">
+            <a:schemeClr val="lt1"/>
+          </a:fontRef>
+        </p:style>
+        <p:txBody>
+          <a:bodyPr rtlCol="0" anchor="ctr"/>
+          <a:lstStyle/>
+          <a:p>
+            <a:pPr algn="ctr"/>
+            <a:endParaRPr lang="ru-RU" dirty="0"/>
+          </a:p>
+        </p:txBody>
+      </p:sp>
+      <p:grpSp>
+        <p:nvGrpSpPr>
+          <p:cNvPr id="123" name="Группа 122">
+            <a:extLst>
+              <a:ext uri="{FF2B5EF4-FFF2-40B4-BE49-F238E27FC236}">
+                <a16:creationId xmlns:a16="http://schemas.microsoft.com/office/drawing/2014/main" id="{CF76A613-1E2B-4AED-8594-B7D7662EAD9A}"/>
+              </a:ext>
+            </a:extLst>
+          </p:cNvPr>
+          <p:cNvGrpSpPr>
+            <a:grpSpLocks noChangeAspect="1"/>
+          </p:cNvGrpSpPr>
+          <p:nvPr/>
+        </p:nvGrpSpPr>
+        <p:grpSpPr>
+          <a:xfrm>
+            <a:off x="712522" y="4396367"/>
+            <a:ext cx="439557" cy="591109"/>
+            <a:chOff x="738199" y="852893"/>
+            <a:chExt cx="1712154" cy="2302475"/>
+          </a:xfrm>
+        </p:grpSpPr>
+        <p:grpSp>
+          <p:nvGrpSpPr>
+            <p:cNvPr id="124" name="Группа 123">
+              <a:extLst>
+                <a:ext uri="{FF2B5EF4-FFF2-40B4-BE49-F238E27FC236}">
+                  <a16:creationId xmlns:a16="http://schemas.microsoft.com/office/drawing/2014/main" id="{B014DD65-D28D-4E54-BDD1-6187696B01AA}"/>
+                </a:ext>
+              </a:extLst>
+            </p:cNvPr>
+            <p:cNvGrpSpPr>
+              <a:grpSpLocks noChangeAspect="1"/>
+            </p:cNvGrpSpPr>
+            <p:nvPr/>
+          </p:nvGrpSpPr>
+          <p:grpSpPr>
+            <a:xfrm>
+              <a:off x="738199" y="852893"/>
+              <a:ext cx="1615458" cy="2210142"/>
+              <a:chOff x="-11535178" y="-1749837"/>
+              <a:chExt cx="5957428" cy="8150474"/>
+            </a:xfrm>
+          </p:grpSpPr>
+          <p:cxnSp>
+            <p:nvCxnSpPr>
+              <p:cNvPr id="128" name="Прямая со стрелкой 127">
+                <a:extLst>
+                  <a:ext uri="{FF2B5EF4-FFF2-40B4-BE49-F238E27FC236}">
+                    <a16:creationId xmlns:a16="http://schemas.microsoft.com/office/drawing/2014/main" id="{4468664F-311A-407D-8AF2-666CD52A7299}"/>
+                  </a:ext>
+                </a:extLst>
+              </p:cNvPr>
+              <p:cNvCxnSpPr>
+                <a:cxnSpLocks/>
+              </p:cNvCxnSpPr>
+              <p:nvPr/>
+            </p:nvCxnSpPr>
+            <p:spPr>
+              <a:xfrm>
+                <a:off x="-11535178" y="1368020"/>
+                <a:ext cx="5957428" cy="0"/>
+              </a:xfrm>
+              <a:prstGeom prst="straightConnector1">
+                <a:avLst/>
+              </a:prstGeom>
+              <a:ln w="19050">
+                <a:solidFill>
+                  <a:srgbClr val="FF0000"/>
+                </a:solidFill>
+                <a:tailEnd type="triangle"/>
+              </a:ln>
+            </p:spPr>
+            <p:style>
+              <a:lnRef idx="1">
+                <a:schemeClr val="accent1"/>
+              </a:lnRef>
+              <a:fillRef idx="0">
+                <a:schemeClr val="accent1"/>
+              </a:fillRef>
+              <a:effectRef idx="0">
+                <a:schemeClr val="accent1"/>
+              </a:effectRef>
+              <a:fontRef idx="minor">
+                <a:schemeClr val="tx1"/>
+              </a:fontRef>
+            </p:style>
+          </p:cxnSp>
+          <p:cxnSp>
+            <p:nvCxnSpPr>
+              <p:cNvPr id="129" name="Прямая со стрелкой 128">
+                <a:extLst>
+                  <a:ext uri="{FF2B5EF4-FFF2-40B4-BE49-F238E27FC236}">
+                    <a16:creationId xmlns:a16="http://schemas.microsoft.com/office/drawing/2014/main" id="{0C9D142C-B96D-49EC-92D1-D9B9B63613EB}"/>
+                  </a:ext>
+                </a:extLst>
+              </p:cNvPr>
+              <p:cNvCxnSpPr>
+                <a:cxnSpLocks/>
+              </p:cNvCxnSpPr>
+              <p:nvPr/>
+            </p:nvCxnSpPr>
+            <p:spPr>
+              <a:xfrm flipV="1">
+                <a:off x="-11535178" y="-1749837"/>
+                <a:ext cx="3117861" cy="3117858"/>
+              </a:xfrm>
+              <a:prstGeom prst="straightConnector1">
+                <a:avLst/>
+              </a:prstGeom>
+              <a:ln w="19050">
+                <a:solidFill>
+                  <a:srgbClr val="FF0000"/>
+                </a:solidFill>
+                <a:tailEnd type="triangle"/>
+              </a:ln>
+            </p:spPr>
+            <p:style>
+              <a:lnRef idx="1">
+                <a:schemeClr val="accent1"/>
+              </a:lnRef>
+              <a:fillRef idx="0">
+                <a:schemeClr val="accent1"/>
+              </a:fillRef>
+              <a:effectRef idx="0">
+                <a:schemeClr val="accent1"/>
+              </a:effectRef>
+              <a:fontRef idx="minor">
+                <a:schemeClr val="tx1"/>
+              </a:fontRef>
+            </p:style>
+          </p:cxnSp>
+          <p:cxnSp>
+            <p:nvCxnSpPr>
+              <p:cNvPr id="130" name="Прямая со стрелкой 129">
+                <a:extLst>
+                  <a:ext uri="{FF2B5EF4-FFF2-40B4-BE49-F238E27FC236}">
+                    <a16:creationId xmlns:a16="http://schemas.microsoft.com/office/drawing/2014/main" id="{B1D426AB-97F6-48A5-A530-C0F91D161D7E}"/>
+                  </a:ext>
+                </a:extLst>
+              </p:cNvPr>
+              <p:cNvCxnSpPr>
+                <a:cxnSpLocks/>
+              </p:cNvCxnSpPr>
+              <p:nvPr/>
+            </p:nvCxnSpPr>
+            <p:spPr>
+              <a:xfrm>
+                <a:off x="-11502534" y="1368020"/>
+                <a:ext cx="0" cy="5032617"/>
+              </a:xfrm>
+              <a:prstGeom prst="straightConnector1">
+                <a:avLst/>
+              </a:prstGeom>
+              <a:ln w="19050">
+                <a:solidFill>
+                  <a:srgbClr val="FF0000"/>
+                </a:solidFill>
+                <a:tailEnd type="triangle"/>
+              </a:ln>
+            </p:spPr>
+            <p:style>
+              <a:lnRef idx="1">
+                <a:schemeClr val="accent1"/>
+              </a:lnRef>
+              <a:fillRef idx="0">
+                <a:schemeClr val="accent1"/>
+              </a:fillRef>
+              <a:effectRef idx="0">
+                <a:schemeClr val="accent1"/>
+              </a:effectRef>
+              <a:fontRef idx="minor">
+                <a:schemeClr val="tx1"/>
+              </a:fontRef>
+            </p:style>
+          </p:cxnSp>
+        </p:grpSp>
+        <mc:AlternateContent xmlns:mc="http://schemas.openxmlformats.org/markup-compatibility/2006" xmlns:a14="http://schemas.microsoft.com/office/drawing/2010/main">
+          <mc:Choice Requires="a14">
+            <p:sp>
+              <p:nvSpPr>
+                <p:cNvPr id="125" name="TextBox 124">
+                  <a:extLst>
+                    <a:ext uri="{FF2B5EF4-FFF2-40B4-BE49-F238E27FC236}">
+                      <a16:creationId xmlns:a16="http://schemas.microsoft.com/office/drawing/2014/main" id="{C96AB7BD-C965-4A01-B9FF-DE1EB9F44893}"/>
+                    </a:ext>
+                  </a:extLst>
+                </p:cNvPr>
+                <p:cNvSpPr txBox="1"/>
+                <p:nvPr/>
+              </p:nvSpPr>
+              <p:spPr>
+                <a:xfrm>
+                  <a:off x="1632138" y="852893"/>
+                  <a:ext cx="121700" cy="184666"/>
+                </a:xfrm>
+                <a:prstGeom prst="rect">
+                  <a:avLst/>
+                </a:prstGeom>
+                <a:noFill/>
+              </p:spPr>
+              <p:txBody>
+                <a:bodyPr wrap="none" lIns="0" tIns="0" rIns="0" bIns="0" rtlCol="0">
+                  <a:spAutoFit/>
+                </a:bodyPr>
+                <a:lstStyle/>
+                <a:p>
+                  <a:pPr/>
+                  <a14:m>
+                    <m:oMathPara xmlns:m="http://schemas.openxmlformats.org/officeDocument/2006/math">
+                      <m:oMathParaPr>
+                        <m:jc m:val="centerGroup"/>
+                      </m:oMathParaPr>
+                      <m:oMath xmlns:m="http://schemas.openxmlformats.org/officeDocument/2006/math">
+                        <m:r>
+                          <a:rPr lang="en-US" sz="1200" b="0" i="1" smtClean="0">
+                            <a:latin typeface="Cambria Math" panose="02040503050406030204" pitchFamily="18" charset="0"/>
+                          </a:rPr>
+                          <m:t>𝑥</m:t>
+                        </m:r>
+                      </m:oMath>
+                    </m:oMathPara>
+                  </a14:m>
+                  <a:endParaRPr lang="ru-RU" dirty="0"/>
+                </a:p>
+              </p:txBody>
+            </p:sp>
+          </mc:Choice>
+          <mc:Fallback xmlns="">
+            <p:sp>
+              <p:nvSpPr>
+                <p:cNvPr id="84" name="TextBox 83">
+                  <a:extLst>
+                    <a:ext uri="{FF2B5EF4-FFF2-40B4-BE49-F238E27FC236}">
+                      <a16:creationId xmlns:a16="http://schemas.microsoft.com/office/drawing/2014/main" id="{C96AB7BD-C965-4A01-B9FF-DE1EB9F44893}"/>
+                    </a:ext>
+                  </a:extLst>
+                </p:cNvPr>
+                <p:cNvSpPr txBox="1">
+                  <a:spLocks noRot="1" noChangeAspect="1" noMove="1" noResize="1" noEditPoints="1" noAdjustHandles="1" noChangeArrowheads="1" noChangeShapeType="1" noTextEdit="1"/>
+                </p:cNvSpPr>
+                <p:nvPr/>
+              </p:nvSpPr>
+              <p:spPr>
+                <a:xfrm>
+                  <a:off x="1632138" y="852893"/>
+                  <a:ext cx="121700" cy="184666"/>
+                </a:xfrm>
+                <a:prstGeom prst="rect">
+                  <a:avLst/>
+                </a:prstGeom>
+                <a:blipFill>
+                  <a:blip r:embed="rId13"/>
+                  <a:stretch>
+                    <a:fillRect l="-54545" r="-81818" b="-81250"/>
+                  </a:stretch>
+                </a:blipFill>
+              </p:spPr>
+              <p:txBody>
+                <a:bodyPr/>
+                <a:lstStyle/>
+                <a:p>
+                  <a:r>
+                    <a:rPr lang="ru-RU">
+                      <a:noFill/>
+                    </a:rPr>
+                    <a:t> </a:t>
+                  </a:r>
+                </a:p>
+              </p:txBody>
+            </p:sp>
+          </mc:Fallback>
+        </mc:AlternateContent>
+        <mc:AlternateContent xmlns:mc="http://schemas.openxmlformats.org/markup-compatibility/2006" xmlns:a14="http://schemas.microsoft.com/office/drawing/2010/main">
+          <mc:Choice Requires="a14">
+            <p:sp>
+              <p:nvSpPr>
+                <p:cNvPr id="126" name="TextBox 125">
+                  <a:extLst>
+                    <a:ext uri="{FF2B5EF4-FFF2-40B4-BE49-F238E27FC236}">
+                      <a16:creationId xmlns:a16="http://schemas.microsoft.com/office/drawing/2014/main" id="{2CB354C6-4B15-4C68-B5F1-F7C486A29F5D}"/>
+                    </a:ext>
+                  </a:extLst>
+                </p:cNvPr>
+                <p:cNvSpPr txBox="1"/>
+                <p:nvPr/>
+              </p:nvSpPr>
+              <p:spPr>
+                <a:xfrm>
+                  <a:off x="2325895" y="1825383"/>
+                  <a:ext cx="124458" cy="184666"/>
+                </a:xfrm>
+                <a:prstGeom prst="rect">
+                  <a:avLst/>
+                </a:prstGeom>
+                <a:noFill/>
+              </p:spPr>
+              <p:txBody>
+                <a:bodyPr wrap="none" lIns="0" tIns="0" rIns="0" bIns="0" rtlCol="0">
+                  <a:spAutoFit/>
+                </a:bodyPr>
+                <a:lstStyle/>
+                <a:p>
+                  <a:pPr/>
+                  <a14:m>
+                    <m:oMathPara xmlns:m="http://schemas.openxmlformats.org/officeDocument/2006/math">
+                      <m:oMathParaPr>
+                        <m:jc m:val="centerGroup"/>
+                      </m:oMathParaPr>
+                      <m:oMath xmlns:m="http://schemas.openxmlformats.org/officeDocument/2006/math">
+                        <m:r>
+                          <a:rPr lang="en-US" sz="1200" b="0" i="1" smtClean="0">
+                            <a:latin typeface="Cambria Math" panose="02040503050406030204" pitchFamily="18" charset="0"/>
+                          </a:rPr>
+                          <m:t>𝑦</m:t>
+                        </m:r>
+                      </m:oMath>
+                    </m:oMathPara>
+                  </a14:m>
+                  <a:endParaRPr lang="ru-RU" dirty="0"/>
+                </a:p>
+              </p:txBody>
+            </p:sp>
+          </mc:Choice>
+          <mc:Fallback xmlns="">
+            <p:sp>
+              <p:nvSpPr>
+                <p:cNvPr id="85" name="TextBox 84">
+                  <a:extLst>
+                    <a:ext uri="{FF2B5EF4-FFF2-40B4-BE49-F238E27FC236}">
+                      <a16:creationId xmlns:a16="http://schemas.microsoft.com/office/drawing/2014/main" id="{2CB354C6-4B15-4C68-B5F1-F7C486A29F5D}"/>
+                    </a:ext>
+                  </a:extLst>
+                </p:cNvPr>
+                <p:cNvSpPr txBox="1">
+                  <a:spLocks noRot="1" noChangeAspect="1" noMove="1" noResize="1" noEditPoints="1" noAdjustHandles="1" noChangeArrowheads="1" noChangeShapeType="1" noTextEdit="1"/>
+                </p:cNvSpPr>
+                <p:nvPr/>
+              </p:nvSpPr>
+              <p:spPr>
+                <a:xfrm>
+                  <a:off x="2325895" y="1825383"/>
+                  <a:ext cx="124458" cy="184666"/>
+                </a:xfrm>
+                <a:prstGeom prst="rect">
+                  <a:avLst/>
+                </a:prstGeom>
+                <a:blipFill>
+                  <a:blip r:embed="rId14"/>
+                  <a:stretch>
+                    <a:fillRect l="-81818" r="-109091" b="-131250"/>
+                  </a:stretch>
+                </a:blipFill>
+              </p:spPr>
+              <p:txBody>
+                <a:bodyPr/>
+                <a:lstStyle/>
+                <a:p>
+                  <a:r>
+                    <a:rPr lang="ru-RU">
+                      <a:noFill/>
+                    </a:rPr>
+                    <a:t> </a:t>
+                  </a:r>
+                </a:p>
+              </p:txBody>
+            </p:sp>
+          </mc:Fallback>
+        </mc:AlternateContent>
+        <mc:AlternateContent xmlns:mc="http://schemas.openxmlformats.org/markup-compatibility/2006" xmlns:a14="http://schemas.microsoft.com/office/drawing/2010/main">
+          <mc:Choice Requires="a14">
+            <p:sp>
+              <p:nvSpPr>
+                <p:cNvPr id="127" name="TextBox 126">
+                  <a:extLst>
+                    <a:ext uri="{FF2B5EF4-FFF2-40B4-BE49-F238E27FC236}">
+                      <a16:creationId xmlns:a16="http://schemas.microsoft.com/office/drawing/2014/main" id="{259E9A8A-4EC5-43DB-B027-A2D88FFFA435}"/>
+                    </a:ext>
+                  </a:extLst>
+                </p:cNvPr>
+                <p:cNvSpPr txBox="1"/>
+                <p:nvPr/>
+              </p:nvSpPr>
+              <p:spPr>
+                <a:xfrm>
+                  <a:off x="852632" y="2970702"/>
+                  <a:ext cx="111634" cy="184666"/>
+                </a:xfrm>
+                <a:prstGeom prst="rect">
+                  <a:avLst/>
+                </a:prstGeom>
+                <a:noFill/>
+              </p:spPr>
+              <p:txBody>
+                <a:bodyPr wrap="none" lIns="0" tIns="0" rIns="0" bIns="0" rtlCol="0">
+                  <a:spAutoFit/>
+                </a:bodyPr>
+                <a:lstStyle/>
+                <a:p>
+                  <a:pPr/>
+                  <a14:m>
+                    <m:oMathPara xmlns:m="http://schemas.openxmlformats.org/officeDocument/2006/math">
+                      <m:oMathParaPr>
+                        <m:jc m:val="centerGroup"/>
+                      </m:oMathParaPr>
+                      <m:oMath xmlns:m="http://schemas.openxmlformats.org/officeDocument/2006/math">
+                        <m:r>
+                          <a:rPr lang="en-US" sz="1200" b="0" i="1" smtClean="0">
+                            <a:latin typeface="Cambria Math" panose="02040503050406030204" pitchFamily="18" charset="0"/>
+                          </a:rPr>
+                          <m:t>𝑧</m:t>
+                        </m:r>
+                      </m:oMath>
+                    </m:oMathPara>
+                  </a14:m>
+                  <a:endParaRPr lang="ru-RU" dirty="0"/>
+                </a:p>
+              </p:txBody>
+            </p:sp>
+          </mc:Choice>
+          <mc:Fallback xmlns="">
+            <p:sp>
+              <p:nvSpPr>
+                <p:cNvPr id="86" name="TextBox 85">
+                  <a:extLst>
+                    <a:ext uri="{FF2B5EF4-FFF2-40B4-BE49-F238E27FC236}">
+                      <a16:creationId xmlns:a16="http://schemas.microsoft.com/office/drawing/2014/main" id="{259E9A8A-4EC5-43DB-B027-A2D88FFFA435}"/>
+                    </a:ext>
+                  </a:extLst>
+                </p:cNvPr>
+                <p:cNvSpPr txBox="1">
+                  <a:spLocks noRot="1" noChangeAspect="1" noMove="1" noResize="1" noEditPoints="1" noAdjustHandles="1" noChangeArrowheads="1" noChangeShapeType="1" noTextEdit="1"/>
+                </p:cNvSpPr>
+                <p:nvPr/>
+              </p:nvSpPr>
+              <p:spPr>
+                <a:xfrm>
+                  <a:off x="852632" y="2970702"/>
+                  <a:ext cx="111634" cy="184666"/>
+                </a:xfrm>
+                <a:prstGeom prst="rect">
+                  <a:avLst/>
+                </a:prstGeom>
+                <a:blipFill>
+                  <a:blip r:embed="rId15"/>
+                  <a:stretch>
+                    <a:fillRect l="-60000" r="-90000" b="-87500"/>
+                  </a:stretch>
+                </a:blipFill>
+              </p:spPr>
+              <p:txBody>
+                <a:bodyPr/>
+                <a:lstStyle/>
+                <a:p>
+                  <a:r>
+                    <a:rPr lang="ru-RU">
+                      <a:noFill/>
+                    </a:rPr>
+                    <a:t> </a:t>
+                  </a:r>
+                </a:p>
+              </p:txBody>
+            </p:sp>
+          </mc:Fallback>
+        </mc:AlternateContent>
+      </p:grpSp>
+      <p:sp>
+        <p:nvSpPr>
+          <p:cNvPr id="131" name="Стрелка: влево-вправо 108">
+            <a:extLst>
+              <a:ext uri="{FF2B5EF4-FFF2-40B4-BE49-F238E27FC236}">
+                <a16:creationId xmlns:a16="http://schemas.microsoft.com/office/drawing/2014/main" id="{914A25E2-6C94-485D-A416-550B853A94FA}"/>
+              </a:ext>
+            </a:extLst>
+          </p:cNvPr>
+          <p:cNvSpPr/>
+          <p:nvPr/>
+        </p:nvSpPr>
+        <p:spPr>
+          <a:xfrm rot="20586922">
+            <a:off x="9609023" y="2762781"/>
+            <a:ext cx="1207843" cy="46990"/>
+          </a:xfrm>
+          <a:prstGeom prst="leftRightArrow">
+            <a:avLst>
+              <a:gd name="adj1" fmla="val 32505"/>
+              <a:gd name="adj2" fmla="val 196005"/>
+            </a:avLst>
+          </a:prstGeom>
+          <a:solidFill>
+            <a:schemeClr val="tx1"/>
+          </a:solidFill>
+          <a:ln>
+            <a:solidFill>
+              <a:schemeClr val="tx1"/>
+            </a:solidFill>
+          </a:ln>
+        </p:spPr>
+        <p:style>
+          <a:lnRef idx="2">
+            <a:schemeClr val="accent1">
+              <a:shade val="50000"/>
+            </a:schemeClr>
+          </a:lnRef>
+          <a:fillRef idx="1">
+            <a:schemeClr val="accent1"/>
+          </a:fillRef>
+          <a:effectRef idx="0">
+            <a:schemeClr val="accent1"/>
+          </a:effectRef>
+          <a:fontRef idx="minor">
+            <a:schemeClr val="lt1"/>
+          </a:fontRef>
+        </p:style>
+        <p:txBody>
+          <a:bodyPr rtlCol="0" anchor="ctr"/>
+          <a:lstStyle/>
+          <a:p>
+            <a:pPr algn="ctr"/>
+            <a:endParaRPr lang="ru-RU" dirty="0"/>
+          </a:p>
+        </p:txBody>
+      </p:sp>
+      <p:sp>
+        <p:nvSpPr>
+          <p:cNvPr id="109" name="Стрелка: влево-вправо 108">
+            <a:extLst>
+              <a:ext uri="{FF2B5EF4-FFF2-40B4-BE49-F238E27FC236}">
+                <a16:creationId xmlns:a16="http://schemas.microsoft.com/office/drawing/2014/main" id="{914A25E2-6C94-485D-A416-550B853A94FA}"/>
+              </a:ext>
+            </a:extLst>
+          </p:cNvPr>
+          <p:cNvSpPr/>
+          <p:nvPr/>
+        </p:nvSpPr>
+        <p:spPr>
+          <a:xfrm rot="615181">
+            <a:off x="9819252" y="3426501"/>
+            <a:ext cx="1956809" cy="76128"/>
+          </a:xfrm>
+          <a:prstGeom prst="leftRightArrow">
+            <a:avLst>
+              <a:gd name="adj1" fmla="val 32505"/>
+              <a:gd name="adj2" fmla="val 196005"/>
+            </a:avLst>
+          </a:prstGeom>
+          <a:solidFill>
+            <a:schemeClr val="tx1"/>
+          </a:solidFill>
+          <a:ln>
+            <a:solidFill>
+              <a:schemeClr val="tx1"/>
+            </a:solidFill>
+          </a:ln>
+        </p:spPr>
+        <p:style>
+          <a:lnRef idx="2">
+            <a:schemeClr val="accent1">
+              <a:shade val="50000"/>
+            </a:schemeClr>
+          </a:lnRef>
+          <a:fillRef idx="1">
+            <a:schemeClr val="accent1"/>
+          </a:fillRef>
+          <a:effectRef idx="0">
+            <a:schemeClr val="accent1"/>
+          </a:effectRef>
+          <a:fontRef idx="minor">
+            <a:schemeClr val="lt1"/>
+          </a:fontRef>
+        </p:style>
+        <p:txBody>
+          <a:bodyPr rtlCol="0" anchor="ctr"/>
+          <a:lstStyle/>
+          <a:p>
+            <a:pPr algn="ctr"/>
+            <a:endParaRPr lang="ru-RU" dirty="0"/>
+          </a:p>
+        </p:txBody>
+      </p:sp>
+      <p:sp>
+        <p:nvSpPr>
+          <p:cNvPr id="87" name="Равнобедренный треугольник 1"/>
+          <p:cNvSpPr/>
+          <p:nvPr/>
+        </p:nvSpPr>
+        <p:spPr>
+          <a:xfrm>
+            <a:off x="1223587" y="1964274"/>
+            <a:ext cx="3478025" cy="1248229"/>
+          </a:xfrm>
+          <a:custGeom>
+            <a:avLst/>
+            <a:gdLst>
+              <a:gd name="connsiteX0" fmla="*/ 0 w 1539768"/>
+              <a:gd name="connsiteY0" fmla="*/ 886812 h 886812"/>
+              <a:gd name="connsiteX1" fmla="*/ 994860 w 1539768"/>
+              <a:gd name="connsiteY1" fmla="*/ 0 h 886812"/>
+              <a:gd name="connsiteX2" fmla="*/ 1539768 w 1539768"/>
+              <a:gd name="connsiteY2" fmla="*/ 886812 h 886812"/>
+              <a:gd name="connsiteX3" fmla="*/ 0 w 1539768"/>
+              <a:gd name="connsiteY3" fmla="*/ 886812 h 886812"/>
+              <a:gd name="connsiteX0" fmla="*/ 0 w 1510740"/>
+              <a:gd name="connsiteY0" fmla="*/ 886812 h 886812"/>
+              <a:gd name="connsiteX1" fmla="*/ 994860 w 1510740"/>
+              <a:gd name="connsiteY1" fmla="*/ 0 h 886812"/>
+              <a:gd name="connsiteX2" fmla="*/ 1510740 w 1510740"/>
+              <a:gd name="connsiteY2" fmla="*/ 618297 h 886812"/>
+              <a:gd name="connsiteX3" fmla="*/ 0 w 1510740"/>
+              <a:gd name="connsiteY3" fmla="*/ 886812 h 886812"/>
+              <a:gd name="connsiteX0" fmla="*/ 0 w 1510740"/>
+              <a:gd name="connsiteY0" fmla="*/ 1242412 h 1242412"/>
+              <a:gd name="connsiteX1" fmla="*/ 1270631 w 1510740"/>
+              <a:gd name="connsiteY1" fmla="*/ 0 h 1242412"/>
+              <a:gd name="connsiteX2" fmla="*/ 1510740 w 1510740"/>
+              <a:gd name="connsiteY2" fmla="*/ 973897 h 1242412"/>
+              <a:gd name="connsiteX3" fmla="*/ 0 w 1510740"/>
+              <a:gd name="connsiteY3" fmla="*/ 1242412 h 1242412"/>
+              <a:gd name="connsiteX0" fmla="*/ 0 w 3470169"/>
+              <a:gd name="connsiteY0" fmla="*/ 1242412 h 1242412"/>
+              <a:gd name="connsiteX1" fmla="*/ 1270631 w 3470169"/>
+              <a:gd name="connsiteY1" fmla="*/ 0 h 1242412"/>
+              <a:gd name="connsiteX2" fmla="*/ 3470169 w 3470169"/>
+              <a:gd name="connsiteY2" fmla="*/ 1440 h 1242412"/>
+              <a:gd name="connsiteX3" fmla="*/ 0 w 3470169"/>
+              <a:gd name="connsiteY3" fmla="*/ 1242412 h 1242412"/>
+              <a:gd name="connsiteX0" fmla="*/ 0 w 3470169"/>
+              <a:gd name="connsiteY0" fmla="*/ 1242412 h 1242412"/>
+              <a:gd name="connsiteX1" fmla="*/ 1256117 w 3470169"/>
+              <a:gd name="connsiteY1" fmla="*/ 0 h 1242412"/>
+              <a:gd name="connsiteX2" fmla="*/ 3470169 w 3470169"/>
+              <a:gd name="connsiteY2" fmla="*/ 1440 h 1242412"/>
+              <a:gd name="connsiteX3" fmla="*/ 0 w 3470169"/>
+              <a:gd name="connsiteY3" fmla="*/ 1242412 h 1242412"/>
+              <a:gd name="connsiteX0" fmla="*/ 0 w 3491941"/>
+              <a:gd name="connsiteY0" fmla="*/ 1242412 h 1242412"/>
+              <a:gd name="connsiteX1" fmla="*/ 1256117 w 3491941"/>
+              <a:gd name="connsiteY1" fmla="*/ 0 h 1242412"/>
+              <a:gd name="connsiteX2" fmla="*/ 3491941 w 3491941"/>
+              <a:gd name="connsiteY2" fmla="*/ 15954 h 1242412"/>
+              <a:gd name="connsiteX3" fmla="*/ 0 w 3491941"/>
+              <a:gd name="connsiteY3" fmla="*/ 1242412 h 1242412"/>
+              <a:gd name="connsiteX0" fmla="*/ 0 w 3520970"/>
+              <a:gd name="connsiteY0" fmla="*/ 1248229 h 1248229"/>
+              <a:gd name="connsiteX1" fmla="*/ 1256117 w 3520970"/>
+              <a:gd name="connsiteY1" fmla="*/ 5817 h 1248229"/>
+              <a:gd name="connsiteX2" fmla="*/ 3520970 w 3520970"/>
+              <a:gd name="connsiteY2" fmla="*/ 0 h 1248229"/>
+              <a:gd name="connsiteX3" fmla="*/ 0 w 3520970"/>
+              <a:gd name="connsiteY3" fmla="*/ 1248229 h 1248229"/>
+            </a:gdLst>
+            <a:ahLst/>
+            <a:cxnLst>
+              <a:cxn ang="0">
+                <a:pos x="connsiteX0" y="connsiteY0"/>
+              </a:cxn>
+              <a:cxn ang="0">
+                <a:pos x="connsiteX1" y="connsiteY1"/>
+              </a:cxn>
+              <a:cxn ang="0">
+                <a:pos x="connsiteX2" y="connsiteY2"/>
+              </a:cxn>
+              <a:cxn ang="0">
+                <a:pos x="connsiteX3" y="connsiteY3"/>
+              </a:cxn>
+            </a:cxnLst>
+            <a:rect l="l" t="t" r="r" b="b"/>
+            <a:pathLst>
+              <a:path w="3520970" h="1248229">
+                <a:moveTo>
+                  <a:pt x="0" y="1248229"/>
+                </a:moveTo>
+                <a:lnTo>
+                  <a:pt x="1256117" y="5817"/>
+                </a:lnTo>
+                <a:lnTo>
+                  <a:pt x="3520970" y="0"/>
+                </a:lnTo>
+                <a:lnTo>
+                  <a:pt x="0" y="1248229"/>
+                </a:lnTo>
+                <a:close/>
+              </a:path>
+            </a:pathLst>
+          </a:custGeom>
+          <a:solidFill>
+            <a:srgbClr val="A6A6A6"/>
+          </a:solidFill>
+          <a:ln>
+            <a:solidFill>
+              <a:schemeClr val="tx1"/>
+            </a:solidFill>
+          </a:ln>
+        </p:spPr>
+        <p:style>
+          <a:lnRef idx="2">
+            <a:schemeClr val="accent1">
+              <a:shade val="50000"/>
+            </a:schemeClr>
+          </a:lnRef>
+          <a:fillRef idx="1">
+            <a:schemeClr val="accent1"/>
+          </a:fillRef>
+          <a:effectRef idx="0">
+            <a:schemeClr val="accent1"/>
+          </a:effectRef>
+          <a:fontRef idx="minor">
+            <a:schemeClr val="lt1"/>
+          </a:fontRef>
+        </p:style>
+        <p:txBody>
+          <a:bodyPr rtlCol="0" anchor="ctr"/>
+          <a:lstStyle/>
+          <a:p>
+            <a:pPr algn="ctr"/>
+            <a:endParaRPr lang="ru-RU"/>
+          </a:p>
+        </p:txBody>
+      </p:sp>
+      <p:sp>
+        <p:nvSpPr>
+          <p:cNvPr id="120" name="Параллелограмм 119">
+            <a:extLst>
+              <a:ext uri="{FF2B5EF4-FFF2-40B4-BE49-F238E27FC236}">
+                <a16:creationId xmlns:a16="http://schemas.microsoft.com/office/drawing/2014/main" id="{2BFBCFA3-C967-4593-B9E8-6FFC9A68E3D6}"/>
+              </a:ext>
+            </a:extLst>
+          </p:cNvPr>
+          <p:cNvSpPr/>
+          <p:nvPr/>
+        </p:nvSpPr>
+        <p:spPr>
+          <a:xfrm rot="5400000" flipH="1">
+            <a:off x="2161197" y="1021204"/>
+            <a:ext cx="1616075" cy="3493782"/>
+          </a:xfrm>
+          <a:prstGeom prst="parallelogram">
+            <a:avLst>
+              <a:gd name="adj" fmla="val 77235"/>
+            </a:avLst>
+          </a:prstGeom>
+          <a:pattFill prst="openDmnd">
+            <a:fgClr>
+              <a:schemeClr val="bg1">
+                <a:lumMod val="75000"/>
+              </a:schemeClr>
+            </a:fgClr>
+            <a:bgClr>
+              <a:schemeClr val="bg1"/>
+            </a:bgClr>
+          </a:pattFill>
+          <a:ln w="6350">
+            <a:solidFill>
+              <a:schemeClr val="tx1"/>
+            </a:solidFill>
+          </a:ln>
+        </p:spPr>
+        <p:style>
+          <a:lnRef idx="2">
+            <a:schemeClr val="accent1">
+              <a:shade val="50000"/>
+            </a:schemeClr>
+          </a:lnRef>
+          <a:fillRef idx="1">
+            <a:schemeClr val="accent1"/>
+          </a:fillRef>
+          <a:effectRef idx="0">
+            <a:schemeClr val="accent1"/>
+          </a:effectRef>
+          <a:fontRef idx="minor">
+            <a:schemeClr val="lt1"/>
+          </a:fontRef>
+        </p:style>
+        <p:txBody>
+          <a:bodyPr rtlCol="0" anchor="ctr"/>
+          <a:lstStyle/>
+          <a:p>
+            <a:pPr algn="ctr"/>
+            <a:endParaRPr lang="ru-RU" dirty="0"/>
+          </a:p>
+        </p:txBody>
+      </p:sp>
+      <p:sp>
+        <p:nvSpPr>
+          <p:cNvPr id="108" name="Прямоугольник 107">
+            <a:extLst>
+              <a:ext uri="{FF2B5EF4-FFF2-40B4-BE49-F238E27FC236}">
+                <a16:creationId xmlns:a16="http://schemas.microsoft.com/office/drawing/2014/main" id="{E1850A5F-FDC1-4BCE-855F-EF4D5C22286D}"/>
+              </a:ext>
+            </a:extLst>
+          </p:cNvPr>
+          <p:cNvSpPr/>
+          <p:nvPr/>
+        </p:nvSpPr>
+        <p:spPr>
+          <a:xfrm>
+            <a:off x="2378633" y="3181340"/>
+            <a:ext cx="1094249" cy="1691480"/>
+          </a:xfrm>
+          <a:prstGeom prst="rect">
+            <a:avLst/>
+          </a:prstGeom>
+          <a:noFill/>
+          <a:ln w="19050">
+            <a:solidFill>
+              <a:srgbClr val="FF0000"/>
+            </a:solidFill>
+            <a:prstDash val="dash"/>
+          </a:ln>
+        </p:spPr>
+        <p:style>
+          <a:lnRef idx="2">
+            <a:schemeClr val="accent1">
+              <a:shade val="50000"/>
+            </a:schemeClr>
+          </a:lnRef>
+          <a:fillRef idx="1">
+            <a:schemeClr val="accent1"/>
+          </a:fillRef>
+          <a:effectRef idx="0">
+            <a:schemeClr val="accent1"/>
+          </a:effectRef>
+          <a:fontRef idx="minor">
+            <a:schemeClr val="lt1"/>
+          </a:fontRef>
+        </p:style>
+        <p:txBody>
+          <a:bodyPr rtlCol="0" anchor="ctr"/>
+          <a:lstStyle/>
+          <a:p>
+            <a:pPr algn="ctr"/>
+            <a:endParaRPr lang="ru-RU"/>
+          </a:p>
+        </p:txBody>
+      </p:sp>
+      <p:sp>
+        <p:nvSpPr>
+          <p:cNvPr id="91" name="Овал 90">
+            <a:extLst>
+              <a:ext uri="{FF2B5EF4-FFF2-40B4-BE49-F238E27FC236}">
+                <a16:creationId xmlns:a16="http://schemas.microsoft.com/office/drawing/2014/main" id="{AAF2EAD4-793C-4BCE-A8B1-074DDB241A4B}"/>
+              </a:ext>
+            </a:extLst>
+          </p:cNvPr>
+          <p:cNvSpPr/>
+          <p:nvPr/>
+        </p:nvSpPr>
+        <p:spPr>
+          <a:xfrm rot="5400000">
+            <a:off x="2285820" y="3587638"/>
+            <a:ext cx="835965" cy="209422"/>
+          </a:xfrm>
+          <a:prstGeom prst="ellipse">
+            <a:avLst/>
+          </a:prstGeom>
+          <a:noFill/>
+          <a:ln>
+            <a:solidFill>
+              <a:schemeClr val="tx1"/>
+            </a:solidFill>
+            <a:prstDash val="dash"/>
+          </a:ln>
+        </p:spPr>
+        <p:style>
+          <a:lnRef idx="2">
+            <a:schemeClr val="accent1">
+              <a:shade val="50000"/>
+            </a:schemeClr>
+          </a:lnRef>
+          <a:fillRef idx="1">
+            <a:schemeClr val="accent1"/>
+          </a:fillRef>
+          <a:effectRef idx="0">
+            <a:schemeClr val="accent1"/>
+          </a:effectRef>
+          <a:fontRef idx="minor">
+            <a:schemeClr val="lt1"/>
+          </a:fontRef>
+        </p:style>
+        <p:txBody>
+          <a:bodyPr rtlCol="0" anchor="ctr"/>
+          <a:lstStyle/>
+          <a:p>
+            <a:pPr algn="ctr"/>
+            <a:endParaRPr lang="ru-RU" dirty="0"/>
+          </a:p>
+        </p:txBody>
+      </p:sp>
+      <p:sp>
+        <p:nvSpPr>
+          <p:cNvPr id="92" name="Овал 91">
+            <a:extLst>
+              <a:ext uri="{FF2B5EF4-FFF2-40B4-BE49-F238E27FC236}">
+                <a16:creationId xmlns:a16="http://schemas.microsoft.com/office/drawing/2014/main" id="{AAF2EAD4-793C-4BCE-A8B1-074DDB241A4B}"/>
+              </a:ext>
+            </a:extLst>
+          </p:cNvPr>
+          <p:cNvSpPr/>
+          <p:nvPr/>
+        </p:nvSpPr>
+        <p:spPr>
+          <a:xfrm rot="5400000">
+            <a:off x="2550705" y="3359040"/>
+            <a:ext cx="835965" cy="158625"/>
+          </a:xfrm>
+          <a:prstGeom prst="ellipse">
+            <a:avLst/>
+          </a:prstGeom>
+          <a:noFill/>
+          <a:ln>
+            <a:solidFill>
+              <a:schemeClr val="tx1"/>
+            </a:solidFill>
+            <a:prstDash val="dash"/>
+          </a:ln>
+        </p:spPr>
+        <p:style>
+          <a:lnRef idx="2">
+            <a:schemeClr val="accent1">
+              <a:shade val="50000"/>
+            </a:schemeClr>
+          </a:lnRef>
+          <a:fillRef idx="1">
+            <a:schemeClr val="accent1"/>
+          </a:fillRef>
+          <a:effectRef idx="0">
+            <a:schemeClr val="accent1"/>
+          </a:effectRef>
+          <a:fontRef idx="minor">
+            <a:schemeClr val="lt1"/>
+          </a:fontRef>
+        </p:style>
+        <p:txBody>
+          <a:bodyPr rtlCol="0" anchor="ctr"/>
+          <a:lstStyle/>
+          <a:p>
+            <a:pPr algn="ctr"/>
+            <a:endParaRPr lang="ru-RU" dirty="0"/>
+          </a:p>
+        </p:txBody>
+      </p:sp>
+    </p:spTree>
+    <p:extLst>
+      <p:ext uri="{BB962C8B-B14F-4D97-AF65-F5344CB8AC3E}">
+        <p14:creationId xmlns:p14="http://schemas.microsoft.com/office/powerpoint/2010/main" val="3091029728"/>
+      </p:ext>
+    </p:extLst>
+  </p:cSld>
+  <p:clrMapOvr>
+    <a:masterClrMapping/>
+  </p:clrMapOvr>
+</p:sld>
+</file>
+
 <file path=ppt/theme/theme1.xml><?xml version="1.0" encoding="utf-8"?>
 <a:theme xmlns:a="http://schemas.openxmlformats.org/drawingml/2006/main" name="Тема Office">
   <a:themeElements>
